--- a/Presentazione_Gioco15.pptx
+++ b/Presentazione_Gioco15.pptx
@@ -30,99 +30,99 @@
     <a:lvl1pPr algn="ctr" defTabSz="584200">
       <a:defRPr sz="3800">
         <a:solidFill>
-          <a:srgbClr val="FFFFFF"/>
+          <a:srgbClr val="FF0000"/>
         </a:solidFill>
-        <a:latin typeface="+mn-lt"/>
-        <a:ea typeface="+mn-ea"/>
-        <a:cs typeface="+mn-cs"/>
+        <a:latin typeface="Helvetica Light"/>
+        <a:ea typeface="Helvetica Light"/>
+        <a:cs typeface="Helvetica Light"/>
         <a:sym typeface="Helvetica Light"/>
       </a:defRPr>
     </a:lvl1pPr>
-    <a:lvl2pPr indent="228600" algn="ctr" defTabSz="584200">
+    <a:lvl2pPr algn="ctr" defTabSz="584200">
       <a:defRPr sz="3800">
         <a:solidFill>
-          <a:srgbClr val="FFFFFF"/>
+          <a:srgbClr val="FF0000"/>
         </a:solidFill>
-        <a:latin typeface="+mn-lt"/>
-        <a:ea typeface="+mn-ea"/>
-        <a:cs typeface="+mn-cs"/>
+        <a:latin typeface="Helvetica Light"/>
+        <a:ea typeface="Helvetica Light"/>
+        <a:cs typeface="Helvetica Light"/>
         <a:sym typeface="Helvetica Light"/>
       </a:defRPr>
     </a:lvl2pPr>
-    <a:lvl3pPr indent="457200" algn="ctr" defTabSz="584200">
+    <a:lvl3pPr algn="ctr" defTabSz="584200">
       <a:defRPr sz="3800">
         <a:solidFill>
-          <a:srgbClr val="FFFFFF"/>
+          <a:srgbClr val="FF0000"/>
         </a:solidFill>
-        <a:latin typeface="+mn-lt"/>
-        <a:ea typeface="+mn-ea"/>
-        <a:cs typeface="+mn-cs"/>
+        <a:latin typeface="Helvetica Light"/>
+        <a:ea typeface="Helvetica Light"/>
+        <a:cs typeface="Helvetica Light"/>
         <a:sym typeface="Helvetica Light"/>
       </a:defRPr>
     </a:lvl3pPr>
-    <a:lvl4pPr indent="685800" algn="ctr" defTabSz="584200">
+    <a:lvl4pPr algn="ctr" defTabSz="584200">
       <a:defRPr sz="3800">
         <a:solidFill>
-          <a:srgbClr val="FFFFFF"/>
+          <a:srgbClr val="FF0000"/>
         </a:solidFill>
-        <a:latin typeface="+mn-lt"/>
-        <a:ea typeface="+mn-ea"/>
-        <a:cs typeface="+mn-cs"/>
+        <a:latin typeface="Helvetica Light"/>
+        <a:ea typeface="Helvetica Light"/>
+        <a:cs typeface="Helvetica Light"/>
         <a:sym typeface="Helvetica Light"/>
       </a:defRPr>
     </a:lvl4pPr>
-    <a:lvl5pPr indent="914400" algn="ctr" defTabSz="584200">
+    <a:lvl5pPr algn="ctr" defTabSz="584200">
       <a:defRPr sz="3800">
         <a:solidFill>
-          <a:srgbClr val="FFFFFF"/>
+          <a:srgbClr val="FF0000"/>
         </a:solidFill>
-        <a:latin typeface="+mn-lt"/>
-        <a:ea typeface="+mn-ea"/>
-        <a:cs typeface="+mn-cs"/>
+        <a:latin typeface="Helvetica Light"/>
+        <a:ea typeface="Helvetica Light"/>
+        <a:cs typeface="Helvetica Light"/>
         <a:sym typeface="Helvetica Light"/>
       </a:defRPr>
     </a:lvl5pPr>
-    <a:lvl6pPr indent="1143000" algn="ctr" defTabSz="584200">
+    <a:lvl6pPr algn="ctr" defTabSz="584200">
       <a:defRPr sz="3800">
         <a:solidFill>
-          <a:srgbClr val="FFFFFF"/>
+          <a:srgbClr val="FF0000"/>
         </a:solidFill>
-        <a:latin typeface="+mn-lt"/>
-        <a:ea typeface="+mn-ea"/>
-        <a:cs typeface="+mn-cs"/>
+        <a:latin typeface="Helvetica Light"/>
+        <a:ea typeface="Helvetica Light"/>
+        <a:cs typeface="Helvetica Light"/>
         <a:sym typeface="Helvetica Light"/>
       </a:defRPr>
     </a:lvl6pPr>
-    <a:lvl7pPr indent="1371600" algn="ctr" defTabSz="584200">
+    <a:lvl7pPr algn="ctr" defTabSz="584200">
       <a:defRPr sz="3800">
         <a:solidFill>
-          <a:srgbClr val="FFFFFF"/>
+          <a:srgbClr val="FF0000"/>
         </a:solidFill>
-        <a:latin typeface="+mn-lt"/>
-        <a:ea typeface="+mn-ea"/>
-        <a:cs typeface="+mn-cs"/>
+        <a:latin typeface="Helvetica Light"/>
+        <a:ea typeface="Helvetica Light"/>
+        <a:cs typeface="Helvetica Light"/>
         <a:sym typeface="Helvetica Light"/>
       </a:defRPr>
     </a:lvl7pPr>
-    <a:lvl8pPr indent="1600200" algn="ctr" defTabSz="584200">
+    <a:lvl8pPr algn="ctr" defTabSz="584200">
       <a:defRPr sz="3800">
         <a:solidFill>
-          <a:srgbClr val="FFFFFF"/>
+          <a:srgbClr val="FF0000"/>
         </a:solidFill>
-        <a:latin typeface="+mn-lt"/>
-        <a:ea typeface="+mn-ea"/>
-        <a:cs typeface="+mn-cs"/>
+        <a:latin typeface="Helvetica Light"/>
+        <a:ea typeface="Helvetica Light"/>
+        <a:cs typeface="Helvetica Light"/>
         <a:sym typeface="Helvetica Light"/>
       </a:defRPr>
     </a:lvl8pPr>
-    <a:lvl9pPr indent="1828800" algn="ctr" defTabSz="584200">
+    <a:lvl9pPr algn="ctr" defTabSz="584200">
       <a:defRPr sz="3800">
         <a:solidFill>
-          <a:srgbClr val="FFFFFF"/>
+          <a:srgbClr val="FF0000"/>
         </a:solidFill>
-        <a:latin typeface="+mn-lt"/>
-        <a:ea typeface="+mn-ea"/>
-        <a:cs typeface="+mn-cs"/>
+        <a:latin typeface="Helvetica Light"/>
+        <a:ea typeface="Helvetica Light"/>
+        <a:cs typeface="Helvetica Light"/>
         <a:sym typeface="Helvetica Light"/>
       </a:defRPr>
     </a:lvl9pPr>
@@ -210,9 +210,9 @@
         <a:spcPct val="117999"/>
       </a:lnSpc>
       <a:defRPr sz="2200">
-        <a:latin typeface="Helvetica Neue"/>
-        <a:ea typeface="Helvetica Neue"/>
-        <a:cs typeface="Helvetica Neue"/>
+        <a:latin typeface="+mj-lt"/>
+        <a:ea typeface="+mj-ea"/>
+        <a:cs typeface="+mj-cs"/>
         <a:sym typeface="Helvetica Neue"/>
       </a:defRPr>
     </a:lvl1pPr>
@@ -221,9 +221,9 @@
         <a:spcPct val="117999"/>
       </a:lnSpc>
       <a:defRPr sz="2200">
-        <a:latin typeface="Helvetica Neue"/>
-        <a:ea typeface="Helvetica Neue"/>
-        <a:cs typeface="Helvetica Neue"/>
+        <a:latin typeface="+mj-lt"/>
+        <a:ea typeface="+mj-ea"/>
+        <a:cs typeface="+mj-cs"/>
         <a:sym typeface="Helvetica Neue"/>
       </a:defRPr>
     </a:lvl2pPr>
@@ -232,9 +232,9 @@
         <a:spcPct val="117999"/>
       </a:lnSpc>
       <a:defRPr sz="2200">
-        <a:latin typeface="Helvetica Neue"/>
-        <a:ea typeface="Helvetica Neue"/>
-        <a:cs typeface="Helvetica Neue"/>
+        <a:latin typeface="+mj-lt"/>
+        <a:ea typeface="+mj-ea"/>
+        <a:cs typeface="+mj-cs"/>
         <a:sym typeface="Helvetica Neue"/>
       </a:defRPr>
     </a:lvl3pPr>
@@ -243,9 +243,9 @@
         <a:spcPct val="117999"/>
       </a:lnSpc>
       <a:defRPr sz="2200">
-        <a:latin typeface="Helvetica Neue"/>
-        <a:ea typeface="Helvetica Neue"/>
-        <a:cs typeface="Helvetica Neue"/>
+        <a:latin typeface="+mj-lt"/>
+        <a:ea typeface="+mj-ea"/>
+        <a:cs typeface="+mj-cs"/>
         <a:sym typeface="Helvetica Neue"/>
       </a:defRPr>
     </a:lvl4pPr>
@@ -254,9 +254,9 @@
         <a:spcPct val="117999"/>
       </a:lnSpc>
       <a:defRPr sz="2200">
-        <a:latin typeface="Helvetica Neue"/>
-        <a:ea typeface="Helvetica Neue"/>
-        <a:cs typeface="Helvetica Neue"/>
+        <a:latin typeface="+mj-lt"/>
+        <a:ea typeface="+mj-ea"/>
+        <a:cs typeface="+mj-cs"/>
         <a:sym typeface="Helvetica Neue"/>
       </a:defRPr>
     </a:lvl5pPr>
@@ -265,9 +265,9 @@
         <a:spcPct val="117999"/>
       </a:lnSpc>
       <a:defRPr sz="2200">
-        <a:latin typeface="Helvetica Neue"/>
-        <a:ea typeface="Helvetica Neue"/>
-        <a:cs typeface="Helvetica Neue"/>
+        <a:latin typeface="+mj-lt"/>
+        <a:ea typeface="+mj-ea"/>
+        <a:cs typeface="+mj-cs"/>
         <a:sym typeface="Helvetica Neue"/>
       </a:defRPr>
     </a:lvl6pPr>
@@ -276,9 +276,9 @@
         <a:spcPct val="117999"/>
       </a:lnSpc>
       <a:defRPr sz="2200">
-        <a:latin typeface="Helvetica Neue"/>
-        <a:ea typeface="Helvetica Neue"/>
-        <a:cs typeface="Helvetica Neue"/>
+        <a:latin typeface="+mj-lt"/>
+        <a:ea typeface="+mj-ea"/>
+        <a:cs typeface="+mj-cs"/>
         <a:sym typeface="Helvetica Neue"/>
       </a:defRPr>
     </a:lvl7pPr>
@@ -287,9 +287,9 @@
         <a:spcPct val="117999"/>
       </a:lnSpc>
       <a:defRPr sz="2200">
-        <a:latin typeface="Helvetica Neue"/>
-        <a:ea typeface="Helvetica Neue"/>
-        <a:cs typeface="Helvetica Neue"/>
+        <a:latin typeface="+mj-lt"/>
+        <a:ea typeface="+mj-ea"/>
+        <a:cs typeface="+mj-cs"/>
         <a:sym typeface="Helvetica Neue"/>
       </a:defRPr>
     </a:lvl8pPr>
@@ -298,9 +298,9 @@
         <a:spcPct val="117999"/>
       </a:lnSpc>
       <a:defRPr sz="2200">
-        <a:latin typeface="Helvetica Neue"/>
-        <a:ea typeface="Helvetica Neue"/>
-        <a:cs typeface="Helvetica Neue"/>
+        <a:latin typeface="+mj-lt"/>
+        <a:ea typeface="+mj-ea"/>
+        <a:cs typeface="+mj-cs"/>
         <a:sym typeface="Helvetica Neue"/>
       </a:defRPr>
     </a:lvl9pPr>
@@ -335,8 +335,8 @@
         </p:nvSpPr>
         <p:spPr>
           <a:xfrm>
-            <a:off x="1270000" y="1638300"/>
-            <a:ext cx="10464800" cy="3302000"/>
+            <a:off x="1270000" y="0"/>
+            <a:ext cx="10464800" cy="4940300"/>
           </a:xfrm>
           <a:prstGeom prst="rect">
             <a:avLst/>
@@ -375,7 +375,7 @@
         <p:spPr>
           <a:xfrm>
             <a:off x="1270000" y="5029200"/>
-            <a:ext cx="10464800" cy="1130300"/>
+            <a:ext cx="10464800" cy="3568700"/>
           </a:xfrm>
           <a:prstGeom prst="rect">
             <a:avLst/>
@@ -392,7 +392,7 @@
               <a:buNone/>
               <a:defRPr sz="3200"/>
             </a:lvl1pPr>
-            <a:lvl2pPr marL="0" indent="228600" algn="ctr">
+            <a:lvl2pPr marL="0" indent="0" algn="ctr">
               <a:spcBef>
                 <a:spcPts val="0"/>
               </a:spcBef>
@@ -400,7 +400,7 @@
               <a:buNone/>
               <a:defRPr sz="3200"/>
             </a:lvl2pPr>
-            <a:lvl3pPr marL="0" indent="457200" algn="ctr">
+            <a:lvl3pPr marL="0" indent="0" algn="ctr">
               <a:spcBef>
                 <a:spcPts val="0"/>
               </a:spcBef>
@@ -408,7 +408,7 @@
               <a:buNone/>
               <a:defRPr sz="3200"/>
             </a:lvl3pPr>
-            <a:lvl4pPr marL="0" indent="685800" algn="ctr">
+            <a:lvl4pPr marL="0" indent="0" algn="ctr">
               <a:spcBef>
                 <a:spcPts val="0"/>
               </a:spcBef>
@@ -416,7 +416,7 @@
               <a:buNone/>
               <a:defRPr sz="3200"/>
             </a:lvl4pPr>
-            <a:lvl5pPr marL="0" indent="914400" algn="ctr">
+            <a:lvl5pPr marL="0" indent="0" algn="ctr">
               <a:spcBef>
                 <a:spcPts val="0"/>
               </a:spcBef>
@@ -646,8 +646,8 @@
         </p:nvSpPr>
         <p:spPr>
           <a:xfrm>
-            <a:off x="1270000" y="6718300"/>
-            <a:ext cx="10464800" cy="1422400"/>
+            <a:off x="1270000" y="4279900"/>
+            <a:ext cx="10464800" cy="3860800"/>
           </a:xfrm>
           <a:prstGeom prst="rect">
             <a:avLst/>
@@ -686,7 +686,7 @@
         <p:spPr>
           <a:xfrm>
             <a:off x="1270000" y="8191500"/>
-            <a:ext cx="10464800" cy="1219200"/>
+            <a:ext cx="10464800" cy="1562100"/>
           </a:xfrm>
           <a:prstGeom prst="rect">
             <a:avLst/>
@@ -703,7 +703,7 @@
               <a:buNone/>
               <a:defRPr sz="3200"/>
             </a:lvl1pPr>
-            <a:lvl2pPr marL="0" indent="228600" algn="ctr">
+            <a:lvl2pPr marL="0" indent="0" algn="ctr">
               <a:spcBef>
                 <a:spcPts val="0"/>
               </a:spcBef>
@@ -711,7 +711,7 @@
               <a:buNone/>
               <a:defRPr sz="3200"/>
             </a:lvl2pPr>
-            <a:lvl3pPr marL="0" indent="457200" algn="ctr">
+            <a:lvl3pPr marL="0" indent="0" algn="ctr">
               <a:spcBef>
                 <a:spcPts val="0"/>
               </a:spcBef>
@@ -719,7 +719,7 @@
               <a:buNone/>
               <a:defRPr sz="3200"/>
             </a:lvl3pPr>
-            <a:lvl4pPr marL="0" indent="685800" algn="ctr">
+            <a:lvl4pPr marL="0" indent="0" algn="ctr">
               <a:spcBef>
                 <a:spcPts val="0"/>
               </a:spcBef>
@@ -727,7 +727,7 @@
               <a:buNone/>
               <a:defRPr sz="3200"/>
             </a:lvl4pPr>
-            <a:lvl5pPr marL="0" indent="914400" algn="ctr">
+            <a:lvl5pPr marL="0" indent="0" algn="ctr">
               <a:spcBef>
                 <a:spcPts val="0"/>
               </a:spcBef>
@@ -944,8 +944,8 @@
         </p:nvSpPr>
         <p:spPr>
           <a:xfrm>
-            <a:off x="952500" y="762000"/>
-            <a:ext cx="5334000" cy="4000500"/>
+            <a:off x="952500" y="0"/>
+            <a:ext cx="5334000" cy="4762500"/>
           </a:xfrm>
           <a:prstGeom prst="rect">
             <a:avLst/>
@@ -988,7 +988,7 @@
         <p:spPr>
           <a:xfrm>
             <a:off x="952500" y="5003800"/>
-            <a:ext cx="5334000" cy="4000500"/>
+            <a:ext cx="5334000" cy="4749800"/>
           </a:xfrm>
           <a:prstGeom prst="rect">
             <a:avLst/>
@@ -1005,7 +1005,7 @@
               <a:buNone/>
               <a:defRPr sz="3200"/>
             </a:lvl1pPr>
-            <a:lvl2pPr marL="0" indent="228600" algn="ctr">
+            <a:lvl2pPr marL="0" indent="0" algn="ctr">
               <a:spcBef>
                 <a:spcPts val="0"/>
               </a:spcBef>
@@ -1013,7 +1013,7 @@
               <a:buNone/>
               <a:defRPr sz="3200"/>
             </a:lvl2pPr>
-            <a:lvl3pPr marL="0" indent="457200" algn="ctr">
+            <a:lvl3pPr marL="0" indent="0" algn="ctr">
               <a:spcBef>
                 <a:spcPts val="0"/>
               </a:spcBef>
@@ -1021,7 +1021,7 @@
               <a:buNone/>
               <a:defRPr sz="3200"/>
             </a:lvl3pPr>
-            <a:lvl4pPr marL="0" indent="685800" algn="ctr">
+            <a:lvl4pPr marL="0" indent="0" algn="ctr">
               <a:spcBef>
                 <a:spcPts val="0"/>
               </a:spcBef>
@@ -1029,7 +1029,7 @@
               <a:buNone/>
               <a:defRPr sz="3200"/>
             </a:lvl4pPr>
-            <a:lvl5pPr marL="0" indent="914400" algn="ctr">
+            <a:lvl5pPr marL="0" indent="0" algn="ctr">
               <a:spcBef>
                 <a:spcPts val="0"/>
               </a:spcBef>
@@ -1180,6 +1180,10 @@
           </p:nvPr>
         </p:nvSpPr>
         <p:spPr>
+          <a:xfrm>
+            <a:off x="952500" y="44612"/>
+            <a:ext cx="11099800" cy="2844476"/>
+          </a:xfrm>
           <a:prstGeom prst="rect">
             <a:avLst/>
           </a:prstGeom>
@@ -1461,8 +1465,8 @@
         </p:nvSpPr>
         <p:spPr>
           <a:xfrm>
-            <a:off x="952500" y="2590800"/>
-            <a:ext cx="5334000" cy="6286500"/>
+            <a:off x="952500" y="2547418"/>
+            <a:ext cx="5334000" cy="6373264"/>
           </a:xfrm>
           <a:prstGeom prst="rect">
             <a:avLst/>
@@ -1835,8 +1839,8 @@
         </p:nvSpPr>
         <p:spPr>
           <a:xfrm>
-            <a:off x="952500" y="406400"/>
-            <a:ext cx="11099800" cy="2120900"/>
+            <a:off x="952500" y="386281"/>
+            <a:ext cx="11099800" cy="2161138"/>
           </a:xfrm>
           <a:prstGeom prst="rect">
             <a:avLst/>
@@ -1884,8 +1888,8 @@
         </p:nvSpPr>
         <p:spPr>
           <a:xfrm>
-            <a:off x="952500" y="2590800"/>
-            <a:ext cx="11099800" cy="6286500"/>
+            <a:off x="952500" y="2547418"/>
+            <a:ext cx="11099800" cy="6373264"/>
           </a:xfrm>
           <a:prstGeom prst="rect">
             <a:avLst/>
@@ -2036,97 +2040,97 @@
           <a:solidFill>
             <a:srgbClr val="FFFFFF"/>
           </a:solidFill>
-          <a:latin typeface="+mn-lt"/>
-          <a:ea typeface="+mn-ea"/>
-          <a:cs typeface="+mn-cs"/>
+          <a:latin typeface="Helvetica Light"/>
+          <a:ea typeface="Helvetica Light"/>
+          <a:cs typeface="Helvetica Light"/>
           <a:sym typeface="Helvetica Light"/>
         </a:defRPr>
       </a:lvl1pPr>
-      <a:lvl2pPr indent="228600" algn="ctr" defTabSz="584200">
+      <a:lvl2pPr algn="ctr" defTabSz="584200">
         <a:defRPr sz="8000">
           <a:solidFill>
             <a:srgbClr val="FFFFFF"/>
           </a:solidFill>
-          <a:latin typeface="+mn-lt"/>
-          <a:ea typeface="+mn-ea"/>
-          <a:cs typeface="+mn-cs"/>
+          <a:latin typeface="Helvetica Light"/>
+          <a:ea typeface="Helvetica Light"/>
+          <a:cs typeface="Helvetica Light"/>
           <a:sym typeface="Helvetica Light"/>
         </a:defRPr>
       </a:lvl2pPr>
-      <a:lvl3pPr indent="457200" algn="ctr" defTabSz="584200">
+      <a:lvl3pPr algn="ctr" defTabSz="584200">
         <a:defRPr sz="8000">
           <a:solidFill>
             <a:srgbClr val="FFFFFF"/>
           </a:solidFill>
-          <a:latin typeface="+mn-lt"/>
-          <a:ea typeface="+mn-ea"/>
-          <a:cs typeface="+mn-cs"/>
+          <a:latin typeface="Helvetica Light"/>
+          <a:ea typeface="Helvetica Light"/>
+          <a:cs typeface="Helvetica Light"/>
           <a:sym typeface="Helvetica Light"/>
         </a:defRPr>
       </a:lvl3pPr>
-      <a:lvl4pPr indent="685800" algn="ctr" defTabSz="584200">
+      <a:lvl4pPr algn="ctr" defTabSz="584200">
         <a:defRPr sz="8000">
           <a:solidFill>
             <a:srgbClr val="FFFFFF"/>
           </a:solidFill>
-          <a:latin typeface="+mn-lt"/>
-          <a:ea typeface="+mn-ea"/>
-          <a:cs typeface="+mn-cs"/>
+          <a:latin typeface="Helvetica Light"/>
+          <a:ea typeface="Helvetica Light"/>
+          <a:cs typeface="Helvetica Light"/>
           <a:sym typeface="Helvetica Light"/>
         </a:defRPr>
       </a:lvl4pPr>
-      <a:lvl5pPr indent="914400" algn="ctr" defTabSz="584200">
+      <a:lvl5pPr algn="ctr" defTabSz="584200">
         <a:defRPr sz="8000">
           <a:solidFill>
             <a:srgbClr val="FFFFFF"/>
           </a:solidFill>
-          <a:latin typeface="+mn-lt"/>
-          <a:ea typeface="+mn-ea"/>
-          <a:cs typeface="+mn-cs"/>
+          <a:latin typeface="Helvetica Light"/>
+          <a:ea typeface="Helvetica Light"/>
+          <a:cs typeface="Helvetica Light"/>
           <a:sym typeface="Helvetica Light"/>
         </a:defRPr>
       </a:lvl5pPr>
-      <a:lvl6pPr indent="1143000" algn="ctr" defTabSz="584200">
+      <a:lvl6pPr algn="ctr" defTabSz="584200">
         <a:defRPr sz="8000">
           <a:solidFill>
             <a:srgbClr val="FFFFFF"/>
           </a:solidFill>
-          <a:latin typeface="+mn-lt"/>
-          <a:ea typeface="+mn-ea"/>
-          <a:cs typeface="+mn-cs"/>
+          <a:latin typeface="Helvetica Light"/>
+          <a:ea typeface="Helvetica Light"/>
+          <a:cs typeface="Helvetica Light"/>
           <a:sym typeface="Helvetica Light"/>
         </a:defRPr>
       </a:lvl6pPr>
-      <a:lvl7pPr indent="1371600" algn="ctr" defTabSz="584200">
+      <a:lvl7pPr algn="ctr" defTabSz="584200">
         <a:defRPr sz="8000">
           <a:solidFill>
             <a:srgbClr val="FFFFFF"/>
           </a:solidFill>
-          <a:latin typeface="+mn-lt"/>
-          <a:ea typeface="+mn-ea"/>
-          <a:cs typeface="+mn-cs"/>
+          <a:latin typeface="Helvetica Light"/>
+          <a:ea typeface="Helvetica Light"/>
+          <a:cs typeface="Helvetica Light"/>
           <a:sym typeface="Helvetica Light"/>
         </a:defRPr>
       </a:lvl7pPr>
-      <a:lvl8pPr indent="1600200" algn="ctr" defTabSz="584200">
+      <a:lvl8pPr algn="ctr" defTabSz="584200">
         <a:defRPr sz="8000">
           <a:solidFill>
             <a:srgbClr val="FFFFFF"/>
           </a:solidFill>
-          <a:latin typeface="+mn-lt"/>
-          <a:ea typeface="+mn-ea"/>
-          <a:cs typeface="+mn-cs"/>
+          <a:latin typeface="Helvetica Light"/>
+          <a:ea typeface="Helvetica Light"/>
+          <a:cs typeface="Helvetica Light"/>
           <a:sym typeface="Helvetica Light"/>
         </a:defRPr>
       </a:lvl8pPr>
-      <a:lvl9pPr indent="1828800" algn="ctr" defTabSz="584200">
+      <a:lvl9pPr algn="ctr" defTabSz="584200">
         <a:defRPr sz="8000">
           <a:solidFill>
             <a:srgbClr val="FFFFFF"/>
           </a:solidFill>
-          <a:latin typeface="+mn-lt"/>
-          <a:ea typeface="+mn-ea"/>
-          <a:cs typeface="+mn-cs"/>
+          <a:latin typeface="Helvetica Light"/>
+          <a:ea typeface="Helvetica Light"/>
+          <a:cs typeface="Helvetica Light"/>
           <a:sym typeface="Helvetica Light"/>
         </a:defRPr>
       </a:lvl9pPr>
@@ -2142,9 +2146,9 @@
           <a:solidFill>
             <a:srgbClr val="FFFFFF"/>
           </a:solidFill>
-          <a:latin typeface="+mn-lt"/>
-          <a:ea typeface="+mn-ea"/>
-          <a:cs typeface="+mn-cs"/>
+          <a:latin typeface="Helvetica Light"/>
+          <a:ea typeface="Helvetica Light"/>
+          <a:cs typeface="Helvetica Light"/>
           <a:sym typeface="Helvetica Light"/>
         </a:defRPr>
       </a:lvl1pPr>
@@ -2158,9 +2162,9 @@
           <a:solidFill>
             <a:srgbClr val="FFFFFF"/>
           </a:solidFill>
-          <a:latin typeface="+mn-lt"/>
-          <a:ea typeface="+mn-ea"/>
-          <a:cs typeface="+mn-cs"/>
+          <a:latin typeface="Helvetica Light"/>
+          <a:ea typeface="Helvetica Light"/>
+          <a:cs typeface="Helvetica Light"/>
           <a:sym typeface="Helvetica Light"/>
         </a:defRPr>
       </a:lvl2pPr>
@@ -2174,9 +2178,9 @@
           <a:solidFill>
             <a:srgbClr val="FFFFFF"/>
           </a:solidFill>
-          <a:latin typeface="+mn-lt"/>
-          <a:ea typeface="+mn-ea"/>
-          <a:cs typeface="+mn-cs"/>
+          <a:latin typeface="Helvetica Light"/>
+          <a:ea typeface="Helvetica Light"/>
+          <a:cs typeface="Helvetica Light"/>
           <a:sym typeface="Helvetica Light"/>
         </a:defRPr>
       </a:lvl3pPr>
@@ -2190,9 +2194,9 @@
           <a:solidFill>
             <a:srgbClr val="FFFFFF"/>
           </a:solidFill>
-          <a:latin typeface="+mn-lt"/>
-          <a:ea typeface="+mn-ea"/>
-          <a:cs typeface="+mn-cs"/>
+          <a:latin typeface="Helvetica Light"/>
+          <a:ea typeface="Helvetica Light"/>
+          <a:cs typeface="Helvetica Light"/>
           <a:sym typeface="Helvetica Light"/>
         </a:defRPr>
       </a:lvl4pPr>
@@ -2206,9 +2210,9 @@
           <a:solidFill>
             <a:srgbClr val="FFFFFF"/>
           </a:solidFill>
-          <a:latin typeface="+mn-lt"/>
-          <a:ea typeface="+mn-ea"/>
-          <a:cs typeface="+mn-cs"/>
+          <a:latin typeface="Helvetica Light"/>
+          <a:ea typeface="Helvetica Light"/>
+          <a:cs typeface="Helvetica Light"/>
           <a:sym typeface="Helvetica Light"/>
         </a:defRPr>
       </a:lvl5pPr>
@@ -2222,9 +2226,9 @@
           <a:solidFill>
             <a:srgbClr val="FFFFFF"/>
           </a:solidFill>
-          <a:latin typeface="+mn-lt"/>
-          <a:ea typeface="+mn-ea"/>
-          <a:cs typeface="+mn-cs"/>
+          <a:latin typeface="Helvetica Light"/>
+          <a:ea typeface="Helvetica Light"/>
+          <a:cs typeface="Helvetica Light"/>
           <a:sym typeface="Helvetica Light"/>
         </a:defRPr>
       </a:lvl6pPr>
@@ -2238,9 +2242,9 @@
           <a:solidFill>
             <a:srgbClr val="FFFFFF"/>
           </a:solidFill>
-          <a:latin typeface="+mn-lt"/>
-          <a:ea typeface="+mn-ea"/>
-          <a:cs typeface="+mn-cs"/>
+          <a:latin typeface="Helvetica Light"/>
+          <a:ea typeface="Helvetica Light"/>
+          <a:cs typeface="Helvetica Light"/>
           <a:sym typeface="Helvetica Light"/>
         </a:defRPr>
       </a:lvl7pPr>
@@ -2254,9 +2258,9 @@
           <a:solidFill>
             <a:srgbClr val="FFFFFF"/>
           </a:solidFill>
-          <a:latin typeface="+mn-lt"/>
-          <a:ea typeface="+mn-ea"/>
-          <a:cs typeface="+mn-cs"/>
+          <a:latin typeface="Helvetica Light"/>
+          <a:ea typeface="Helvetica Light"/>
+          <a:cs typeface="Helvetica Light"/>
           <a:sym typeface="Helvetica Light"/>
         </a:defRPr>
       </a:lvl8pPr>
@@ -2270,16 +2274,16 @@
           <a:solidFill>
             <a:srgbClr val="FFFFFF"/>
           </a:solidFill>
-          <a:latin typeface="+mn-lt"/>
-          <a:ea typeface="+mn-ea"/>
-          <a:cs typeface="+mn-cs"/>
+          <a:latin typeface="Helvetica Light"/>
+          <a:ea typeface="Helvetica Light"/>
+          <a:cs typeface="Helvetica Light"/>
           <a:sym typeface="Helvetica Light"/>
         </a:defRPr>
       </a:lvl9pPr>
     </p:bodyStyle>
     <p:otherStyle>
-      <a:lvl1pPr algn="ctr" defTabSz="584200">
-        <a:defRPr>
+      <a:lvl1pPr algn="r" defTabSz="584200">
+        <a:defRPr sz="1200">
           <a:solidFill>
             <a:schemeClr val="tx1"/>
           </a:solidFill>
@@ -2289,8 +2293,8 @@
           <a:sym typeface="Helvetica Light"/>
         </a:defRPr>
       </a:lvl1pPr>
-      <a:lvl2pPr indent="228600" algn="ctr" defTabSz="584200">
-        <a:defRPr>
+      <a:lvl2pPr algn="r" defTabSz="584200">
+        <a:defRPr sz="1200">
           <a:solidFill>
             <a:schemeClr val="tx1"/>
           </a:solidFill>
@@ -2300,8 +2304,8 @@
           <a:sym typeface="Helvetica Light"/>
         </a:defRPr>
       </a:lvl2pPr>
-      <a:lvl3pPr indent="457200" algn="ctr" defTabSz="584200">
-        <a:defRPr>
+      <a:lvl3pPr algn="r" defTabSz="584200">
+        <a:defRPr sz="1200">
           <a:solidFill>
             <a:schemeClr val="tx1"/>
           </a:solidFill>
@@ -2311,8 +2315,8 @@
           <a:sym typeface="Helvetica Light"/>
         </a:defRPr>
       </a:lvl3pPr>
-      <a:lvl4pPr indent="685800" algn="ctr" defTabSz="584200">
-        <a:defRPr>
+      <a:lvl4pPr algn="r" defTabSz="584200">
+        <a:defRPr sz="1200">
           <a:solidFill>
             <a:schemeClr val="tx1"/>
           </a:solidFill>
@@ -2322,8 +2326,8 @@
           <a:sym typeface="Helvetica Light"/>
         </a:defRPr>
       </a:lvl4pPr>
-      <a:lvl5pPr indent="914400" algn="ctr" defTabSz="584200">
-        <a:defRPr>
+      <a:lvl5pPr algn="r" defTabSz="584200">
+        <a:defRPr sz="1200">
           <a:solidFill>
             <a:schemeClr val="tx1"/>
           </a:solidFill>
@@ -2333,8 +2337,8 @@
           <a:sym typeface="Helvetica Light"/>
         </a:defRPr>
       </a:lvl5pPr>
-      <a:lvl6pPr indent="1143000" algn="ctr" defTabSz="584200">
-        <a:defRPr>
+      <a:lvl6pPr algn="r" defTabSz="584200">
+        <a:defRPr sz="1200">
           <a:solidFill>
             <a:schemeClr val="tx1"/>
           </a:solidFill>
@@ -2344,8 +2348,8 @@
           <a:sym typeface="Helvetica Light"/>
         </a:defRPr>
       </a:lvl6pPr>
-      <a:lvl7pPr indent="1371600" algn="ctr" defTabSz="584200">
-        <a:defRPr>
+      <a:lvl7pPr algn="r" defTabSz="584200">
+        <a:defRPr sz="1200">
           <a:solidFill>
             <a:schemeClr val="tx1"/>
           </a:solidFill>
@@ -2355,8 +2359,8 @@
           <a:sym typeface="Helvetica Light"/>
         </a:defRPr>
       </a:lvl7pPr>
-      <a:lvl8pPr indent="1600200" algn="ctr" defTabSz="584200">
-        <a:defRPr>
+      <a:lvl8pPr algn="r" defTabSz="584200">
+        <a:defRPr sz="1200">
           <a:solidFill>
             <a:schemeClr val="tx1"/>
           </a:solidFill>
@@ -2366,8 +2370,8 @@
           <a:sym typeface="Helvetica Light"/>
         </a:defRPr>
       </a:lvl8pPr>
-      <a:lvl9pPr indent="1828800" algn="ctr" defTabSz="584200">
-        <a:defRPr>
+      <a:lvl9pPr algn="r" defTabSz="584200">
+        <a:defRPr sz="1200">
           <a:solidFill>
             <a:schemeClr val="tx1"/>
           </a:solidFill>
@@ -2408,6 +2412,10 @@
           </p:nvPr>
         </p:nvSpPr>
         <p:spPr>
+          <a:xfrm>
+            <a:off x="1270000" y="1638300"/>
+            <a:ext cx="10464800" cy="3302000"/>
+          </a:xfrm>
           <a:prstGeom prst="rect">
             <a:avLst/>
           </a:prstGeom>
@@ -2443,6 +2451,10 @@
           </p:nvPr>
         </p:nvSpPr>
         <p:spPr>
+          <a:xfrm>
+            <a:off x="1270000" y="5029200"/>
+            <a:ext cx="10464800" cy="1130300"/>
+          </a:xfrm>
           <a:prstGeom prst="rect">
             <a:avLst/>
           </a:prstGeom>
@@ -2475,6 +2487,144 @@
     <a:masterClrMapping/>
   </p:clrMapOvr>
   <p:transition spd="med" advClick="1"/>
+  <p:timing>
+    <p:tnLst>
+      <p:par>
+        <p:cTn id="1" nodeType="tmRoot" restart="never" dur="indefinite" fill="hold">
+          <p:childTnLst>
+            <p:seq concurrent="1" prevAc="none" nextAc="seek">
+              <p:cTn id="2" nodeType="mainSeq" dur="indefinite" fill="hold">
+                <p:childTnLst>
+                  <p:par>
+                    <p:cTn id="3" fill="hold">
+                      <p:stCondLst>
+                        <p:cond delay="indefinite"/>
+                      </p:stCondLst>
+                      <p:childTnLst>
+                        <p:par>
+                          <p:cTn id="4" fill="hold">
+                            <p:stCondLst>
+                              <p:cond delay="0"/>
+                            </p:stCondLst>
+                            <p:childTnLst>
+                              <p:par>
+                                <p:cTn id="5" nodeType="clickEffect" presetClass="entr" presetSubtype="0" presetID="10" grpId="1" fill="hold">
+                                  <p:stCondLst>
+                                    <p:cond delay="0"/>
+                                  </p:stCondLst>
+                                  <p:iterate type="el" backwards="0">
+                                    <p:tmAbs val="0"/>
+                                  </p:iterate>
+                                  <p:childTnLst>
+                                    <p:set>
+                                      <p:cBhvr>
+                                        <p:cTn id="6" fill="hold"/>
+                                        <p:tgtEl>
+                                          <p:spTgt spid="32"/>
+                                        </p:tgtEl>
+                                        <p:attrNameLst>
+                                          <p:attrName>style.visibility</p:attrName>
+                                        </p:attrNameLst>
+                                      </p:cBhvr>
+                                      <p:to>
+                                        <p:strVal val="visible"/>
+                                      </p:to>
+                                    </p:set>
+                                    <p:animEffect filter="fade" transition="in">
+                                      <p:cBhvr>
+                                        <p:cTn id="7" dur="1500"/>
+                                        <p:tgtEl>
+                                          <p:spTgt spid="32"/>
+                                        </p:tgtEl>
+                                      </p:cBhvr>
+                                    </p:animEffect>
+                                  </p:childTnLst>
+                                </p:cTn>
+                              </p:par>
+                            </p:childTnLst>
+                          </p:cTn>
+                        </p:par>
+                      </p:childTnLst>
+                    </p:cTn>
+                  </p:par>
+                  <p:par>
+                    <p:cTn id="8" fill="hold">
+                      <p:stCondLst>
+                        <p:cond delay="indefinite"/>
+                      </p:stCondLst>
+                      <p:childTnLst>
+                        <p:par>
+                          <p:cTn id="9" fill="hold">
+                            <p:stCondLst>
+                              <p:cond delay="0"/>
+                            </p:stCondLst>
+                            <p:childTnLst>
+                              <p:par>
+                                <p:cTn id="10" nodeType="clickEffect" presetClass="entr" presetSubtype="8" presetID="22" grpId="2" fill="hold">
+                                  <p:stCondLst>
+                                    <p:cond delay="0"/>
+                                  </p:stCondLst>
+                                  <p:iterate type="el" backwards="0">
+                                    <p:tmAbs val="0"/>
+                                  </p:iterate>
+                                  <p:childTnLst>
+                                    <p:set>
+                                      <p:cBhvr>
+                                        <p:cTn id="11" fill="hold"/>
+                                        <p:tgtEl>
+                                          <p:spTgt spid="33"/>
+                                        </p:tgtEl>
+                                        <p:attrNameLst>
+                                          <p:attrName>style.visibility</p:attrName>
+                                        </p:attrNameLst>
+                                      </p:cBhvr>
+                                      <p:to>
+                                        <p:strVal val="visible"/>
+                                      </p:to>
+                                    </p:set>
+                                    <p:animEffect filter="wipe(left)" transition="in">
+                                      <p:cBhvr>
+                                        <p:cTn id="12" dur="500"/>
+                                        <p:tgtEl>
+                                          <p:spTgt spid="33"/>
+                                        </p:tgtEl>
+                                      </p:cBhvr>
+                                    </p:animEffect>
+                                  </p:childTnLst>
+                                </p:cTn>
+                              </p:par>
+                            </p:childTnLst>
+                          </p:cTn>
+                        </p:par>
+                      </p:childTnLst>
+                    </p:cTn>
+                  </p:par>
+                </p:childTnLst>
+              </p:cTn>
+              <p:prevCondLst>
+                <p:cond evt="onPrev">
+                  <p:tgtEl>
+                    <p:sldTgt/>
+                  </p:tgtEl>
+                </p:cond>
+              </p:prevCondLst>
+              <p:nextCondLst>
+                <p:cond evt="onNext">
+                  <p:tgtEl>
+                    <p:sldTgt/>
+                  </p:tgtEl>
+                </p:cond>
+              </p:nextCondLst>
+            </p:seq>
+          </p:childTnLst>
+        </p:cTn>
+      </p:par>
+    </p:tnLst>
+    <p:bldLst>
+      <p:bldP build="whole" bldLvl="1" animBg="1" rev="0" advAuto="0" spid="32" grpId="1"/>
+      <p:bldP build="whole" bldLvl="1" animBg="1" rev="0" advAuto="0" spid="33" grpId="2"/>
+    </p:bldLst>
+  </p:timing>
 </p:sld>
 </file>
 
@@ -2504,6 +2654,10 @@
           </p:nvPr>
         </p:nvSpPr>
         <p:spPr>
+          <a:xfrm>
+            <a:off x="952500" y="406400"/>
+            <a:ext cx="11099800" cy="2120900"/>
+          </a:xfrm>
           <a:prstGeom prst="rect">
             <a:avLst/>
           </a:prstGeom>
@@ -2512,7 +2666,7 @@
           <a:bodyPr/>
           <a:lstStyle>
             <a:lvl1pPr defTabSz="531622">
-              <a:defRPr sz="7280"/>
+              <a:defRPr sz="7200"/>
             </a:lvl1pPr>
           </a:lstStyle>
           <a:p>
@@ -2524,7 +2678,7 @@
               </a:defRPr>
             </a:pPr>
             <a:r>
-              <a:rPr sz="7280">
+              <a:rPr sz="7200">
                 <a:solidFill>
                   <a:srgbClr val="FFFFFF"/>
                 </a:solidFill>
@@ -2543,6 +2697,10 @@
           </p:nvPr>
         </p:nvSpPr>
         <p:spPr>
+          <a:xfrm>
+            <a:off x="952500" y="2590800"/>
+            <a:ext cx="11099800" cy="6286500"/>
+          </a:xfrm>
           <a:prstGeom prst="rect">
             <a:avLst/>
           </a:prstGeom>
@@ -2551,7 +2709,10 @@
           <a:bodyPr/>
           <a:lstStyle/>
           <a:p>
-            <a:pPr lvl="0">
+            <a:pPr lvl="0" marL="965200" indent="-965200">
+              <a:buClr>
+                <a:srgbClr val="FFFFFF"/>
+              </a:buClr>
               <a:defRPr sz="1800">
                 <a:solidFill>
                   <a:srgbClr val="000000"/>
@@ -2565,6 +2726,31 @@
                 </a:solidFill>
               </a:rPr>
               <a:t>Vittoria (id=testo celle)</a:t>
+            </a:r>
+            <a:endParaRPr sz="3800">
+              <a:solidFill>
+                <a:srgbClr val="FFFFFF"/>
+              </a:solidFill>
+            </a:endParaRPr>
+          </a:p>
+          <a:p>
+            <a:pPr lvl="0" marL="965200" indent="-965200">
+              <a:buClr>
+                <a:srgbClr val="FFFFFF"/>
+              </a:buClr>
+              <a:defRPr sz="1800">
+                <a:solidFill>
+                  <a:srgbClr val="000000"/>
+                </a:solidFill>
+              </a:defRPr>
+            </a:pPr>
+            <a:r>
+              <a:rPr sz="3800">
+                <a:solidFill>
+                  <a:srgbClr val="FFFFFF"/>
+                </a:solidFill>
+              </a:rPr>
+              <a:t>Animazione=rotazione di 360 gradi con cambio di testo in complimenti</a:t>
             </a:r>
           </a:p>
         </p:txBody>
@@ -2574,7 +2760,7 @@
   <p:clrMapOvr>
     <a:masterClrMapping/>
   </p:clrMapOvr>
-  <p:transition spd="med" advClick="1"/>
+  <p:transition spd="slow" advClick="1"/>
 </p:sld>
 </file>
 
@@ -2604,6 +2790,10 @@
           </p:nvPr>
         </p:nvSpPr>
         <p:spPr>
+          <a:xfrm>
+            <a:off x="952500" y="406400"/>
+            <a:ext cx="11099800" cy="2120900"/>
+          </a:xfrm>
           <a:prstGeom prst="rect">
             <a:avLst/>
           </a:prstGeom>
@@ -2639,13 +2829,23 @@
           </p:nvPr>
         </p:nvSpPr>
         <p:spPr>
+          <a:xfrm>
+            <a:off x="952500" y="2590800"/>
+            <a:ext cx="11099800" cy="6286500"/>
+          </a:xfrm>
           <a:prstGeom prst="rect">
             <a:avLst/>
           </a:prstGeom>
         </p:spPr>
         <p:txBody>
           <a:bodyPr/>
-          <a:lstStyle/>
+          <a:lstStyle>
+            <a:lvl1pPr marL="965200" indent="-965200">
+              <a:buClr>
+                <a:srgbClr val="FFFFFF"/>
+              </a:buClr>
+            </a:lvl1pPr>
+          </a:lstStyle>
           <a:p>
             <a:pPr lvl="0">
               <a:defRPr sz="1800">
@@ -2720,18 +2920,14 @@
               </a:defRPr>
             </a:pPr>
             <a:r>
-              <a:rPr sz="6640">
+              <a:rPr sz="6600">
                 <a:solidFill>
                   <a:srgbClr val="FFFFFF"/>
                 </a:solidFill>
               </a:rPr>
               <a:t>Come abbiamo lavorato?</a:t>
             </a:r>
-            <a:endParaRPr sz="6640">
-              <a:solidFill>
-                <a:srgbClr val="FFFFFF"/>
-              </a:solidFill>
-            </a:endParaRPr>
+            <a:endParaRPr sz="6600"/>
           </a:p>
           <a:p>
             <a:pPr lvl="0" defTabSz="484886">
@@ -2742,7 +2938,7 @@
               </a:defRPr>
             </a:pPr>
             <a:r>
-              <a:rPr sz="6640">
+              <a:rPr sz="6600">
                 <a:solidFill>
                   <a:srgbClr val="FFFFFF"/>
                 </a:solidFill>
@@ -2758,6 +2954,91 @@
     <a:masterClrMapping/>
   </p:clrMapOvr>
   <p:transition spd="med" advClick="1"/>
+  <p:timing>
+    <p:tnLst>
+      <p:par>
+        <p:cTn id="1" nodeType="tmRoot" restart="never" dur="indefinite" fill="hold">
+          <p:childTnLst>
+            <p:seq concurrent="1" prevAc="none" nextAc="seek">
+              <p:cTn id="2" nodeType="mainSeq" dur="indefinite" fill="hold">
+                <p:childTnLst>
+                  <p:par>
+                    <p:cTn id="3" fill="hold">
+                      <p:stCondLst>
+                        <p:cond delay="indefinite"/>
+                      </p:stCondLst>
+                      <p:childTnLst>
+                        <p:par>
+                          <p:cTn id="4" fill="hold">
+                            <p:stCondLst>
+                              <p:cond delay="0"/>
+                            </p:stCondLst>
+                            <p:childTnLst>
+                              <p:par>
+                                <p:cTn id="5" nodeType="clickEffect" presetClass="entr" presetSubtype="0" presetID="9" grpId="1" fill="hold">
+                                  <p:stCondLst>
+                                    <p:cond delay="0"/>
+                                  </p:stCondLst>
+                                  <p:iterate type="el" backwards="0">
+                                    <p:tmAbs val="0"/>
+                                  </p:iterate>
+                                  <p:childTnLst>
+                                    <p:set>
+                                      <p:cBhvr>
+                                        <p:cTn id="6" fill="hold"/>
+                                        <p:tgtEl>
+                                          <p:spTgt spid="62"/>
+                                        </p:tgtEl>
+                                        <p:attrNameLst>
+                                          <p:attrName>style.visibility</p:attrName>
+                                        </p:attrNameLst>
+                                      </p:cBhvr>
+                                      <p:to>
+                                        <p:strVal val="visible"/>
+                                      </p:to>
+                                    </p:set>
+                                    <p:animEffect filter="dissolve" transition="in">
+                                      <p:cBhvr>
+                                        <p:cTn id="7" dur="1500"/>
+                                        <p:tgtEl>
+                                          <p:spTgt spid="62"/>
+                                        </p:tgtEl>
+                                      </p:cBhvr>
+                                    </p:animEffect>
+                                  </p:childTnLst>
+                                </p:cTn>
+                              </p:par>
+                            </p:childTnLst>
+                          </p:cTn>
+                        </p:par>
+                      </p:childTnLst>
+                    </p:cTn>
+                  </p:par>
+                </p:childTnLst>
+              </p:cTn>
+              <p:prevCondLst>
+                <p:cond evt="onPrev">
+                  <p:tgtEl>
+                    <p:sldTgt/>
+                  </p:tgtEl>
+                </p:cond>
+              </p:prevCondLst>
+              <p:nextCondLst>
+                <p:cond evt="onNext">
+                  <p:tgtEl>
+                    <p:sldTgt/>
+                  </p:tgtEl>
+                </p:cond>
+              </p:nextCondLst>
+            </p:seq>
+          </p:childTnLst>
+        </p:cTn>
+      </p:par>
+    </p:tnLst>
+    <p:bldLst>
+      <p:bldP build="whole" bldLvl="1" animBg="1" rev="0" advAuto="0" spid="62" grpId="1"/>
+    </p:bldLst>
+  </p:timing>
 </p:sld>
 </file>
 
@@ -2787,6 +3068,10 @@
           </p:nvPr>
         </p:nvSpPr>
         <p:spPr>
+          <a:xfrm>
+            <a:off x="952500" y="406400"/>
+            <a:ext cx="11099800" cy="2120900"/>
+          </a:xfrm>
           <a:prstGeom prst="rect">
             <a:avLst/>
           </a:prstGeom>
@@ -2822,6 +3107,10 @@
           </p:nvPr>
         </p:nvSpPr>
         <p:spPr>
+          <a:xfrm>
+            <a:off x="952500" y="2590800"/>
+            <a:ext cx="11099800" cy="6286500"/>
+          </a:xfrm>
           <a:prstGeom prst="rect">
             <a:avLst/>
           </a:prstGeom>
@@ -2830,7 +3119,10 @@
           <a:bodyPr/>
           <a:lstStyle/>
           <a:p>
-            <a:pPr lvl="0">
+            <a:pPr lvl="0" marL="965200" indent="-965200">
+              <a:buClr>
+                <a:srgbClr val="FFFFFF"/>
+              </a:buClr>
               <a:defRPr sz="1800">
                 <a:solidFill>
                   <a:srgbClr val="000000"/>
@@ -2852,7 +3144,10 @@
             </a:endParaRPr>
           </a:p>
           <a:p>
-            <a:pPr lvl="0">
+            <a:pPr lvl="0" marL="965200" indent="-965200">
+              <a:buClr>
+                <a:srgbClr val="FFFFFF"/>
+              </a:buClr>
               <a:defRPr sz="1800">
                 <a:solidFill>
                   <a:srgbClr val="000000"/>
@@ -2875,7 +3170,7 @@
   <p:clrMapOvr>
     <a:masterClrMapping/>
   </p:clrMapOvr>
-  <p:transition spd="med" advClick="1"/>
+  <p:transition spd="slow" advClick="1"/>
 </p:sld>
 </file>
 
@@ -2905,6 +3200,10 @@
           </p:nvPr>
         </p:nvSpPr>
         <p:spPr>
+          <a:xfrm>
+            <a:off x="952500" y="406400"/>
+            <a:ext cx="11099800" cy="2120900"/>
+          </a:xfrm>
           <a:prstGeom prst="rect">
             <a:avLst/>
           </a:prstGeom>
@@ -2940,6 +3239,10 @@
           </p:nvPr>
         </p:nvSpPr>
         <p:spPr>
+          <a:xfrm>
+            <a:off x="952500" y="2590800"/>
+            <a:ext cx="11099800" cy="6286500"/>
+          </a:xfrm>
           <a:prstGeom prst="rect">
             <a:avLst/>
           </a:prstGeom>
@@ -2972,10 +3275,13 @@
             </a:endParaRPr>
           </a:p>
           <a:p>
-            <a:pPr lvl="1">
+            <a:pPr lvl="1" marL="1422400" indent="-965200">
               <a:spcBef>
                 <a:spcPts val="600"/>
               </a:spcBef>
+              <a:buClr>
+                <a:srgbClr val="FFFFFF"/>
+              </a:buClr>
               <a:defRPr sz="1800">
                 <a:solidFill>
                   <a:srgbClr val="000000"/>
@@ -2997,10 +3303,13 @@
             </a:endParaRPr>
           </a:p>
           <a:p>
-            <a:pPr lvl="1">
+            <a:pPr lvl="1" marL="1422400" indent="-965200">
               <a:spcBef>
                 <a:spcPts val="600"/>
               </a:spcBef>
+              <a:buClr>
+                <a:srgbClr val="FFFFFF"/>
+              </a:buClr>
               <a:defRPr sz="1800">
                 <a:solidFill>
                   <a:srgbClr val="000000"/>
@@ -3013,7 +3322,7 @@
                   <a:srgbClr val="FFFFFF"/>
                 </a:solidFill>
               </a:rPr>
-              <a:t>Levrone e Nikolob: debugger e ottimizzazione codice e stili</a:t>
+              <a:t>Levrone e Nikolov: debugger e ottimizzazione codice e stili.</a:t>
             </a:r>
           </a:p>
         </p:txBody>
@@ -3089,6 +3398,91 @@
     <a:masterClrMapping/>
   </p:clrMapOvr>
   <p:transition spd="med" advClick="1"/>
+  <p:timing>
+    <p:tnLst>
+      <p:par>
+        <p:cTn id="1" nodeType="tmRoot" restart="never" dur="indefinite" fill="hold">
+          <p:childTnLst>
+            <p:seq concurrent="1" prevAc="none" nextAc="seek">
+              <p:cTn id="2" nodeType="mainSeq" dur="indefinite" fill="hold">
+                <p:childTnLst>
+                  <p:par>
+                    <p:cTn id="3" fill="hold">
+                      <p:stCondLst>
+                        <p:cond delay="indefinite"/>
+                      </p:stCondLst>
+                      <p:childTnLst>
+                        <p:par>
+                          <p:cTn id="4" fill="hold">
+                            <p:stCondLst>
+                              <p:cond delay="0"/>
+                            </p:stCondLst>
+                            <p:childTnLst>
+                              <p:par>
+                                <p:cTn id="5" nodeType="clickEffect" presetClass="entr" presetSubtype="0" presetID="9" grpId="1" fill="hold">
+                                  <p:stCondLst>
+                                    <p:cond delay="0"/>
+                                  </p:stCondLst>
+                                  <p:iterate type="el" backwards="0">
+                                    <p:tmAbs val="0"/>
+                                  </p:iterate>
+                                  <p:childTnLst>
+                                    <p:set>
+                                      <p:cBhvr>
+                                        <p:cTn id="6" fill="hold"/>
+                                        <p:tgtEl>
+                                          <p:spTgt spid="70"/>
+                                        </p:tgtEl>
+                                        <p:attrNameLst>
+                                          <p:attrName>style.visibility</p:attrName>
+                                        </p:attrNameLst>
+                                      </p:cBhvr>
+                                      <p:to>
+                                        <p:strVal val="visible"/>
+                                      </p:to>
+                                    </p:set>
+                                    <p:animEffect filter="dissolve" transition="in">
+                                      <p:cBhvr>
+                                        <p:cTn id="7" dur="1500"/>
+                                        <p:tgtEl>
+                                          <p:spTgt spid="70"/>
+                                        </p:tgtEl>
+                                      </p:cBhvr>
+                                    </p:animEffect>
+                                  </p:childTnLst>
+                                </p:cTn>
+                              </p:par>
+                            </p:childTnLst>
+                          </p:cTn>
+                        </p:par>
+                      </p:childTnLst>
+                    </p:cTn>
+                  </p:par>
+                </p:childTnLst>
+              </p:cTn>
+              <p:prevCondLst>
+                <p:cond evt="onPrev">
+                  <p:tgtEl>
+                    <p:sldTgt/>
+                  </p:tgtEl>
+                </p:cond>
+              </p:prevCondLst>
+              <p:nextCondLst>
+                <p:cond evt="onNext">
+                  <p:tgtEl>
+                    <p:sldTgt/>
+                  </p:tgtEl>
+                </p:cond>
+              </p:nextCondLst>
+            </p:seq>
+          </p:childTnLst>
+        </p:cTn>
+      </p:par>
+    </p:tnLst>
+    <p:bldLst>
+      <p:bldP build="whole" bldLvl="1" animBg="1" rev="0" advAuto="0" spid="70" grpId="1"/>
+    </p:bldLst>
+  </p:timing>
 </p:sld>
 </file>
 
@@ -3138,18 +3532,14 @@
               </a:defRPr>
             </a:pPr>
             <a:r>
-              <a:rPr sz="6640">
+              <a:rPr sz="6600">
                 <a:solidFill>
                   <a:srgbClr val="FFFFFF"/>
                 </a:solidFill>
               </a:rPr>
               <a:t>Cenni stile e html</a:t>
             </a:r>
-            <a:endParaRPr sz="6640">
-              <a:solidFill>
-                <a:srgbClr val="FFFFFF"/>
-              </a:solidFill>
-            </a:endParaRPr>
+            <a:endParaRPr sz="6600"/>
           </a:p>
           <a:p>
             <a:pPr lvl="0" defTabSz="484886">
@@ -3160,7 +3550,7 @@
               </a:defRPr>
             </a:pPr>
             <a:r>
-              <a:rPr sz="6640">
+              <a:rPr sz="6600">
                 <a:solidFill>
                   <a:srgbClr val="FFFFFF"/>
                 </a:solidFill>
@@ -3175,7 +3565,92 @@
   <p:clrMapOvr>
     <a:masterClrMapping/>
   </p:clrMapOvr>
-  <p:transition spd="med" advClick="1"/>
+  <p:transition spd="slow" advClick="1"/>
+  <p:timing>
+    <p:tnLst>
+      <p:par>
+        <p:cTn id="1" nodeType="tmRoot" restart="never" dur="indefinite" fill="hold">
+          <p:childTnLst>
+            <p:seq concurrent="1" prevAc="none" nextAc="seek">
+              <p:cTn id="2" nodeType="mainSeq" dur="indefinite" fill="hold">
+                <p:childTnLst>
+                  <p:par>
+                    <p:cTn id="3" fill="hold">
+                      <p:stCondLst>
+                        <p:cond delay="indefinite"/>
+                      </p:stCondLst>
+                      <p:childTnLst>
+                        <p:par>
+                          <p:cTn id="4" fill="hold">
+                            <p:stCondLst>
+                              <p:cond delay="0"/>
+                            </p:stCondLst>
+                            <p:childTnLst>
+                              <p:par>
+                                <p:cTn id="5" nodeType="clickEffect" presetClass="entr" presetSubtype="0" presetID="9" grpId="1" fill="hold">
+                                  <p:stCondLst>
+                                    <p:cond delay="0"/>
+                                  </p:stCondLst>
+                                  <p:iterate type="el" backwards="0">
+                                    <p:tmAbs val="0"/>
+                                  </p:iterate>
+                                  <p:childTnLst>
+                                    <p:set>
+                                      <p:cBhvr>
+                                        <p:cTn id="6" fill="hold"/>
+                                        <p:tgtEl>
+                                          <p:spTgt spid="35"/>
+                                        </p:tgtEl>
+                                        <p:attrNameLst>
+                                          <p:attrName>style.visibility</p:attrName>
+                                        </p:attrNameLst>
+                                      </p:cBhvr>
+                                      <p:to>
+                                        <p:strVal val="visible"/>
+                                      </p:to>
+                                    </p:set>
+                                    <p:animEffect filter="dissolve" transition="in">
+                                      <p:cBhvr>
+                                        <p:cTn id="7" dur="1500"/>
+                                        <p:tgtEl>
+                                          <p:spTgt spid="35"/>
+                                        </p:tgtEl>
+                                      </p:cBhvr>
+                                    </p:animEffect>
+                                  </p:childTnLst>
+                                </p:cTn>
+                              </p:par>
+                            </p:childTnLst>
+                          </p:cTn>
+                        </p:par>
+                      </p:childTnLst>
+                    </p:cTn>
+                  </p:par>
+                </p:childTnLst>
+              </p:cTn>
+              <p:prevCondLst>
+                <p:cond evt="onPrev">
+                  <p:tgtEl>
+                    <p:sldTgt/>
+                  </p:tgtEl>
+                </p:cond>
+              </p:prevCondLst>
+              <p:nextCondLst>
+                <p:cond evt="onNext">
+                  <p:tgtEl>
+                    <p:sldTgt/>
+                  </p:tgtEl>
+                </p:cond>
+              </p:nextCondLst>
+            </p:seq>
+          </p:childTnLst>
+        </p:cTn>
+      </p:par>
+    </p:tnLst>
+    <p:bldLst>
+      <p:bldP build="whole" bldLvl="1" animBg="1" rev="0" advAuto="0" spid="35" grpId="1"/>
+    </p:bldLst>
+  </p:timing>
 </p:sld>
 </file>
 
@@ -3205,6 +3680,10 @@
           </p:nvPr>
         </p:nvSpPr>
         <p:spPr>
+          <a:xfrm>
+            <a:off x="952500" y="406400"/>
+            <a:ext cx="11099800" cy="2120900"/>
+          </a:xfrm>
           <a:prstGeom prst="rect">
             <a:avLst/>
           </a:prstGeom>
@@ -3240,6 +3719,10 @@
           </p:nvPr>
         </p:nvSpPr>
         <p:spPr>
+          <a:xfrm>
+            <a:off x="952500" y="2590800"/>
+            <a:ext cx="11099800" cy="6286500"/>
+          </a:xfrm>
           <a:prstGeom prst="rect">
             <a:avLst/>
           </a:prstGeom>
@@ -3248,7 +3731,10 @@
           <a:bodyPr/>
           <a:lstStyle/>
           <a:p>
-            <a:pPr lvl="0">
+            <a:pPr lvl="0" marL="965200" indent="-965200">
+              <a:buClr>
+                <a:srgbClr val="FFFFFF"/>
+              </a:buClr>
               <a:defRPr sz="1800">
                 <a:solidFill>
                   <a:srgbClr val="000000"/>
@@ -3270,7 +3756,10 @@
             </a:endParaRPr>
           </a:p>
           <a:p>
-            <a:pPr lvl="0">
+            <a:pPr lvl="0" marL="965200" indent="-965200">
+              <a:buClr>
+                <a:srgbClr val="FFFFFF"/>
+              </a:buClr>
               <a:defRPr sz="1800">
                 <a:solidFill>
                   <a:srgbClr val="000000"/>
@@ -3292,7 +3781,10 @@
             </a:endParaRPr>
           </a:p>
           <a:p>
-            <a:pPr lvl="0">
+            <a:pPr lvl="0" marL="965200" indent="-965200">
+              <a:buClr>
+                <a:srgbClr val="FFFFFF"/>
+              </a:buClr>
               <a:defRPr sz="1800">
                 <a:solidFill>
                   <a:srgbClr val="000000"/>
@@ -3345,6 +3837,10 @@
           </p:nvPr>
         </p:nvSpPr>
         <p:spPr>
+          <a:xfrm>
+            <a:off x="952500" y="406400"/>
+            <a:ext cx="11099800" cy="2120900"/>
+          </a:xfrm>
           <a:prstGeom prst="rect">
             <a:avLst/>
           </a:prstGeom>
@@ -3380,6 +3876,10 @@
           </p:nvPr>
         </p:nvSpPr>
         <p:spPr>
+          <a:xfrm>
+            <a:off x="952500" y="2590800"/>
+            <a:ext cx="11099800" cy="6286500"/>
+          </a:xfrm>
           <a:prstGeom prst="rect">
             <a:avLst/>
           </a:prstGeom>
@@ -3402,25 +3902,50 @@
                 <a:solidFill>
                   <a:srgbClr val="FFFFFF"/>
                 </a:solidFill>
-                <a:latin typeface="Helvetica"/>
-                <a:ea typeface="Helvetica"/>
-                <a:cs typeface="Helvetica"/>
+                <a:latin typeface="+mn-lt"/>
+                <a:ea typeface="+mn-ea"/>
+                <a:cs typeface="+mn-cs"/>
                 <a:sym typeface="Helvetica"/>
               </a:rPr>
               <a:t>100%CSS</a:t>
             </a:r>
-            <a:endParaRPr b="1" sz="3800">
+            <a:endParaRPr b="1">
+              <a:latin typeface="+mn-lt"/>
+              <a:ea typeface="+mn-ea"/>
+              <a:cs typeface="+mn-cs"/>
+              <a:sym typeface="Helvetica"/>
+            </a:endParaRPr>
+          </a:p>
+          <a:p>
+            <a:pPr lvl="0" marL="965200" indent="-965200">
+              <a:buClr>
+                <a:srgbClr val="FFFFFF"/>
+              </a:buClr>
+              <a:defRPr sz="1800">
+                <a:solidFill>
+                  <a:srgbClr val="000000"/>
+                </a:solidFill>
+              </a:defRPr>
+            </a:pPr>
+            <a:r>
+              <a:rPr sz="3800">
+                <a:solidFill>
+                  <a:srgbClr val="FFFFFF"/>
+                </a:solidFill>
+              </a:rPr>
+              <a:t>L’intera grafica è stata realizzata utilizzando CSS (senza utilizzo di immagini o altri media)</a:t>
+            </a:r>
+            <a:endParaRPr sz="3800">
               <a:solidFill>
                 <a:srgbClr val="FFFFFF"/>
               </a:solidFill>
-              <a:latin typeface="Helvetica"/>
-              <a:ea typeface="Helvetica"/>
-              <a:cs typeface="Helvetica"/>
-              <a:sym typeface="Helvetica"/>
             </a:endParaRPr>
           </a:p>
           <a:p>
-            <a:pPr lvl="0">
+            <a:pPr lvl="0" marL="965200" indent="-965200">
+              <a:buClr>
+                <a:srgbClr val="FFFFFF"/>
+              </a:buClr>
               <a:defRPr sz="1800">
                 <a:solidFill>
                   <a:srgbClr val="000000"/>
@@ -3433,7 +3958,7 @@
                   <a:srgbClr val="FFFFFF"/>
                 </a:solidFill>
               </a:rPr>
-              <a:t>L’intera grafica è stata realizzata utilizzando CSS (senza utilizzo di immagini o altri media)</a:t>
+              <a:t>3 possibili colorazioni (chiara, dark, vintage)</a:t>
             </a:r>
           </a:p>
         </p:txBody>
@@ -3493,18 +4018,14 @@
               </a:defRPr>
             </a:pPr>
             <a:r>
-              <a:rPr sz="6640">
+              <a:rPr sz="6600">
                 <a:solidFill>
                   <a:srgbClr val="FFFFFF"/>
                 </a:solidFill>
               </a:rPr>
               <a:t>Ragionamenti jQuery</a:t>
             </a:r>
-            <a:endParaRPr sz="6640">
-              <a:solidFill>
-                <a:srgbClr val="FFFFFF"/>
-              </a:solidFill>
-            </a:endParaRPr>
+            <a:endParaRPr sz="6600"/>
           </a:p>
           <a:p>
             <a:pPr lvl="0" defTabSz="484886">
@@ -3515,7 +4036,7 @@
               </a:defRPr>
             </a:pPr>
             <a:r>
-              <a:rPr sz="6640">
+              <a:rPr sz="6600">
                 <a:solidFill>
                   <a:srgbClr val="FFFFFF"/>
                 </a:solidFill>
@@ -3531,6 +4052,91 @@
     <a:masterClrMapping/>
   </p:clrMapOvr>
   <p:transition spd="med" advClick="1"/>
+  <p:timing>
+    <p:tnLst>
+      <p:par>
+        <p:cTn id="1" nodeType="tmRoot" restart="never" dur="indefinite" fill="hold">
+          <p:childTnLst>
+            <p:seq concurrent="1" prevAc="none" nextAc="seek">
+              <p:cTn id="2" nodeType="mainSeq" dur="indefinite" fill="hold">
+                <p:childTnLst>
+                  <p:par>
+                    <p:cTn id="3" fill="hold">
+                      <p:stCondLst>
+                        <p:cond delay="indefinite"/>
+                      </p:stCondLst>
+                      <p:childTnLst>
+                        <p:par>
+                          <p:cTn id="4" fill="hold">
+                            <p:stCondLst>
+                              <p:cond delay="0"/>
+                            </p:stCondLst>
+                            <p:childTnLst>
+                              <p:par>
+                                <p:cTn id="5" nodeType="clickEffect" presetClass="entr" presetSubtype="0" presetID="9" grpId="1" fill="hold">
+                                  <p:stCondLst>
+                                    <p:cond delay="0"/>
+                                  </p:stCondLst>
+                                  <p:iterate type="el" backwards="0">
+                                    <p:tmAbs val="0"/>
+                                  </p:iterate>
+                                  <p:childTnLst>
+                                    <p:set>
+                                      <p:cBhvr>
+                                        <p:cTn id="6" fill="hold"/>
+                                        <p:tgtEl>
+                                          <p:spTgt spid="43"/>
+                                        </p:tgtEl>
+                                        <p:attrNameLst>
+                                          <p:attrName>style.visibility</p:attrName>
+                                        </p:attrNameLst>
+                                      </p:cBhvr>
+                                      <p:to>
+                                        <p:strVal val="visible"/>
+                                      </p:to>
+                                    </p:set>
+                                    <p:animEffect filter="dissolve" transition="in">
+                                      <p:cBhvr>
+                                        <p:cTn id="7" dur="1500"/>
+                                        <p:tgtEl>
+                                          <p:spTgt spid="43"/>
+                                        </p:tgtEl>
+                                      </p:cBhvr>
+                                    </p:animEffect>
+                                  </p:childTnLst>
+                                </p:cTn>
+                              </p:par>
+                            </p:childTnLst>
+                          </p:cTn>
+                        </p:par>
+                      </p:childTnLst>
+                    </p:cTn>
+                  </p:par>
+                </p:childTnLst>
+              </p:cTn>
+              <p:prevCondLst>
+                <p:cond evt="onPrev">
+                  <p:tgtEl>
+                    <p:sldTgt/>
+                  </p:tgtEl>
+                </p:cond>
+              </p:prevCondLst>
+              <p:nextCondLst>
+                <p:cond evt="onNext">
+                  <p:tgtEl>
+                    <p:sldTgt/>
+                  </p:tgtEl>
+                </p:cond>
+              </p:nextCondLst>
+            </p:seq>
+          </p:childTnLst>
+        </p:cTn>
+      </p:par>
+    </p:tnLst>
+    <p:bldLst>
+      <p:bldP build="whole" bldLvl="1" animBg="1" rev="0" advAuto="0" spid="43" grpId="1"/>
+    </p:bldLst>
+  </p:timing>
 </p:sld>
 </file>
 
@@ -3572,7 +4178,7 @@
           <a:bodyPr/>
           <a:lstStyle>
             <a:lvl1pPr defTabSz="484886">
-              <a:defRPr sz="6640"/>
+              <a:defRPr sz="6600"/>
             </a:lvl1pPr>
           </a:lstStyle>
           <a:p>
@@ -3584,7 +4190,7 @@
               </a:defRPr>
             </a:pPr>
             <a:r>
-              <a:rPr sz="6640">
+              <a:rPr sz="6600">
                 <a:solidFill>
                   <a:srgbClr val="FFFFFF"/>
                 </a:solidFill>
@@ -3603,13 +4209,23 @@
           </p:nvPr>
         </p:nvSpPr>
         <p:spPr>
+          <a:xfrm>
+            <a:off x="952500" y="2590800"/>
+            <a:ext cx="11099800" cy="6286500"/>
+          </a:xfrm>
           <a:prstGeom prst="rect">
             <a:avLst/>
           </a:prstGeom>
         </p:spPr>
         <p:txBody>
           <a:bodyPr/>
-          <a:lstStyle/>
+          <a:lstStyle>
+            <a:lvl1pPr marL="965200" indent="-965200">
+              <a:buClr>
+                <a:srgbClr val="FFFFFF"/>
+              </a:buClr>
+            </a:lvl1pPr>
+          </a:lstStyle>
           <a:p>
             <a:pPr lvl="0">
               <a:defRPr sz="1800">
@@ -3664,6 +4280,10 @@
           </p:nvPr>
         </p:nvSpPr>
         <p:spPr>
+          <a:xfrm>
+            <a:off x="952500" y="406400"/>
+            <a:ext cx="11099800" cy="2120900"/>
+          </a:xfrm>
           <a:prstGeom prst="rect">
             <a:avLst/>
           </a:prstGeom>
@@ -3714,6 +4334,10 @@
           </p:nvPr>
         </p:nvSpPr>
         <p:spPr>
+          <a:xfrm>
+            <a:off x="952500" y="2590800"/>
+            <a:ext cx="11099800" cy="6286500"/>
+          </a:xfrm>
           <a:prstGeom prst="rect">
             <a:avLst/>
           </a:prstGeom>
@@ -3761,6 +4385,10 @@
           </p:nvPr>
         </p:nvSpPr>
         <p:spPr>
+          <a:xfrm>
+            <a:off x="952500" y="406400"/>
+            <a:ext cx="11099800" cy="2120900"/>
+          </a:xfrm>
           <a:prstGeom prst="rect">
             <a:avLst/>
           </a:prstGeom>
@@ -3769,7 +4397,7 @@
           <a:bodyPr/>
           <a:lstStyle>
             <a:lvl1pPr defTabSz="502412">
-              <a:defRPr sz="6880"/>
+              <a:defRPr sz="6800"/>
             </a:lvl1pPr>
           </a:lstStyle>
           <a:p>
@@ -3781,7 +4409,7 @@
               </a:defRPr>
             </a:pPr>
             <a:r>
-              <a:rPr sz="6880">
+              <a:rPr sz="6800">
                 <a:solidFill>
                   <a:srgbClr val="FFFFFF"/>
                 </a:solidFill>
@@ -3800,6 +4428,10 @@
           </p:nvPr>
         </p:nvSpPr>
         <p:spPr>
+          <a:xfrm>
+            <a:off x="952500" y="2590800"/>
+            <a:ext cx="11099800" cy="6286500"/>
+          </a:xfrm>
           <a:prstGeom prst="rect">
             <a:avLst/>
           </a:prstGeom>
@@ -3808,7 +4440,10 @@
           <a:bodyPr/>
           <a:lstStyle/>
           <a:p>
-            <a:pPr lvl="0">
+            <a:pPr lvl="0" marL="965200" indent="-965200">
+              <a:buClr>
+                <a:srgbClr val="FFFFFF"/>
+              </a:buClr>
               <a:defRPr sz="1800">
                 <a:solidFill>
                   <a:srgbClr val="000000"/>
@@ -3830,7 +4465,10 @@
             </a:endParaRPr>
           </a:p>
           <a:p>
-            <a:pPr lvl="0">
+            <a:pPr lvl="0" marL="965200" indent="-965200">
+              <a:buClr>
+                <a:srgbClr val="FFFFFF"/>
+              </a:buClr>
               <a:defRPr sz="1800">
                 <a:solidFill>
                   <a:srgbClr val="000000"/>
@@ -3852,7 +4490,10 @@
             </a:endParaRPr>
           </a:p>
           <a:p>
-            <a:pPr lvl="0">
+            <a:pPr lvl="0" marL="965200" indent="-965200">
+              <a:buClr>
+                <a:srgbClr val="FFFFFF"/>
+              </a:buClr>
               <a:defRPr sz="1800">
                 <a:solidFill>
                   <a:srgbClr val="000000"/>
@@ -3925,18 +4566,14 @@
               </a:defRPr>
             </a:pPr>
             <a:r>
-              <a:rPr sz="6640">
+              <a:rPr sz="6600">
                 <a:solidFill>
                   <a:srgbClr val="FFFFFF"/>
                 </a:solidFill>
               </a:rPr>
               <a:t>Varie ed eventuali</a:t>
             </a:r>
-            <a:endParaRPr sz="6640">
-              <a:solidFill>
-                <a:srgbClr val="FFFFFF"/>
-              </a:solidFill>
-            </a:endParaRPr>
+            <a:endParaRPr sz="6600"/>
           </a:p>
           <a:p>
             <a:pPr lvl="0" defTabSz="484886">
@@ -3947,7 +4584,7 @@
               </a:defRPr>
             </a:pPr>
             <a:r>
-              <a:rPr sz="6640">
+              <a:rPr sz="6600">
                 <a:solidFill>
                   <a:srgbClr val="FFFFFF"/>
                 </a:solidFill>
@@ -3963,24 +4600,109 @@
     <a:masterClrMapping/>
   </p:clrMapOvr>
   <p:transition spd="med" advClick="1"/>
+  <p:timing>
+    <p:tnLst>
+      <p:par>
+        <p:cTn id="1" nodeType="tmRoot" restart="never" dur="indefinite" fill="hold">
+          <p:childTnLst>
+            <p:seq concurrent="1" prevAc="none" nextAc="seek">
+              <p:cTn id="2" nodeType="mainSeq" dur="indefinite" fill="hold">
+                <p:childTnLst>
+                  <p:par>
+                    <p:cTn id="3" fill="hold">
+                      <p:stCondLst>
+                        <p:cond delay="indefinite"/>
+                      </p:stCondLst>
+                      <p:childTnLst>
+                        <p:par>
+                          <p:cTn id="4" fill="hold">
+                            <p:stCondLst>
+                              <p:cond delay="0"/>
+                            </p:stCondLst>
+                            <p:childTnLst>
+                              <p:par>
+                                <p:cTn id="5" nodeType="clickEffect" presetClass="entr" presetSubtype="0" presetID="9" grpId="1" fill="hold">
+                                  <p:stCondLst>
+                                    <p:cond delay="0"/>
+                                  </p:stCondLst>
+                                  <p:iterate type="el" backwards="0">
+                                    <p:tmAbs val="0"/>
+                                  </p:iterate>
+                                  <p:childTnLst>
+                                    <p:set>
+                                      <p:cBhvr>
+                                        <p:cTn id="6" fill="hold"/>
+                                        <p:tgtEl>
+                                          <p:spTgt spid="54"/>
+                                        </p:tgtEl>
+                                        <p:attrNameLst>
+                                          <p:attrName>style.visibility</p:attrName>
+                                        </p:attrNameLst>
+                                      </p:cBhvr>
+                                      <p:to>
+                                        <p:strVal val="visible"/>
+                                      </p:to>
+                                    </p:set>
+                                    <p:animEffect filter="dissolve" transition="in">
+                                      <p:cBhvr>
+                                        <p:cTn id="7" dur="1500"/>
+                                        <p:tgtEl>
+                                          <p:spTgt spid="54"/>
+                                        </p:tgtEl>
+                                      </p:cBhvr>
+                                    </p:animEffect>
+                                  </p:childTnLst>
+                                </p:cTn>
+                              </p:par>
+                            </p:childTnLst>
+                          </p:cTn>
+                        </p:par>
+                      </p:childTnLst>
+                    </p:cTn>
+                  </p:par>
+                </p:childTnLst>
+              </p:cTn>
+              <p:prevCondLst>
+                <p:cond evt="onPrev">
+                  <p:tgtEl>
+                    <p:sldTgt/>
+                  </p:tgtEl>
+                </p:cond>
+              </p:prevCondLst>
+              <p:nextCondLst>
+                <p:cond evt="onNext">
+                  <p:tgtEl>
+                    <p:sldTgt/>
+                  </p:tgtEl>
+                </p:cond>
+              </p:nextCondLst>
+            </p:seq>
+          </p:childTnLst>
+        </p:cTn>
+      </p:par>
+    </p:tnLst>
+    <p:bldLst>
+      <p:bldP build="whole" bldLvl="1" animBg="1" rev="0" advAuto="0" spid="54" grpId="1"/>
+    </p:bldLst>
+  </p:timing>
 </p:sld>
 </file>
 
 <file path=ppt/theme/theme1.xml><?xml version="1.0" encoding="utf-8"?>
-<a:theme xmlns:a="http://schemas.openxmlformats.org/drawingml/2006/main" xmlns:r="http://schemas.openxmlformats.org/officeDocument/2006/relationships" name="Gradient">
+<a:theme xmlns:a="http://schemas.openxmlformats.org/drawingml/2006/main" xmlns:r="http://schemas.openxmlformats.org/officeDocument/2006/relationships" name="Default">
   <a:themeElements>
-    <a:clrScheme name="Gradient">
+    <a:clrScheme name="Default">
       <a:dk1>
-        <a:srgbClr val="FF0000"/>
+        <a:srgbClr val="FFFFFF"/>
       </a:dk1>
       <a:lt1>
-        <a:srgbClr val="FFFFFF"/>
+        <a:srgbClr val="FF0000"/>
       </a:lt1>
       <a:dk2>
-        <a:srgbClr val="53585F"/>
+        <a:srgbClr val="A7A7A7"/>
       </a:dk2>
       <a:lt2>
-        <a:srgbClr val="DCDEE0"/>
+        <a:srgbClr val="535353"/>
       </a:lt2>
       <a:accent1>
         <a:srgbClr val="0065C1"/>
@@ -4007,19 +4729,19 @@
         <a:srgbClr val="FF00FF"/>
       </a:folHlink>
     </a:clrScheme>
-    <a:fontScheme name="Gradient">
+    <a:fontScheme name="Default">
       <a:majorFont>
-        <a:latin typeface="Helvetica Light"/>
-        <a:ea typeface="Helvetica Light"/>
-        <a:cs typeface="Helvetica Light"/>
+        <a:latin typeface="Helvetica Neue"/>
+        <a:ea typeface="Helvetica Neue"/>
+        <a:cs typeface="Helvetica Neue"/>
       </a:majorFont>
       <a:minorFont>
-        <a:latin typeface="Helvetica Light"/>
-        <a:ea typeface="Helvetica Light"/>
-        <a:cs typeface="Helvetica Light"/>
+        <a:latin typeface="Helvetica"/>
+        <a:ea typeface="Helvetica"/>
+        <a:cs typeface="Helvetica"/>
       </a:minorFont>
     </a:fontScheme>
-    <a:fmtScheme name="Gradient">
+    <a:fmtScheme name="Default">
       <a:fillStyleLst>
         <a:solidFill>
           <a:schemeClr val="phClr"/>
@@ -4174,20 +4896,15 @@
   <a:objectDefaults>
     <a:spDef>
       <a:spPr>
-        <a:gradFill flip="none" rotWithShape="1">
-          <a:gsLst>
-            <a:gs pos="0">
-              <a:srgbClr val="0066C1"/>
-            </a:gs>
-            <a:gs pos="100000">
-              <a:srgbClr val="094593"/>
-            </a:gs>
-          </a:gsLst>
-          <a:lin ang="5400000" scaled="0"/>
-        </a:gradFill>
-        <a:ln w="12700" cap="flat">
-          <a:noFill/>
-          <a:miter lim="400000"/>
+        <a:solidFill>
+          <a:srgbClr val="FFFFFF"/>
+        </a:solidFill>
+        <a:ln w="25400" cap="flat">
+          <a:solidFill>
+            <a:srgbClr val="0065C1"/>
+          </a:solidFill>
+          <a:prstDash val="solid"/>
+          <a:bevel/>
         </a:ln>
         <a:effectLst>
           <a:outerShdw sx="100000" sy="100000" kx="0" ky="0" algn="b" rotWithShape="0" blurRad="76200" dist="0" dir="18900000">
@@ -4216,24 +4933,18 @@
           <a:buFontTx/>
           <a:buNone/>
           <a:tabLst/>
-          <a:defRPr b="0" baseline="0" cap="none" i="0" spc="0" strike="noStrike" sz="2400" u="none" kumimoji="0" normalizeH="0">
+          <a:defRPr b="0" baseline="0" cap="none" i="0" spc="0" strike="noStrike" sz="3800" u="none" kumimoji="0" normalizeH="0">
             <a:ln>
               <a:noFill/>
             </a:ln>
             <a:solidFill>
-              <a:srgbClr val="FFFFFF"/>
+              <a:srgbClr val="FF0000"/>
             </a:solidFill>
-            <a:effectLst>
-              <a:outerShdw sx="100000" sy="100000" kx="0" ky="0" algn="b" rotWithShape="0" blurRad="25400" dist="23998" dir="2700000">
-                <a:srgbClr val="000000">
-                  <a:alpha val="31034"/>
-                </a:srgbClr>
-              </a:outerShdw>
-            </a:effectLst>
+            <a:effectLst/>
             <a:uFillTx/>
-            <a:latin typeface="+mn-lt"/>
-            <a:ea typeface="+mn-ea"/>
-            <a:cs typeface="+mn-cs"/>
+            <a:latin typeface="Helvetica Light"/>
+            <a:ea typeface="Helvetica Light"/>
+            <a:cs typeface="Helvetica Light"/>
             <a:sym typeface="Helvetica Light"/>
           </a:defRPr>
         </a:defPPr>
@@ -4484,12 +5195,18 @@
         <a:noFill/>
         <a:ln w="25400" cap="flat">
           <a:solidFill>
-            <a:srgbClr val="FFFFFF"/>
+            <a:srgbClr val="0065C1"/>
           </a:solidFill>
           <a:prstDash val="solid"/>
-          <a:miter lim="400000"/>
+          <a:bevel/>
         </a:ln>
-        <a:effectLst/>
+        <a:effectLst>
+          <a:outerShdw sx="100000" sy="100000" kx="0" ky="0" algn="b" rotWithShape="0" blurRad="76200" dist="0" dir="18900000">
+            <a:srgbClr val="000000">
+              <a:alpha val="80000"/>
+            </a:srgbClr>
+          </a:outerShdw>
+        </a:effectLst>
       </a:spPr>
       <a:bodyPr rot="0" spcFirstLastPara="1" vertOverflow="overflow" horzOverflow="overflow" vert="horz" wrap="square" lIns="91439" tIns="45719" rIns="91439" bIns="45719" numCol="1" spcCol="38100" rtlCol="0" anchor="t" upright="0">
         <a:noAutofit/>
@@ -4796,13 +5513,13 @@
               <a:noFill/>
             </a:ln>
             <a:solidFill>
-              <a:srgbClr val="FFFFFF"/>
+              <a:srgbClr val="FF0000"/>
             </a:solidFill>
             <a:effectLst/>
             <a:uFillTx/>
-            <a:latin typeface="+mn-lt"/>
-            <a:ea typeface="+mn-ea"/>
-            <a:cs typeface="+mn-cs"/>
+            <a:latin typeface="Helvetica Light"/>
+            <a:ea typeface="Helvetica Light"/>
+            <a:cs typeface="Helvetica Light"/>
             <a:sym typeface="Helvetica Light"/>
           </a:defRPr>
         </a:defPPr>
@@ -5053,9 +5770,9 @@
 </file>
 
 <file path=ppt/theme/theme2.xml><?xml version="1.0" encoding="utf-8"?>
-<a:theme xmlns:a="http://schemas.openxmlformats.org/drawingml/2006/main" xmlns:r="http://schemas.openxmlformats.org/officeDocument/2006/relationships" name="Gradient">
+<a:theme xmlns:a="http://schemas.openxmlformats.org/drawingml/2006/main" xmlns:r="http://schemas.openxmlformats.org/officeDocument/2006/relationships" name="Default">
   <a:themeElements>
-    <a:clrScheme name="Gradient">
+    <a:clrScheme name="Default">
       <a:dk1>
         <a:srgbClr val="000000"/>
       </a:dk1>
@@ -5063,10 +5780,10 @@
         <a:srgbClr val="FFFFFF"/>
       </a:lt1>
       <a:dk2>
-        <a:srgbClr val="53585F"/>
+        <a:srgbClr val="A7A7A7"/>
       </a:dk2>
       <a:lt2>
-        <a:srgbClr val="DCDEE0"/>
+        <a:srgbClr val="535353"/>
       </a:lt2>
       <a:accent1>
         <a:srgbClr val="0065C1"/>
@@ -5093,19 +5810,19 @@
         <a:srgbClr val="FF00FF"/>
       </a:folHlink>
     </a:clrScheme>
-    <a:fontScheme name="Gradient">
+    <a:fontScheme name="Default">
       <a:majorFont>
-        <a:latin typeface="Helvetica Light"/>
-        <a:ea typeface="Helvetica Light"/>
-        <a:cs typeface="Helvetica Light"/>
+        <a:latin typeface="Helvetica Neue"/>
+        <a:ea typeface="Helvetica Neue"/>
+        <a:cs typeface="Helvetica Neue"/>
       </a:majorFont>
       <a:minorFont>
-        <a:latin typeface="Helvetica Light"/>
-        <a:ea typeface="Helvetica Light"/>
-        <a:cs typeface="Helvetica Light"/>
+        <a:latin typeface="Helvetica"/>
+        <a:ea typeface="Helvetica"/>
+        <a:cs typeface="Helvetica"/>
       </a:minorFont>
     </a:fontScheme>
-    <a:fmtScheme name="Gradient">
+    <a:fmtScheme name="Default">
       <a:fillStyleLst>
         <a:solidFill>
           <a:schemeClr val="phClr"/>
@@ -5260,20 +5977,15 @@
   <a:objectDefaults>
     <a:spDef>
       <a:spPr>
-        <a:gradFill flip="none" rotWithShape="1">
-          <a:gsLst>
-            <a:gs pos="0">
-              <a:srgbClr val="0066C1"/>
-            </a:gs>
-            <a:gs pos="100000">
-              <a:srgbClr val="094593"/>
-            </a:gs>
-          </a:gsLst>
-          <a:lin ang="5400000" scaled="0"/>
-        </a:gradFill>
-        <a:ln w="12700" cap="flat">
-          <a:noFill/>
-          <a:miter lim="400000"/>
+        <a:solidFill>
+          <a:srgbClr val="FFFFFF"/>
+        </a:solidFill>
+        <a:ln w="25400" cap="flat">
+          <a:solidFill>
+            <a:srgbClr val="0065C1"/>
+          </a:solidFill>
+          <a:prstDash val="solid"/>
+          <a:bevel/>
         </a:ln>
         <a:effectLst>
           <a:outerShdw sx="100000" sy="100000" kx="0" ky="0" algn="b" rotWithShape="0" blurRad="76200" dist="0" dir="18900000">
@@ -5302,24 +6014,18 @@
           <a:buFontTx/>
           <a:buNone/>
           <a:tabLst/>
-          <a:defRPr b="0" baseline="0" cap="none" i="0" spc="0" strike="noStrike" sz="2400" u="none" kumimoji="0" normalizeH="0">
+          <a:defRPr b="0" baseline="0" cap="none" i="0" spc="0" strike="noStrike" sz="3800" u="none" kumimoji="0" normalizeH="0">
             <a:ln>
               <a:noFill/>
             </a:ln>
             <a:solidFill>
-              <a:srgbClr val="FFFFFF"/>
+              <a:srgbClr val="FF0000"/>
             </a:solidFill>
-            <a:effectLst>
-              <a:outerShdw sx="100000" sy="100000" kx="0" ky="0" algn="b" rotWithShape="0" blurRad="25400" dist="23998" dir="2700000">
-                <a:srgbClr val="000000">
-                  <a:alpha val="31034"/>
-                </a:srgbClr>
-              </a:outerShdw>
-            </a:effectLst>
+            <a:effectLst/>
             <a:uFillTx/>
-            <a:latin typeface="+mn-lt"/>
-            <a:ea typeface="+mn-ea"/>
-            <a:cs typeface="+mn-cs"/>
+            <a:latin typeface="Helvetica Light"/>
+            <a:ea typeface="Helvetica Light"/>
+            <a:cs typeface="Helvetica Light"/>
             <a:sym typeface="Helvetica Light"/>
           </a:defRPr>
         </a:defPPr>
@@ -5570,12 +6276,18 @@
         <a:noFill/>
         <a:ln w="25400" cap="flat">
           <a:solidFill>
-            <a:srgbClr val="FFFFFF"/>
+            <a:srgbClr val="0065C1"/>
           </a:solidFill>
           <a:prstDash val="solid"/>
-          <a:miter lim="400000"/>
+          <a:bevel/>
         </a:ln>
-        <a:effectLst/>
+        <a:effectLst>
+          <a:outerShdw sx="100000" sy="100000" kx="0" ky="0" algn="b" rotWithShape="0" blurRad="76200" dist="0" dir="18900000">
+            <a:srgbClr val="000000">
+              <a:alpha val="80000"/>
+            </a:srgbClr>
+          </a:outerShdw>
+        </a:effectLst>
       </a:spPr>
       <a:bodyPr rot="0" spcFirstLastPara="1" vertOverflow="overflow" horzOverflow="overflow" vert="horz" wrap="square" lIns="91439" tIns="45719" rIns="91439" bIns="45719" numCol="1" spcCol="38100" rtlCol="0" anchor="t" upright="0">
         <a:noAutofit/>
@@ -5882,13 +6594,13 @@
               <a:noFill/>
             </a:ln>
             <a:solidFill>
-              <a:srgbClr val="FFFFFF"/>
+              <a:srgbClr val="FF0000"/>
             </a:solidFill>
             <a:effectLst/>
             <a:uFillTx/>
-            <a:latin typeface="+mn-lt"/>
-            <a:ea typeface="+mn-ea"/>
-            <a:cs typeface="+mn-cs"/>
+            <a:latin typeface="Helvetica Light"/>
+            <a:ea typeface="Helvetica Light"/>
+            <a:cs typeface="Helvetica Light"/>
             <a:sym typeface="Helvetica Light"/>
           </a:defRPr>
         </a:defPPr>

--- a/Presentazione_Gioco15.pptx
+++ b/Presentazione_Gioco15.pptx
@@ -30,100 +30,100 @@
     <a:lvl1pPr algn="ctr" defTabSz="584200">
       <a:defRPr sz="3800">
         <a:solidFill>
-          <a:srgbClr val="FF0000"/>
+          <a:srgbClr val="FFFFFF"/>
         </a:solidFill>
-        <a:latin typeface="Helvetica Light"/>
-        <a:ea typeface="Helvetica Light"/>
-        <a:cs typeface="Helvetica Light"/>
-        <a:sym typeface="Helvetica Light"/>
+        <a:latin typeface="+mj-lt"/>
+        <a:ea typeface="+mj-ea"/>
+        <a:cs typeface="+mj-cs"/>
+        <a:sym typeface="Helvetica"/>
       </a:defRPr>
     </a:lvl1pPr>
     <a:lvl2pPr algn="ctr" defTabSz="584200">
       <a:defRPr sz="3800">
         <a:solidFill>
-          <a:srgbClr val="FF0000"/>
+          <a:srgbClr val="FFFFFF"/>
         </a:solidFill>
-        <a:latin typeface="Helvetica Light"/>
-        <a:ea typeface="Helvetica Light"/>
-        <a:cs typeface="Helvetica Light"/>
-        <a:sym typeface="Helvetica Light"/>
+        <a:latin typeface="+mj-lt"/>
+        <a:ea typeface="+mj-ea"/>
+        <a:cs typeface="+mj-cs"/>
+        <a:sym typeface="Helvetica"/>
       </a:defRPr>
     </a:lvl2pPr>
     <a:lvl3pPr algn="ctr" defTabSz="584200">
       <a:defRPr sz="3800">
         <a:solidFill>
-          <a:srgbClr val="FF0000"/>
+          <a:srgbClr val="FFFFFF"/>
         </a:solidFill>
-        <a:latin typeface="Helvetica Light"/>
-        <a:ea typeface="Helvetica Light"/>
-        <a:cs typeface="Helvetica Light"/>
-        <a:sym typeface="Helvetica Light"/>
+        <a:latin typeface="+mj-lt"/>
+        <a:ea typeface="+mj-ea"/>
+        <a:cs typeface="+mj-cs"/>
+        <a:sym typeface="Helvetica"/>
       </a:defRPr>
     </a:lvl3pPr>
     <a:lvl4pPr algn="ctr" defTabSz="584200">
       <a:defRPr sz="3800">
         <a:solidFill>
-          <a:srgbClr val="FF0000"/>
+          <a:srgbClr val="FFFFFF"/>
         </a:solidFill>
-        <a:latin typeface="Helvetica Light"/>
-        <a:ea typeface="Helvetica Light"/>
-        <a:cs typeface="Helvetica Light"/>
-        <a:sym typeface="Helvetica Light"/>
+        <a:latin typeface="+mj-lt"/>
+        <a:ea typeface="+mj-ea"/>
+        <a:cs typeface="+mj-cs"/>
+        <a:sym typeface="Helvetica"/>
       </a:defRPr>
     </a:lvl4pPr>
     <a:lvl5pPr algn="ctr" defTabSz="584200">
       <a:defRPr sz="3800">
         <a:solidFill>
-          <a:srgbClr val="FF0000"/>
+          <a:srgbClr val="FFFFFF"/>
         </a:solidFill>
-        <a:latin typeface="Helvetica Light"/>
-        <a:ea typeface="Helvetica Light"/>
-        <a:cs typeface="Helvetica Light"/>
-        <a:sym typeface="Helvetica Light"/>
+        <a:latin typeface="+mj-lt"/>
+        <a:ea typeface="+mj-ea"/>
+        <a:cs typeface="+mj-cs"/>
+        <a:sym typeface="Helvetica"/>
       </a:defRPr>
     </a:lvl5pPr>
     <a:lvl6pPr algn="ctr" defTabSz="584200">
       <a:defRPr sz="3800">
         <a:solidFill>
-          <a:srgbClr val="FF0000"/>
+          <a:srgbClr val="FFFFFF"/>
         </a:solidFill>
-        <a:latin typeface="Helvetica Light"/>
-        <a:ea typeface="Helvetica Light"/>
-        <a:cs typeface="Helvetica Light"/>
-        <a:sym typeface="Helvetica Light"/>
+        <a:latin typeface="+mj-lt"/>
+        <a:ea typeface="+mj-ea"/>
+        <a:cs typeface="+mj-cs"/>
+        <a:sym typeface="Helvetica"/>
       </a:defRPr>
     </a:lvl6pPr>
     <a:lvl7pPr algn="ctr" defTabSz="584200">
       <a:defRPr sz="3800">
         <a:solidFill>
-          <a:srgbClr val="FF0000"/>
+          <a:srgbClr val="FFFFFF"/>
         </a:solidFill>
-        <a:latin typeface="Helvetica Light"/>
-        <a:ea typeface="Helvetica Light"/>
-        <a:cs typeface="Helvetica Light"/>
-        <a:sym typeface="Helvetica Light"/>
+        <a:latin typeface="+mj-lt"/>
+        <a:ea typeface="+mj-ea"/>
+        <a:cs typeface="+mj-cs"/>
+        <a:sym typeface="Helvetica"/>
       </a:defRPr>
     </a:lvl7pPr>
     <a:lvl8pPr algn="ctr" defTabSz="584200">
       <a:defRPr sz="3800">
         <a:solidFill>
-          <a:srgbClr val="FF0000"/>
+          <a:srgbClr val="FFFFFF"/>
         </a:solidFill>
-        <a:latin typeface="Helvetica Light"/>
-        <a:ea typeface="Helvetica Light"/>
-        <a:cs typeface="Helvetica Light"/>
-        <a:sym typeface="Helvetica Light"/>
+        <a:latin typeface="+mj-lt"/>
+        <a:ea typeface="+mj-ea"/>
+        <a:cs typeface="+mj-cs"/>
+        <a:sym typeface="Helvetica"/>
       </a:defRPr>
     </a:lvl8pPr>
     <a:lvl9pPr algn="ctr" defTabSz="584200">
       <a:defRPr sz="3800">
         <a:solidFill>
-          <a:srgbClr val="FF0000"/>
+          <a:srgbClr val="FFFFFF"/>
         </a:solidFill>
-        <a:latin typeface="Helvetica Light"/>
-        <a:ea typeface="Helvetica Light"/>
-        <a:cs typeface="Helvetica Light"/>
-        <a:sym typeface="Helvetica Light"/>
+        <a:latin typeface="+mj-lt"/>
+        <a:ea typeface="+mj-ea"/>
+        <a:cs typeface="+mj-cs"/>
+        <a:sym typeface="Helvetica"/>
       </a:defRPr>
     </a:lvl9pPr>
   </p:defaultTextStyle>
@@ -210,9 +210,9 @@
         <a:spcPct val="117999"/>
       </a:lnSpc>
       <a:defRPr sz="2200">
-        <a:latin typeface="+mj-lt"/>
-        <a:ea typeface="+mj-ea"/>
-        <a:cs typeface="+mj-cs"/>
+        <a:latin typeface="+mn-lt"/>
+        <a:ea typeface="+mn-ea"/>
+        <a:cs typeface="+mn-cs"/>
         <a:sym typeface="Helvetica Neue"/>
       </a:defRPr>
     </a:lvl1pPr>
@@ -221,9 +221,9 @@
         <a:spcPct val="117999"/>
       </a:lnSpc>
       <a:defRPr sz="2200">
-        <a:latin typeface="+mj-lt"/>
-        <a:ea typeface="+mj-ea"/>
-        <a:cs typeface="+mj-cs"/>
+        <a:latin typeface="+mn-lt"/>
+        <a:ea typeface="+mn-ea"/>
+        <a:cs typeface="+mn-cs"/>
         <a:sym typeface="Helvetica Neue"/>
       </a:defRPr>
     </a:lvl2pPr>
@@ -232,9 +232,9 @@
         <a:spcPct val="117999"/>
       </a:lnSpc>
       <a:defRPr sz="2200">
-        <a:latin typeface="+mj-lt"/>
-        <a:ea typeface="+mj-ea"/>
-        <a:cs typeface="+mj-cs"/>
+        <a:latin typeface="+mn-lt"/>
+        <a:ea typeface="+mn-ea"/>
+        <a:cs typeface="+mn-cs"/>
         <a:sym typeface="Helvetica Neue"/>
       </a:defRPr>
     </a:lvl3pPr>
@@ -243,9 +243,9 @@
         <a:spcPct val="117999"/>
       </a:lnSpc>
       <a:defRPr sz="2200">
-        <a:latin typeface="+mj-lt"/>
-        <a:ea typeface="+mj-ea"/>
-        <a:cs typeface="+mj-cs"/>
+        <a:latin typeface="+mn-lt"/>
+        <a:ea typeface="+mn-ea"/>
+        <a:cs typeface="+mn-cs"/>
         <a:sym typeface="Helvetica Neue"/>
       </a:defRPr>
     </a:lvl4pPr>
@@ -254,9 +254,9 @@
         <a:spcPct val="117999"/>
       </a:lnSpc>
       <a:defRPr sz="2200">
-        <a:latin typeface="+mj-lt"/>
-        <a:ea typeface="+mj-ea"/>
-        <a:cs typeface="+mj-cs"/>
+        <a:latin typeface="+mn-lt"/>
+        <a:ea typeface="+mn-ea"/>
+        <a:cs typeface="+mn-cs"/>
         <a:sym typeface="Helvetica Neue"/>
       </a:defRPr>
     </a:lvl5pPr>
@@ -265,9 +265,9 @@
         <a:spcPct val="117999"/>
       </a:lnSpc>
       <a:defRPr sz="2200">
-        <a:latin typeface="+mj-lt"/>
-        <a:ea typeface="+mj-ea"/>
-        <a:cs typeface="+mj-cs"/>
+        <a:latin typeface="+mn-lt"/>
+        <a:ea typeface="+mn-ea"/>
+        <a:cs typeface="+mn-cs"/>
         <a:sym typeface="Helvetica Neue"/>
       </a:defRPr>
     </a:lvl6pPr>
@@ -276,9 +276,9 @@
         <a:spcPct val="117999"/>
       </a:lnSpc>
       <a:defRPr sz="2200">
-        <a:latin typeface="+mj-lt"/>
-        <a:ea typeface="+mj-ea"/>
-        <a:cs typeface="+mj-cs"/>
+        <a:latin typeface="+mn-lt"/>
+        <a:ea typeface="+mn-ea"/>
+        <a:cs typeface="+mn-cs"/>
         <a:sym typeface="Helvetica Neue"/>
       </a:defRPr>
     </a:lvl7pPr>
@@ -287,9 +287,9 @@
         <a:spcPct val="117999"/>
       </a:lnSpc>
       <a:defRPr sz="2200">
-        <a:latin typeface="+mj-lt"/>
-        <a:ea typeface="+mj-ea"/>
-        <a:cs typeface="+mj-cs"/>
+        <a:latin typeface="+mn-lt"/>
+        <a:ea typeface="+mn-ea"/>
+        <a:cs typeface="+mn-cs"/>
         <a:sym typeface="Helvetica Neue"/>
       </a:defRPr>
     </a:lvl8pPr>
@@ -298,9 +298,9 @@
         <a:spcPct val="117999"/>
       </a:lnSpc>
       <a:defRPr sz="2200">
-        <a:latin typeface="+mj-lt"/>
-        <a:ea typeface="+mj-ea"/>
-        <a:cs typeface="+mj-cs"/>
+        <a:latin typeface="+mn-lt"/>
+        <a:ea typeface="+mn-ea"/>
+        <a:cs typeface="+mn-cs"/>
         <a:sym typeface="Helvetica Neue"/>
       </a:defRPr>
     </a:lvl9pPr>
@@ -375,7 +375,7 @@
         <p:spPr>
           <a:xfrm>
             <a:off x="1270000" y="5029200"/>
-            <a:ext cx="10464800" cy="3568700"/>
+            <a:ext cx="10464800" cy="4724400"/>
           </a:xfrm>
           <a:prstGeom prst="rect">
             <a:avLst/>
@@ -646,8 +646,8 @@
         </p:nvSpPr>
         <p:spPr>
           <a:xfrm>
-            <a:off x="1270000" y="4279900"/>
-            <a:ext cx="10464800" cy="3860800"/>
+            <a:off x="1270000" y="1841500"/>
+            <a:ext cx="10464800" cy="6299200"/>
           </a:xfrm>
           <a:prstGeom prst="rect">
             <a:avLst/>
@@ -1181,8 +1181,8 @@
         </p:nvSpPr>
         <p:spPr>
           <a:xfrm>
-            <a:off x="952500" y="44612"/>
-            <a:ext cx="11099800" cy="2844476"/>
+            <a:off x="952500" y="7447"/>
+            <a:ext cx="11099800" cy="2918806"/>
           </a:xfrm>
           <a:prstGeom prst="rect">
             <a:avLst/>
@@ -1286,7 +1286,33 @@
         </p:spPr>
         <p:txBody>
           <a:bodyPr/>
-          <a:lstStyle/>
+          <a:lstStyle>
+            <a:lvl1pPr>
+              <a:buBlip>
+                <a:blip r:embed="rId2"/>
+              </a:buBlip>
+            </a:lvl1pPr>
+            <a:lvl2pPr>
+              <a:buBlip>
+                <a:blip r:embed="rId2"/>
+              </a:buBlip>
+            </a:lvl2pPr>
+            <a:lvl3pPr>
+              <a:buBlip>
+                <a:blip r:embed="rId2"/>
+              </a:buBlip>
+            </a:lvl3pPr>
+            <a:lvl4pPr>
+              <a:buBlip>
+                <a:blip r:embed="rId2"/>
+              </a:buBlip>
+            </a:lvl4pPr>
+            <a:lvl5pPr>
+              <a:buBlip>
+                <a:blip r:embed="rId2"/>
+              </a:buBlip>
+            </a:lvl5pPr>
+          </a:lstStyle>
           <a:p>
             <a:pPr lvl="0">
               <a:defRPr sz="1800">
@@ -1465,8 +1491,8 @@
         </p:nvSpPr>
         <p:spPr>
           <a:xfrm>
-            <a:off x="952500" y="2547418"/>
-            <a:ext cx="5334000" cy="6373264"/>
+            <a:off x="952500" y="2547417"/>
+            <a:ext cx="5334000" cy="6373266"/>
           </a:xfrm>
           <a:prstGeom prst="rect">
             <a:avLst/>
@@ -1479,30 +1505,45 @@
               <a:spcBef>
                 <a:spcPts val="3800"/>
               </a:spcBef>
+              <a:buBlip>
+                <a:blip r:embed="rId2"/>
+              </a:buBlip>
               <a:defRPr sz="2800"/>
             </a:lvl1pPr>
             <a:lvl2pPr marL="762000" indent="-381000">
               <a:spcBef>
                 <a:spcPts val="3800"/>
               </a:spcBef>
+              <a:buBlip>
+                <a:blip r:embed="rId2"/>
+              </a:buBlip>
               <a:defRPr sz="2800"/>
             </a:lvl2pPr>
             <a:lvl3pPr marL="1143000" indent="-381000">
               <a:spcBef>
                 <a:spcPts val="3800"/>
               </a:spcBef>
+              <a:buBlip>
+                <a:blip r:embed="rId2"/>
+              </a:buBlip>
               <a:defRPr sz="2800"/>
             </a:lvl3pPr>
             <a:lvl4pPr marL="1524000" indent="-381000">
               <a:spcBef>
                 <a:spcPts val="3800"/>
               </a:spcBef>
+              <a:buBlip>
+                <a:blip r:embed="rId2"/>
+              </a:buBlip>
               <a:defRPr sz="2800"/>
             </a:lvl4pPr>
             <a:lvl5pPr marL="1905000" indent="-381000">
               <a:spcBef>
                 <a:spcPts val="3800"/>
               </a:spcBef>
+              <a:buBlip>
+                <a:blip r:embed="rId2"/>
+              </a:buBlip>
               <a:defRPr sz="2800"/>
             </a:lvl5pPr>
           </a:lstStyle>
@@ -1658,7 +1699,33 @@
         </p:spPr>
         <p:txBody>
           <a:bodyPr/>
-          <a:lstStyle/>
+          <a:lstStyle>
+            <a:lvl1pPr>
+              <a:buBlip>
+                <a:blip r:embed="rId2"/>
+              </a:buBlip>
+            </a:lvl1pPr>
+            <a:lvl2pPr>
+              <a:buBlip>
+                <a:blip r:embed="rId2"/>
+              </a:buBlip>
+            </a:lvl2pPr>
+            <a:lvl3pPr>
+              <a:buBlip>
+                <a:blip r:embed="rId2"/>
+              </a:buBlip>
+            </a:lvl3pPr>
+            <a:lvl4pPr>
+              <a:buBlip>
+                <a:blip r:embed="rId2"/>
+              </a:buBlip>
+            </a:lvl4pPr>
+            <a:lvl5pPr>
+              <a:buBlip>
+                <a:blip r:embed="rId2"/>
+              </a:buBlip>
+            </a:lvl5pPr>
+          </a:lstStyle>
           <a:p>
             <a:pPr lvl="0">
               <a:defRPr sz="1800">
@@ -1840,7 +1907,7 @@
         <p:spPr>
           <a:xfrm>
             <a:off x="952500" y="386281"/>
-            <a:ext cx="11099800" cy="2161138"/>
+            <a:ext cx="11099800" cy="2161139"/>
           </a:xfrm>
           <a:prstGeom prst="rect">
             <a:avLst/>
@@ -1888,8 +1955,8 @@
         </p:nvSpPr>
         <p:spPr>
           <a:xfrm>
-            <a:off x="952500" y="2547418"/>
-            <a:ext cx="11099800" cy="6373264"/>
+            <a:off x="952500" y="2547417"/>
+            <a:ext cx="11099800" cy="6373266"/>
           </a:xfrm>
           <a:prstGeom prst="rect">
             <a:avLst/>
@@ -1907,7 +1974,33 @@
           <a:bodyPr lIns="0" tIns="0" rIns="0" bIns="0" anchor="ctr">
             <a:normAutofit fontScale="100000" lnSpcReduction="0"/>
           </a:bodyPr>
-          <a:lstStyle/>
+          <a:lstStyle>
+            <a:lvl1pPr>
+              <a:buBlip>
+                <a:blip r:embed="rId3"/>
+              </a:buBlip>
+            </a:lvl1pPr>
+            <a:lvl2pPr>
+              <a:buBlip>
+                <a:blip r:embed="rId3"/>
+              </a:buBlip>
+            </a:lvl2pPr>
+            <a:lvl3pPr>
+              <a:buBlip>
+                <a:blip r:embed="rId3"/>
+              </a:buBlip>
+            </a:lvl3pPr>
+            <a:lvl4pPr>
+              <a:buBlip>
+                <a:blip r:embed="rId3"/>
+              </a:buBlip>
+            </a:lvl4pPr>
+            <a:lvl5pPr>
+              <a:buBlip>
+                <a:blip r:embed="rId3"/>
+              </a:buBlip>
+            </a:lvl5pPr>
+          </a:lstStyle>
           <a:p>
             <a:pPr lvl="0">
               <a:defRPr sz="1800">
@@ -2019,18 +2112,18 @@
   </p:cSld>
   <p:clrMap bg1="dk1" tx1="lt1" bg2="dk2" tx2="lt2" accent1="accent1" accent2="accent2" accent3="accent3" accent4="accent4" accent5="accent5" accent6="accent6" hlink="hlink" folHlink="folHlink"/>
   <p:sldLayoutIdLst>
-    <p:sldLayoutId id="2147483649" r:id="rId3"/>
-    <p:sldLayoutId id="2147483650" r:id="rId4"/>
-    <p:sldLayoutId id="2147483651" r:id="rId5"/>
-    <p:sldLayoutId id="2147483652" r:id="rId6"/>
-    <p:sldLayoutId id="2147483653" r:id="rId7"/>
-    <p:sldLayoutId id="2147483654" r:id="rId8"/>
-    <p:sldLayoutId id="2147483655" r:id="rId9"/>
-    <p:sldLayoutId id="2147483656" r:id="rId10"/>
-    <p:sldLayoutId id="2147483657" r:id="rId11"/>
-    <p:sldLayoutId id="2147483658" r:id="rId12"/>
-    <p:sldLayoutId id="2147483659" r:id="rId13"/>
-    <p:sldLayoutId id="2147483660" r:id="rId14"/>
+    <p:sldLayoutId id="2147483649" r:id="rId4"/>
+    <p:sldLayoutId id="2147483650" r:id="rId5"/>
+    <p:sldLayoutId id="2147483651" r:id="rId6"/>
+    <p:sldLayoutId id="2147483652" r:id="rId7"/>
+    <p:sldLayoutId id="2147483653" r:id="rId8"/>
+    <p:sldLayoutId id="2147483654" r:id="rId9"/>
+    <p:sldLayoutId id="2147483655" r:id="rId10"/>
+    <p:sldLayoutId id="2147483656" r:id="rId11"/>
+    <p:sldLayoutId id="2147483657" r:id="rId12"/>
+    <p:sldLayoutId id="2147483658" r:id="rId13"/>
+    <p:sldLayoutId id="2147483659" r:id="rId14"/>
+    <p:sldLayoutId id="2147483660" r:id="rId15"/>
   </p:sldLayoutIdLst>
   <p:transition spd="med" advClick="1"/>
   <p:txStyles>
@@ -2141,7 +2234,9 @@
           <a:spcPts val="4200"/>
         </a:spcBef>
         <a:buSzPct val="75000"/>
-        <a:buChar char="•"/>
+        <a:buBlip>
+          <a:blip r:embed="rId3"/>
+        </a:buBlip>
         <a:defRPr sz="3800">
           <a:solidFill>
             <a:srgbClr val="FFFFFF"/>
@@ -2157,7 +2252,9 @@
           <a:spcPts val="4200"/>
         </a:spcBef>
         <a:buSzPct val="75000"/>
-        <a:buChar char="•"/>
+        <a:buBlip>
+          <a:blip r:embed="rId3"/>
+        </a:buBlip>
         <a:defRPr sz="3800">
           <a:solidFill>
             <a:srgbClr val="FFFFFF"/>
@@ -2173,7 +2270,9 @@
           <a:spcPts val="4200"/>
         </a:spcBef>
         <a:buSzPct val="75000"/>
-        <a:buChar char="•"/>
+        <a:buBlip>
+          <a:blip r:embed="rId3"/>
+        </a:buBlip>
         <a:defRPr sz="3800">
           <a:solidFill>
             <a:srgbClr val="FFFFFF"/>
@@ -2189,7 +2288,9 @@
           <a:spcPts val="4200"/>
         </a:spcBef>
         <a:buSzPct val="75000"/>
-        <a:buChar char="•"/>
+        <a:buBlip>
+          <a:blip r:embed="rId3"/>
+        </a:buBlip>
         <a:defRPr sz="3800">
           <a:solidFill>
             <a:srgbClr val="FFFFFF"/>
@@ -2205,7 +2306,9 @@
           <a:spcPts val="4200"/>
         </a:spcBef>
         <a:buSzPct val="75000"/>
-        <a:buChar char="•"/>
+        <a:buBlip>
+          <a:blip r:embed="rId3"/>
+        </a:buBlip>
         <a:defRPr sz="3800">
           <a:solidFill>
             <a:srgbClr val="FFFFFF"/>
@@ -2221,7 +2324,9 @@
           <a:spcPts val="4200"/>
         </a:spcBef>
         <a:buSzPct val="75000"/>
-        <a:buChar char="•"/>
+        <a:buBlip>
+          <a:blip r:embed="rId3"/>
+        </a:buBlip>
         <a:defRPr sz="3800">
           <a:solidFill>
             <a:srgbClr val="FFFFFF"/>
@@ -2237,7 +2342,9 @@
           <a:spcPts val="4200"/>
         </a:spcBef>
         <a:buSzPct val="75000"/>
-        <a:buChar char="•"/>
+        <a:buBlip>
+          <a:blip r:embed="rId3"/>
+        </a:buBlip>
         <a:defRPr sz="3800">
           <a:solidFill>
             <a:srgbClr val="FFFFFF"/>
@@ -2253,7 +2360,9 @@
           <a:spcPts val="4200"/>
         </a:spcBef>
         <a:buSzPct val="75000"/>
-        <a:buChar char="•"/>
+        <a:buBlip>
+          <a:blip r:embed="rId3"/>
+        </a:buBlip>
         <a:defRPr sz="3800">
           <a:solidFill>
             <a:srgbClr val="FFFFFF"/>
@@ -2269,7 +2378,9 @@
           <a:spcPts val="4200"/>
         </a:spcBef>
         <a:buSzPct val="75000"/>
-        <a:buChar char="•"/>
+        <a:buBlip>
+          <a:blip r:embed="rId3"/>
+        </a:buBlip>
         <a:defRPr sz="3800">
           <a:solidFill>
             <a:srgbClr val="FFFFFF"/>
@@ -2437,7 +2548,7 @@
                   <a:srgbClr val="FFFFFF"/>
                 </a:solidFill>
               </a:rPr>
-              <a:t>Gioco del 15 (abbozzo)</a:t>
+              <a:t>Gioco del 15</a:t>
             </a:r>
           </a:p>
         </p:txBody>
@@ -2476,7 +2587,23 @@
                   <a:srgbClr val="FFFFFF"/>
                 </a:solidFill>
               </a:rPr>
-              <a:t>Gruppo:Genta, Massimino, Levrone, Nikolov.</a:t>
+              <a:t>Gruppo:Genta, Massimino, Levrone</a:t>
+            </a:r>
+            <a:r>
+              <a:rPr sz="3200">
+                <a:solidFill>
+                  <a:srgbClr val="FFFFFF"/>
+                </a:solidFill>
+              </a:rPr>
+              <a:t> e</a:t>
+            </a:r>
+            <a:r>
+              <a:rPr sz="3200">
+                <a:solidFill>
+                  <a:srgbClr val="FFFFFF"/>
+                </a:solidFill>
+              </a:rPr>
+              <a:t> Nikolov.</a:t>
             </a:r>
           </a:p>
         </p:txBody>
@@ -2621,150 +2748,14 @@
       </p:par>
     </p:tnLst>
     <p:bldLst>
+      <p:bldP build="whole" bldLvl="1" animBg="1" rev="0" advAuto="0" spid="33" grpId="2"/>
       <p:bldP build="whole" bldLvl="1" animBg="1" rev="0" advAuto="0" spid="32" grpId="1"/>
-      <p:bldP build="whole" bldLvl="1" animBg="1" rev="0" advAuto="0" spid="33" grpId="2"/>
     </p:bldLst>
   </p:timing>
 </p:sld>
 </file>
 
 <file path=ppt/slides/slide10.xml><?xml version="1.0" encoding="utf-8"?>
-<p:sld xmlns:a="http://schemas.openxmlformats.org/drawingml/2006/main" xmlns:r="http://schemas.openxmlformats.org/officeDocument/2006/relationships" xmlns:p="http://schemas.openxmlformats.org/presentationml/2006/main" showMasterSp="1" showMasterPhAnim="1">
-  <p:cSld>
-    <p:spTree>
-      <p:nvGrpSpPr>
-        <p:cNvPr id="1" name=""/>
-        <p:cNvGrpSpPr/>
-        <p:nvPr/>
-      </p:nvGrpSpPr>
-      <p:grpSpPr>
-        <a:xfrm>
-          <a:off x="0" y="0"/>
-          <a:ext cx="0" cy="0"/>
-          <a:chOff x="0" y="0"/>
-          <a:chExt cx="0" cy="0"/>
-        </a:xfrm>
-      </p:grpSpPr>
-      <p:sp>
-        <p:nvSpPr>
-          <p:cNvPr id="56" name="Shape 56"/>
-          <p:cNvSpPr/>
-          <p:nvPr>
-            <p:ph type="title"/>
-          </p:nvPr>
-        </p:nvSpPr>
-        <p:spPr>
-          <a:xfrm>
-            <a:off x="952500" y="406400"/>
-            <a:ext cx="11099800" cy="2120900"/>
-          </a:xfrm>
-          <a:prstGeom prst="rect">
-            <a:avLst/>
-          </a:prstGeom>
-        </p:spPr>
-        <p:txBody>
-          <a:bodyPr/>
-          <a:lstStyle>
-            <a:lvl1pPr defTabSz="531622">
-              <a:defRPr sz="7200"/>
-            </a:lvl1pPr>
-          </a:lstStyle>
-          <a:p>
-            <a:pPr lvl="0">
-              <a:defRPr sz="1800">
-                <a:solidFill>
-                  <a:srgbClr val="000000"/>
-                </a:solidFill>
-              </a:defRPr>
-            </a:pPr>
-            <a:r>
-              <a:rPr sz="7200">
-                <a:solidFill>
-                  <a:srgbClr val="FFFFFF"/>
-                </a:solidFill>
-              </a:rPr>
-              <a:t>Animazione vittoria e inizio</a:t>
-            </a:r>
-          </a:p>
-        </p:txBody>
-      </p:sp>
-      <p:sp>
-        <p:nvSpPr>
-          <p:cNvPr id="57" name="Shape 57"/>
-          <p:cNvSpPr/>
-          <p:nvPr>
-            <p:ph type="body" idx="1"/>
-          </p:nvPr>
-        </p:nvSpPr>
-        <p:spPr>
-          <a:xfrm>
-            <a:off x="952500" y="2590800"/>
-            <a:ext cx="11099800" cy="6286500"/>
-          </a:xfrm>
-          <a:prstGeom prst="rect">
-            <a:avLst/>
-          </a:prstGeom>
-        </p:spPr>
-        <p:txBody>
-          <a:bodyPr/>
-          <a:lstStyle/>
-          <a:p>
-            <a:pPr lvl="0" marL="965200" indent="-965200">
-              <a:buClr>
-                <a:srgbClr val="FFFFFF"/>
-              </a:buClr>
-              <a:defRPr sz="1800">
-                <a:solidFill>
-                  <a:srgbClr val="000000"/>
-                </a:solidFill>
-              </a:defRPr>
-            </a:pPr>
-            <a:r>
-              <a:rPr sz="3800">
-                <a:solidFill>
-                  <a:srgbClr val="FFFFFF"/>
-                </a:solidFill>
-              </a:rPr>
-              <a:t>Vittoria (id=testo celle)</a:t>
-            </a:r>
-            <a:endParaRPr sz="3800">
-              <a:solidFill>
-                <a:srgbClr val="FFFFFF"/>
-              </a:solidFill>
-            </a:endParaRPr>
-          </a:p>
-          <a:p>
-            <a:pPr lvl="0" marL="965200" indent="-965200">
-              <a:buClr>
-                <a:srgbClr val="FFFFFF"/>
-              </a:buClr>
-              <a:defRPr sz="1800">
-                <a:solidFill>
-                  <a:srgbClr val="000000"/>
-                </a:solidFill>
-              </a:defRPr>
-            </a:pPr>
-            <a:r>
-              <a:rPr sz="3800">
-                <a:solidFill>
-                  <a:srgbClr val="FFFFFF"/>
-                </a:solidFill>
-              </a:rPr>
-              <a:t>Animazione=rotazione di 360 gradi con cambio di testo in complimenti</a:t>
-            </a:r>
-          </a:p>
-        </p:txBody>
-      </p:sp>
-    </p:spTree>
-  </p:cSld>
-  <p:clrMapOvr>
-    <a:masterClrMapping/>
-  </p:clrMapOvr>
-  <p:transition spd="slow" advClick="1"/>
-</p:sld>
-</file>
-
-<file path=ppt/slides/slide11.xml><?xml version="1.0" encoding="utf-8"?>
 <p:sld xmlns:a="http://schemas.openxmlformats.org/drawingml/2006/main" xmlns:r="http://schemas.openxmlformats.org/officeDocument/2006/relationships" xmlns:p="http://schemas.openxmlformats.org/presentationml/2006/main" showMasterSp="1" showMasterPhAnim="1">
   <p:cSld>
     <p:spTree>
@@ -2800,7 +2791,11 @@
         </p:spPr>
         <p:txBody>
           <a:bodyPr/>
-          <a:lstStyle/>
+          <a:lstStyle>
+            <a:lvl1pPr defTabSz="531622">
+              <a:defRPr sz="7200"/>
+            </a:lvl1pPr>
+          </a:lstStyle>
           <a:p>
             <a:pPr lvl="0">
               <a:defRPr sz="1800">
@@ -2810,12 +2805,12 @@
               </a:defRPr>
             </a:pPr>
             <a:r>
-              <a:rPr sz="8000">
-                <a:solidFill>
-                  <a:srgbClr val="FFFFFF"/>
-                </a:solidFill>
-              </a:rPr>
-              <a:t>Test risolvibilità matrice</a:t>
+              <a:rPr sz="7200">
+                <a:solidFill>
+                  <a:srgbClr val="FFFFFF"/>
+                </a:solidFill>
+              </a:rPr>
+              <a:t>Animazione vittoria e inizio</a:t>
             </a:r>
           </a:p>
         </p:txBody>
@@ -2839,11 +2834,147 @@
         </p:spPr>
         <p:txBody>
           <a:bodyPr/>
-          <a:lstStyle>
-            <a:lvl1pPr marL="965200" indent="-965200">
+          <a:lstStyle/>
+          <a:p>
+            <a:pPr lvl="0" marL="2037644" indent="-2037644">
               <a:buClr>
                 <a:srgbClr val="FFFFFF"/>
               </a:buClr>
+              <a:buBlip>
+                <a:blip r:embed="rId2"/>
+              </a:buBlip>
+              <a:defRPr sz="1800">
+                <a:solidFill>
+                  <a:srgbClr val="000000"/>
+                </a:solidFill>
+              </a:defRPr>
+            </a:pPr>
+            <a:r>
+              <a:rPr sz="3800">
+                <a:solidFill>
+                  <a:srgbClr val="FFFFFF"/>
+                </a:solidFill>
+              </a:rPr>
+              <a:t>Vittoria (id=testo celle)</a:t>
+            </a:r>
+          </a:p>
+          <a:p>
+            <a:pPr lvl="0" marL="2037644" indent="-2037644">
+              <a:buClr>
+                <a:srgbClr val="FFFFFF"/>
+              </a:buClr>
+              <a:buBlip>
+                <a:blip r:embed="rId2"/>
+              </a:buBlip>
+              <a:defRPr sz="1800">
+                <a:solidFill>
+                  <a:srgbClr val="000000"/>
+                </a:solidFill>
+              </a:defRPr>
+            </a:pPr>
+            <a:r>
+              <a:rPr sz="3800">
+                <a:solidFill>
+                  <a:srgbClr val="FFFFFF"/>
+                </a:solidFill>
+              </a:rPr>
+              <a:t>Animazione=rotazione di 360 gradi con cambio di testo in complimenti</a:t>
+            </a:r>
+          </a:p>
+        </p:txBody>
+      </p:sp>
+    </p:spTree>
+  </p:cSld>
+  <p:clrMapOvr>
+    <a:masterClrMapping/>
+  </p:clrMapOvr>
+  <p:transition spd="med" advClick="1"/>
+</p:sld>
+</file>
+
+<file path=ppt/slides/slide11.xml><?xml version="1.0" encoding="utf-8"?>
+<p:sld xmlns:a="http://schemas.openxmlformats.org/drawingml/2006/main" xmlns:r="http://schemas.openxmlformats.org/officeDocument/2006/relationships" xmlns:p="http://schemas.openxmlformats.org/presentationml/2006/main" showMasterSp="1" showMasterPhAnim="1">
+  <p:cSld>
+    <p:spTree>
+      <p:nvGrpSpPr>
+        <p:cNvPr id="1" name=""/>
+        <p:cNvGrpSpPr/>
+        <p:nvPr/>
+      </p:nvGrpSpPr>
+      <p:grpSpPr>
+        <a:xfrm>
+          <a:off x="0" y="0"/>
+          <a:ext cx="0" cy="0"/>
+          <a:chOff x="0" y="0"/>
+          <a:chExt cx="0" cy="0"/>
+        </a:xfrm>
+      </p:grpSpPr>
+      <p:sp>
+        <p:nvSpPr>
+          <p:cNvPr id="62" name="Shape 62"/>
+          <p:cNvSpPr/>
+          <p:nvPr>
+            <p:ph type="title"/>
+          </p:nvPr>
+        </p:nvSpPr>
+        <p:spPr>
+          <a:xfrm>
+            <a:off x="952500" y="406400"/>
+            <a:ext cx="11099800" cy="2120900"/>
+          </a:xfrm>
+          <a:prstGeom prst="rect">
+            <a:avLst/>
+          </a:prstGeom>
+        </p:spPr>
+        <p:txBody>
+          <a:bodyPr/>
+          <a:lstStyle/>
+          <a:p>
+            <a:pPr lvl="0">
+              <a:defRPr sz="1800">
+                <a:solidFill>
+                  <a:srgbClr val="000000"/>
+                </a:solidFill>
+              </a:defRPr>
+            </a:pPr>
+            <a:r>
+              <a:rPr sz="8000">
+                <a:solidFill>
+                  <a:srgbClr val="FFFFFF"/>
+                </a:solidFill>
+              </a:rPr>
+              <a:t>Test risolvibilità matrice</a:t>
+            </a:r>
+          </a:p>
+        </p:txBody>
+      </p:sp>
+      <p:sp>
+        <p:nvSpPr>
+          <p:cNvPr id="63" name="Shape 63"/>
+          <p:cNvSpPr/>
+          <p:nvPr>
+            <p:ph type="body" idx="1"/>
+          </p:nvPr>
+        </p:nvSpPr>
+        <p:spPr>
+          <a:xfrm>
+            <a:off x="952500" y="2590800"/>
+            <a:ext cx="11099800" cy="6286500"/>
+          </a:xfrm>
+          <a:prstGeom prst="rect">
+            <a:avLst/>
+          </a:prstGeom>
+        </p:spPr>
+        <p:txBody>
+          <a:bodyPr/>
+          <a:lstStyle>
+            <a:lvl1pPr marL="2037644" indent="-2037644">
+              <a:buClr>
+                <a:srgbClr val="FFFFFF"/>
+              </a:buClr>
+              <a:buBlip>
+                <a:blip r:embed="rId2"/>
+              </a:buBlip>
             </a:lvl1pPr>
           </a:lstStyle>
           <a:p>
@@ -2893,7 +3024,7 @@
       </p:grpSpPr>
       <p:sp>
         <p:nvSpPr>
-          <p:cNvPr id="62" name="Shape 62"/>
+          <p:cNvPr id="65" name="Shape 65"/>
           <p:cNvSpPr/>
           <p:nvPr>
             <p:ph type="title"/>
@@ -2975,7 +3106,7 @@
                             </p:stCondLst>
                             <p:childTnLst>
                               <p:par>
-                                <p:cTn id="5" nodeType="clickEffect" presetClass="entr" presetSubtype="0" presetID="9" grpId="1" fill="hold">
+                                <p:cTn id="5" nodeType="clickEffect" presetClass="entr" presetSubtype="0" presetID="10" grpId="1" fill="hold">
                                   <p:stCondLst>
                                     <p:cond delay="0"/>
                                   </p:stCondLst>
@@ -2987,7 +3118,7 @@
                                       <p:cBhvr>
                                         <p:cTn id="6" fill="hold"/>
                                         <p:tgtEl>
-                                          <p:spTgt spid="62"/>
+                                          <p:spTgt spid="65"/>
                                         </p:tgtEl>
                                         <p:attrNameLst>
                                           <p:attrName>style.visibility</p:attrName>
@@ -2997,11 +3128,11 @@
                                         <p:strVal val="visible"/>
                                       </p:to>
                                     </p:set>
-                                    <p:animEffect filter="dissolve" transition="in">
+                                    <p:animEffect filter="fade" transition="in">
                                       <p:cBhvr>
                                         <p:cTn id="7" dur="1500"/>
                                         <p:tgtEl>
-                                          <p:spTgt spid="62"/>
+                                          <p:spTgt spid="65"/>
                                         </p:tgtEl>
                                       </p:cBhvr>
                                     </p:animEffect>
@@ -3036,145 +3167,13 @@
       </p:par>
     </p:tnLst>
     <p:bldLst>
-      <p:bldP build="whole" bldLvl="1" animBg="1" rev="0" advAuto="0" spid="62" grpId="1"/>
+      <p:bldP build="whole" bldLvl="1" animBg="1" rev="0" advAuto="0" spid="65" grpId="1"/>
     </p:bldLst>
   </p:timing>
 </p:sld>
 </file>
 
 <file path=ppt/slides/slide13.xml><?xml version="1.0" encoding="utf-8"?>
-<p:sld xmlns:a="http://schemas.openxmlformats.org/drawingml/2006/main" xmlns:r="http://schemas.openxmlformats.org/officeDocument/2006/relationships" xmlns:p="http://schemas.openxmlformats.org/presentationml/2006/main" showMasterSp="1" showMasterPhAnim="1">
-  <p:cSld>
-    <p:spTree>
-      <p:nvGrpSpPr>
-        <p:cNvPr id="1" name=""/>
-        <p:cNvGrpSpPr/>
-        <p:nvPr/>
-      </p:nvGrpSpPr>
-      <p:grpSpPr>
-        <a:xfrm>
-          <a:off x="0" y="0"/>
-          <a:ext cx="0" cy="0"/>
-          <a:chOff x="0" y="0"/>
-          <a:chExt cx="0" cy="0"/>
-        </a:xfrm>
-      </p:grpSpPr>
-      <p:sp>
-        <p:nvSpPr>
-          <p:cNvPr id="64" name="Shape 64"/>
-          <p:cNvSpPr/>
-          <p:nvPr>
-            <p:ph type="title"/>
-          </p:nvPr>
-        </p:nvSpPr>
-        <p:spPr>
-          <a:xfrm>
-            <a:off x="952500" y="406400"/>
-            <a:ext cx="11099800" cy="2120900"/>
-          </a:xfrm>
-          <a:prstGeom prst="rect">
-            <a:avLst/>
-          </a:prstGeom>
-        </p:spPr>
-        <p:txBody>
-          <a:bodyPr/>
-          <a:lstStyle/>
-          <a:p>
-            <a:pPr lvl="0">
-              <a:defRPr sz="1800">
-                <a:solidFill>
-                  <a:srgbClr val="000000"/>
-                </a:solidFill>
-              </a:defRPr>
-            </a:pPr>
-            <a:r>
-              <a:rPr sz="8000">
-                <a:solidFill>
-                  <a:srgbClr val="FFFFFF"/>
-                </a:solidFill>
-              </a:rPr>
-              <a:t>Lavoro di gruppo</a:t>
-            </a:r>
-          </a:p>
-        </p:txBody>
-      </p:sp>
-      <p:sp>
-        <p:nvSpPr>
-          <p:cNvPr id="65" name="Shape 65"/>
-          <p:cNvSpPr/>
-          <p:nvPr>
-            <p:ph type="body" idx="1"/>
-          </p:nvPr>
-        </p:nvSpPr>
-        <p:spPr>
-          <a:xfrm>
-            <a:off x="952500" y="2590800"/>
-            <a:ext cx="11099800" cy="6286500"/>
-          </a:xfrm>
-          <a:prstGeom prst="rect">
-            <a:avLst/>
-          </a:prstGeom>
-        </p:spPr>
-        <p:txBody>
-          <a:bodyPr/>
-          <a:lstStyle/>
-          <a:p>
-            <a:pPr lvl="0" marL="965200" indent="-965200">
-              <a:buClr>
-                <a:srgbClr val="FFFFFF"/>
-              </a:buClr>
-              <a:defRPr sz="1800">
-                <a:solidFill>
-                  <a:srgbClr val="000000"/>
-                </a:solidFill>
-              </a:defRPr>
-            </a:pPr>
-            <a:r>
-              <a:rPr sz="3800">
-                <a:solidFill>
-                  <a:srgbClr val="FFFFFF"/>
-                </a:solidFill>
-              </a:rPr>
-              <a:t>Per condividere, aggiornare e scambiare materiale abbiamo fatto affidamento su GitHub</a:t>
-            </a:r>
-            <a:endParaRPr sz="3800">
-              <a:solidFill>
-                <a:srgbClr val="FFFFFF"/>
-              </a:solidFill>
-            </a:endParaRPr>
-          </a:p>
-          <a:p>
-            <a:pPr lvl="0" marL="965200" indent="-965200">
-              <a:buClr>
-                <a:srgbClr val="FFFFFF"/>
-              </a:buClr>
-              <a:defRPr sz="1800">
-                <a:solidFill>
-                  <a:srgbClr val="000000"/>
-                </a:solidFill>
-              </a:defRPr>
-            </a:pPr>
-            <a:r>
-              <a:rPr sz="3800">
-                <a:solidFill>
-                  <a:srgbClr val="FFFFFF"/>
-                </a:solidFill>
-              </a:rPr>
-              <a:t>Abbiamo seguito una tabella di marcia realizzando prima il codice HTML poi gli script e infine gli stili CSS.</a:t>
-            </a:r>
-          </a:p>
-        </p:txBody>
-      </p:sp>
-    </p:spTree>
-  </p:cSld>
-  <p:clrMapOvr>
-    <a:masterClrMapping/>
-  </p:clrMapOvr>
-  <p:transition spd="slow" advClick="1"/>
-</p:sld>
-</file>
-
-<file path=ppt/slides/slide14.xml><?xml version="1.0" encoding="utf-8"?>
 <p:sld xmlns:a="http://schemas.openxmlformats.org/drawingml/2006/main" xmlns:r="http://schemas.openxmlformats.org/officeDocument/2006/relationships" xmlns:p="http://schemas.openxmlformats.org/presentationml/2006/main" showMasterSp="1" showMasterPhAnim="1">
   <p:cSld>
     <p:spTree>
@@ -3225,7 +3224,7 @@
                   <a:srgbClr val="FFFFFF"/>
                 </a:solidFill>
               </a:rPr>
-              <a:t>Ruoli nel gruppo</a:t>
+              <a:t>Lavoro di gruppo</a:t>
             </a:r>
           </a:p>
         </p:txBody>
@@ -3251,6 +3250,139 @@
           <a:bodyPr/>
           <a:lstStyle/>
           <a:p>
+            <a:pPr lvl="0" marL="2037644" indent="-2037644">
+              <a:buClr>
+                <a:srgbClr val="FFFFFF"/>
+              </a:buClr>
+              <a:buBlip>
+                <a:blip r:embed="rId2"/>
+              </a:buBlip>
+              <a:defRPr sz="1800">
+                <a:solidFill>
+                  <a:srgbClr val="000000"/>
+                </a:solidFill>
+              </a:defRPr>
+            </a:pPr>
+            <a:r>
+              <a:rPr sz="3800">
+                <a:solidFill>
+                  <a:srgbClr val="FFFFFF"/>
+                </a:solidFill>
+              </a:rPr>
+              <a:t>Per condividere, aggiornare e scambiare materiale abbiamo fatto affidamento su GitHub</a:t>
+            </a:r>
+          </a:p>
+          <a:p>
+            <a:pPr lvl="0" marL="2037644" indent="-2037644">
+              <a:buClr>
+                <a:srgbClr val="FFFFFF"/>
+              </a:buClr>
+              <a:buBlip>
+                <a:blip r:embed="rId2"/>
+              </a:buBlip>
+              <a:defRPr sz="1800">
+                <a:solidFill>
+                  <a:srgbClr val="000000"/>
+                </a:solidFill>
+              </a:defRPr>
+            </a:pPr>
+            <a:r>
+              <a:rPr sz="3800">
+                <a:solidFill>
+                  <a:srgbClr val="FFFFFF"/>
+                </a:solidFill>
+              </a:rPr>
+              <a:t>Abbiamo seguito una tabella di marcia realizzando prima il codice HTML poi gli script e infine gli stili CSS.</a:t>
+            </a:r>
+          </a:p>
+        </p:txBody>
+      </p:sp>
+    </p:spTree>
+  </p:cSld>
+  <p:clrMapOvr>
+    <a:masterClrMapping/>
+  </p:clrMapOvr>
+  <p:transition spd="med" advClick="1"/>
+</p:sld>
+</file>
+
+<file path=ppt/slides/slide14.xml><?xml version="1.0" encoding="utf-8"?>
+<p:sld xmlns:a="http://schemas.openxmlformats.org/drawingml/2006/main" xmlns:r="http://schemas.openxmlformats.org/officeDocument/2006/relationships" xmlns:p="http://schemas.openxmlformats.org/presentationml/2006/main" showMasterSp="1" showMasterPhAnim="1">
+  <p:cSld>
+    <p:spTree>
+      <p:nvGrpSpPr>
+        <p:cNvPr id="1" name=""/>
+        <p:cNvGrpSpPr/>
+        <p:nvPr/>
+      </p:nvGrpSpPr>
+      <p:grpSpPr>
+        <a:xfrm>
+          <a:off x="0" y="0"/>
+          <a:ext cx="0" cy="0"/>
+          <a:chOff x="0" y="0"/>
+          <a:chExt cx="0" cy="0"/>
+        </a:xfrm>
+      </p:grpSpPr>
+      <p:sp>
+        <p:nvSpPr>
+          <p:cNvPr id="70" name="Shape 70"/>
+          <p:cNvSpPr/>
+          <p:nvPr>
+            <p:ph type="title"/>
+          </p:nvPr>
+        </p:nvSpPr>
+        <p:spPr>
+          <a:xfrm>
+            <a:off x="952500" y="406400"/>
+            <a:ext cx="11099800" cy="2120900"/>
+          </a:xfrm>
+          <a:prstGeom prst="rect">
+            <a:avLst/>
+          </a:prstGeom>
+        </p:spPr>
+        <p:txBody>
+          <a:bodyPr/>
+          <a:lstStyle/>
+          <a:p>
+            <a:pPr lvl="0">
+              <a:defRPr sz="1800">
+                <a:solidFill>
+                  <a:srgbClr val="000000"/>
+                </a:solidFill>
+              </a:defRPr>
+            </a:pPr>
+            <a:r>
+              <a:rPr sz="8000">
+                <a:solidFill>
+                  <a:srgbClr val="FFFFFF"/>
+                </a:solidFill>
+              </a:rPr>
+              <a:t>Ruoli nel gruppo</a:t>
+            </a:r>
+          </a:p>
+        </p:txBody>
+      </p:sp>
+      <p:sp>
+        <p:nvSpPr>
+          <p:cNvPr id="71" name="Shape 71"/>
+          <p:cNvSpPr/>
+          <p:nvPr>
+            <p:ph type="body" idx="1"/>
+          </p:nvPr>
+        </p:nvSpPr>
+        <p:spPr>
+          <a:xfrm>
+            <a:off x="952500" y="2590800"/>
+            <a:ext cx="11099800" cy="6286500"/>
+          </a:xfrm>
+          <a:prstGeom prst="rect">
+            <a:avLst/>
+          </a:prstGeom>
+        </p:spPr>
+        <p:txBody>
+          <a:bodyPr/>
+          <a:lstStyle/>
+          <a:p>
             <a:pPr lvl="0" marL="0" indent="0">
               <a:buSzTx/>
               <a:buNone/>
@@ -3268,20 +3400,18 @@
               </a:rPr>
               <a:t>2 sotto-team</a:t>
             </a:r>
-            <a:endParaRPr sz="3800">
-              <a:solidFill>
-                <a:srgbClr val="FFFFFF"/>
-              </a:solidFill>
-            </a:endParaRPr>
-          </a:p>
-          <a:p>
-            <a:pPr lvl="1" marL="1422400" indent="-965200">
+          </a:p>
+          <a:p>
+            <a:pPr lvl="1" marL="2494844" indent="-2037644">
               <a:spcBef>
                 <a:spcPts val="600"/>
               </a:spcBef>
               <a:buClr>
                 <a:srgbClr val="FFFFFF"/>
               </a:buClr>
+              <a:buBlip>
+                <a:blip r:embed="rId2"/>
+              </a:buBlip>
               <a:defRPr sz="1800">
                 <a:solidFill>
                   <a:srgbClr val="000000"/>
@@ -3296,20 +3426,18 @@
               </a:rPr>
               <a:t>Genta e Massimino: sviluppo codice, implementazione grafica e documentazione.</a:t>
             </a:r>
-            <a:endParaRPr sz="3800">
-              <a:solidFill>
-                <a:srgbClr val="FFFFFF"/>
-              </a:solidFill>
-            </a:endParaRPr>
-          </a:p>
-          <a:p>
-            <a:pPr lvl="1" marL="1422400" indent="-965200">
+          </a:p>
+          <a:p>
+            <a:pPr lvl="1" marL="2494844" indent="-2037644">
               <a:spcBef>
                 <a:spcPts val="600"/>
               </a:spcBef>
               <a:buClr>
                 <a:srgbClr val="FFFFFF"/>
               </a:buClr>
+              <a:buBlip>
+                <a:blip r:embed="rId2"/>
+              </a:buBlip>
               <a:defRPr sz="1800">
                 <a:solidFill>
                   <a:srgbClr val="000000"/>
@@ -3355,7 +3483,7 @@
       </p:grpSpPr>
       <p:sp>
         <p:nvSpPr>
-          <p:cNvPr id="70" name="Shape 70"/>
+          <p:cNvPr id="73" name="Shape 73"/>
           <p:cNvSpPr/>
           <p:nvPr>
             <p:ph type="title"/>
@@ -3419,7 +3547,7 @@
                             </p:stCondLst>
                             <p:childTnLst>
                               <p:par>
-                                <p:cTn id="5" nodeType="clickEffect" presetClass="entr" presetSubtype="0" presetID="9" grpId="1" fill="hold">
+                                <p:cTn id="5" nodeType="clickEffect" presetClass="entr" presetSubtype="0" presetID="10" grpId="1" fill="hold">
                                   <p:stCondLst>
                                     <p:cond delay="0"/>
                                   </p:stCondLst>
@@ -3431,7 +3559,7 @@
                                       <p:cBhvr>
                                         <p:cTn id="6" fill="hold"/>
                                         <p:tgtEl>
-                                          <p:spTgt spid="70"/>
+                                          <p:spTgt spid="73"/>
                                         </p:tgtEl>
                                         <p:attrNameLst>
                                           <p:attrName>style.visibility</p:attrName>
@@ -3441,11 +3569,11 @@
                                         <p:strVal val="visible"/>
                                       </p:to>
                                     </p:set>
-                                    <p:animEffect filter="dissolve" transition="in">
+                                    <p:animEffect filter="fade" transition="in">
                                       <p:cBhvr>
                                         <p:cTn id="7" dur="1500"/>
                                         <p:tgtEl>
-                                          <p:spTgt spid="70"/>
+                                          <p:spTgt spid="73"/>
                                         </p:tgtEl>
                                       </p:cBhvr>
                                     </p:animEffect>
@@ -3480,7 +3608,7 @@
       </p:par>
     </p:tnLst>
     <p:bldLst>
-      <p:bldP build="whole" bldLvl="1" animBg="1" rev="0" advAuto="0" spid="70" grpId="1"/>
+      <p:bldP build="whole" bldLvl="1" animBg="1" rev="0" advAuto="0" spid="73" grpId="1"/>
     </p:bldLst>
   </p:timing>
 </p:sld>
@@ -3565,7 +3693,7 @@
   <p:clrMapOvr>
     <a:masterClrMapping/>
   </p:clrMapOvr>
-  <p:transition spd="slow" advClick="1"/>
+  <p:transition spd="med" advClick="1"/>
   <p:timing>
     <p:tnLst>
       <p:par>
@@ -3587,7 +3715,7 @@
                             </p:stCondLst>
                             <p:childTnLst>
                               <p:par>
-                                <p:cTn id="5" nodeType="clickEffect" presetClass="entr" presetSubtype="0" presetID="9" grpId="1" fill="hold">
+                                <p:cTn id="5" nodeType="clickEffect" presetClass="entr" presetSubtype="0" presetID="10" grpId="1" fill="hold">
                                   <p:stCondLst>
                                     <p:cond delay="0"/>
                                   </p:stCondLst>
@@ -3609,7 +3737,7 @@
                                         <p:strVal val="visible"/>
                                       </p:to>
                                     </p:set>
-                                    <p:animEffect filter="dissolve" transition="in">
+                                    <p:animEffect filter="fade" transition="in">
                                       <p:cBhvr>
                                         <p:cTn id="7" dur="1500"/>
                                         <p:tgtEl>
@@ -3731,23 +3859,28 @@
           <a:bodyPr/>
           <a:lstStyle/>
           <a:p>
-            <a:pPr lvl="0" marL="965200" indent="-965200">
-              <a:buClr>
-                <a:srgbClr val="FFFFFF"/>
-              </a:buClr>
-              <a:defRPr sz="1800">
-                <a:solidFill>
-                  <a:srgbClr val="000000"/>
-                </a:solidFill>
-              </a:defRPr>
-            </a:pPr>
+            <a:pPr lvl="0" marL="180473" indent="-180473">
+              <a:buSzPct val="60000"/>
+              <a:buBlip>
+                <a:blip r:embed="rId2"/>
+              </a:buBlip>
+              <a:defRPr sz="1800">
+                <a:solidFill>
+                  <a:srgbClr val="000000"/>
+                </a:solidFill>
+              </a:defRPr>
+            </a:pPr>
+            <a:r>
+              <a:rPr sz="3800"/>
+              <a:t> </a:t>
+            </a:r>
             <a:r>
               <a:rPr sz="3800">
                 <a:solidFill>
                   <a:srgbClr val="FFFFFF"/>
                 </a:solidFill>
               </a:rPr>
-              <a:t>Div contenitore</a:t>
+              <a:t>Tabelle</a:t>
             </a:r>
             <a:endParaRPr sz="3800">
               <a:solidFill>
@@ -3756,23 +3889,92 @@
             </a:endParaRPr>
           </a:p>
           <a:p>
-            <a:pPr lvl="0" marL="965200" indent="-965200">
-              <a:buClr>
-                <a:srgbClr val="FFFFFF"/>
-              </a:buClr>
-              <a:defRPr sz="1800">
-                <a:solidFill>
-                  <a:srgbClr val="000000"/>
-                </a:solidFill>
-              </a:defRPr>
-            </a:pPr>
+            <a:pPr lvl="1" marL="815473" indent="-307473">
+              <a:buSzPct val="100000"/>
+              <a:buAutoNum type="arabicPeriod" startAt="1"/>
+              <a:defRPr sz="1800">
+                <a:solidFill>
+                  <a:srgbClr val="000000"/>
+                </a:solidFill>
+              </a:defRPr>
+            </a:pPr>
+            <a:r>
+              <a:rPr sz="2300">
+                <a:solidFill>
+                  <a:srgbClr val="FFFEFE"/>
+                </a:solidFill>
+              </a:rPr>
+              <a:t> contenitore delle celle (div)</a:t>
+            </a:r>
+            <a:endParaRPr sz="2300">
+              <a:solidFill>
+                <a:srgbClr val="FFFEFE"/>
+              </a:solidFill>
+            </a:endParaRPr>
+          </a:p>
+          <a:p>
+            <a:pPr lvl="1" marL="815473" indent="-307473">
+              <a:buSzPct val="100000"/>
+              <a:buAutoNum type="arabicPeriod" startAt="1"/>
+              <a:defRPr sz="1800">
+                <a:solidFill>
+                  <a:srgbClr val="000000"/>
+                </a:solidFill>
+              </a:defRPr>
+            </a:pPr>
+            <a:r>
+              <a:rPr sz="2300">
+                <a:solidFill>
+                  <a:srgbClr val="FFFEFE"/>
+                </a:solidFill>
+              </a:rPr>
+              <a:t>contenitore timer, contatore mosse e nome</a:t>
+            </a:r>
+            <a:endParaRPr sz="3800">
+              <a:solidFill>
+                <a:srgbClr val="FFFEFE"/>
+              </a:solidFill>
+            </a:endParaRPr>
+          </a:p>
+          <a:p>
+            <a:pPr lvl="0" marL="180473" indent="-180473">
+              <a:buSzPct val="60000"/>
+              <a:buBlip>
+                <a:blip r:embed="rId2"/>
+              </a:buBlip>
+              <a:defRPr sz="1800">
+                <a:solidFill>
+                  <a:srgbClr val="000000"/>
+                </a:solidFill>
+              </a:defRPr>
+            </a:pPr>
+            <a:r>
+              <a:rPr sz="3800"/>
+              <a:t>  </a:t>
+            </a:r>
             <a:r>
               <a:rPr sz="3800">
                 <a:solidFill>
                   <a:srgbClr val="FFFFFF"/>
                 </a:solidFill>
               </a:rPr>
-              <a:t>3 menu (top, middle, bottom)</a:t>
+              <a:t>M</a:t>
+            </a:r>
+            <a:r>
+              <a:rPr sz="3800">
+                <a:solidFill>
+                  <a:srgbClr val="FFFFFF"/>
+                </a:solidFill>
+              </a:rPr>
+              <a:t>enù</a:t>
+            </a:r>
+            <a:r>
+              <a:rPr sz="3800">
+                <a:solidFill>
+                  <a:srgbClr val="FFFFFF"/>
+                </a:solidFill>
+              </a:rPr>
+              <a:t>:</a:t>
             </a:r>
             <a:endParaRPr sz="3800">
               <a:solidFill>
@@ -3781,24 +3983,228 @@
             </a:endParaRPr>
           </a:p>
           <a:p>
-            <a:pPr lvl="0" marL="965200" indent="-965200">
-              <a:buClr>
-                <a:srgbClr val="FFFFFF"/>
-              </a:buClr>
-              <a:defRPr sz="1800">
-                <a:solidFill>
-                  <a:srgbClr val="000000"/>
-                </a:solidFill>
-              </a:defRPr>
-            </a:pPr>
-            <a:r>
-              <a:rPr sz="3800">
-                <a:solidFill>
-                  <a:srgbClr val="FFFFFF"/>
-                </a:solidFill>
-              </a:rPr>
-              <a:t>Bottom table</a:t>
-            </a:r>
+            <a:pPr lvl="1" marL="815473" indent="-307473">
+              <a:buSzPct val="100000"/>
+              <a:buAutoNum type="arabicPeriod" startAt="3"/>
+              <a:defRPr sz="1800">
+                <a:solidFill>
+                  <a:srgbClr val="000000"/>
+                </a:solidFill>
+              </a:defRPr>
+            </a:pPr>
+            <a:r>
+              <a:rPr sz="2300">
+                <a:solidFill>
+                  <a:srgbClr val="FDFFFF"/>
+                </a:solidFill>
+              </a:rPr>
+              <a:t>Top-menù: grafica</a:t>
+            </a:r>
+            <a:endParaRPr sz="2300">
+              <a:solidFill>
+                <a:srgbClr val="FDFFFF"/>
+              </a:solidFill>
+            </a:endParaRPr>
+          </a:p>
+          <a:p>
+            <a:pPr lvl="1" marL="815473" indent="-307473">
+              <a:buSzPct val="100000"/>
+              <a:buAutoNum type="arabicPeriod" startAt="3"/>
+              <a:defRPr sz="1800">
+                <a:solidFill>
+                  <a:srgbClr val="000000"/>
+                </a:solidFill>
+              </a:defRPr>
+            </a:pPr>
+            <a:r>
+              <a:rPr sz="2300">
+                <a:solidFill>
+                  <a:srgbClr val="FFFBFB"/>
+                </a:solidFill>
+              </a:rPr>
+              <a:t>Middle-menù: azioni partita</a:t>
+            </a:r>
+            <a:endParaRPr sz="2300">
+              <a:solidFill>
+                <a:srgbClr val="FFFBFB"/>
+              </a:solidFill>
+            </a:endParaRPr>
+          </a:p>
+          <a:p>
+            <a:pPr lvl="1" marL="815473" indent="-307473">
+              <a:buSzPct val="100000"/>
+              <a:buAutoNum type="arabicPeriod" startAt="3"/>
+              <a:defRPr sz="1800">
+                <a:solidFill>
+                  <a:srgbClr val="000000"/>
+                </a:solidFill>
+              </a:defRPr>
+            </a:pPr>
+            <a:r>
+              <a:rPr sz="2300">
+                <a:solidFill>
+                  <a:srgbClr val="FBFCFF"/>
+                </a:solidFill>
+              </a:rPr>
+              <a:t>Bottom-menù: informazioni e manuale</a:t>
+            </a:r>
+          </a:p>
+        </p:txBody>
+      </p:sp>
+      <p:sp>
+        <p:nvSpPr>
+          <p:cNvPr id="39" name="Shape 39"/>
+          <p:cNvSpPr/>
+          <p:nvPr/>
+        </p:nvSpPr>
+        <p:spPr>
+          <a:xfrm>
+            <a:off x="6959072" y="3077373"/>
+            <a:ext cx="1763961" cy="1399252"/>
+          </a:xfrm>
+          <a:prstGeom prst="rect">
+            <a:avLst/>
+          </a:prstGeom>
+          <a:solidFill>
+            <a:srgbClr val="FFFFFF"/>
+          </a:solidFill>
+          <a:ln w="25400">
+            <a:solidFill>
+              <a:srgbClr val="0065C1"/>
+            </a:solidFill>
+          </a:ln>
+          <a:effectLst>
+            <a:outerShdw sx="100000" sy="100000" kx="0" ky="0" algn="b" rotWithShape="0" blurRad="76200" dist="0" dir="18900000">
+              <a:srgbClr val="000000">
+                <a:alpha val="80000"/>
+              </a:srgbClr>
+            </a:outerShdw>
+          </a:effectLst>
+          <a:extLst>
+            <a:ext uri="{C572A759-6A51-4108-AA02-DFA0A04FC94B}">
+              <ma14:wrappingTextBoxFlag xmlns:ma14="http://schemas.microsoft.com/office/mac/drawingml/2011/main" val="1"/>
+            </a:ext>
+          </a:extLst>
+        </p:spPr>
+        <p:txBody>
+          <a:bodyPr lIns="0" tIns="0" rIns="0" bIns="0" anchor="ctr"/>
+          <a:lstStyle>
+            <a:lvl1pPr>
+              <a:defRPr sz="3100">
+                <a:solidFill>
+                  <a:srgbClr val="000000"/>
+                </a:solidFill>
+                <a:latin typeface="Helvetica Light"/>
+                <a:ea typeface="Helvetica Light"/>
+                <a:cs typeface="Helvetica Light"/>
+                <a:sym typeface="Helvetica Light"/>
+              </a:defRPr>
+            </a:lvl1pPr>
+          </a:lstStyle>
+          <a:p>
+            <a:pPr lvl="0">
+              <a:defRPr sz="1800"/>
+            </a:pPr>
+            <a:r>
+              <a:rPr sz="3100"/>
+              <a:t>Padre</a:t>
+            </a:r>
+          </a:p>
+        </p:txBody>
+      </p:sp>
+      <p:sp>
+        <p:nvSpPr>
+          <p:cNvPr id="40" name="Shape 40"/>
+          <p:cNvSpPr/>
+          <p:nvPr/>
+        </p:nvSpPr>
+        <p:spPr>
+          <a:xfrm>
+            <a:off x="6971772" y="3090073"/>
+            <a:ext cx="505670" cy="505613"/>
+          </a:xfrm>
+          <a:prstGeom prst="rect">
+            <a:avLst/>
+          </a:prstGeom>
+          <a:solidFill>
+            <a:srgbClr val="FFFFFF"/>
+          </a:solidFill>
+          <a:ln w="25400">
+            <a:solidFill>
+              <a:srgbClr val="0065C1"/>
+            </a:solidFill>
+          </a:ln>
+          <a:effectLst>
+            <a:outerShdw sx="100000" sy="100000" kx="0" ky="0" algn="b" rotWithShape="0" blurRad="76200" dist="0" dir="18900000">
+              <a:srgbClr val="000000">
+                <a:alpha val="80000"/>
+              </a:srgbClr>
+            </a:outerShdw>
+          </a:effectLst>
+        </p:spPr>
+        <p:txBody>
+          <a:bodyPr lIns="0" tIns="0" rIns="0" bIns="0" anchor="ctr"/>
+          <a:lstStyle/>
+          <a:p>
+            <a:pPr lvl="0">
+              <a:defRPr sz="1600">
+                <a:solidFill>
+                  <a:srgbClr val="FF0000"/>
+                </a:solidFill>
+                <a:latin typeface="Helvetica Light"/>
+                <a:ea typeface="Helvetica Light"/>
+                <a:cs typeface="Helvetica Light"/>
+                <a:sym typeface="Helvetica Light"/>
+              </a:defRPr>
+            </a:pPr>
+          </a:p>
+        </p:txBody>
+      </p:sp>
+      <p:sp>
+        <p:nvSpPr>
+          <p:cNvPr id="41" name="Shape 41"/>
+          <p:cNvSpPr/>
+          <p:nvPr/>
+        </p:nvSpPr>
+        <p:spPr>
+          <a:xfrm>
+            <a:off x="7492472" y="3090073"/>
+            <a:ext cx="505670" cy="505613"/>
+          </a:xfrm>
+          <a:prstGeom prst="rect">
+            <a:avLst/>
+          </a:prstGeom>
+          <a:solidFill>
+            <a:srgbClr val="FFFFFF"/>
+          </a:solidFill>
+          <a:ln w="25400">
+            <a:solidFill>
+              <a:srgbClr val="0065C1"/>
+            </a:solidFill>
+          </a:ln>
+          <a:effectLst>
+            <a:outerShdw sx="100000" sy="100000" kx="0" ky="0" algn="b" rotWithShape="0" blurRad="76200" dist="0" dir="18900000">
+              <a:srgbClr val="000000">
+                <a:alpha val="80000"/>
+              </a:srgbClr>
+            </a:outerShdw>
+          </a:effectLst>
+        </p:spPr>
+        <p:txBody>
+          <a:bodyPr lIns="0" tIns="0" rIns="0" bIns="0" anchor="ctr"/>
+          <a:lstStyle/>
+          <a:p>
+            <a:pPr lvl="0">
+              <a:defRPr sz="1600">
+                <a:solidFill>
+                  <a:srgbClr val="FF0000"/>
+                </a:solidFill>
+                <a:latin typeface="Helvetica Light"/>
+                <a:ea typeface="Helvetica Light"/>
+                <a:cs typeface="Helvetica Light"/>
+                <a:sym typeface="Helvetica Light"/>
+              </a:defRPr>
+            </a:pPr>
           </a:p>
         </p:txBody>
       </p:sp>
@@ -3830,7 +4236,7 @@
       </p:grpSpPr>
       <p:sp>
         <p:nvSpPr>
-          <p:cNvPr id="40" name="Shape 40"/>
+          <p:cNvPr id="43" name="Shape 43"/>
           <p:cNvSpPr/>
           <p:nvPr>
             <p:ph type="title"/>
@@ -3869,7 +4275,7 @@
       </p:sp>
       <p:sp>
         <p:nvSpPr>
-          <p:cNvPr id="41" name="Shape 41"/>
+          <p:cNvPr id="44" name="Shape 44"/>
           <p:cNvSpPr/>
           <p:nvPr>
             <p:ph type="body" idx="1"/>
@@ -3902,25 +4308,28 @@
                 <a:solidFill>
                   <a:srgbClr val="FFFFFF"/>
                 </a:solidFill>
-                <a:latin typeface="+mn-lt"/>
-                <a:ea typeface="+mn-ea"/>
-                <a:cs typeface="+mn-cs"/>
+                <a:latin typeface="+mj-lt"/>
+                <a:ea typeface="+mj-ea"/>
+                <a:cs typeface="+mj-cs"/>
                 <a:sym typeface="Helvetica"/>
               </a:rPr>
               <a:t>100%CSS</a:t>
             </a:r>
             <a:endParaRPr b="1">
-              <a:latin typeface="+mn-lt"/>
-              <a:ea typeface="+mn-ea"/>
-              <a:cs typeface="+mn-cs"/>
+              <a:latin typeface="+mj-lt"/>
+              <a:ea typeface="+mj-ea"/>
+              <a:cs typeface="+mj-cs"/>
               <a:sym typeface="Helvetica"/>
             </a:endParaRPr>
           </a:p>
           <a:p>
-            <a:pPr lvl="0" marL="965200" indent="-965200">
+            <a:pPr lvl="0" marL="2037644" indent="-2037644">
               <a:buClr>
                 <a:srgbClr val="FFFFFF"/>
               </a:buClr>
+              <a:buBlip>
+                <a:blip r:embed="rId2"/>
+              </a:buBlip>
               <a:defRPr sz="1800">
                 <a:solidFill>
                   <a:srgbClr val="000000"/>
@@ -3935,17 +4344,15 @@
               </a:rPr>
               <a:t>L’intera grafica è stata realizzata utilizzando CSS (senza utilizzo di immagini o altri media)</a:t>
             </a:r>
-            <a:endParaRPr sz="3800">
-              <a:solidFill>
-                <a:srgbClr val="FFFFFF"/>
-              </a:solidFill>
-            </a:endParaRPr>
-          </a:p>
-          <a:p>
-            <a:pPr lvl="0" marL="965200" indent="-965200">
+          </a:p>
+          <a:p>
+            <a:pPr lvl="0" marL="2037644" indent="-2037644">
               <a:buClr>
                 <a:srgbClr val="FFFFFF"/>
               </a:buClr>
+              <a:buBlip>
+                <a:blip r:embed="rId2"/>
+              </a:buBlip>
               <a:defRPr sz="1800">
                 <a:solidFill>
                   <a:srgbClr val="000000"/>
@@ -3991,7 +4398,7 @@
       </p:grpSpPr>
       <p:sp>
         <p:nvSpPr>
-          <p:cNvPr id="43" name="Shape 43"/>
+          <p:cNvPr id="46" name="Shape 46"/>
           <p:cNvSpPr/>
           <p:nvPr>
             <p:ph type="title"/>
@@ -4073,7 +4480,7 @@
                             </p:stCondLst>
                             <p:childTnLst>
                               <p:par>
-                                <p:cTn id="5" nodeType="clickEffect" presetClass="entr" presetSubtype="0" presetID="9" grpId="1" fill="hold">
+                                <p:cTn id="5" nodeType="clickEffect" presetClass="entr" presetSubtype="0" presetID="10" grpId="1" fill="hold">
                                   <p:stCondLst>
                                     <p:cond delay="0"/>
                                   </p:stCondLst>
@@ -4085,7 +4492,7 @@
                                       <p:cBhvr>
                                         <p:cTn id="6" fill="hold"/>
                                         <p:tgtEl>
-                                          <p:spTgt spid="43"/>
+                                          <p:spTgt spid="46"/>
                                         </p:tgtEl>
                                         <p:attrNameLst>
                                           <p:attrName>style.visibility</p:attrName>
@@ -4095,11 +4502,11 @@
                                         <p:strVal val="visible"/>
                                       </p:to>
                                     </p:set>
-                                    <p:animEffect filter="dissolve" transition="in">
+                                    <p:animEffect filter="fade" transition="in">
                                       <p:cBhvr>
                                         <p:cTn id="7" dur="1500"/>
                                         <p:tgtEl>
-                                          <p:spTgt spid="43"/>
+                                          <p:spTgt spid="46"/>
                                         </p:tgtEl>
                                       </p:cBhvr>
                                     </p:animEffect>
@@ -4134,127 +4541,13 @@
       </p:par>
     </p:tnLst>
     <p:bldLst>
-      <p:bldP build="whole" bldLvl="1" animBg="1" rev="0" advAuto="0" spid="43" grpId="1"/>
+      <p:bldP build="whole" bldLvl="1" animBg="1" rev="0" advAuto="0" spid="46" grpId="1"/>
     </p:bldLst>
   </p:timing>
 </p:sld>
 </file>
 
 <file path=ppt/slides/slide6.xml><?xml version="1.0" encoding="utf-8"?>
-<p:sld xmlns:a="http://schemas.openxmlformats.org/drawingml/2006/main" xmlns:r="http://schemas.openxmlformats.org/officeDocument/2006/relationships" xmlns:p="http://schemas.openxmlformats.org/presentationml/2006/main" showMasterSp="1" showMasterPhAnim="1">
-  <p:cSld>
-    <p:spTree>
-      <p:nvGrpSpPr>
-        <p:cNvPr id="1" name=""/>
-        <p:cNvGrpSpPr/>
-        <p:nvPr/>
-      </p:nvGrpSpPr>
-      <p:grpSpPr>
-        <a:xfrm>
-          <a:off x="0" y="0"/>
-          <a:ext cx="0" cy="0"/>
-          <a:chOff x="0" y="0"/>
-          <a:chExt cx="0" cy="0"/>
-        </a:xfrm>
-      </p:grpSpPr>
-      <p:sp>
-        <p:nvSpPr>
-          <p:cNvPr id="45" name="Shape 45"/>
-          <p:cNvSpPr/>
-          <p:nvPr>
-            <p:ph type="title"/>
-          </p:nvPr>
-        </p:nvSpPr>
-        <p:spPr>
-          <a:xfrm>
-            <a:off x="952500" y="660400"/>
-            <a:ext cx="11099800" cy="2120900"/>
-          </a:xfrm>
-          <a:prstGeom prst="rect">
-            <a:avLst/>
-          </a:prstGeom>
-        </p:spPr>
-        <p:txBody>
-          <a:bodyPr/>
-          <a:lstStyle>
-            <a:lvl1pPr defTabSz="484886">
-              <a:defRPr sz="6600"/>
-            </a:lvl1pPr>
-          </a:lstStyle>
-          <a:p>
-            <a:pPr lvl="0">
-              <a:defRPr sz="1800">
-                <a:solidFill>
-                  <a:srgbClr val="000000"/>
-                </a:solidFill>
-              </a:defRPr>
-            </a:pPr>
-            <a:r>
-              <a:rPr sz="6600">
-                <a:solidFill>
-                  <a:srgbClr val="FFFFFF"/>
-                </a:solidFill>
-              </a:rPr>
-              <a:t>Ragionamento inserimento tabella</a:t>
-            </a:r>
-          </a:p>
-        </p:txBody>
-      </p:sp>
-      <p:sp>
-        <p:nvSpPr>
-          <p:cNvPr id="46" name="Shape 46"/>
-          <p:cNvSpPr/>
-          <p:nvPr>
-            <p:ph type="body" idx="1"/>
-          </p:nvPr>
-        </p:nvSpPr>
-        <p:spPr>
-          <a:xfrm>
-            <a:off x="952500" y="2590800"/>
-            <a:ext cx="11099800" cy="6286500"/>
-          </a:xfrm>
-          <a:prstGeom prst="rect">
-            <a:avLst/>
-          </a:prstGeom>
-        </p:spPr>
-        <p:txBody>
-          <a:bodyPr/>
-          <a:lstStyle>
-            <a:lvl1pPr marL="965200" indent="-965200">
-              <a:buClr>
-                <a:srgbClr val="FFFFFF"/>
-              </a:buClr>
-            </a:lvl1pPr>
-          </a:lstStyle>
-          <a:p>
-            <a:pPr lvl="0">
-              <a:defRPr sz="1800">
-                <a:solidFill>
-                  <a:srgbClr val="000000"/>
-                </a:solidFill>
-              </a:defRPr>
-            </a:pPr>
-            <a:r>
-              <a:rPr sz="3800">
-                <a:solidFill>
-                  <a:srgbClr val="FFFFFF"/>
-                </a:solidFill>
-              </a:rPr>
-              <a:t>Tabella creata dinamicamente utlilizzando script jQuery e appendendo 16 div al div contenitore</a:t>
-            </a:r>
-          </a:p>
-        </p:txBody>
-      </p:sp>
-    </p:spTree>
-  </p:cSld>
-  <p:clrMapOvr>
-    <a:masterClrMapping/>
-  </p:clrMapOvr>
-  <p:transition spd="med" advClick="1"/>
-</p:sld>
-</file>
-
-<file path=ppt/slides/slide7.xml><?xml version="1.0" encoding="utf-8"?>
 <p:sld xmlns:a="http://schemas.openxmlformats.org/drawingml/2006/main" xmlns:r="http://schemas.openxmlformats.org/officeDocument/2006/relationships" xmlns:p="http://schemas.openxmlformats.org/presentationml/2006/main" showMasterSp="1" showMasterPhAnim="1">
   <p:cSld>
     <p:spTree>
@@ -4281,7 +4574,7 @@
         </p:nvSpPr>
         <p:spPr>
           <a:xfrm>
-            <a:off x="952500" y="406400"/>
+            <a:off x="952500" y="660400"/>
             <a:ext cx="11099800" cy="2120900"/>
           </a:xfrm>
           <a:prstGeom prst="rect">
@@ -4290,7 +4583,11 @@
         </p:spPr>
         <p:txBody>
           <a:bodyPr/>
-          <a:lstStyle/>
+          <a:lstStyle>
+            <a:lvl1pPr defTabSz="484886">
+              <a:defRPr sz="6600"/>
+            </a:lvl1pPr>
+          </a:lstStyle>
           <a:p>
             <a:pPr lvl="0">
               <a:defRPr sz="1800">
@@ -4300,27 +4597,12 @@
               </a:defRPr>
             </a:pPr>
             <a:r>
-              <a:rPr sz="5400">
-                <a:solidFill>
-                  <a:srgbClr val="FFFFFF"/>
-                </a:solidFill>
-              </a:rPr>
-              <a:t>Ragionamento mescolamento</a:t>
-            </a:r>
-            <a:br>
-              <a:rPr sz="5400">
-                <a:solidFill>
-                  <a:srgbClr val="FFFFFF"/>
-                </a:solidFill>
-              </a:rPr>
-            </a:br>
-            <a:r>
-              <a:rPr sz="5400">
-                <a:solidFill>
-                  <a:srgbClr val="FFFFFF"/>
-                </a:solidFill>
-              </a:rPr>
-              <a:t>(Massimino)</a:t>
+              <a:rPr sz="6600">
+                <a:solidFill>
+                  <a:srgbClr val="FFFFFF"/>
+                </a:solidFill>
+              </a:rPr>
+              <a:t>Ragionamento inserimento tabella</a:t>
             </a:r>
           </a:p>
         </p:txBody>
@@ -4344,9 +4626,32 @@
         </p:spPr>
         <p:txBody>
           <a:bodyPr/>
-          <a:lstStyle/>
-          <a:p>
-            <a:pPr lvl="0"/>
+          <a:lstStyle>
+            <a:lvl1pPr marL="2037644" indent="-2037644">
+              <a:buClr>
+                <a:srgbClr val="FFFFFF"/>
+              </a:buClr>
+              <a:buBlip>
+                <a:blip r:embed="rId2"/>
+              </a:buBlip>
+            </a:lvl1pPr>
+          </a:lstStyle>
+          <a:p>
+            <a:pPr lvl="0">
+              <a:defRPr sz="1800">
+                <a:solidFill>
+                  <a:srgbClr val="000000"/>
+                </a:solidFill>
+              </a:defRPr>
+            </a:pPr>
+            <a:r>
+              <a:rPr sz="3800">
+                <a:solidFill>
+                  <a:srgbClr val="FFFFFF"/>
+                </a:solidFill>
+              </a:rPr>
+              <a:t>Tabella creata dinamicamente utlilizzando script jQuery e appendendo 16 div al div contenitore</a:t>
+            </a:r>
           </a:p>
         </p:txBody>
       </p:sp>
@@ -4359,7 +4664,7 @@
 </p:sld>
 </file>
 
-<file path=ppt/slides/slide8.xml><?xml version="1.0" encoding="utf-8"?>
+<file path=ppt/slides/slide7.xml><?xml version="1.0" encoding="utf-8"?>
 <p:sld xmlns:a="http://schemas.openxmlformats.org/drawingml/2006/main" xmlns:r="http://schemas.openxmlformats.org/officeDocument/2006/relationships" xmlns:p="http://schemas.openxmlformats.org/presentationml/2006/main" showMasterSp="1" showMasterPhAnim="1">
   <p:cSld>
     <p:spTree>
@@ -4395,11 +4700,7 @@
         </p:spPr>
         <p:txBody>
           <a:bodyPr/>
-          <a:lstStyle>
-            <a:lvl1pPr defTabSz="502412">
-              <a:defRPr sz="6800"/>
-            </a:lvl1pPr>
-          </a:lstStyle>
+          <a:lstStyle/>
           <a:p>
             <a:pPr lvl="0">
               <a:defRPr sz="1800">
@@ -4409,12 +4710,27 @@
               </a:defRPr>
             </a:pPr>
             <a:r>
-              <a:rPr sz="6800">
-                <a:solidFill>
-                  <a:srgbClr val="FFFFFF"/>
-                </a:solidFill>
-              </a:rPr>
-              <a:t>Ragionamento click su cella</a:t>
+              <a:rPr sz="5400">
+                <a:solidFill>
+                  <a:srgbClr val="FFFFFF"/>
+                </a:solidFill>
+              </a:rPr>
+              <a:t>Ragionamento mescolamento</a:t>
+            </a:r>
+            <a:br>
+              <a:rPr sz="5400">
+                <a:solidFill>
+                  <a:srgbClr val="FFFFFF"/>
+                </a:solidFill>
+              </a:rPr>
+            </a:br>
+            <a:r>
+              <a:rPr sz="5400">
+                <a:solidFill>
+                  <a:srgbClr val="FFFFFF"/>
+                </a:solidFill>
+              </a:rPr>
+              <a:t>(Massimino)</a:t>
             </a:r>
           </a:p>
         </p:txBody>
@@ -4440,10 +4756,111 @@
           <a:bodyPr/>
           <a:lstStyle/>
           <a:p>
-            <a:pPr lvl="0" marL="965200" indent="-965200">
+            <a:pPr lvl="0">
+              <a:buBlip>
+                <a:blip r:embed="rId2"/>
+              </a:buBlip>
+            </a:pPr>
+          </a:p>
+        </p:txBody>
+      </p:sp>
+    </p:spTree>
+  </p:cSld>
+  <p:clrMapOvr>
+    <a:masterClrMapping/>
+  </p:clrMapOvr>
+  <p:transition spd="med" advClick="1"/>
+</p:sld>
+</file>
+
+<file path=ppt/slides/slide8.xml><?xml version="1.0" encoding="utf-8"?>
+<p:sld xmlns:a="http://schemas.openxmlformats.org/drawingml/2006/main" xmlns:r="http://schemas.openxmlformats.org/officeDocument/2006/relationships" xmlns:p="http://schemas.openxmlformats.org/presentationml/2006/main" showMasterSp="1" showMasterPhAnim="1">
+  <p:cSld>
+    <p:spTree>
+      <p:nvGrpSpPr>
+        <p:cNvPr id="1" name=""/>
+        <p:cNvGrpSpPr/>
+        <p:nvPr/>
+      </p:nvGrpSpPr>
+      <p:grpSpPr>
+        <a:xfrm>
+          <a:off x="0" y="0"/>
+          <a:ext cx="0" cy="0"/>
+          <a:chOff x="0" y="0"/>
+          <a:chExt cx="0" cy="0"/>
+        </a:xfrm>
+      </p:grpSpPr>
+      <p:sp>
+        <p:nvSpPr>
+          <p:cNvPr id="54" name="Shape 54"/>
+          <p:cNvSpPr/>
+          <p:nvPr>
+            <p:ph type="title"/>
+          </p:nvPr>
+        </p:nvSpPr>
+        <p:spPr>
+          <a:xfrm>
+            <a:off x="952500" y="406400"/>
+            <a:ext cx="11099800" cy="2120900"/>
+          </a:xfrm>
+          <a:prstGeom prst="rect">
+            <a:avLst/>
+          </a:prstGeom>
+        </p:spPr>
+        <p:txBody>
+          <a:bodyPr/>
+          <a:lstStyle>
+            <a:lvl1pPr defTabSz="502412">
+              <a:defRPr sz="6800"/>
+            </a:lvl1pPr>
+          </a:lstStyle>
+          <a:p>
+            <a:pPr lvl="0">
+              <a:defRPr sz="1800">
+                <a:solidFill>
+                  <a:srgbClr val="000000"/>
+                </a:solidFill>
+              </a:defRPr>
+            </a:pPr>
+            <a:r>
+              <a:rPr sz="6800">
+                <a:solidFill>
+                  <a:srgbClr val="FFFFFF"/>
+                </a:solidFill>
+              </a:rPr>
+              <a:t>Ragionamento click su cella</a:t>
+            </a:r>
+          </a:p>
+        </p:txBody>
+      </p:sp>
+      <p:sp>
+        <p:nvSpPr>
+          <p:cNvPr id="55" name="Shape 55"/>
+          <p:cNvSpPr/>
+          <p:nvPr>
+            <p:ph type="body" idx="1"/>
+          </p:nvPr>
+        </p:nvSpPr>
+        <p:spPr>
+          <a:xfrm>
+            <a:off x="952500" y="2590800"/>
+            <a:ext cx="11099800" cy="6286500"/>
+          </a:xfrm>
+          <a:prstGeom prst="rect">
+            <a:avLst/>
+          </a:prstGeom>
+        </p:spPr>
+        <p:txBody>
+          <a:bodyPr/>
+          <a:lstStyle/>
+          <a:p>
+            <a:pPr lvl="0" marL="2037644" indent="-2037644">
               <a:buClr>
                 <a:srgbClr val="FFFFFF"/>
               </a:buClr>
+              <a:buBlip>
+                <a:blip r:embed="rId2"/>
+              </a:buBlip>
               <a:defRPr sz="1800">
                 <a:solidFill>
                   <a:srgbClr val="000000"/>
@@ -4458,17 +4875,15 @@
               </a:rPr>
               <a:t>Non si modificano gli ID ma si lavora sui testi</a:t>
             </a:r>
-            <a:endParaRPr sz="3800">
-              <a:solidFill>
-                <a:srgbClr val="FFFFFF"/>
-              </a:solidFill>
-            </a:endParaRPr>
-          </a:p>
-          <a:p>
-            <a:pPr lvl="0" marL="965200" indent="-965200">
+          </a:p>
+          <a:p>
+            <a:pPr lvl="0" marL="2037644" indent="-2037644">
               <a:buClr>
                 <a:srgbClr val="FFFFFF"/>
               </a:buClr>
+              <a:buBlip>
+                <a:blip r:embed="rId2"/>
+              </a:buBlip>
               <a:defRPr sz="1800">
                 <a:solidFill>
                   <a:srgbClr val="000000"/>
@@ -4483,17 +4898,15 @@
               </a:rPr>
               <a:t>Utilizzo un vettore di appoggio</a:t>
             </a:r>
-            <a:endParaRPr sz="3800">
-              <a:solidFill>
-                <a:srgbClr val="FFFFFF"/>
-              </a:solidFill>
-            </a:endParaRPr>
-          </a:p>
-          <a:p>
-            <a:pPr lvl="0" marL="965200" indent="-965200">
+          </a:p>
+          <a:p>
+            <a:pPr lvl="0" marL="2037644" indent="-2037644">
               <a:buClr>
                 <a:srgbClr val="FFFFFF"/>
               </a:buClr>
+              <a:buBlip>
+                <a:blip r:embed="rId2"/>
+              </a:buBlip>
               <a:defRPr sz="1800">
                 <a:solidFill>
                   <a:srgbClr val="000000"/>
@@ -4539,7 +4952,7 @@
       </p:grpSpPr>
       <p:sp>
         <p:nvSpPr>
-          <p:cNvPr id="54" name="Shape 54"/>
+          <p:cNvPr id="57" name="Shape 57"/>
           <p:cNvSpPr/>
           <p:nvPr>
             <p:ph type="title"/>
@@ -4621,7 +5034,7 @@
                             </p:stCondLst>
                             <p:childTnLst>
                               <p:par>
-                                <p:cTn id="5" nodeType="clickEffect" presetClass="entr" presetSubtype="0" presetID="9" grpId="1" fill="hold">
+                                <p:cTn id="5" nodeType="clickEffect" presetClass="entr" presetSubtype="0" presetID="10" grpId="1" fill="hold">
                                   <p:stCondLst>
                                     <p:cond delay="0"/>
                                   </p:stCondLst>
@@ -4633,7 +5046,7 @@
                                       <p:cBhvr>
                                         <p:cTn id="6" fill="hold"/>
                                         <p:tgtEl>
-                                          <p:spTgt spid="54"/>
+                                          <p:spTgt spid="57"/>
                                         </p:tgtEl>
                                         <p:attrNameLst>
                                           <p:attrName>style.visibility</p:attrName>
@@ -4643,11 +5056,11 @@
                                         <p:strVal val="visible"/>
                                       </p:to>
                                     </p:set>
-                                    <p:animEffect filter="dissolve" transition="in">
+                                    <p:animEffect filter="fade" transition="in">
                                       <p:cBhvr>
                                         <p:cTn id="7" dur="1500"/>
                                         <p:tgtEl>
-                                          <p:spTgt spid="54"/>
+                                          <p:spTgt spid="57"/>
                                         </p:tgtEl>
                                       </p:cBhvr>
                                     </p:animEffect>
@@ -4682,7 +5095,7 @@
       </p:par>
     </p:tnLst>
     <p:bldLst>
-      <p:bldP build="whole" bldLvl="1" animBg="1" rev="0" advAuto="0" spid="54" grpId="1"/>
+      <p:bldP build="whole" bldLvl="1" animBg="1" rev="0" advAuto="0" spid="57" grpId="1"/>
     </p:bldLst>
   </p:timing>
 </p:sld>
@@ -4693,10 +5106,10 @@
   <a:themeElements>
     <a:clrScheme name="Default">
       <a:dk1>
-        <a:srgbClr val="FFFFFF"/>
+        <a:srgbClr val="000000"/>
       </a:dk1>
       <a:lt1>
-        <a:srgbClr val="FF0000"/>
+        <a:srgbClr val="FFFFFF"/>
       </a:lt1>
       <a:dk2>
         <a:srgbClr val="A7A7A7"/>
@@ -4731,14 +5144,14 @@
     </a:clrScheme>
     <a:fontScheme name="Default">
       <a:majorFont>
+        <a:latin typeface="Helvetica"/>
+        <a:ea typeface="Helvetica"/>
+        <a:cs typeface="Helvetica"/>
+      </a:majorFont>
+      <a:minorFont>
         <a:latin typeface="Helvetica Neue"/>
         <a:ea typeface="Helvetica Neue"/>
         <a:cs typeface="Helvetica Neue"/>
-      </a:majorFont>
-      <a:minorFont>
-        <a:latin typeface="Helvetica"/>
-        <a:ea typeface="Helvetica"/>
-        <a:cs typeface="Helvetica"/>
       </a:minorFont>
     </a:fontScheme>
     <a:fmtScheme name="Default">
@@ -4897,7 +5310,7 @@
     <a:spDef>
       <a:spPr>
         <a:solidFill>
-          <a:srgbClr val="FFFFFF"/>
+          <a:srgbClr val="FF0000"/>
         </a:solidFill>
         <a:ln w="25400" cap="flat">
           <a:solidFill>
@@ -4938,14 +5351,14 @@
               <a:noFill/>
             </a:ln>
             <a:solidFill>
-              <a:srgbClr val="FF0000"/>
+              <a:srgbClr val="FFFFFF"/>
             </a:solidFill>
             <a:effectLst/>
             <a:uFillTx/>
-            <a:latin typeface="Helvetica Light"/>
-            <a:ea typeface="Helvetica Light"/>
-            <a:cs typeface="Helvetica Light"/>
-            <a:sym typeface="Helvetica Light"/>
+            <a:latin typeface="+mj-lt"/>
+            <a:ea typeface="+mj-ea"/>
+            <a:cs typeface="+mj-cs"/>
+            <a:sym typeface="Helvetica"/>
           </a:defRPr>
         </a:defPPr>
         <a:lvl1pPr marL="0" marR="0" indent="0" algn="l" defTabSz="914400" rtl="0" fontAlgn="auto" latinLnBrk="1" hangingPunct="0">
@@ -5513,14 +5926,14 @@
               <a:noFill/>
             </a:ln>
             <a:solidFill>
-              <a:srgbClr val="FF0000"/>
+              <a:srgbClr val="FFFFFF"/>
             </a:solidFill>
             <a:effectLst/>
             <a:uFillTx/>
-            <a:latin typeface="Helvetica Light"/>
-            <a:ea typeface="Helvetica Light"/>
-            <a:cs typeface="Helvetica Light"/>
-            <a:sym typeface="Helvetica Light"/>
+            <a:latin typeface="+mj-lt"/>
+            <a:ea typeface="+mj-ea"/>
+            <a:cs typeface="+mj-cs"/>
+            <a:sym typeface="Helvetica"/>
           </a:defRPr>
         </a:defPPr>
         <a:lvl1pPr marL="0" marR="0" indent="0" algn="l" defTabSz="914400" rtl="0" fontAlgn="auto" latinLnBrk="1" hangingPunct="0">
@@ -5812,14 +6225,14 @@
     </a:clrScheme>
     <a:fontScheme name="Default">
       <a:majorFont>
+        <a:latin typeface="Helvetica"/>
+        <a:ea typeface="Helvetica"/>
+        <a:cs typeface="Helvetica"/>
+      </a:majorFont>
+      <a:minorFont>
         <a:latin typeface="Helvetica Neue"/>
         <a:ea typeface="Helvetica Neue"/>
         <a:cs typeface="Helvetica Neue"/>
-      </a:majorFont>
-      <a:minorFont>
-        <a:latin typeface="Helvetica"/>
-        <a:ea typeface="Helvetica"/>
-        <a:cs typeface="Helvetica"/>
       </a:minorFont>
     </a:fontScheme>
     <a:fmtScheme name="Default">
@@ -5978,7 +6391,7 @@
     <a:spDef>
       <a:spPr>
         <a:solidFill>
-          <a:srgbClr val="FFFFFF"/>
+          <a:srgbClr val="FF0000"/>
         </a:solidFill>
         <a:ln w="25400" cap="flat">
           <a:solidFill>
@@ -6019,14 +6432,14 @@
               <a:noFill/>
             </a:ln>
             <a:solidFill>
-              <a:srgbClr val="FF0000"/>
+              <a:srgbClr val="FFFFFF"/>
             </a:solidFill>
             <a:effectLst/>
             <a:uFillTx/>
-            <a:latin typeface="Helvetica Light"/>
-            <a:ea typeface="Helvetica Light"/>
-            <a:cs typeface="Helvetica Light"/>
-            <a:sym typeface="Helvetica Light"/>
+            <a:latin typeface="+mj-lt"/>
+            <a:ea typeface="+mj-ea"/>
+            <a:cs typeface="+mj-cs"/>
+            <a:sym typeface="Helvetica"/>
           </a:defRPr>
         </a:defPPr>
         <a:lvl1pPr marL="0" marR="0" indent="0" algn="l" defTabSz="914400" rtl="0" fontAlgn="auto" latinLnBrk="1" hangingPunct="0">
@@ -6594,14 +7007,14 @@
               <a:noFill/>
             </a:ln>
             <a:solidFill>
-              <a:srgbClr val="FF0000"/>
+              <a:srgbClr val="FFFFFF"/>
             </a:solidFill>
             <a:effectLst/>
             <a:uFillTx/>
-            <a:latin typeface="Helvetica Light"/>
-            <a:ea typeface="Helvetica Light"/>
-            <a:cs typeface="Helvetica Light"/>
-            <a:sym typeface="Helvetica Light"/>
+            <a:latin typeface="+mj-lt"/>
+            <a:ea typeface="+mj-ea"/>
+            <a:cs typeface="+mj-cs"/>
+            <a:sym typeface="Helvetica"/>
           </a:defRPr>
         </a:defPPr>
         <a:lvl1pPr marL="0" marR="0" indent="0" algn="l" defTabSz="914400" rtl="0" fontAlgn="auto" latinLnBrk="1" hangingPunct="0">

--- a/Presentazione_Gioco15.pptx
+++ b/Presentazione_Gioco15.pptx
@@ -30,100 +30,100 @@
     <a:lvl1pPr algn="ctr" defTabSz="584200">
       <a:defRPr sz="3800">
         <a:solidFill>
-          <a:srgbClr val="FFFFFF"/>
+          <a:srgbClr val="FF0000"/>
         </a:solidFill>
-        <a:latin typeface="+mj-lt"/>
-        <a:ea typeface="+mj-ea"/>
-        <a:cs typeface="+mj-cs"/>
-        <a:sym typeface="Helvetica"/>
+        <a:latin typeface="Helvetica Light"/>
+        <a:ea typeface="Helvetica Light"/>
+        <a:cs typeface="Helvetica Light"/>
+        <a:sym typeface="Helvetica Light"/>
       </a:defRPr>
     </a:lvl1pPr>
     <a:lvl2pPr algn="ctr" defTabSz="584200">
       <a:defRPr sz="3800">
         <a:solidFill>
-          <a:srgbClr val="FFFFFF"/>
+          <a:srgbClr val="FF0000"/>
         </a:solidFill>
-        <a:latin typeface="+mj-lt"/>
-        <a:ea typeface="+mj-ea"/>
-        <a:cs typeface="+mj-cs"/>
-        <a:sym typeface="Helvetica"/>
+        <a:latin typeface="Helvetica Light"/>
+        <a:ea typeface="Helvetica Light"/>
+        <a:cs typeface="Helvetica Light"/>
+        <a:sym typeface="Helvetica Light"/>
       </a:defRPr>
     </a:lvl2pPr>
     <a:lvl3pPr algn="ctr" defTabSz="584200">
       <a:defRPr sz="3800">
         <a:solidFill>
-          <a:srgbClr val="FFFFFF"/>
+          <a:srgbClr val="FF0000"/>
         </a:solidFill>
-        <a:latin typeface="+mj-lt"/>
-        <a:ea typeface="+mj-ea"/>
-        <a:cs typeface="+mj-cs"/>
-        <a:sym typeface="Helvetica"/>
+        <a:latin typeface="Helvetica Light"/>
+        <a:ea typeface="Helvetica Light"/>
+        <a:cs typeface="Helvetica Light"/>
+        <a:sym typeface="Helvetica Light"/>
       </a:defRPr>
     </a:lvl3pPr>
     <a:lvl4pPr algn="ctr" defTabSz="584200">
       <a:defRPr sz="3800">
         <a:solidFill>
-          <a:srgbClr val="FFFFFF"/>
+          <a:srgbClr val="FF0000"/>
         </a:solidFill>
-        <a:latin typeface="+mj-lt"/>
-        <a:ea typeface="+mj-ea"/>
-        <a:cs typeface="+mj-cs"/>
-        <a:sym typeface="Helvetica"/>
+        <a:latin typeface="Helvetica Light"/>
+        <a:ea typeface="Helvetica Light"/>
+        <a:cs typeface="Helvetica Light"/>
+        <a:sym typeface="Helvetica Light"/>
       </a:defRPr>
     </a:lvl4pPr>
     <a:lvl5pPr algn="ctr" defTabSz="584200">
       <a:defRPr sz="3800">
         <a:solidFill>
-          <a:srgbClr val="FFFFFF"/>
+          <a:srgbClr val="FF0000"/>
         </a:solidFill>
-        <a:latin typeface="+mj-lt"/>
-        <a:ea typeface="+mj-ea"/>
-        <a:cs typeface="+mj-cs"/>
-        <a:sym typeface="Helvetica"/>
+        <a:latin typeface="Helvetica Light"/>
+        <a:ea typeface="Helvetica Light"/>
+        <a:cs typeface="Helvetica Light"/>
+        <a:sym typeface="Helvetica Light"/>
       </a:defRPr>
     </a:lvl5pPr>
     <a:lvl6pPr algn="ctr" defTabSz="584200">
       <a:defRPr sz="3800">
         <a:solidFill>
-          <a:srgbClr val="FFFFFF"/>
+          <a:srgbClr val="FF0000"/>
         </a:solidFill>
-        <a:latin typeface="+mj-lt"/>
-        <a:ea typeface="+mj-ea"/>
-        <a:cs typeface="+mj-cs"/>
-        <a:sym typeface="Helvetica"/>
+        <a:latin typeface="Helvetica Light"/>
+        <a:ea typeface="Helvetica Light"/>
+        <a:cs typeface="Helvetica Light"/>
+        <a:sym typeface="Helvetica Light"/>
       </a:defRPr>
     </a:lvl6pPr>
     <a:lvl7pPr algn="ctr" defTabSz="584200">
       <a:defRPr sz="3800">
         <a:solidFill>
-          <a:srgbClr val="FFFFFF"/>
+          <a:srgbClr val="FF0000"/>
         </a:solidFill>
-        <a:latin typeface="+mj-lt"/>
-        <a:ea typeface="+mj-ea"/>
-        <a:cs typeface="+mj-cs"/>
-        <a:sym typeface="Helvetica"/>
+        <a:latin typeface="Helvetica Light"/>
+        <a:ea typeface="Helvetica Light"/>
+        <a:cs typeface="Helvetica Light"/>
+        <a:sym typeface="Helvetica Light"/>
       </a:defRPr>
     </a:lvl7pPr>
     <a:lvl8pPr algn="ctr" defTabSz="584200">
       <a:defRPr sz="3800">
         <a:solidFill>
-          <a:srgbClr val="FFFFFF"/>
+          <a:srgbClr val="FF0000"/>
         </a:solidFill>
-        <a:latin typeface="+mj-lt"/>
-        <a:ea typeface="+mj-ea"/>
-        <a:cs typeface="+mj-cs"/>
-        <a:sym typeface="Helvetica"/>
+        <a:latin typeface="Helvetica Light"/>
+        <a:ea typeface="Helvetica Light"/>
+        <a:cs typeface="Helvetica Light"/>
+        <a:sym typeface="Helvetica Light"/>
       </a:defRPr>
     </a:lvl8pPr>
     <a:lvl9pPr algn="ctr" defTabSz="584200">
       <a:defRPr sz="3800">
         <a:solidFill>
-          <a:srgbClr val="FFFFFF"/>
+          <a:srgbClr val="FF0000"/>
         </a:solidFill>
-        <a:latin typeface="+mj-lt"/>
-        <a:ea typeface="+mj-ea"/>
-        <a:cs typeface="+mj-cs"/>
-        <a:sym typeface="Helvetica"/>
+        <a:latin typeface="Helvetica Light"/>
+        <a:ea typeface="Helvetica Light"/>
+        <a:cs typeface="Helvetica Light"/>
+        <a:sym typeface="Helvetica Light"/>
       </a:defRPr>
     </a:lvl9pPr>
   </p:defaultTextStyle>
@@ -210,9 +210,9 @@
         <a:spcPct val="117999"/>
       </a:lnSpc>
       <a:defRPr sz="2200">
-        <a:latin typeface="+mn-lt"/>
-        <a:ea typeface="+mn-ea"/>
-        <a:cs typeface="+mn-cs"/>
+        <a:latin typeface="+mj-lt"/>
+        <a:ea typeface="+mj-ea"/>
+        <a:cs typeface="+mj-cs"/>
         <a:sym typeface="Helvetica Neue"/>
       </a:defRPr>
     </a:lvl1pPr>
@@ -221,9 +221,9 @@
         <a:spcPct val="117999"/>
       </a:lnSpc>
       <a:defRPr sz="2200">
-        <a:latin typeface="+mn-lt"/>
-        <a:ea typeface="+mn-ea"/>
-        <a:cs typeface="+mn-cs"/>
+        <a:latin typeface="+mj-lt"/>
+        <a:ea typeface="+mj-ea"/>
+        <a:cs typeface="+mj-cs"/>
         <a:sym typeface="Helvetica Neue"/>
       </a:defRPr>
     </a:lvl2pPr>
@@ -232,9 +232,9 @@
         <a:spcPct val="117999"/>
       </a:lnSpc>
       <a:defRPr sz="2200">
-        <a:latin typeface="+mn-lt"/>
-        <a:ea typeface="+mn-ea"/>
-        <a:cs typeface="+mn-cs"/>
+        <a:latin typeface="+mj-lt"/>
+        <a:ea typeface="+mj-ea"/>
+        <a:cs typeface="+mj-cs"/>
         <a:sym typeface="Helvetica Neue"/>
       </a:defRPr>
     </a:lvl3pPr>
@@ -243,9 +243,9 @@
         <a:spcPct val="117999"/>
       </a:lnSpc>
       <a:defRPr sz="2200">
-        <a:latin typeface="+mn-lt"/>
-        <a:ea typeface="+mn-ea"/>
-        <a:cs typeface="+mn-cs"/>
+        <a:latin typeface="+mj-lt"/>
+        <a:ea typeface="+mj-ea"/>
+        <a:cs typeface="+mj-cs"/>
         <a:sym typeface="Helvetica Neue"/>
       </a:defRPr>
     </a:lvl4pPr>
@@ -254,9 +254,9 @@
         <a:spcPct val="117999"/>
       </a:lnSpc>
       <a:defRPr sz="2200">
-        <a:latin typeface="+mn-lt"/>
-        <a:ea typeface="+mn-ea"/>
-        <a:cs typeface="+mn-cs"/>
+        <a:latin typeface="+mj-lt"/>
+        <a:ea typeface="+mj-ea"/>
+        <a:cs typeface="+mj-cs"/>
         <a:sym typeface="Helvetica Neue"/>
       </a:defRPr>
     </a:lvl5pPr>
@@ -265,9 +265,9 @@
         <a:spcPct val="117999"/>
       </a:lnSpc>
       <a:defRPr sz="2200">
-        <a:latin typeface="+mn-lt"/>
-        <a:ea typeface="+mn-ea"/>
-        <a:cs typeface="+mn-cs"/>
+        <a:latin typeface="+mj-lt"/>
+        <a:ea typeface="+mj-ea"/>
+        <a:cs typeface="+mj-cs"/>
         <a:sym typeface="Helvetica Neue"/>
       </a:defRPr>
     </a:lvl6pPr>
@@ -276,9 +276,9 @@
         <a:spcPct val="117999"/>
       </a:lnSpc>
       <a:defRPr sz="2200">
-        <a:latin typeface="+mn-lt"/>
-        <a:ea typeface="+mn-ea"/>
-        <a:cs typeface="+mn-cs"/>
+        <a:latin typeface="+mj-lt"/>
+        <a:ea typeface="+mj-ea"/>
+        <a:cs typeface="+mj-cs"/>
         <a:sym typeface="Helvetica Neue"/>
       </a:defRPr>
     </a:lvl7pPr>
@@ -287,9 +287,9 @@
         <a:spcPct val="117999"/>
       </a:lnSpc>
       <a:defRPr sz="2200">
-        <a:latin typeface="+mn-lt"/>
-        <a:ea typeface="+mn-ea"/>
-        <a:cs typeface="+mn-cs"/>
+        <a:latin typeface="+mj-lt"/>
+        <a:ea typeface="+mj-ea"/>
+        <a:cs typeface="+mj-cs"/>
         <a:sym typeface="Helvetica Neue"/>
       </a:defRPr>
     </a:lvl8pPr>
@@ -298,9 +298,9 @@
         <a:spcPct val="117999"/>
       </a:lnSpc>
       <a:defRPr sz="2200">
-        <a:latin typeface="+mn-lt"/>
-        <a:ea typeface="+mn-ea"/>
-        <a:cs typeface="+mn-cs"/>
+        <a:latin typeface="+mj-lt"/>
+        <a:ea typeface="+mj-ea"/>
+        <a:cs typeface="+mj-cs"/>
         <a:sym typeface="Helvetica Neue"/>
       </a:defRPr>
     </a:lvl9pPr>
@@ -375,7 +375,7 @@
         <p:spPr>
           <a:xfrm>
             <a:off x="1270000" y="5029200"/>
-            <a:ext cx="10464800" cy="4724400"/>
+            <a:ext cx="10464800" cy="3568700"/>
           </a:xfrm>
           <a:prstGeom prst="rect">
             <a:avLst/>
@@ -646,8 +646,8 @@
         </p:nvSpPr>
         <p:spPr>
           <a:xfrm>
-            <a:off x="1270000" y="1841500"/>
-            <a:ext cx="10464800" cy="6299200"/>
+            <a:off x="1270000" y="4279900"/>
+            <a:ext cx="10464800" cy="3860800"/>
           </a:xfrm>
           <a:prstGeom prst="rect">
             <a:avLst/>
@@ -1181,8 +1181,8 @@
         </p:nvSpPr>
         <p:spPr>
           <a:xfrm>
-            <a:off x="952500" y="7447"/>
-            <a:ext cx="11099800" cy="2918806"/>
+            <a:off x="952500" y="44612"/>
+            <a:ext cx="11099800" cy="2844476"/>
           </a:xfrm>
           <a:prstGeom prst="rect">
             <a:avLst/>
@@ -1286,33 +1286,7 @@
         </p:spPr>
         <p:txBody>
           <a:bodyPr/>
-          <a:lstStyle>
-            <a:lvl1pPr>
-              <a:buBlip>
-                <a:blip r:embed="rId2"/>
-              </a:buBlip>
-            </a:lvl1pPr>
-            <a:lvl2pPr>
-              <a:buBlip>
-                <a:blip r:embed="rId2"/>
-              </a:buBlip>
-            </a:lvl2pPr>
-            <a:lvl3pPr>
-              <a:buBlip>
-                <a:blip r:embed="rId2"/>
-              </a:buBlip>
-            </a:lvl3pPr>
-            <a:lvl4pPr>
-              <a:buBlip>
-                <a:blip r:embed="rId2"/>
-              </a:buBlip>
-            </a:lvl4pPr>
-            <a:lvl5pPr>
-              <a:buBlip>
-                <a:blip r:embed="rId2"/>
-              </a:buBlip>
-            </a:lvl5pPr>
-          </a:lstStyle>
+          <a:lstStyle/>
           <a:p>
             <a:pPr lvl="0">
               <a:defRPr sz="1800">
@@ -1491,8 +1465,8 @@
         </p:nvSpPr>
         <p:spPr>
           <a:xfrm>
-            <a:off x="952500" y="2547417"/>
-            <a:ext cx="5334000" cy="6373266"/>
+            <a:off x="952500" y="2547418"/>
+            <a:ext cx="5334000" cy="6373264"/>
           </a:xfrm>
           <a:prstGeom prst="rect">
             <a:avLst/>
@@ -1505,45 +1479,30 @@
               <a:spcBef>
                 <a:spcPts val="3800"/>
               </a:spcBef>
-              <a:buBlip>
-                <a:blip r:embed="rId2"/>
-              </a:buBlip>
               <a:defRPr sz="2800"/>
             </a:lvl1pPr>
             <a:lvl2pPr marL="762000" indent="-381000">
               <a:spcBef>
                 <a:spcPts val="3800"/>
               </a:spcBef>
-              <a:buBlip>
-                <a:blip r:embed="rId2"/>
-              </a:buBlip>
               <a:defRPr sz="2800"/>
             </a:lvl2pPr>
             <a:lvl3pPr marL="1143000" indent="-381000">
               <a:spcBef>
                 <a:spcPts val="3800"/>
               </a:spcBef>
-              <a:buBlip>
-                <a:blip r:embed="rId2"/>
-              </a:buBlip>
               <a:defRPr sz="2800"/>
             </a:lvl3pPr>
             <a:lvl4pPr marL="1524000" indent="-381000">
               <a:spcBef>
                 <a:spcPts val="3800"/>
               </a:spcBef>
-              <a:buBlip>
-                <a:blip r:embed="rId2"/>
-              </a:buBlip>
               <a:defRPr sz="2800"/>
             </a:lvl4pPr>
             <a:lvl5pPr marL="1905000" indent="-381000">
               <a:spcBef>
                 <a:spcPts val="3800"/>
               </a:spcBef>
-              <a:buBlip>
-                <a:blip r:embed="rId2"/>
-              </a:buBlip>
               <a:defRPr sz="2800"/>
             </a:lvl5pPr>
           </a:lstStyle>
@@ -1699,33 +1658,7 @@
         </p:spPr>
         <p:txBody>
           <a:bodyPr/>
-          <a:lstStyle>
-            <a:lvl1pPr>
-              <a:buBlip>
-                <a:blip r:embed="rId2"/>
-              </a:buBlip>
-            </a:lvl1pPr>
-            <a:lvl2pPr>
-              <a:buBlip>
-                <a:blip r:embed="rId2"/>
-              </a:buBlip>
-            </a:lvl2pPr>
-            <a:lvl3pPr>
-              <a:buBlip>
-                <a:blip r:embed="rId2"/>
-              </a:buBlip>
-            </a:lvl3pPr>
-            <a:lvl4pPr>
-              <a:buBlip>
-                <a:blip r:embed="rId2"/>
-              </a:buBlip>
-            </a:lvl4pPr>
-            <a:lvl5pPr>
-              <a:buBlip>
-                <a:blip r:embed="rId2"/>
-              </a:buBlip>
-            </a:lvl5pPr>
-          </a:lstStyle>
+          <a:lstStyle/>
           <a:p>
             <a:pPr lvl="0">
               <a:defRPr sz="1800">
@@ -1907,7 +1840,7 @@
         <p:spPr>
           <a:xfrm>
             <a:off x="952500" y="386281"/>
-            <a:ext cx="11099800" cy="2161139"/>
+            <a:ext cx="11099800" cy="2161138"/>
           </a:xfrm>
           <a:prstGeom prst="rect">
             <a:avLst/>
@@ -1955,8 +1888,8 @@
         </p:nvSpPr>
         <p:spPr>
           <a:xfrm>
-            <a:off x="952500" y="2547417"/>
-            <a:ext cx="11099800" cy="6373266"/>
+            <a:off x="952500" y="2547418"/>
+            <a:ext cx="11099800" cy="6373264"/>
           </a:xfrm>
           <a:prstGeom prst="rect">
             <a:avLst/>
@@ -1974,33 +1907,7 @@
           <a:bodyPr lIns="0" tIns="0" rIns="0" bIns="0" anchor="ctr">
             <a:normAutofit fontScale="100000" lnSpcReduction="0"/>
           </a:bodyPr>
-          <a:lstStyle>
-            <a:lvl1pPr>
-              <a:buBlip>
-                <a:blip r:embed="rId3"/>
-              </a:buBlip>
-            </a:lvl1pPr>
-            <a:lvl2pPr>
-              <a:buBlip>
-                <a:blip r:embed="rId3"/>
-              </a:buBlip>
-            </a:lvl2pPr>
-            <a:lvl3pPr>
-              <a:buBlip>
-                <a:blip r:embed="rId3"/>
-              </a:buBlip>
-            </a:lvl3pPr>
-            <a:lvl4pPr>
-              <a:buBlip>
-                <a:blip r:embed="rId3"/>
-              </a:buBlip>
-            </a:lvl4pPr>
-            <a:lvl5pPr>
-              <a:buBlip>
-                <a:blip r:embed="rId3"/>
-              </a:buBlip>
-            </a:lvl5pPr>
-          </a:lstStyle>
+          <a:lstStyle/>
           <a:p>
             <a:pPr lvl="0">
               <a:defRPr sz="1800">
@@ -2112,18 +2019,18 @@
   </p:cSld>
   <p:clrMap bg1="dk1" tx1="lt1" bg2="dk2" tx2="lt2" accent1="accent1" accent2="accent2" accent3="accent3" accent4="accent4" accent5="accent5" accent6="accent6" hlink="hlink" folHlink="folHlink"/>
   <p:sldLayoutIdLst>
-    <p:sldLayoutId id="2147483649" r:id="rId4"/>
-    <p:sldLayoutId id="2147483650" r:id="rId5"/>
-    <p:sldLayoutId id="2147483651" r:id="rId6"/>
-    <p:sldLayoutId id="2147483652" r:id="rId7"/>
-    <p:sldLayoutId id="2147483653" r:id="rId8"/>
-    <p:sldLayoutId id="2147483654" r:id="rId9"/>
-    <p:sldLayoutId id="2147483655" r:id="rId10"/>
-    <p:sldLayoutId id="2147483656" r:id="rId11"/>
-    <p:sldLayoutId id="2147483657" r:id="rId12"/>
-    <p:sldLayoutId id="2147483658" r:id="rId13"/>
-    <p:sldLayoutId id="2147483659" r:id="rId14"/>
-    <p:sldLayoutId id="2147483660" r:id="rId15"/>
+    <p:sldLayoutId id="2147483649" r:id="rId3"/>
+    <p:sldLayoutId id="2147483650" r:id="rId4"/>
+    <p:sldLayoutId id="2147483651" r:id="rId5"/>
+    <p:sldLayoutId id="2147483652" r:id="rId6"/>
+    <p:sldLayoutId id="2147483653" r:id="rId7"/>
+    <p:sldLayoutId id="2147483654" r:id="rId8"/>
+    <p:sldLayoutId id="2147483655" r:id="rId9"/>
+    <p:sldLayoutId id="2147483656" r:id="rId10"/>
+    <p:sldLayoutId id="2147483657" r:id="rId11"/>
+    <p:sldLayoutId id="2147483658" r:id="rId12"/>
+    <p:sldLayoutId id="2147483659" r:id="rId13"/>
+    <p:sldLayoutId id="2147483660" r:id="rId14"/>
   </p:sldLayoutIdLst>
   <p:transition spd="med" advClick="1"/>
   <p:txStyles>
@@ -2234,9 +2141,7 @@
           <a:spcPts val="4200"/>
         </a:spcBef>
         <a:buSzPct val="75000"/>
-        <a:buBlip>
-          <a:blip r:embed="rId3"/>
-        </a:buBlip>
+        <a:buChar char="•"/>
         <a:defRPr sz="3800">
           <a:solidFill>
             <a:srgbClr val="FFFFFF"/>
@@ -2252,9 +2157,7 @@
           <a:spcPts val="4200"/>
         </a:spcBef>
         <a:buSzPct val="75000"/>
-        <a:buBlip>
-          <a:blip r:embed="rId3"/>
-        </a:buBlip>
+        <a:buChar char="•"/>
         <a:defRPr sz="3800">
           <a:solidFill>
             <a:srgbClr val="FFFFFF"/>
@@ -2270,9 +2173,7 @@
           <a:spcPts val="4200"/>
         </a:spcBef>
         <a:buSzPct val="75000"/>
-        <a:buBlip>
-          <a:blip r:embed="rId3"/>
-        </a:buBlip>
+        <a:buChar char="•"/>
         <a:defRPr sz="3800">
           <a:solidFill>
             <a:srgbClr val="FFFFFF"/>
@@ -2288,9 +2189,7 @@
           <a:spcPts val="4200"/>
         </a:spcBef>
         <a:buSzPct val="75000"/>
-        <a:buBlip>
-          <a:blip r:embed="rId3"/>
-        </a:buBlip>
+        <a:buChar char="•"/>
         <a:defRPr sz="3800">
           <a:solidFill>
             <a:srgbClr val="FFFFFF"/>
@@ -2306,9 +2205,7 @@
           <a:spcPts val="4200"/>
         </a:spcBef>
         <a:buSzPct val="75000"/>
-        <a:buBlip>
-          <a:blip r:embed="rId3"/>
-        </a:buBlip>
+        <a:buChar char="•"/>
         <a:defRPr sz="3800">
           <a:solidFill>
             <a:srgbClr val="FFFFFF"/>
@@ -2324,9 +2221,7 @@
           <a:spcPts val="4200"/>
         </a:spcBef>
         <a:buSzPct val="75000"/>
-        <a:buBlip>
-          <a:blip r:embed="rId3"/>
-        </a:buBlip>
+        <a:buChar char="•"/>
         <a:defRPr sz="3800">
           <a:solidFill>
             <a:srgbClr val="FFFFFF"/>
@@ -2342,9 +2237,7 @@
           <a:spcPts val="4200"/>
         </a:spcBef>
         <a:buSzPct val="75000"/>
-        <a:buBlip>
-          <a:blip r:embed="rId3"/>
-        </a:buBlip>
+        <a:buChar char="•"/>
         <a:defRPr sz="3800">
           <a:solidFill>
             <a:srgbClr val="FFFFFF"/>
@@ -2360,9 +2253,7 @@
           <a:spcPts val="4200"/>
         </a:spcBef>
         <a:buSzPct val="75000"/>
-        <a:buBlip>
-          <a:blip r:embed="rId3"/>
-        </a:buBlip>
+        <a:buChar char="•"/>
         <a:defRPr sz="3800">
           <a:solidFill>
             <a:srgbClr val="FFFFFF"/>
@@ -2378,9 +2269,7 @@
           <a:spcPts val="4200"/>
         </a:spcBef>
         <a:buSzPct val="75000"/>
-        <a:buBlip>
-          <a:blip r:embed="rId3"/>
-        </a:buBlip>
+        <a:buChar char="•"/>
         <a:defRPr sz="3800">
           <a:solidFill>
             <a:srgbClr val="FFFFFF"/>
@@ -2548,7 +2437,7 @@
                   <a:srgbClr val="FFFFFF"/>
                 </a:solidFill>
               </a:rPr>
-              <a:t>Gioco del 15</a:t>
+              <a:t>Gioco del 15 (abbozzo)</a:t>
             </a:r>
           </a:p>
         </p:txBody>
@@ -2587,23 +2476,7 @@
                   <a:srgbClr val="FFFFFF"/>
                 </a:solidFill>
               </a:rPr>
-              <a:t>Gruppo:Genta, Massimino, Levrone</a:t>
-            </a:r>
-            <a:r>
-              <a:rPr sz="3200">
-                <a:solidFill>
-                  <a:srgbClr val="FFFFFF"/>
-                </a:solidFill>
-              </a:rPr>
-              <a:t> e</a:t>
-            </a:r>
-            <a:r>
-              <a:rPr sz="3200">
-                <a:solidFill>
-                  <a:srgbClr val="FFFFFF"/>
-                </a:solidFill>
-              </a:rPr>
-              <a:t> Nikolov.</a:t>
+              <a:t>Gruppo:Genta, Massimino, Levrone, Nikolov.</a:t>
             </a:r>
           </a:p>
         </p:txBody>
@@ -2748,14 +2621,150 @@
       </p:par>
     </p:tnLst>
     <p:bldLst>
+      <p:bldP build="whole" bldLvl="1" animBg="1" rev="0" advAuto="0" spid="32" grpId="1"/>
       <p:bldP build="whole" bldLvl="1" animBg="1" rev="0" advAuto="0" spid="33" grpId="2"/>
-      <p:bldP build="whole" bldLvl="1" animBg="1" rev="0" advAuto="0" spid="32" grpId="1"/>
     </p:bldLst>
   </p:timing>
 </p:sld>
 </file>
 
 <file path=ppt/slides/slide10.xml><?xml version="1.0" encoding="utf-8"?>
+<p:sld xmlns:a="http://schemas.openxmlformats.org/drawingml/2006/main" xmlns:r="http://schemas.openxmlformats.org/officeDocument/2006/relationships" xmlns:p="http://schemas.openxmlformats.org/presentationml/2006/main" showMasterSp="1" showMasterPhAnim="1">
+  <p:cSld>
+    <p:spTree>
+      <p:nvGrpSpPr>
+        <p:cNvPr id="1" name=""/>
+        <p:cNvGrpSpPr/>
+        <p:nvPr/>
+      </p:nvGrpSpPr>
+      <p:grpSpPr>
+        <a:xfrm>
+          <a:off x="0" y="0"/>
+          <a:ext cx="0" cy="0"/>
+          <a:chOff x="0" y="0"/>
+          <a:chExt cx="0" cy="0"/>
+        </a:xfrm>
+      </p:grpSpPr>
+      <p:sp>
+        <p:nvSpPr>
+          <p:cNvPr id="56" name="Shape 56"/>
+          <p:cNvSpPr/>
+          <p:nvPr>
+            <p:ph type="title"/>
+          </p:nvPr>
+        </p:nvSpPr>
+        <p:spPr>
+          <a:xfrm>
+            <a:off x="952500" y="406400"/>
+            <a:ext cx="11099800" cy="2120900"/>
+          </a:xfrm>
+          <a:prstGeom prst="rect">
+            <a:avLst/>
+          </a:prstGeom>
+        </p:spPr>
+        <p:txBody>
+          <a:bodyPr/>
+          <a:lstStyle>
+            <a:lvl1pPr defTabSz="531622">
+              <a:defRPr sz="7200"/>
+            </a:lvl1pPr>
+          </a:lstStyle>
+          <a:p>
+            <a:pPr lvl="0">
+              <a:defRPr sz="1800">
+                <a:solidFill>
+                  <a:srgbClr val="000000"/>
+                </a:solidFill>
+              </a:defRPr>
+            </a:pPr>
+            <a:r>
+              <a:rPr sz="7200">
+                <a:solidFill>
+                  <a:srgbClr val="FFFFFF"/>
+                </a:solidFill>
+              </a:rPr>
+              <a:t>Animazione vittoria e inizio</a:t>
+            </a:r>
+          </a:p>
+        </p:txBody>
+      </p:sp>
+      <p:sp>
+        <p:nvSpPr>
+          <p:cNvPr id="57" name="Shape 57"/>
+          <p:cNvSpPr/>
+          <p:nvPr>
+            <p:ph type="body" idx="1"/>
+          </p:nvPr>
+        </p:nvSpPr>
+        <p:spPr>
+          <a:xfrm>
+            <a:off x="952500" y="2590800"/>
+            <a:ext cx="11099800" cy="6286500"/>
+          </a:xfrm>
+          <a:prstGeom prst="rect">
+            <a:avLst/>
+          </a:prstGeom>
+        </p:spPr>
+        <p:txBody>
+          <a:bodyPr/>
+          <a:lstStyle/>
+          <a:p>
+            <a:pPr lvl="0" marL="965200" indent="-965200">
+              <a:buClr>
+                <a:srgbClr val="FFFFFF"/>
+              </a:buClr>
+              <a:defRPr sz="1800">
+                <a:solidFill>
+                  <a:srgbClr val="000000"/>
+                </a:solidFill>
+              </a:defRPr>
+            </a:pPr>
+            <a:r>
+              <a:rPr sz="3800">
+                <a:solidFill>
+                  <a:srgbClr val="FFFFFF"/>
+                </a:solidFill>
+              </a:rPr>
+              <a:t>Vittoria (id=testo celle)</a:t>
+            </a:r>
+            <a:endParaRPr sz="3800">
+              <a:solidFill>
+                <a:srgbClr val="FFFFFF"/>
+              </a:solidFill>
+            </a:endParaRPr>
+          </a:p>
+          <a:p>
+            <a:pPr lvl="0" marL="965200" indent="-965200">
+              <a:buClr>
+                <a:srgbClr val="FFFFFF"/>
+              </a:buClr>
+              <a:defRPr sz="1800">
+                <a:solidFill>
+                  <a:srgbClr val="000000"/>
+                </a:solidFill>
+              </a:defRPr>
+            </a:pPr>
+            <a:r>
+              <a:rPr sz="3800">
+                <a:solidFill>
+                  <a:srgbClr val="FFFFFF"/>
+                </a:solidFill>
+              </a:rPr>
+              <a:t>Animazione=rotazione di 360 gradi con cambio di testo in complimenti</a:t>
+            </a:r>
+          </a:p>
+        </p:txBody>
+      </p:sp>
+    </p:spTree>
+  </p:cSld>
+  <p:clrMapOvr>
+    <a:masterClrMapping/>
+  </p:clrMapOvr>
+  <p:transition spd="slow" advClick="1"/>
+</p:sld>
+</file>
+
+<file path=ppt/slides/slide11.xml><?xml version="1.0" encoding="utf-8"?>
 <p:sld xmlns:a="http://schemas.openxmlformats.org/drawingml/2006/main" xmlns:r="http://schemas.openxmlformats.org/officeDocument/2006/relationships" xmlns:p="http://schemas.openxmlformats.org/presentationml/2006/main" showMasterSp="1" showMasterPhAnim="1">
   <p:cSld>
     <p:spTree>
@@ -2791,11 +2800,7 @@
         </p:spPr>
         <p:txBody>
           <a:bodyPr/>
-          <a:lstStyle>
-            <a:lvl1pPr defTabSz="531622">
-              <a:defRPr sz="7200"/>
-            </a:lvl1pPr>
-          </a:lstStyle>
+          <a:lstStyle/>
           <a:p>
             <a:pPr lvl="0">
               <a:defRPr sz="1800">
@@ -2805,12 +2810,12 @@
               </a:defRPr>
             </a:pPr>
             <a:r>
-              <a:rPr sz="7200">
-                <a:solidFill>
-                  <a:srgbClr val="FFFFFF"/>
-                </a:solidFill>
-              </a:rPr>
-              <a:t>Animazione vittoria e inizio</a:t>
+              <a:rPr sz="8000">
+                <a:solidFill>
+                  <a:srgbClr val="FFFFFF"/>
+                </a:solidFill>
+              </a:rPr>
+              <a:t>Test risolvibilità matrice</a:t>
             </a:r>
           </a:p>
         </p:txBody>
@@ -2834,147 +2839,11 @@
         </p:spPr>
         <p:txBody>
           <a:bodyPr/>
-          <a:lstStyle/>
-          <a:p>
-            <a:pPr lvl="0" marL="2037644" indent="-2037644">
+          <a:lstStyle>
+            <a:lvl1pPr marL="965200" indent="-965200">
               <a:buClr>
                 <a:srgbClr val="FFFFFF"/>
               </a:buClr>
-              <a:buBlip>
-                <a:blip r:embed="rId2"/>
-              </a:buBlip>
-              <a:defRPr sz="1800">
-                <a:solidFill>
-                  <a:srgbClr val="000000"/>
-                </a:solidFill>
-              </a:defRPr>
-            </a:pPr>
-            <a:r>
-              <a:rPr sz="3800">
-                <a:solidFill>
-                  <a:srgbClr val="FFFFFF"/>
-                </a:solidFill>
-              </a:rPr>
-              <a:t>Vittoria (id=testo celle)</a:t>
-            </a:r>
-          </a:p>
-          <a:p>
-            <a:pPr lvl="0" marL="2037644" indent="-2037644">
-              <a:buClr>
-                <a:srgbClr val="FFFFFF"/>
-              </a:buClr>
-              <a:buBlip>
-                <a:blip r:embed="rId2"/>
-              </a:buBlip>
-              <a:defRPr sz="1800">
-                <a:solidFill>
-                  <a:srgbClr val="000000"/>
-                </a:solidFill>
-              </a:defRPr>
-            </a:pPr>
-            <a:r>
-              <a:rPr sz="3800">
-                <a:solidFill>
-                  <a:srgbClr val="FFFFFF"/>
-                </a:solidFill>
-              </a:rPr>
-              <a:t>Animazione=rotazione di 360 gradi con cambio di testo in complimenti</a:t>
-            </a:r>
-          </a:p>
-        </p:txBody>
-      </p:sp>
-    </p:spTree>
-  </p:cSld>
-  <p:clrMapOvr>
-    <a:masterClrMapping/>
-  </p:clrMapOvr>
-  <p:transition spd="med" advClick="1"/>
-</p:sld>
-</file>
-
-<file path=ppt/slides/slide11.xml><?xml version="1.0" encoding="utf-8"?>
-<p:sld xmlns:a="http://schemas.openxmlformats.org/drawingml/2006/main" xmlns:r="http://schemas.openxmlformats.org/officeDocument/2006/relationships" xmlns:p="http://schemas.openxmlformats.org/presentationml/2006/main" showMasterSp="1" showMasterPhAnim="1">
-  <p:cSld>
-    <p:spTree>
-      <p:nvGrpSpPr>
-        <p:cNvPr id="1" name=""/>
-        <p:cNvGrpSpPr/>
-        <p:nvPr/>
-      </p:nvGrpSpPr>
-      <p:grpSpPr>
-        <a:xfrm>
-          <a:off x="0" y="0"/>
-          <a:ext cx="0" cy="0"/>
-          <a:chOff x="0" y="0"/>
-          <a:chExt cx="0" cy="0"/>
-        </a:xfrm>
-      </p:grpSpPr>
-      <p:sp>
-        <p:nvSpPr>
-          <p:cNvPr id="62" name="Shape 62"/>
-          <p:cNvSpPr/>
-          <p:nvPr>
-            <p:ph type="title"/>
-          </p:nvPr>
-        </p:nvSpPr>
-        <p:spPr>
-          <a:xfrm>
-            <a:off x="952500" y="406400"/>
-            <a:ext cx="11099800" cy="2120900"/>
-          </a:xfrm>
-          <a:prstGeom prst="rect">
-            <a:avLst/>
-          </a:prstGeom>
-        </p:spPr>
-        <p:txBody>
-          <a:bodyPr/>
-          <a:lstStyle/>
-          <a:p>
-            <a:pPr lvl="0">
-              <a:defRPr sz="1800">
-                <a:solidFill>
-                  <a:srgbClr val="000000"/>
-                </a:solidFill>
-              </a:defRPr>
-            </a:pPr>
-            <a:r>
-              <a:rPr sz="8000">
-                <a:solidFill>
-                  <a:srgbClr val="FFFFFF"/>
-                </a:solidFill>
-              </a:rPr>
-              <a:t>Test risolvibilità matrice</a:t>
-            </a:r>
-          </a:p>
-        </p:txBody>
-      </p:sp>
-      <p:sp>
-        <p:nvSpPr>
-          <p:cNvPr id="63" name="Shape 63"/>
-          <p:cNvSpPr/>
-          <p:nvPr>
-            <p:ph type="body" idx="1"/>
-          </p:nvPr>
-        </p:nvSpPr>
-        <p:spPr>
-          <a:xfrm>
-            <a:off x="952500" y="2590800"/>
-            <a:ext cx="11099800" cy="6286500"/>
-          </a:xfrm>
-          <a:prstGeom prst="rect">
-            <a:avLst/>
-          </a:prstGeom>
-        </p:spPr>
-        <p:txBody>
-          <a:bodyPr/>
-          <a:lstStyle>
-            <a:lvl1pPr marL="2037644" indent="-2037644">
-              <a:buClr>
-                <a:srgbClr val="FFFFFF"/>
-              </a:buClr>
-              <a:buBlip>
-                <a:blip r:embed="rId2"/>
-              </a:buBlip>
             </a:lvl1pPr>
           </a:lstStyle>
           <a:p>
@@ -3024,7 +2893,7 @@
       </p:grpSpPr>
       <p:sp>
         <p:nvSpPr>
-          <p:cNvPr id="65" name="Shape 65"/>
+          <p:cNvPr id="62" name="Shape 62"/>
           <p:cNvSpPr/>
           <p:nvPr>
             <p:ph type="title"/>
@@ -3106,7 +2975,7 @@
                             </p:stCondLst>
                             <p:childTnLst>
                               <p:par>
-                                <p:cTn id="5" nodeType="clickEffect" presetClass="entr" presetSubtype="0" presetID="10" grpId="1" fill="hold">
+                                <p:cTn id="5" nodeType="clickEffect" presetClass="entr" presetSubtype="0" presetID="9" grpId="1" fill="hold">
                                   <p:stCondLst>
                                     <p:cond delay="0"/>
                                   </p:stCondLst>
@@ -3118,7 +2987,7 @@
                                       <p:cBhvr>
                                         <p:cTn id="6" fill="hold"/>
                                         <p:tgtEl>
-                                          <p:spTgt spid="65"/>
+                                          <p:spTgt spid="62"/>
                                         </p:tgtEl>
                                         <p:attrNameLst>
                                           <p:attrName>style.visibility</p:attrName>
@@ -3128,11 +2997,11 @@
                                         <p:strVal val="visible"/>
                                       </p:to>
                                     </p:set>
-                                    <p:animEffect filter="fade" transition="in">
+                                    <p:animEffect filter="dissolve" transition="in">
                                       <p:cBhvr>
                                         <p:cTn id="7" dur="1500"/>
                                         <p:tgtEl>
-                                          <p:spTgt spid="65"/>
+                                          <p:spTgt spid="62"/>
                                         </p:tgtEl>
                                       </p:cBhvr>
                                     </p:animEffect>
@@ -3167,13 +3036,145 @@
       </p:par>
     </p:tnLst>
     <p:bldLst>
-      <p:bldP build="whole" bldLvl="1" animBg="1" rev="0" advAuto="0" spid="65" grpId="1"/>
+      <p:bldP build="whole" bldLvl="1" animBg="1" rev="0" advAuto="0" spid="62" grpId="1"/>
     </p:bldLst>
   </p:timing>
 </p:sld>
 </file>
 
 <file path=ppt/slides/slide13.xml><?xml version="1.0" encoding="utf-8"?>
+<p:sld xmlns:a="http://schemas.openxmlformats.org/drawingml/2006/main" xmlns:r="http://schemas.openxmlformats.org/officeDocument/2006/relationships" xmlns:p="http://schemas.openxmlformats.org/presentationml/2006/main" showMasterSp="1" showMasterPhAnim="1">
+  <p:cSld>
+    <p:spTree>
+      <p:nvGrpSpPr>
+        <p:cNvPr id="1" name=""/>
+        <p:cNvGrpSpPr/>
+        <p:nvPr/>
+      </p:nvGrpSpPr>
+      <p:grpSpPr>
+        <a:xfrm>
+          <a:off x="0" y="0"/>
+          <a:ext cx="0" cy="0"/>
+          <a:chOff x="0" y="0"/>
+          <a:chExt cx="0" cy="0"/>
+        </a:xfrm>
+      </p:grpSpPr>
+      <p:sp>
+        <p:nvSpPr>
+          <p:cNvPr id="64" name="Shape 64"/>
+          <p:cNvSpPr/>
+          <p:nvPr>
+            <p:ph type="title"/>
+          </p:nvPr>
+        </p:nvSpPr>
+        <p:spPr>
+          <a:xfrm>
+            <a:off x="952500" y="406400"/>
+            <a:ext cx="11099800" cy="2120900"/>
+          </a:xfrm>
+          <a:prstGeom prst="rect">
+            <a:avLst/>
+          </a:prstGeom>
+        </p:spPr>
+        <p:txBody>
+          <a:bodyPr/>
+          <a:lstStyle/>
+          <a:p>
+            <a:pPr lvl="0">
+              <a:defRPr sz="1800">
+                <a:solidFill>
+                  <a:srgbClr val="000000"/>
+                </a:solidFill>
+              </a:defRPr>
+            </a:pPr>
+            <a:r>
+              <a:rPr sz="8000">
+                <a:solidFill>
+                  <a:srgbClr val="FFFFFF"/>
+                </a:solidFill>
+              </a:rPr>
+              <a:t>Lavoro di gruppo</a:t>
+            </a:r>
+          </a:p>
+        </p:txBody>
+      </p:sp>
+      <p:sp>
+        <p:nvSpPr>
+          <p:cNvPr id="65" name="Shape 65"/>
+          <p:cNvSpPr/>
+          <p:nvPr>
+            <p:ph type="body" idx="1"/>
+          </p:nvPr>
+        </p:nvSpPr>
+        <p:spPr>
+          <a:xfrm>
+            <a:off x="952500" y="2590800"/>
+            <a:ext cx="11099800" cy="6286500"/>
+          </a:xfrm>
+          <a:prstGeom prst="rect">
+            <a:avLst/>
+          </a:prstGeom>
+        </p:spPr>
+        <p:txBody>
+          <a:bodyPr/>
+          <a:lstStyle/>
+          <a:p>
+            <a:pPr lvl="0" marL="965200" indent="-965200">
+              <a:buClr>
+                <a:srgbClr val="FFFFFF"/>
+              </a:buClr>
+              <a:defRPr sz="1800">
+                <a:solidFill>
+                  <a:srgbClr val="000000"/>
+                </a:solidFill>
+              </a:defRPr>
+            </a:pPr>
+            <a:r>
+              <a:rPr sz="3800">
+                <a:solidFill>
+                  <a:srgbClr val="FFFFFF"/>
+                </a:solidFill>
+              </a:rPr>
+              <a:t>Per condividere, aggiornare e scambiare materiale abbiamo fatto affidamento su GitHub</a:t>
+            </a:r>
+            <a:endParaRPr sz="3800">
+              <a:solidFill>
+                <a:srgbClr val="FFFFFF"/>
+              </a:solidFill>
+            </a:endParaRPr>
+          </a:p>
+          <a:p>
+            <a:pPr lvl="0" marL="965200" indent="-965200">
+              <a:buClr>
+                <a:srgbClr val="FFFFFF"/>
+              </a:buClr>
+              <a:defRPr sz="1800">
+                <a:solidFill>
+                  <a:srgbClr val="000000"/>
+                </a:solidFill>
+              </a:defRPr>
+            </a:pPr>
+            <a:r>
+              <a:rPr sz="3800">
+                <a:solidFill>
+                  <a:srgbClr val="FFFFFF"/>
+                </a:solidFill>
+              </a:rPr>
+              <a:t>Abbiamo seguito una tabella di marcia realizzando prima il codice HTML poi gli script e infine gli stili CSS.</a:t>
+            </a:r>
+          </a:p>
+        </p:txBody>
+      </p:sp>
+    </p:spTree>
+  </p:cSld>
+  <p:clrMapOvr>
+    <a:masterClrMapping/>
+  </p:clrMapOvr>
+  <p:transition spd="slow" advClick="1"/>
+</p:sld>
+</file>
+
+<file path=ppt/slides/slide14.xml><?xml version="1.0" encoding="utf-8"?>
 <p:sld xmlns:a="http://schemas.openxmlformats.org/drawingml/2006/main" xmlns:r="http://schemas.openxmlformats.org/officeDocument/2006/relationships" xmlns:p="http://schemas.openxmlformats.org/presentationml/2006/main" showMasterSp="1" showMasterPhAnim="1">
   <p:cSld>
     <p:spTree>
@@ -3224,7 +3225,7 @@
                   <a:srgbClr val="FFFFFF"/>
                 </a:solidFill>
               </a:rPr>
-              <a:t>Lavoro di gruppo</a:t>
+              <a:t>Ruoli nel gruppo</a:t>
             </a:r>
           </a:p>
         </p:txBody>
@@ -3250,139 +3251,6 @@
           <a:bodyPr/>
           <a:lstStyle/>
           <a:p>
-            <a:pPr lvl="0" marL="2037644" indent="-2037644">
-              <a:buClr>
-                <a:srgbClr val="FFFFFF"/>
-              </a:buClr>
-              <a:buBlip>
-                <a:blip r:embed="rId2"/>
-              </a:buBlip>
-              <a:defRPr sz="1800">
-                <a:solidFill>
-                  <a:srgbClr val="000000"/>
-                </a:solidFill>
-              </a:defRPr>
-            </a:pPr>
-            <a:r>
-              <a:rPr sz="3800">
-                <a:solidFill>
-                  <a:srgbClr val="FFFFFF"/>
-                </a:solidFill>
-              </a:rPr>
-              <a:t>Per condividere, aggiornare e scambiare materiale abbiamo fatto affidamento su GitHub</a:t>
-            </a:r>
-          </a:p>
-          <a:p>
-            <a:pPr lvl="0" marL="2037644" indent="-2037644">
-              <a:buClr>
-                <a:srgbClr val="FFFFFF"/>
-              </a:buClr>
-              <a:buBlip>
-                <a:blip r:embed="rId2"/>
-              </a:buBlip>
-              <a:defRPr sz="1800">
-                <a:solidFill>
-                  <a:srgbClr val="000000"/>
-                </a:solidFill>
-              </a:defRPr>
-            </a:pPr>
-            <a:r>
-              <a:rPr sz="3800">
-                <a:solidFill>
-                  <a:srgbClr val="FFFFFF"/>
-                </a:solidFill>
-              </a:rPr>
-              <a:t>Abbiamo seguito una tabella di marcia realizzando prima il codice HTML poi gli script e infine gli stili CSS.</a:t>
-            </a:r>
-          </a:p>
-        </p:txBody>
-      </p:sp>
-    </p:spTree>
-  </p:cSld>
-  <p:clrMapOvr>
-    <a:masterClrMapping/>
-  </p:clrMapOvr>
-  <p:transition spd="med" advClick="1"/>
-</p:sld>
-</file>
-
-<file path=ppt/slides/slide14.xml><?xml version="1.0" encoding="utf-8"?>
-<p:sld xmlns:a="http://schemas.openxmlformats.org/drawingml/2006/main" xmlns:r="http://schemas.openxmlformats.org/officeDocument/2006/relationships" xmlns:p="http://schemas.openxmlformats.org/presentationml/2006/main" showMasterSp="1" showMasterPhAnim="1">
-  <p:cSld>
-    <p:spTree>
-      <p:nvGrpSpPr>
-        <p:cNvPr id="1" name=""/>
-        <p:cNvGrpSpPr/>
-        <p:nvPr/>
-      </p:nvGrpSpPr>
-      <p:grpSpPr>
-        <a:xfrm>
-          <a:off x="0" y="0"/>
-          <a:ext cx="0" cy="0"/>
-          <a:chOff x="0" y="0"/>
-          <a:chExt cx="0" cy="0"/>
-        </a:xfrm>
-      </p:grpSpPr>
-      <p:sp>
-        <p:nvSpPr>
-          <p:cNvPr id="70" name="Shape 70"/>
-          <p:cNvSpPr/>
-          <p:nvPr>
-            <p:ph type="title"/>
-          </p:nvPr>
-        </p:nvSpPr>
-        <p:spPr>
-          <a:xfrm>
-            <a:off x="952500" y="406400"/>
-            <a:ext cx="11099800" cy="2120900"/>
-          </a:xfrm>
-          <a:prstGeom prst="rect">
-            <a:avLst/>
-          </a:prstGeom>
-        </p:spPr>
-        <p:txBody>
-          <a:bodyPr/>
-          <a:lstStyle/>
-          <a:p>
-            <a:pPr lvl="0">
-              <a:defRPr sz="1800">
-                <a:solidFill>
-                  <a:srgbClr val="000000"/>
-                </a:solidFill>
-              </a:defRPr>
-            </a:pPr>
-            <a:r>
-              <a:rPr sz="8000">
-                <a:solidFill>
-                  <a:srgbClr val="FFFFFF"/>
-                </a:solidFill>
-              </a:rPr>
-              <a:t>Ruoli nel gruppo</a:t>
-            </a:r>
-          </a:p>
-        </p:txBody>
-      </p:sp>
-      <p:sp>
-        <p:nvSpPr>
-          <p:cNvPr id="71" name="Shape 71"/>
-          <p:cNvSpPr/>
-          <p:nvPr>
-            <p:ph type="body" idx="1"/>
-          </p:nvPr>
-        </p:nvSpPr>
-        <p:spPr>
-          <a:xfrm>
-            <a:off x="952500" y="2590800"/>
-            <a:ext cx="11099800" cy="6286500"/>
-          </a:xfrm>
-          <a:prstGeom prst="rect">
-            <a:avLst/>
-          </a:prstGeom>
-        </p:spPr>
-        <p:txBody>
-          <a:bodyPr/>
-          <a:lstStyle/>
-          <a:p>
             <a:pPr lvl="0" marL="0" indent="0">
               <a:buSzTx/>
               <a:buNone/>
@@ -3400,18 +3268,20 @@
               </a:rPr>
               <a:t>2 sotto-team</a:t>
             </a:r>
-          </a:p>
-          <a:p>
-            <a:pPr lvl="1" marL="2494844" indent="-2037644">
+            <a:endParaRPr sz="3800">
+              <a:solidFill>
+                <a:srgbClr val="FFFFFF"/>
+              </a:solidFill>
+            </a:endParaRPr>
+          </a:p>
+          <a:p>
+            <a:pPr lvl="1" marL="1422400" indent="-965200">
               <a:spcBef>
                 <a:spcPts val="600"/>
               </a:spcBef>
               <a:buClr>
                 <a:srgbClr val="FFFFFF"/>
               </a:buClr>
-              <a:buBlip>
-                <a:blip r:embed="rId2"/>
-              </a:buBlip>
               <a:defRPr sz="1800">
                 <a:solidFill>
                   <a:srgbClr val="000000"/>
@@ -3426,18 +3296,20 @@
               </a:rPr>
               <a:t>Genta e Massimino: sviluppo codice, implementazione grafica e documentazione.</a:t>
             </a:r>
-          </a:p>
-          <a:p>
-            <a:pPr lvl="1" marL="2494844" indent="-2037644">
+            <a:endParaRPr sz="3800">
+              <a:solidFill>
+                <a:srgbClr val="FFFFFF"/>
+              </a:solidFill>
+            </a:endParaRPr>
+          </a:p>
+          <a:p>
+            <a:pPr lvl="1" marL="1422400" indent="-965200">
               <a:spcBef>
                 <a:spcPts val="600"/>
               </a:spcBef>
               <a:buClr>
                 <a:srgbClr val="FFFFFF"/>
               </a:buClr>
-              <a:buBlip>
-                <a:blip r:embed="rId2"/>
-              </a:buBlip>
               <a:defRPr sz="1800">
                 <a:solidFill>
                   <a:srgbClr val="000000"/>
@@ -3483,7 +3355,7 @@
       </p:grpSpPr>
       <p:sp>
         <p:nvSpPr>
-          <p:cNvPr id="73" name="Shape 73"/>
+          <p:cNvPr id="70" name="Shape 70"/>
           <p:cNvSpPr/>
           <p:nvPr>
             <p:ph type="title"/>
@@ -3547,7 +3419,7 @@
                             </p:stCondLst>
                             <p:childTnLst>
                               <p:par>
-                                <p:cTn id="5" nodeType="clickEffect" presetClass="entr" presetSubtype="0" presetID="10" grpId="1" fill="hold">
+                                <p:cTn id="5" nodeType="clickEffect" presetClass="entr" presetSubtype="0" presetID="9" grpId="1" fill="hold">
                                   <p:stCondLst>
                                     <p:cond delay="0"/>
                                   </p:stCondLst>
@@ -3559,7 +3431,7 @@
                                       <p:cBhvr>
                                         <p:cTn id="6" fill="hold"/>
                                         <p:tgtEl>
-                                          <p:spTgt spid="73"/>
+                                          <p:spTgt spid="70"/>
                                         </p:tgtEl>
                                         <p:attrNameLst>
                                           <p:attrName>style.visibility</p:attrName>
@@ -3569,11 +3441,11 @@
                                         <p:strVal val="visible"/>
                                       </p:to>
                                     </p:set>
-                                    <p:animEffect filter="fade" transition="in">
+                                    <p:animEffect filter="dissolve" transition="in">
                                       <p:cBhvr>
                                         <p:cTn id="7" dur="1500"/>
                                         <p:tgtEl>
-                                          <p:spTgt spid="73"/>
+                                          <p:spTgt spid="70"/>
                                         </p:tgtEl>
                                       </p:cBhvr>
                                     </p:animEffect>
@@ -3608,7 +3480,7 @@
       </p:par>
     </p:tnLst>
     <p:bldLst>
-      <p:bldP build="whole" bldLvl="1" animBg="1" rev="0" advAuto="0" spid="73" grpId="1"/>
+      <p:bldP build="whole" bldLvl="1" animBg="1" rev="0" advAuto="0" spid="70" grpId="1"/>
     </p:bldLst>
   </p:timing>
 </p:sld>
@@ -3693,7 +3565,7 @@
   <p:clrMapOvr>
     <a:masterClrMapping/>
   </p:clrMapOvr>
-  <p:transition spd="med" advClick="1"/>
+  <p:transition spd="slow" advClick="1"/>
   <p:timing>
     <p:tnLst>
       <p:par>
@@ -3715,7 +3587,7 @@
                             </p:stCondLst>
                             <p:childTnLst>
                               <p:par>
-                                <p:cTn id="5" nodeType="clickEffect" presetClass="entr" presetSubtype="0" presetID="10" grpId="1" fill="hold">
+                                <p:cTn id="5" nodeType="clickEffect" presetClass="entr" presetSubtype="0" presetID="9" grpId="1" fill="hold">
                                   <p:stCondLst>
                                     <p:cond delay="0"/>
                                   </p:stCondLst>
@@ -3737,7 +3609,7 @@
                                         <p:strVal val="visible"/>
                                       </p:to>
                                     </p:set>
-                                    <p:animEffect filter="fade" transition="in">
+                                    <p:animEffect filter="dissolve" transition="in">
                                       <p:cBhvr>
                                         <p:cTn id="7" dur="1500"/>
                                         <p:tgtEl>
@@ -3859,28 +3731,23 @@
           <a:bodyPr/>
           <a:lstStyle/>
           <a:p>
-            <a:pPr lvl="0" marL="180473" indent="-180473">
-              <a:buSzPct val="60000"/>
-              <a:buBlip>
-                <a:blip r:embed="rId2"/>
-              </a:buBlip>
-              <a:defRPr sz="1800">
-                <a:solidFill>
-                  <a:srgbClr val="000000"/>
-                </a:solidFill>
-              </a:defRPr>
-            </a:pPr>
-            <a:r>
-              <a:rPr sz="3800"/>
-              <a:t> </a:t>
-            </a:r>
+            <a:pPr lvl="0" marL="965200" indent="-965200">
+              <a:buClr>
+                <a:srgbClr val="FFFFFF"/>
+              </a:buClr>
+              <a:defRPr sz="1800">
+                <a:solidFill>
+                  <a:srgbClr val="000000"/>
+                </a:solidFill>
+              </a:defRPr>
+            </a:pPr>
             <a:r>
               <a:rPr sz="3800">
                 <a:solidFill>
                   <a:srgbClr val="FFFFFF"/>
                 </a:solidFill>
               </a:rPr>
-              <a:t>Tabelle</a:t>
+              <a:t>Div contenitore</a:t>
             </a:r>
             <a:endParaRPr sz="3800">
               <a:solidFill>
@@ -3889,92 +3756,23 @@
             </a:endParaRPr>
           </a:p>
           <a:p>
-            <a:pPr lvl="1" marL="815473" indent="-307473">
-              <a:buSzPct val="100000"/>
-              <a:buAutoNum type="arabicPeriod" startAt="1"/>
-              <a:defRPr sz="1800">
-                <a:solidFill>
-                  <a:srgbClr val="000000"/>
-                </a:solidFill>
-              </a:defRPr>
-            </a:pPr>
-            <a:r>
-              <a:rPr sz="2300">
-                <a:solidFill>
-                  <a:srgbClr val="FFFEFE"/>
-                </a:solidFill>
-              </a:rPr>
-              <a:t> contenitore delle celle (div)</a:t>
-            </a:r>
-            <a:endParaRPr sz="2300">
-              <a:solidFill>
-                <a:srgbClr val="FFFEFE"/>
-              </a:solidFill>
-            </a:endParaRPr>
-          </a:p>
-          <a:p>
-            <a:pPr lvl="1" marL="815473" indent="-307473">
-              <a:buSzPct val="100000"/>
-              <a:buAutoNum type="arabicPeriod" startAt="1"/>
-              <a:defRPr sz="1800">
-                <a:solidFill>
-                  <a:srgbClr val="000000"/>
-                </a:solidFill>
-              </a:defRPr>
-            </a:pPr>
-            <a:r>
-              <a:rPr sz="2300">
-                <a:solidFill>
-                  <a:srgbClr val="FFFEFE"/>
-                </a:solidFill>
-              </a:rPr>
-              <a:t>contenitore timer, contatore mosse e nome</a:t>
-            </a:r>
-            <a:endParaRPr sz="3800">
-              <a:solidFill>
-                <a:srgbClr val="FFFEFE"/>
-              </a:solidFill>
-            </a:endParaRPr>
-          </a:p>
-          <a:p>
-            <a:pPr lvl="0" marL="180473" indent="-180473">
-              <a:buSzPct val="60000"/>
-              <a:buBlip>
-                <a:blip r:embed="rId2"/>
-              </a:buBlip>
-              <a:defRPr sz="1800">
-                <a:solidFill>
-                  <a:srgbClr val="000000"/>
-                </a:solidFill>
-              </a:defRPr>
-            </a:pPr>
-            <a:r>
-              <a:rPr sz="3800"/>
-              <a:t>  </a:t>
-            </a:r>
+            <a:pPr lvl="0" marL="965200" indent="-965200">
+              <a:buClr>
+                <a:srgbClr val="FFFFFF"/>
+              </a:buClr>
+              <a:defRPr sz="1800">
+                <a:solidFill>
+                  <a:srgbClr val="000000"/>
+                </a:solidFill>
+              </a:defRPr>
+            </a:pPr>
             <a:r>
               <a:rPr sz="3800">
                 <a:solidFill>
                   <a:srgbClr val="FFFFFF"/>
                 </a:solidFill>
               </a:rPr>
-              <a:t>M</a:t>
-            </a:r>
-            <a:r>
-              <a:rPr sz="3800">
-                <a:solidFill>
-                  <a:srgbClr val="FFFFFF"/>
-                </a:solidFill>
-              </a:rPr>
-              <a:t>enù</a:t>
-            </a:r>
-            <a:r>
-              <a:rPr sz="3800">
-                <a:solidFill>
-                  <a:srgbClr val="FFFFFF"/>
-                </a:solidFill>
-              </a:rPr>
-              <a:t>:</a:t>
+              <a:t>3 menu (top, middle, bottom)</a:t>
             </a:r>
             <a:endParaRPr sz="3800">
               <a:solidFill>
@@ -3983,228 +3781,24 @@
             </a:endParaRPr>
           </a:p>
           <a:p>
-            <a:pPr lvl="1" marL="815473" indent="-307473">
-              <a:buSzPct val="100000"/>
-              <a:buAutoNum type="arabicPeriod" startAt="3"/>
-              <a:defRPr sz="1800">
-                <a:solidFill>
-                  <a:srgbClr val="000000"/>
-                </a:solidFill>
-              </a:defRPr>
-            </a:pPr>
-            <a:r>
-              <a:rPr sz="2300">
-                <a:solidFill>
-                  <a:srgbClr val="FDFFFF"/>
-                </a:solidFill>
-              </a:rPr>
-              <a:t>Top-menù: grafica</a:t>
-            </a:r>
-            <a:endParaRPr sz="2300">
-              <a:solidFill>
-                <a:srgbClr val="FDFFFF"/>
-              </a:solidFill>
-            </a:endParaRPr>
-          </a:p>
-          <a:p>
-            <a:pPr lvl="1" marL="815473" indent="-307473">
-              <a:buSzPct val="100000"/>
-              <a:buAutoNum type="arabicPeriod" startAt="3"/>
-              <a:defRPr sz="1800">
-                <a:solidFill>
-                  <a:srgbClr val="000000"/>
-                </a:solidFill>
-              </a:defRPr>
-            </a:pPr>
-            <a:r>
-              <a:rPr sz="2300">
-                <a:solidFill>
-                  <a:srgbClr val="FFFBFB"/>
-                </a:solidFill>
-              </a:rPr>
-              <a:t>Middle-menù: azioni partita</a:t>
-            </a:r>
-            <a:endParaRPr sz="2300">
-              <a:solidFill>
-                <a:srgbClr val="FFFBFB"/>
-              </a:solidFill>
-            </a:endParaRPr>
-          </a:p>
-          <a:p>
-            <a:pPr lvl="1" marL="815473" indent="-307473">
-              <a:buSzPct val="100000"/>
-              <a:buAutoNum type="arabicPeriod" startAt="3"/>
-              <a:defRPr sz="1800">
-                <a:solidFill>
-                  <a:srgbClr val="000000"/>
-                </a:solidFill>
-              </a:defRPr>
-            </a:pPr>
-            <a:r>
-              <a:rPr sz="2300">
-                <a:solidFill>
-                  <a:srgbClr val="FBFCFF"/>
-                </a:solidFill>
-              </a:rPr>
-              <a:t>Bottom-menù: informazioni e manuale</a:t>
-            </a:r>
-          </a:p>
-        </p:txBody>
-      </p:sp>
-      <p:sp>
-        <p:nvSpPr>
-          <p:cNvPr id="39" name="Shape 39"/>
-          <p:cNvSpPr/>
-          <p:nvPr/>
-        </p:nvSpPr>
-        <p:spPr>
-          <a:xfrm>
-            <a:off x="6959072" y="3077373"/>
-            <a:ext cx="1763961" cy="1399252"/>
-          </a:xfrm>
-          <a:prstGeom prst="rect">
-            <a:avLst/>
-          </a:prstGeom>
-          <a:solidFill>
-            <a:srgbClr val="FFFFFF"/>
-          </a:solidFill>
-          <a:ln w="25400">
-            <a:solidFill>
-              <a:srgbClr val="0065C1"/>
-            </a:solidFill>
-          </a:ln>
-          <a:effectLst>
-            <a:outerShdw sx="100000" sy="100000" kx="0" ky="0" algn="b" rotWithShape="0" blurRad="76200" dist="0" dir="18900000">
-              <a:srgbClr val="000000">
-                <a:alpha val="80000"/>
-              </a:srgbClr>
-            </a:outerShdw>
-          </a:effectLst>
-          <a:extLst>
-            <a:ext uri="{C572A759-6A51-4108-AA02-DFA0A04FC94B}">
-              <ma14:wrappingTextBoxFlag xmlns:ma14="http://schemas.microsoft.com/office/mac/drawingml/2011/main" val="1"/>
-            </a:ext>
-          </a:extLst>
-        </p:spPr>
-        <p:txBody>
-          <a:bodyPr lIns="0" tIns="0" rIns="0" bIns="0" anchor="ctr"/>
-          <a:lstStyle>
-            <a:lvl1pPr>
-              <a:defRPr sz="3100">
-                <a:solidFill>
-                  <a:srgbClr val="000000"/>
-                </a:solidFill>
-                <a:latin typeface="Helvetica Light"/>
-                <a:ea typeface="Helvetica Light"/>
-                <a:cs typeface="Helvetica Light"/>
-                <a:sym typeface="Helvetica Light"/>
-              </a:defRPr>
-            </a:lvl1pPr>
-          </a:lstStyle>
-          <a:p>
-            <a:pPr lvl="0">
-              <a:defRPr sz="1800"/>
-            </a:pPr>
-            <a:r>
-              <a:rPr sz="3100"/>
-              <a:t>Padre</a:t>
-            </a:r>
-          </a:p>
-        </p:txBody>
-      </p:sp>
-      <p:sp>
-        <p:nvSpPr>
-          <p:cNvPr id="40" name="Shape 40"/>
-          <p:cNvSpPr/>
-          <p:nvPr/>
-        </p:nvSpPr>
-        <p:spPr>
-          <a:xfrm>
-            <a:off x="6971772" y="3090073"/>
-            <a:ext cx="505670" cy="505613"/>
-          </a:xfrm>
-          <a:prstGeom prst="rect">
-            <a:avLst/>
-          </a:prstGeom>
-          <a:solidFill>
-            <a:srgbClr val="FFFFFF"/>
-          </a:solidFill>
-          <a:ln w="25400">
-            <a:solidFill>
-              <a:srgbClr val="0065C1"/>
-            </a:solidFill>
-          </a:ln>
-          <a:effectLst>
-            <a:outerShdw sx="100000" sy="100000" kx="0" ky="0" algn="b" rotWithShape="0" blurRad="76200" dist="0" dir="18900000">
-              <a:srgbClr val="000000">
-                <a:alpha val="80000"/>
-              </a:srgbClr>
-            </a:outerShdw>
-          </a:effectLst>
-        </p:spPr>
-        <p:txBody>
-          <a:bodyPr lIns="0" tIns="0" rIns="0" bIns="0" anchor="ctr"/>
-          <a:lstStyle/>
-          <a:p>
-            <a:pPr lvl="0">
-              <a:defRPr sz="1600">
-                <a:solidFill>
-                  <a:srgbClr val="FF0000"/>
-                </a:solidFill>
-                <a:latin typeface="Helvetica Light"/>
-                <a:ea typeface="Helvetica Light"/>
-                <a:cs typeface="Helvetica Light"/>
-                <a:sym typeface="Helvetica Light"/>
-              </a:defRPr>
-            </a:pPr>
-          </a:p>
-        </p:txBody>
-      </p:sp>
-      <p:sp>
-        <p:nvSpPr>
-          <p:cNvPr id="41" name="Shape 41"/>
-          <p:cNvSpPr/>
-          <p:nvPr/>
-        </p:nvSpPr>
-        <p:spPr>
-          <a:xfrm>
-            <a:off x="7492472" y="3090073"/>
-            <a:ext cx="505670" cy="505613"/>
-          </a:xfrm>
-          <a:prstGeom prst="rect">
-            <a:avLst/>
-          </a:prstGeom>
-          <a:solidFill>
-            <a:srgbClr val="FFFFFF"/>
-          </a:solidFill>
-          <a:ln w="25400">
-            <a:solidFill>
-              <a:srgbClr val="0065C1"/>
-            </a:solidFill>
-          </a:ln>
-          <a:effectLst>
-            <a:outerShdw sx="100000" sy="100000" kx="0" ky="0" algn="b" rotWithShape="0" blurRad="76200" dist="0" dir="18900000">
-              <a:srgbClr val="000000">
-                <a:alpha val="80000"/>
-              </a:srgbClr>
-            </a:outerShdw>
-          </a:effectLst>
-        </p:spPr>
-        <p:txBody>
-          <a:bodyPr lIns="0" tIns="0" rIns="0" bIns="0" anchor="ctr"/>
-          <a:lstStyle/>
-          <a:p>
-            <a:pPr lvl="0">
-              <a:defRPr sz="1600">
-                <a:solidFill>
-                  <a:srgbClr val="FF0000"/>
-                </a:solidFill>
-                <a:latin typeface="Helvetica Light"/>
-                <a:ea typeface="Helvetica Light"/>
-                <a:cs typeface="Helvetica Light"/>
-                <a:sym typeface="Helvetica Light"/>
-              </a:defRPr>
-            </a:pPr>
+            <a:pPr lvl="0" marL="965200" indent="-965200">
+              <a:buClr>
+                <a:srgbClr val="FFFFFF"/>
+              </a:buClr>
+              <a:defRPr sz="1800">
+                <a:solidFill>
+                  <a:srgbClr val="000000"/>
+                </a:solidFill>
+              </a:defRPr>
+            </a:pPr>
+            <a:r>
+              <a:rPr sz="3800">
+                <a:solidFill>
+                  <a:srgbClr val="FFFFFF"/>
+                </a:solidFill>
+              </a:rPr>
+              <a:t>Bottom table</a:t>
+            </a:r>
           </a:p>
         </p:txBody>
       </p:sp>
@@ -4236,7 +3830,7 @@
       </p:grpSpPr>
       <p:sp>
         <p:nvSpPr>
-          <p:cNvPr id="43" name="Shape 43"/>
+          <p:cNvPr id="40" name="Shape 40"/>
           <p:cNvSpPr/>
           <p:nvPr>
             <p:ph type="title"/>
@@ -4275,7 +3869,7 @@
       </p:sp>
       <p:sp>
         <p:nvSpPr>
-          <p:cNvPr id="44" name="Shape 44"/>
+          <p:cNvPr id="41" name="Shape 41"/>
           <p:cNvSpPr/>
           <p:nvPr>
             <p:ph type="body" idx="1"/>
@@ -4308,28 +3902,25 @@
                 <a:solidFill>
                   <a:srgbClr val="FFFFFF"/>
                 </a:solidFill>
-                <a:latin typeface="+mj-lt"/>
-                <a:ea typeface="+mj-ea"/>
-                <a:cs typeface="+mj-cs"/>
+                <a:latin typeface="+mn-lt"/>
+                <a:ea typeface="+mn-ea"/>
+                <a:cs typeface="+mn-cs"/>
                 <a:sym typeface="Helvetica"/>
               </a:rPr>
               <a:t>100%CSS</a:t>
             </a:r>
             <a:endParaRPr b="1">
-              <a:latin typeface="+mj-lt"/>
-              <a:ea typeface="+mj-ea"/>
-              <a:cs typeface="+mj-cs"/>
+              <a:latin typeface="+mn-lt"/>
+              <a:ea typeface="+mn-ea"/>
+              <a:cs typeface="+mn-cs"/>
               <a:sym typeface="Helvetica"/>
             </a:endParaRPr>
           </a:p>
           <a:p>
-            <a:pPr lvl="0" marL="2037644" indent="-2037644">
+            <a:pPr lvl="0" marL="965200" indent="-965200">
               <a:buClr>
                 <a:srgbClr val="FFFFFF"/>
               </a:buClr>
-              <a:buBlip>
-                <a:blip r:embed="rId2"/>
-              </a:buBlip>
               <a:defRPr sz="1800">
                 <a:solidFill>
                   <a:srgbClr val="000000"/>
@@ -4344,15 +3935,17 @@
               </a:rPr>
               <a:t>L’intera grafica è stata realizzata utilizzando CSS (senza utilizzo di immagini o altri media)</a:t>
             </a:r>
-          </a:p>
-          <a:p>
-            <a:pPr lvl="0" marL="2037644" indent="-2037644">
+            <a:endParaRPr sz="3800">
+              <a:solidFill>
+                <a:srgbClr val="FFFFFF"/>
+              </a:solidFill>
+            </a:endParaRPr>
+          </a:p>
+          <a:p>
+            <a:pPr lvl="0" marL="965200" indent="-965200">
               <a:buClr>
                 <a:srgbClr val="FFFFFF"/>
               </a:buClr>
-              <a:buBlip>
-                <a:blip r:embed="rId2"/>
-              </a:buBlip>
               <a:defRPr sz="1800">
                 <a:solidFill>
                   <a:srgbClr val="000000"/>
@@ -4398,7 +3991,7 @@
       </p:grpSpPr>
       <p:sp>
         <p:nvSpPr>
-          <p:cNvPr id="46" name="Shape 46"/>
+          <p:cNvPr id="43" name="Shape 43"/>
           <p:cNvSpPr/>
           <p:nvPr>
             <p:ph type="title"/>
@@ -4480,7 +4073,7 @@
                             </p:stCondLst>
                             <p:childTnLst>
                               <p:par>
-                                <p:cTn id="5" nodeType="clickEffect" presetClass="entr" presetSubtype="0" presetID="10" grpId="1" fill="hold">
+                                <p:cTn id="5" nodeType="clickEffect" presetClass="entr" presetSubtype="0" presetID="9" grpId="1" fill="hold">
                                   <p:stCondLst>
                                     <p:cond delay="0"/>
                                   </p:stCondLst>
@@ -4492,7 +4085,7 @@
                                       <p:cBhvr>
                                         <p:cTn id="6" fill="hold"/>
                                         <p:tgtEl>
-                                          <p:spTgt spid="46"/>
+                                          <p:spTgt spid="43"/>
                                         </p:tgtEl>
                                         <p:attrNameLst>
                                           <p:attrName>style.visibility</p:attrName>
@@ -4502,11 +4095,11 @@
                                         <p:strVal val="visible"/>
                                       </p:to>
                                     </p:set>
-                                    <p:animEffect filter="fade" transition="in">
+                                    <p:animEffect filter="dissolve" transition="in">
                                       <p:cBhvr>
                                         <p:cTn id="7" dur="1500"/>
                                         <p:tgtEl>
-                                          <p:spTgt spid="46"/>
+                                          <p:spTgt spid="43"/>
                                         </p:tgtEl>
                                       </p:cBhvr>
                                     </p:animEffect>
@@ -4541,13 +4134,127 @@
       </p:par>
     </p:tnLst>
     <p:bldLst>
-      <p:bldP build="whole" bldLvl="1" animBg="1" rev="0" advAuto="0" spid="46" grpId="1"/>
+      <p:bldP build="whole" bldLvl="1" animBg="1" rev="0" advAuto="0" spid="43" grpId="1"/>
     </p:bldLst>
   </p:timing>
 </p:sld>
 </file>
 
 <file path=ppt/slides/slide6.xml><?xml version="1.0" encoding="utf-8"?>
+<p:sld xmlns:a="http://schemas.openxmlformats.org/drawingml/2006/main" xmlns:r="http://schemas.openxmlformats.org/officeDocument/2006/relationships" xmlns:p="http://schemas.openxmlformats.org/presentationml/2006/main" showMasterSp="1" showMasterPhAnim="1">
+  <p:cSld>
+    <p:spTree>
+      <p:nvGrpSpPr>
+        <p:cNvPr id="1" name=""/>
+        <p:cNvGrpSpPr/>
+        <p:nvPr/>
+      </p:nvGrpSpPr>
+      <p:grpSpPr>
+        <a:xfrm>
+          <a:off x="0" y="0"/>
+          <a:ext cx="0" cy="0"/>
+          <a:chOff x="0" y="0"/>
+          <a:chExt cx="0" cy="0"/>
+        </a:xfrm>
+      </p:grpSpPr>
+      <p:sp>
+        <p:nvSpPr>
+          <p:cNvPr id="45" name="Shape 45"/>
+          <p:cNvSpPr/>
+          <p:nvPr>
+            <p:ph type="title"/>
+          </p:nvPr>
+        </p:nvSpPr>
+        <p:spPr>
+          <a:xfrm>
+            <a:off x="952500" y="660400"/>
+            <a:ext cx="11099800" cy="2120900"/>
+          </a:xfrm>
+          <a:prstGeom prst="rect">
+            <a:avLst/>
+          </a:prstGeom>
+        </p:spPr>
+        <p:txBody>
+          <a:bodyPr/>
+          <a:lstStyle>
+            <a:lvl1pPr defTabSz="484886">
+              <a:defRPr sz="6600"/>
+            </a:lvl1pPr>
+          </a:lstStyle>
+          <a:p>
+            <a:pPr lvl="0">
+              <a:defRPr sz="1800">
+                <a:solidFill>
+                  <a:srgbClr val="000000"/>
+                </a:solidFill>
+              </a:defRPr>
+            </a:pPr>
+            <a:r>
+              <a:rPr sz="6600">
+                <a:solidFill>
+                  <a:srgbClr val="FFFFFF"/>
+                </a:solidFill>
+              </a:rPr>
+              <a:t>Ragionamento inserimento tabella</a:t>
+            </a:r>
+          </a:p>
+        </p:txBody>
+      </p:sp>
+      <p:sp>
+        <p:nvSpPr>
+          <p:cNvPr id="46" name="Shape 46"/>
+          <p:cNvSpPr/>
+          <p:nvPr>
+            <p:ph type="body" idx="1"/>
+          </p:nvPr>
+        </p:nvSpPr>
+        <p:spPr>
+          <a:xfrm>
+            <a:off x="952500" y="2590800"/>
+            <a:ext cx="11099800" cy="6286500"/>
+          </a:xfrm>
+          <a:prstGeom prst="rect">
+            <a:avLst/>
+          </a:prstGeom>
+        </p:spPr>
+        <p:txBody>
+          <a:bodyPr/>
+          <a:lstStyle>
+            <a:lvl1pPr marL="965200" indent="-965200">
+              <a:buClr>
+                <a:srgbClr val="FFFFFF"/>
+              </a:buClr>
+            </a:lvl1pPr>
+          </a:lstStyle>
+          <a:p>
+            <a:pPr lvl="0">
+              <a:defRPr sz="1800">
+                <a:solidFill>
+                  <a:srgbClr val="000000"/>
+                </a:solidFill>
+              </a:defRPr>
+            </a:pPr>
+            <a:r>
+              <a:rPr sz="3800">
+                <a:solidFill>
+                  <a:srgbClr val="FFFFFF"/>
+                </a:solidFill>
+              </a:rPr>
+              <a:t>Tabella creata dinamicamente utlilizzando script jQuery e appendendo 16 div al div contenitore</a:t>
+            </a:r>
+          </a:p>
+        </p:txBody>
+      </p:sp>
+    </p:spTree>
+  </p:cSld>
+  <p:clrMapOvr>
+    <a:masterClrMapping/>
+  </p:clrMapOvr>
+  <p:transition spd="med" advClick="1"/>
+</p:sld>
+</file>
+
+<file path=ppt/slides/slide7.xml><?xml version="1.0" encoding="utf-8"?>
 <p:sld xmlns:a="http://schemas.openxmlformats.org/drawingml/2006/main" xmlns:r="http://schemas.openxmlformats.org/officeDocument/2006/relationships" xmlns:p="http://schemas.openxmlformats.org/presentationml/2006/main" showMasterSp="1" showMasterPhAnim="1">
   <p:cSld>
     <p:spTree>
@@ -4574,7 +4281,7 @@
         </p:nvSpPr>
         <p:spPr>
           <a:xfrm>
-            <a:off x="952500" y="660400"/>
+            <a:off x="952500" y="406400"/>
             <a:ext cx="11099800" cy="2120900"/>
           </a:xfrm>
           <a:prstGeom prst="rect">
@@ -4583,11 +4290,7 @@
         </p:spPr>
         <p:txBody>
           <a:bodyPr/>
-          <a:lstStyle>
-            <a:lvl1pPr defTabSz="484886">
-              <a:defRPr sz="6600"/>
-            </a:lvl1pPr>
-          </a:lstStyle>
+          <a:lstStyle/>
           <a:p>
             <a:pPr lvl="0">
               <a:defRPr sz="1800">
@@ -4597,12 +4300,27 @@
               </a:defRPr>
             </a:pPr>
             <a:r>
-              <a:rPr sz="6600">
-                <a:solidFill>
-                  <a:srgbClr val="FFFFFF"/>
-                </a:solidFill>
-              </a:rPr>
-              <a:t>Ragionamento inserimento tabella</a:t>
+              <a:rPr sz="5400">
+                <a:solidFill>
+                  <a:srgbClr val="FFFFFF"/>
+                </a:solidFill>
+              </a:rPr>
+              <a:t>Ragionamento mescolamento</a:t>
+            </a:r>
+            <a:br>
+              <a:rPr sz="5400">
+                <a:solidFill>
+                  <a:srgbClr val="FFFFFF"/>
+                </a:solidFill>
+              </a:rPr>
+            </a:br>
+            <a:r>
+              <a:rPr sz="5400">
+                <a:solidFill>
+                  <a:srgbClr val="FFFFFF"/>
+                </a:solidFill>
+              </a:rPr>
+              <a:t>(Massimino)</a:t>
             </a:r>
           </a:p>
         </p:txBody>
@@ -4626,32 +4344,9 @@
         </p:spPr>
         <p:txBody>
           <a:bodyPr/>
-          <a:lstStyle>
-            <a:lvl1pPr marL="2037644" indent="-2037644">
-              <a:buClr>
-                <a:srgbClr val="FFFFFF"/>
-              </a:buClr>
-              <a:buBlip>
-                <a:blip r:embed="rId2"/>
-              </a:buBlip>
-            </a:lvl1pPr>
-          </a:lstStyle>
-          <a:p>
-            <a:pPr lvl="0">
-              <a:defRPr sz="1800">
-                <a:solidFill>
-                  <a:srgbClr val="000000"/>
-                </a:solidFill>
-              </a:defRPr>
-            </a:pPr>
-            <a:r>
-              <a:rPr sz="3800">
-                <a:solidFill>
-                  <a:srgbClr val="FFFFFF"/>
-                </a:solidFill>
-              </a:rPr>
-              <a:t>Tabella creata dinamicamente utlilizzando script jQuery e appendendo 16 div al div contenitore</a:t>
-            </a:r>
+          <a:lstStyle/>
+          <a:p>
+            <a:pPr lvl="0"/>
           </a:p>
         </p:txBody>
       </p:sp>
@@ -4664,7 +4359,7 @@
 </p:sld>
 </file>
 
-<file path=ppt/slides/slide7.xml><?xml version="1.0" encoding="utf-8"?>
+<file path=ppt/slides/slide8.xml><?xml version="1.0" encoding="utf-8"?>
 <p:sld xmlns:a="http://schemas.openxmlformats.org/drawingml/2006/main" xmlns:r="http://schemas.openxmlformats.org/officeDocument/2006/relationships" xmlns:p="http://schemas.openxmlformats.org/presentationml/2006/main" showMasterSp="1" showMasterPhAnim="1">
   <p:cSld>
     <p:spTree>
@@ -4700,7 +4395,11 @@
         </p:spPr>
         <p:txBody>
           <a:bodyPr/>
-          <a:lstStyle/>
+          <a:lstStyle>
+            <a:lvl1pPr defTabSz="502412">
+              <a:defRPr sz="6800"/>
+            </a:lvl1pPr>
+          </a:lstStyle>
           <a:p>
             <a:pPr lvl="0">
               <a:defRPr sz="1800">
@@ -4710,27 +4409,12 @@
               </a:defRPr>
             </a:pPr>
             <a:r>
-              <a:rPr sz="5400">
-                <a:solidFill>
-                  <a:srgbClr val="FFFFFF"/>
-                </a:solidFill>
-              </a:rPr>
-              <a:t>Ragionamento mescolamento</a:t>
-            </a:r>
-            <a:br>
-              <a:rPr sz="5400">
-                <a:solidFill>
-                  <a:srgbClr val="FFFFFF"/>
-                </a:solidFill>
-              </a:rPr>
-            </a:br>
-            <a:r>
-              <a:rPr sz="5400">
-                <a:solidFill>
-                  <a:srgbClr val="FFFFFF"/>
-                </a:solidFill>
-              </a:rPr>
-              <a:t>(Massimino)</a:t>
+              <a:rPr sz="6800">
+                <a:solidFill>
+                  <a:srgbClr val="FFFFFF"/>
+                </a:solidFill>
+              </a:rPr>
+              <a:t>Ragionamento click su cella</a:t>
             </a:r>
           </a:p>
         </p:txBody>
@@ -4756,111 +4440,10 @@
           <a:bodyPr/>
           <a:lstStyle/>
           <a:p>
-            <a:pPr lvl="0">
-              <a:buBlip>
-                <a:blip r:embed="rId2"/>
-              </a:buBlip>
-            </a:pPr>
-          </a:p>
-        </p:txBody>
-      </p:sp>
-    </p:spTree>
-  </p:cSld>
-  <p:clrMapOvr>
-    <a:masterClrMapping/>
-  </p:clrMapOvr>
-  <p:transition spd="med" advClick="1"/>
-</p:sld>
-</file>
-
-<file path=ppt/slides/slide8.xml><?xml version="1.0" encoding="utf-8"?>
-<p:sld xmlns:a="http://schemas.openxmlformats.org/drawingml/2006/main" xmlns:r="http://schemas.openxmlformats.org/officeDocument/2006/relationships" xmlns:p="http://schemas.openxmlformats.org/presentationml/2006/main" showMasterSp="1" showMasterPhAnim="1">
-  <p:cSld>
-    <p:spTree>
-      <p:nvGrpSpPr>
-        <p:cNvPr id="1" name=""/>
-        <p:cNvGrpSpPr/>
-        <p:nvPr/>
-      </p:nvGrpSpPr>
-      <p:grpSpPr>
-        <a:xfrm>
-          <a:off x="0" y="0"/>
-          <a:ext cx="0" cy="0"/>
-          <a:chOff x="0" y="0"/>
-          <a:chExt cx="0" cy="0"/>
-        </a:xfrm>
-      </p:grpSpPr>
-      <p:sp>
-        <p:nvSpPr>
-          <p:cNvPr id="54" name="Shape 54"/>
-          <p:cNvSpPr/>
-          <p:nvPr>
-            <p:ph type="title"/>
-          </p:nvPr>
-        </p:nvSpPr>
-        <p:spPr>
-          <a:xfrm>
-            <a:off x="952500" y="406400"/>
-            <a:ext cx="11099800" cy="2120900"/>
-          </a:xfrm>
-          <a:prstGeom prst="rect">
-            <a:avLst/>
-          </a:prstGeom>
-        </p:spPr>
-        <p:txBody>
-          <a:bodyPr/>
-          <a:lstStyle>
-            <a:lvl1pPr defTabSz="502412">
-              <a:defRPr sz="6800"/>
-            </a:lvl1pPr>
-          </a:lstStyle>
-          <a:p>
-            <a:pPr lvl="0">
-              <a:defRPr sz="1800">
-                <a:solidFill>
-                  <a:srgbClr val="000000"/>
-                </a:solidFill>
-              </a:defRPr>
-            </a:pPr>
-            <a:r>
-              <a:rPr sz="6800">
-                <a:solidFill>
-                  <a:srgbClr val="FFFFFF"/>
-                </a:solidFill>
-              </a:rPr>
-              <a:t>Ragionamento click su cella</a:t>
-            </a:r>
-          </a:p>
-        </p:txBody>
-      </p:sp>
-      <p:sp>
-        <p:nvSpPr>
-          <p:cNvPr id="55" name="Shape 55"/>
-          <p:cNvSpPr/>
-          <p:nvPr>
-            <p:ph type="body" idx="1"/>
-          </p:nvPr>
-        </p:nvSpPr>
-        <p:spPr>
-          <a:xfrm>
-            <a:off x="952500" y="2590800"/>
-            <a:ext cx="11099800" cy="6286500"/>
-          </a:xfrm>
-          <a:prstGeom prst="rect">
-            <a:avLst/>
-          </a:prstGeom>
-        </p:spPr>
-        <p:txBody>
-          <a:bodyPr/>
-          <a:lstStyle/>
-          <a:p>
-            <a:pPr lvl="0" marL="2037644" indent="-2037644">
+            <a:pPr lvl="0" marL="965200" indent="-965200">
               <a:buClr>
                 <a:srgbClr val="FFFFFF"/>
               </a:buClr>
-              <a:buBlip>
-                <a:blip r:embed="rId2"/>
-              </a:buBlip>
               <a:defRPr sz="1800">
                 <a:solidFill>
                   <a:srgbClr val="000000"/>
@@ -4875,15 +4458,17 @@
               </a:rPr>
               <a:t>Non si modificano gli ID ma si lavora sui testi</a:t>
             </a:r>
-          </a:p>
-          <a:p>
-            <a:pPr lvl="0" marL="2037644" indent="-2037644">
+            <a:endParaRPr sz="3800">
+              <a:solidFill>
+                <a:srgbClr val="FFFFFF"/>
+              </a:solidFill>
+            </a:endParaRPr>
+          </a:p>
+          <a:p>
+            <a:pPr lvl="0" marL="965200" indent="-965200">
               <a:buClr>
                 <a:srgbClr val="FFFFFF"/>
               </a:buClr>
-              <a:buBlip>
-                <a:blip r:embed="rId2"/>
-              </a:buBlip>
               <a:defRPr sz="1800">
                 <a:solidFill>
                   <a:srgbClr val="000000"/>
@@ -4898,15 +4483,17 @@
               </a:rPr>
               <a:t>Utilizzo un vettore di appoggio</a:t>
             </a:r>
-          </a:p>
-          <a:p>
-            <a:pPr lvl="0" marL="2037644" indent="-2037644">
+            <a:endParaRPr sz="3800">
+              <a:solidFill>
+                <a:srgbClr val="FFFFFF"/>
+              </a:solidFill>
+            </a:endParaRPr>
+          </a:p>
+          <a:p>
+            <a:pPr lvl="0" marL="965200" indent="-965200">
               <a:buClr>
                 <a:srgbClr val="FFFFFF"/>
               </a:buClr>
-              <a:buBlip>
-                <a:blip r:embed="rId2"/>
-              </a:buBlip>
               <a:defRPr sz="1800">
                 <a:solidFill>
                   <a:srgbClr val="000000"/>
@@ -4952,7 +4539,7 @@
       </p:grpSpPr>
       <p:sp>
         <p:nvSpPr>
-          <p:cNvPr id="57" name="Shape 57"/>
+          <p:cNvPr id="54" name="Shape 54"/>
           <p:cNvSpPr/>
           <p:nvPr>
             <p:ph type="title"/>
@@ -5034,7 +4621,7 @@
                             </p:stCondLst>
                             <p:childTnLst>
                               <p:par>
-                                <p:cTn id="5" nodeType="clickEffect" presetClass="entr" presetSubtype="0" presetID="10" grpId="1" fill="hold">
+                                <p:cTn id="5" nodeType="clickEffect" presetClass="entr" presetSubtype="0" presetID="9" grpId="1" fill="hold">
                                   <p:stCondLst>
                                     <p:cond delay="0"/>
                                   </p:stCondLst>
@@ -5046,7 +4633,7 @@
                                       <p:cBhvr>
                                         <p:cTn id="6" fill="hold"/>
                                         <p:tgtEl>
-                                          <p:spTgt spid="57"/>
+                                          <p:spTgt spid="54"/>
                                         </p:tgtEl>
                                         <p:attrNameLst>
                                           <p:attrName>style.visibility</p:attrName>
@@ -5056,11 +4643,11 @@
                                         <p:strVal val="visible"/>
                                       </p:to>
                                     </p:set>
-                                    <p:animEffect filter="fade" transition="in">
+                                    <p:animEffect filter="dissolve" transition="in">
                                       <p:cBhvr>
                                         <p:cTn id="7" dur="1500"/>
                                         <p:tgtEl>
-                                          <p:spTgt spid="57"/>
+                                          <p:spTgt spid="54"/>
                                         </p:tgtEl>
                                       </p:cBhvr>
                                     </p:animEffect>
@@ -5095,7 +4682,7 @@
       </p:par>
     </p:tnLst>
     <p:bldLst>
-      <p:bldP build="whole" bldLvl="1" animBg="1" rev="0" advAuto="0" spid="57" grpId="1"/>
+      <p:bldP build="whole" bldLvl="1" animBg="1" rev="0" advAuto="0" spid="54" grpId="1"/>
     </p:bldLst>
   </p:timing>
 </p:sld>
@@ -5106,10 +4693,10 @@
   <a:themeElements>
     <a:clrScheme name="Default">
       <a:dk1>
-        <a:srgbClr val="000000"/>
+        <a:srgbClr val="FFFFFF"/>
       </a:dk1>
       <a:lt1>
-        <a:srgbClr val="FFFFFF"/>
+        <a:srgbClr val="FF0000"/>
       </a:lt1>
       <a:dk2>
         <a:srgbClr val="A7A7A7"/>
@@ -5144,14 +4731,14 @@
     </a:clrScheme>
     <a:fontScheme name="Default">
       <a:majorFont>
+        <a:latin typeface="Helvetica Neue"/>
+        <a:ea typeface="Helvetica Neue"/>
+        <a:cs typeface="Helvetica Neue"/>
+      </a:majorFont>
+      <a:minorFont>
         <a:latin typeface="Helvetica"/>
         <a:ea typeface="Helvetica"/>
         <a:cs typeface="Helvetica"/>
-      </a:majorFont>
-      <a:minorFont>
-        <a:latin typeface="Helvetica Neue"/>
-        <a:ea typeface="Helvetica Neue"/>
-        <a:cs typeface="Helvetica Neue"/>
       </a:minorFont>
     </a:fontScheme>
     <a:fmtScheme name="Default">
@@ -5310,7 +4897,7 @@
     <a:spDef>
       <a:spPr>
         <a:solidFill>
-          <a:srgbClr val="FF0000"/>
+          <a:srgbClr val="FFFFFF"/>
         </a:solidFill>
         <a:ln w="25400" cap="flat">
           <a:solidFill>
@@ -5351,14 +4938,14 @@
               <a:noFill/>
             </a:ln>
             <a:solidFill>
-              <a:srgbClr val="FFFFFF"/>
+              <a:srgbClr val="FF0000"/>
             </a:solidFill>
             <a:effectLst/>
             <a:uFillTx/>
-            <a:latin typeface="+mj-lt"/>
-            <a:ea typeface="+mj-ea"/>
-            <a:cs typeface="+mj-cs"/>
-            <a:sym typeface="Helvetica"/>
+            <a:latin typeface="Helvetica Light"/>
+            <a:ea typeface="Helvetica Light"/>
+            <a:cs typeface="Helvetica Light"/>
+            <a:sym typeface="Helvetica Light"/>
           </a:defRPr>
         </a:defPPr>
         <a:lvl1pPr marL="0" marR="0" indent="0" algn="l" defTabSz="914400" rtl="0" fontAlgn="auto" latinLnBrk="1" hangingPunct="0">
@@ -5926,14 +5513,14 @@
               <a:noFill/>
             </a:ln>
             <a:solidFill>
-              <a:srgbClr val="FFFFFF"/>
+              <a:srgbClr val="FF0000"/>
             </a:solidFill>
             <a:effectLst/>
             <a:uFillTx/>
-            <a:latin typeface="+mj-lt"/>
-            <a:ea typeface="+mj-ea"/>
-            <a:cs typeface="+mj-cs"/>
-            <a:sym typeface="Helvetica"/>
+            <a:latin typeface="Helvetica Light"/>
+            <a:ea typeface="Helvetica Light"/>
+            <a:cs typeface="Helvetica Light"/>
+            <a:sym typeface="Helvetica Light"/>
           </a:defRPr>
         </a:defPPr>
         <a:lvl1pPr marL="0" marR="0" indent="0" algn="l" defTabSz="914400" rtl="0" fontAlgn="auto" latinLnBrk="1" hangingPunct="0">
@@ -6225,14 +5812,14 @@
     </a:clrScheme>
     <a:fontScheme name="Default">
       <a:majorFont>
+        <a:latin typeface="Helvetica Neue"/>
+        <a:ea typeface="Helvetica Neue"/>
+        <a:cs typeface="Helvetica Neue"/>
+      </a:majorFont>
+      <a:minorFont>
         <a:latin typeface="Helvetica"/>
         <a:ea typeface="Helvetica"/>
         <a:cs typeface="Helvetica"/>
-      </a:majorFont>
-      <a:minorFont>
-        <a:latin typeface="Helvetica Neue"/>
-        <a:ea typeface="Helvetica Neue"/>
-        <a:cs typeface="Helvetica Neue"/>
       </a:minorFont>
     </a:fontScheme>
     <a:fmtScheme name="Default">
@@ -6391,7 +5978,7 @@
     <a:spDef>
       <a:spPr>
         <a:solidFill>
-          <a:srgbClr val="FF0000"/>
+          <a:srgbClr val="FFFFFF"/>
         </a:solidFill>
         <a:ln w="25400" cap="flat">
           <a:solidFill>
@@ -6432,14 +6019,14 @@
               <a:noFill/>
             </a:ln>
             <a:solidFill>
-              <a:srgbClr val="FFFFFF"/>
+              <a:srgbClr val="FF0000"/>
             </a:solidFill>
             <a:effectLst/>
             <a:uFillTx/>
-            <a:latin typeface="+mj-lt"/>
-            <a:ea typeface="+mj-ea"/>
-            <a:cs typeface="+mj-cs"/>
-            <a:sym typeface="Helvetica"/>
+            <a:latin typeface="Helvetica Light"/>
+            <a:ea typeface="Helvetica Light"/>
+            <a:cs typeface="Helvetica Light"/>
+            <a:sym typeface="Helvetica Light"/>
           </a:defRPr>
         </a:defPPr>
         <a:lvl1pPr marL="0" marR="0" indent="0" algn="l" defTabSz="914400" rtl="0" fontAlgn="auto" latinLnBrk="1" hangingPunct="0">
@@ -7007,14 +6594,14 @@
               <a:noFill/>
             </a:ln>
             <a:solidFill>
-              <a:srgbClr val="FFFFFF"/>
+              <a:srgbClr val="FF0000"/>
             </a:solidFill>
             <a:effectLst/>
             <a:uFillTx/>
-            <a:latin typeface="+mj-lt"/>
-            <a:ea typeface="+mj-ea"/>
-            <a:cs typeface="+mj-cs"/>
-            <a:sym typeface="Helvetica"/>
+            <a:latin typeface="Helvetica Light"/>
+            <a:ea typeface="Helvetica Light"/>
+            <a:cs typeface="Helvetica Light"/>
+            <a:sym typeface="Helvetica Light"/>
           </a:defRPr>
         </a:defPPr>
         <a:lvl1pPr marL="0" marR="0" indent="0" algn="l" defTabSz="914400" rtl="0" fontAlgn="auto" latinLnBrk="1" hangingPunct="0">

--- a/Presentazione_Gioco15.pptx
+++ b/Presentazione_Gioco15.pptx
@@ -2,141 +2,117 @@
 <file path=ppt/presentation.xml><?xml version="1.0" encoding="utf-8"?>
 <p:presentation xmlns:a="http://schemas.openxmlformats.org/drawingml/2006/main" xmlns:r="http://schemas.openxmlformats.org/officeDocument/2006/relationships" xmlns:p="http://schemas.openxmlformats.org/presentationml/2006/main">
   <p:sldMasterIdLst>
-    <p:sldMasterId id="2147483648" r:id="rId5"/>
+    <p:sldMasterId id="2147483648" r:id="rId1"/>
   </p:sldMasterIdLst>
   <p:notesMasterIdLst>
-    <p:notesMasterId r:id="rId7"/>
+    <p:notesMasterId r:id="rId19"/>
   </p:notesMasterIdLst>
   <p:sldIdLst>
-    <p:sldId id="256" r:id="rId8"/>
-    <p:sldId id="257" r:id="rId9"/>
-    <p:sldId id="258" r:id="rId10"/>
-    <p:sldId id="259" r:id="rId11"/>
-    <p:sldId id="260" r:id="rId12"/>
-    <p:sldId id="261" r:id="rId13"/>
-    <p:sldId id="262" r:id="rId14"/>
-    <p:sldId id="263" r:id="rId15"/>
-    <p:sldId id="264" r:id="rId16"/>
-    <p:sldId id="265" r:id="rId17"/>
-    <p:sldId id="266" r:id="rId18"/>
-    <p:sldId id="267" r:id="rId19"/>
-    <p:sldId id="268" r:id="rId20"/>
-    <p:sldId id="269" r:id="rId21"/>
-    <p:sldId id="270" r:id="rId22"/>
+    <p:sldId id="256" r:id="rId2"/>
+    <p:sldId id="257" r:id="rId3"/>
+    <p:sldId id="258" r:id="rId4"/>
+    <p:sldId id="259" r:id="rId5"/>
+    <p:sldId id="260" r:id="rId6"/>
+    <p:sldId id="261" r:id="rId7"/>
+    <p:sldId id="272" r:id="rId8"/>
+    <p:sldId id="263" r:id="rId9"/>
+    <p:sldId id="264" r:id="rId10"/>
+    <p:sldId id="271" r:id="rId11"/>
+    <p:sldId id="265" r:id="rId12"/>
+    <p:sldId id="273" r:id="rId13"/>
+    <p:sldId id="266" r:id="rId14"/>
+    <p:sldId id="267" r:id="rId15"/>
+    <p:sldId id="268" r:id="rId16"/>
+    <p:sldId id="269" r:id="rId17"/>
+    <p:sldId id="270" r:id="rId18"/>
   </p:sldIdLst>
   <p:sldSz cx="13004800" cy="9753600"/>
   <p:notesSz cx="6858000" cy="9144000"/>
   <p:defaultTextStyle>
     <a:lvl1pPr algn="ctr" defTabSz="584200">
       <a:defRPr sz="3800">
-        <a:solidFill>
-          <a:srgbClr val="FFFFFF"/>
-        </a:solidFill>
         <a:latin typeface="+mj-lt"/>
         <a:ea typeface="+mj-ea"/>
         <a:cs typeface="+mj-cs"/>
-        <a:sym typeface="Helvetica"/>
+        <a:sym typeface="Helvetica Neue"/>
       </a:defRPr>
     </a:lvl1pPr>
     <a:lvl2pPr algn="ctr" defTabSz="584200">
       <a:defRPr sz="3800">
-        <a:solidFill>
-          <a:srgbClr val="FFFFFF"/>
-        </a:solidFill>
         <a:latin typeface="+mj-lt"/>
         <a:ea typeface="+mj-ea"/>
         <a:cs typeface="+mj-cs"/>
-        <a:sym typeface="Helvetica"/>
+        <a:sym typeface="Helvetica Neue"/>
       </a:defRPr>
     </a:lvl2pPr>
     <a:lvl3pPr algn="ctr" defTabSz="584200">
       <a:defRPr sz="3800">
-        <a:solidFill>
-          <a:srgbClr val="FFFFFF"/>
-        </a:solidFill>
         <a:latin typeface="+mj-lt"/>
         <a:ea typeface="+mj-ea"/>
         <a:cs typeface="+mj-cs"/>
-        <a:sym typeface="Helvetica"/>
+        <a:sym typeface="Helvetica Neue"/>
       </a:defRPr>
     </a:lvl3pPr>
     <a:lvl4pPr algn="ctr" defTabSz="584200">
       <a:defRPr sz="3800">
-        <a:solidFill>
-          <a:srgbClr val="FFFFFF"/>
-        </a:solidFill>
         <a:latin typeface="+mj-lt"/>
         <a:ea typeface="+mj-ea"/>
         <a:cs typeface="+mj-cs"/>
-        <a:sym typeface="Helvetica"/>
+        <a:sym typeface="Helvetica Neue"/>
       </a:defRPr>
     </a:lvl4pPr>
     <a:lvl5pPr algn="ctr" defTabSz="584200">
       <a:defRPr sz="3800">
-        <a:solidFill>
-          <a:srgbClr val="FFFFFF"/>
-        </a:solidFill>
         <a:latin typeface="+mj-lt"/>
         <a:ea typeface="+mj-ea"/>
         <a:cs typeface="+mj-cs"/>
-        <a:sym typeface="Helvetica"/>
+        <a:sym typeface="Helvetica Neue"/>
       </a:defRPr>
     </a:lvl5pPr>
     <a:lvl6pPr algn="ctr" defTabSz="584200">
       <a:defRPr sz="3800">
-        <a:solidFill>
-          <a:srgbClr val="FFFFFF"/>
-        </a:solidFill>
         <a:latin typeface="+mj-lt"/>
         <a:ea typeface="+mj-ea"/>
         <a:cs typeface="+mj-cs"/>
-        <a:sym typeface="Helvetica"/>
+        <a:sym typeface="Helvetica Neue"/>
       </a:defRPr>
     </a:lvl6pPr>
     <a:lvl7pPr algn="ctr" defTabSz="584200">
       <a:defRPr sz="3800">
-        <a:solidFill>
-          <a:srgbClr val="FFFFFF"/>
-        </a:solidFill>
         <a:latin typeface="+mj-lt"/>
         <a:ea typeface="+mj-ea"/>
         <a:cs typeface="+mj-cs"/>
-        <a:sym typeface="Helvetica"/>
+        <a:sym typeface="Helvetica Neue"/>
       </a:defRPr>
     </a:lvl7pPr>
     <a:lvl8pPr algn="ctr" defTabSz="584200">
       <a:defRPr sz="3800">
-        <a:solidFill>
-          <a:srgbClr val="FFFFFF"/>
-        </a:solidFill>
         <a:latin typeface="+mj-lt"/>
         <a:ea typeface="+mj-ea"/>
         <a:cs typeface="+mj-cs"/>
-        <a:sym typeface="Helvetica"/>
+        <a:sym typeface="Helvetica Neue"/>
       </a:defRPr>
     </a:lvl8pPr>
     <a:lvl9pPr algn="ctr" defTabSz="584200">
       <a:defRPr sz="3800">
-        <a:solidFill>
-          <a:srgbClr val="FFFFFF"/>
-        </a:solidFill>
         <a:latin typeface="+mj-lt"/>
         <a:ea typeface="+mj-ea"/>
         <a:cs typeface="+mj-cs"/>
-        <a:sym typeface="Helvetica"/>
+        <a:sym typeface="Helvetica Neue"/>
       </a:defRPr>
     </a:lvl9pPr>
   </p:defaultTextStyle>
 </p:presentation>
 </file>
 
-<file path=ppt/commentAuthors.xml><?xml version="1.0" encoding="utf-8"?>
-<p:cmAuthorLst xmlns:a="http://schemas.openxmlformats.org/drawingml/2006/main" xmlns:r="http://schemas.openxmlformats.org/officeDocument/2006/relationships" xmlns:p="http://schemas.openxmlformats.org/presentationml/2006/main"/>
-</file>
-
 <file path=ppt/notesMasters/notesMaster1.xml><?xml version="1.0" encoding="utf-8"?>
 <p:notesMaster xmlns:a="http://schemas.openxmlformats.org/drawingml/2006/main" xmlns:r="http://schemas.openxmlformats.org/officeDocument/2006/relationships" xmlns:p="http://schemas.openxmlformats.org/presentationml/2006/main">
   <p:cSld>
+    <p:bg>
+      <p:bgRef idx="1001">
+        <a:schemeClr val="bg1"/>
+      </p:bgRef>
+    </p:bg>
     <p:spTree>
       <p:nvGrpSpPr>
         <p:cNvPr id="1" name=""/>
@@ -154,7 +130,9 @@
       <p:sp>
         <p:nvSpPr>
           <p:cNvPr id="29" name="Shape 29"/>
-          <p:cNvSpPr/>
+          <p:cNvSpPr>
+            <a:spLocks noGrp="1" noRot="1" noChangeAspect="1"/>
+          </p:cNvSpPr>
           <p:nvPr>
             <p:ph type="sldImg"/>
           </p:nvPr>
@@ -173,13 +151,16 @@
           <a:lstStyle/>
           <a:p>
             <a:pPr lvl="0"/>
+            <a:endParaRPr/>
           </a:p>
         </p:txBody>
       </p:sp>
       <p:sp>
         <p:nvSpPr>
           <p:cNvPr id="30" name="Shape 30"/>
-          <p:cNvSpPr/>
+          <p:cNvSpPr>
+            <a:spLocks noGrp="1"/>
+          </p:cNvSpPr>
           <p:nvPr>
             <p:ph type="body" sz="quarter" idx="1"/>
           </p:nvPr>
@@ -198,10 +179,16 @@
           <a:lstStyle/>
           <a:p>
             <a:pPr lvl="0"/>
+            <a:endParaRPr/>
           </a:p>
         </p:txBody>
       </p:sp>
     </p:spTree>
+    <p:extLst>
+      <p:ext uri="{BB962C8B-B14F-4D97-AF65-F5344CB8AC3E}">
+        <p14:creationId xmlns:p14="http://schemas.microsoft.com/office/powerpoint/2010/main" val="3823160877"/>
+      </p:ext>
+    </p:extLst>
   </p:cSld>
   <p:clrMap bg1="lt1" tx1="dk1" bg2="lt2" tx2="dk2" accent1="accent1" accent2="accent2" accent3="accent3" accent4="accent4" accent5="accent5" accent6="accent6" hlink="hlink" folHlink="folHlink"/>
   <p:notesStyle>
@@ -210,9 +197,9 @@
         <a:spcPct val="117999"/>
       </a:lnSpc>
       <a:defRPr sz="2200">
-        <a:latin typeface="+mn-lt"/>
-        <a:ea typeface="+mn-ea"/>
-        <a:cs typeface="+mn-cs"/>
+        <a:latin typeface="+mj-lt"/>
+        <a:ea typeface="+mj-ea"/>
+        <a:cs typeface="+mj-cs"/>
         <a:sym typeface="Helvetica Neue"/>
       </a:defRPr>
     </a:lvl1pPr>
@@ -221,9 +208,9 @@
         <a:spcPct val="117999"/>
       </a:lnSpc>
       <a:defRPr sz="2200">
-        <a:latin typeface="+mn-lt"/>
-        <a:ea typeface="+mn-ea"/>
-        <a:cs typeface="+mn-cs"/>
+        <a:latin typeface="+mj-lt"/>
+        <a:ea typeface="+mj-ea"/>
+        <a:cs typeface="+mj-cs"/>
         <a:sym typeface="Helvetica Neue"/>
       </a:defRPr>
     </a:lvl2pPr>
@@ -232,9 +219,9 @@
         <a:spcPct val="117999"/>
       </a:lnSpc>
       <a:defRPr sz="2200">
-        <a:latin typeface="+mn-lt"/>
-        <a:ea typeface="+mn-ea"/>
-        <a:cs typeface="+mn-cs"/>
+        <a:latin typeface="+mj-lt"/>
+        <a:ea typeface="+mj-ea"/>
+        <a:cs typeface="+mj-cs"/>
         <a:sym typeface="Helvetica Neue"/>
       </a:defRPr>
     </a:lvl3pPr>
@@ -243,9 +230,9 @@
         <a:spcPct val="117999"/>
       </a:lnSpc>
       <a:defRPr sz="2200">
-        <a:latin typeface="+mn-lt"/>
-        <a:ea typeface="+mn-ea"/>
-        <a:cs typeface="+mn-cs"/>
+        <a:latin typeface="+mj-lt"/>
+        <a:ea typeface="+mj-ea"/>
+        <a:cs typeface="+mj-cs"/>
         <a:sym typeface="Helvetica Neue"/>
       </a:defRPr>
     </a:lvl4pPr>
@@ -254,9 +241,9 @@
         <a:spcPct val="117999"/>
       </a:lnSpc>
       <a:defRPr sz="2200">
-        <a:latin typeface="+mn-lt"/>
-        <a:ea typeface="+mn-ea"/>
-        <a:cs typeface="+mn-cs"/>
+        <a:latin typeface="+mj-lt"/>
+        <a:ea typeface="+mj-ea"/>
+        <a:cs typeface="+mj-cs"/>
         <a:sym typeface="Helvetica Neue"/>
       </a:defRPr>
     </a:lvl5pPr>
@@ -265,9 +252,9 @@
         <a:spcPct val="117999"/>
       </a:lnSpc>
       <a:defRPr sz="2200">
-        <a:latin typeface="+mn-lt"/>
-        <a:ea typeface="+mn-ea"/>
-        <a:cs typeface="+mn-cs"/>
+        <a:latin typeface="+mj-lt"/>
+        <a:ea typeface="+mj-ea"/>
+        <a:cs typeface="+mj-cs"/>
         <a:sym typeface="Helvetica Neue"/>
       </a:defRPr>
     </a:lvl6pPr>
@@ -276,9 +263,9 @@
         <a:spcPct val="117999"/>
       </a:lnSpc>
       <a:defRPr sz="2200">
-        <a:latin typeface="+mn-lt"/>
-        <a:ea typeface="+mn-ea"/>
-        <a:cs typeface="+mn-cs"/>
+        <a:latin typeface="+mj-lt"/>
+        <a:ea typeface="+mj-ea"/>
+        <a:cs typeface="+mj-cs"/>
         <a:sym typeface="Helvetica Neue"/>
       </a:defRPr>
     </a:lvl7pPr>
@@ -287,9 +274,9 @@
         <a:spcPct val="117999"/>
       </a:lnSpc>
       <a:defRPr sz="2200">
-        <a:latin typeface="+mn-lt"/>
-        <a:ea typeface="+mn-ea"/>
-        <a:cs typeface="+mn-cs"/>
+        <a:latin typeface="+mj-lt"/>
+        <a:ea typeface="+mj-ea"/>
+        <a:cs typeface="+mj-cs"/>
         <a:sym typeface="Helvetica Neue"/>
       </a:defRPr>
     </a:lvl8pPr>
@@ -298,9 +285,9 @@
         <a:spcPct val="117999"/>
       </a:lnSpc>
       <a:defRPr sz="2200">
-        <a:latin typeface="+mn-lt"/>
-        <a:ea typeface="+mn-ea"/>
-        <a:cs typeface="+mn-cs"/>
+        <a:latin typeface="+mj-lt"/>
+        <a:ea typeface="+mj-ea"/>
+        <a:cs typeface="+mj-cs"/>
         <a:sym typeface="Helvetica Neue"/>
       </a:defRPr>
     </a:lvl9pPr>
@@ -309,7 +296,7 @@
 </file>
 
 <file path=ppt/slideLayouts/slideLayout1.xml><?xml version="1.0" encoding="utf-8"?>
-<p:sldLayout xmlns:a="http://schemas.openxmlformats.org/drawingml/2006/main" xmlns:r="http://schemas.openxmlformats.org/officeDocument/2006/relationships" xmlns:p="http://schemas.openxmlformats.org/presentationml/2006/main" type="tx" showMasterSp="1" showMasterPhAnim="1">
+<p:sldLayout xmlns:a="http://schemas.openxmlformats.org/drawingml/2006/main" xmlns:r="http://schemas.openxmlformats.org/officeDocument/2006/relationships" xmlns:p="http://schemas.openxmlformats.org/presentationml/2006/main" type="tx">
   <p:cSld name="Title &amp; Subtitle">
     <p:spTree>
       <p:nvGrpSpPr>
@@ -328,7 +315,9 @@
       <p:sp>
         <p:nvSpPr>
           <p:cNvPr id="5" name="Shape 5"/>
-          <p:cNvSpPr/>
+          <p:cNvSpPr>
+            <a:spLocks noGrp="1"/>
+          </p:cNvSpPr>
           <p:nvPr>
             <p:ph type="title"/>
           </p:nvPr>
@@ -367,7 +356,9 @@
       <p:sp>
         <p:nvSpPr>
           <p:cNvPr id="6" name="Shape 6"/>
-          <p:cNvSpPr/>
+          <p:cNvSpPr>
+            <a:spLocks noGrp="1"/>
+          </p:cNvSpPr>
           <p:nvPr>
             <p:ph type="body" idx="1"/>
           </p:nvPr>
@@ -441,11 +432,6 @@
               </a:rPr>
               <a:t>Body Level One</a:t>
             </a:r>
-            <a:endParaRPr sz="3200">
-              <a:solidFill>
-                <a:srgbClr val="FFFFFF"/>
-              </a:solidFill>
-            </a:endParaRPr>
           </a:p>
           <a:p>
             <a:pPr lvl="1">
@@ -463,11 +449,6 @@
               </a:rPr>
               <a:t>Body Level Two</a:t>
             </a:r>
-            <a:endParaRPr sz="3200">
-              <a:solidFill>
-                <a:srgbClr val="FFFFFF"/>
-              </a:solidFill>
-            </a:endParaRPr>
           </a:p>
           <a:p>
             <a:pPr lvl="2">
@@ -485,11 +466,6 @@
               </a:rPr>
               <a:t>Body Level Three</a:t>
             </a:r>
-            <a:endParaRPr sz="3200">
-              <a:solidFill>
-                <a:srgbClr val="FFFFFF"/>
-              </a:solidFill>
-            </a:endParaRPr>
           </a:p>
           <a:p>
             <a:pPr lvl="3">
@@ -507,11 +483,6 @@
               </a:rPr>
               <a:t>Body Level Four</a:t>
             </a:r>
-            <a:endParaRPr sz="3200">
-              <a:solidFill>
-                <a:srgbClr val="FFFFFF"/>
-              </a:solidFill>
-            </a:endParaRPr>
           </a:p>
           <a:p>
             <a:pPr lvl="4">
@@ -537,12 +508,12 @@
   <p:clrMapOvr>
     <a:masterClrMapping/>
   </p:clrMapOvr>
-  <p:transition spd="med" advClick="1"/>
+  <p:transition xmlns:p14="http://schemas.microsoft.com/office/powerpoint/2010/main" spd="med"/>
 </p:sldLayout>
 </file>
 
 <file path=ppt/slideLayouts/slideLayout10.xml><?xml version="1.0" encoding="utf-8"?>
-<p:sldLayout xmlns:a="http://schemas.openxmlformats.org/drawingml/2006/main" xmlns:r="http://schemas.openxmlformats.org/officeDocument/2006/relationships" xmlns:p="http://schemas.openxmlformats.org/presentationml/2006/main" type="tx" showMasterSp="1" showMasterPhAnim="1">
+<p:sldLayout xmlns:a="http://schemas.openxmlformats.org/drawingml/2006/main" xmlns:r="http://schemas.openxmlformats.org/officeDocument/2006/relationships" xmlns:p="http://schemas.openxmlformats.org/presentationml/2006/main" type="tx">
   <p:cSld name="Quote">
     <p:spTree>
       <p:nvGrpSpPr>
@@ -563,12 +534,12 @@
   <p:clrMapOvr>
     <a:masterClrMapping/>
   </p:clrMapOvr>
-  <p:transition spd="med" advClick="1"/>
+  <p:transition xmlns:p14="http://schemas.microsoft.com/office/powerpoint/2010/main" spd="med"/>
 </p:sldLayout>
 </file>
 
 <file path=ppt/slideLayouts/slideLayout11.xml><?xml version="1.0" encoding="utf-8"?>
-<p:sldLayout xmlns:a="http://schemas.openxmlformats.org/drawingml/2006/main" xmlns:r="http://schemas.openxmlformats.org/officeDocument/2006/relationships" xmlns:p="http://schemas.openxmlformats.org/presentationml/2006/main" type="tx" showMasterSp="1" showMasterPhAnim="1">
+<p:sldLayout xmlns:a="http://schemas.openxmlformats.org/drawingml/2006/main" xmlns:r="http://schemas.openxmlformats.org/officeDocument/2006/relationships" xmlns:p="http://schemas.openxmlformats.org/presentationml/2006/main" type="tx">
   <p:cSld name="Photo">
     <p:spTree>
       <p:nvGrpSpPr>
@@ -589,12 +560,12 @@
   <p:clrMapOvr>
     <a:masterClrMapping/>
   </p:clrMapOvr>
-  <p:transition spd="med" advClick="1"/>
+  <p:transition xmlns:p14="http://schemas.microsoft.com/office/powerpoint/2010/main" spd="med"/>
 </p:sldLayout>
 </file>
 
 <file path=ppt/slideLayouts/slideLayout12.xml><?xml version="1.0" encoding="utf-8"?>
-<p:sldLayout xmlns:a="http://schemas.openxmlformats.org/drawingml/2006/main" xmlns:r="http://schemas.openxmlformats.org/officeDocument/2006/relationships" xmlns:p="http://schemas.openxmlformats.org/presentationml/2006/main" type="tx" showMasterSp="1" showMasterPhAnim="1">
+<p:sldLayout xmlns:a="http://schemas.openxmlformats.org/drawingml/2006/main" xmlns:r="http://schemas.openxmlformats.org/officeDocument/2006/relationships" xmlns:p="http://schemas.openxmlformats.org/presentationml/2006/main" type="tx">
   <p:cSld name="Blank">
     <p:spTree>
       <p:nvGrpSpPr>
@@ -615,12 +586,12 @@
   <p:clrMapOvr>
     <a:masterClrMapping/>
   </p:clrMapOvr>
-  <p:transition spd="med" advClick="1"/>
+  <p:transition xmlns:p14="http://schemas.microsoft.com/office/powerpoint/2010/main" spd="med"/>
 </p:sldLayout>
 </file>
 
 <file path=ppt/slideLayouts/slideLayout2.xml><?xml version="1.0" encoding="utf-8"?>
-<p:sldLayout xmlns:a="http://schemas.openxmlformats.org/drawingml/2006/main" xmlns:r="http://schemas.openxmlformats.org/officeDocument/2006/relationships" xmlns:p="http://schemas.openxmlformats.org/presentationml/2006/main" type="tx" showMasterSp="1" showMasterPhAnim="1">
+<p:sldLayout xmlns:a="http://schemas.openxmlformats.org/drawingml/2006/main" xmlns:r="http://schemas.openxmlformats.org/officeDocument/2006/relationships" xmlns:p="http://schemas.openxmlformats.org/presentationml/2006/main" type="tx">
   <p:cSld name="Photo - Horizontal">
     <p:spTree>
       <p:nvGrpSpPr>
@@ -639,15 +610,17 @@
       <p:sp>
         <p:nvSpPr>
           <p:cNvPr id="8" name="Shape 8"/>
-          <p:cNvSpPr/>
+          <p:cNvSpPr>
+            <a:spLocks noGrp="1"/>
+          </p:cNvSpPr>
           <p:nvPr>
             <p:ph type="title"/>
           </p:nvPr>
         </p:nvSpPr>
         <p:spPr>
           <a:xfrm>
-            <a:off x="1270000" y="1841500"/>
-            <a:ext cx="10464800" cy="6299200"/>
+            <a:off x="1270000" y="0"/>
+            <a:ext cx="10464800" cy="8140700"/>
           </a:xfrm>
           <a:prstGeom prst="rect">
             <a:avLst/>
@@ -678,7 +651,9 @@
       <p:sp>
         <p:nvSpPr>
           <p:cNvPr id="9" name="Shape 9"/>
-          <p:cNvSpPr/>
+          <p:cNvSpPr>
+            <a:spLocks noGrp="1"/>
+          </p:cNvSpPr>
           <p:nvPr>
             <p:ph type="body" idx="1"/>
           </p:nvPr>
@@ -752,11 +727,6 @@
               </a:rPr>
               <a:t>Body Level One</a:t>
             </a:r>
-            <a:endParaRPr sz="3200">
-              <a:solidFill>
-                <a:srgbClr val="FFFFFF"/>
-              </a:solidFill>
-            </a:endParaRPr>
           </a:p>
           <a:p>
             <a:pPr lvl="1">
@@ -774,11 +744,6 @@
               </a:rPr>
               <a:t>Body Level Two</a:t>
             </a:r>
-            <a:endParaRPr sz="3200">
-              <a:solidFill>
-                <a:srgbClr val="FFFFFF"/>
-              </a:solidFill>
-            </a:endParaRPr>
           </a:p>
           <a:p>
             <a:pPr lvl="2">
@@ -796,11 +761,6 @@
               </a:rPr>
               <a:t>Body Level Three</a:t>
             </a:r>
-            <a:endParaRPr sz="3200">
-              <a:solidFill>
-                <a:srgbClr val="FFFFFF"/>
-              </a:solidFill>
-            </a:endParaRPr>
           </a:p>
           <a:p>
             <a:pPr lvl="3">
@@ -818,11 +778,6 @@
               </a:rPr>
               <a:t>Body Level Four</a:t>
             </a:r>
-            <a:endParaRPr sz="3200">
-              <a:solidFill>
-                <a:srgbClr val="FFFFFF"/>
-              </a:solidFill>
-            </a:endParaRPr>
           </a:p>
           <a:p>
             <a:pPr lvl="4">
@@ -848,12 +803,12 @@
   <p:clrMapOvr>
     <a:masterClrMapping/>
   </p:clrMapOvr>
-  <p:transition spd="med" advClick="1"/>
+  <p:transition xmlns:p14="http://schemas.microsoft.com/office/powerpoint/2010/main" spd="med"/>
 </p:sldLayout>
 </file>
 
 <file path=ppt/slideLayouts/slideLayout3.xml><?xml version="1.0" encoding="utf-8"?>
-<p:sldLayout xmlns:a="http://schemas.openxmlformats.org/drawingml/2006/main" xmlns:r="http://schemas.openxmlformats.org/officeDocument/2006/relationships" xmlns:p="http://schemas.openxmlformats.org/presentationml/2006/main" type="tx" showMasterSp="1" showMasterPhAnim="1">
+<p:sldLayout xmlns:a="http://schemas.openxmlformats.org/drawingml/2006/main" xmlns:r="http://schemas.openxmlformats.org/officeDocument/2006/relationships" xmlns:p="http://schemas.openxmlformats.org/presentationml/2006/main" type="tx">
   <p:cSld name="Title - Center">
     <p:spTree>
       <p:nvGrpSpPr>
@@ -872,7 +827,9 @@
       <p:sp>
         <p:nvSpPr>
           <p:cNvPr id="11" name="Shape 11"/>
-          <p:cNvSpPr/>
+          <p:cNvSpPr>
+            <a:spLocks noGrp="1"/>
+          </p:cNvSpPr>
           <p:nvPr>
             <p:ph type="title"/>
           </p:nvPr>
@@ -913,12 +870,12 @@
   <p:clrMapOvr>
     <a:masterClrMapping/>
   </p:clrMapOvr>
-  <p:transition spd="med" advClick="1"/>
+  <p:transition xmlns:p14="http://schemas.microsoft.com/office/powerpoint/2010/main" spd="med"/>
 </p:sldLayout>
 </file>
 
 <file path=ppt/slideLayouts/slideLayout4.xml><?xml version="1.0" encoding="utf-8"?>
-<p:sldLayout xmlns:a="http://schemas.openxmlformats.org/drawingml/2006/main" xmlns:r="http://schemas.openxmlformats.org/officeDocument/2006/relationships" xmlns:p="http://schemas.openxmlformats.org/presentationml/2006/main" type="tx" showMasterSp="1" showMasterPhAnim="1">
+<p:sldLayout xmlns:a="http://schemas.openxmlformats.org/drawingml/2006/main" xmlns:r="http://schemas.openxmlformats.org/officeDocument/2006/relationships" xmlns:p="http://schemas.openxmlformats.org/presentationml/2006/main" type="tx">
   <p:cSld name="Photo - Vertical">
     <p:spTree>
       <p:nvGrpSpPr>
@@ -937,7 +894,9 @@
       <p:sp>
         <p:nvSpPr>
           <p:cNvPr id="13" name="Shape 13"/>
-          <p:cNvSpPr/>
+          <p:cNvSpPr>
+            <a:spLocks noGrp="1"/>
+          </p:cNvSpPr>
           <p:nvPr>
             <p:ph type="title"/>
           </p:nvPr>
@@ -980,7 +939,9 @@
       <p:sp>
         <p:nvSpPr>
           <p:cNvPr id="14" name="Shape 14"/>
-          <p:cNvSpPr/>
+          <p:cNvSpPr>
+            <a:spLocks noGrp="1"/>
+          </p:cNvSpPr>
           <p:nvPr>
             <p:ph type="body" idx="1"/>
           </p:nvPr>
@@ -1054,11 +1015,6 @@
               </a:rPr>
               <a:t>Body Level One</a:t>
             </a:r>
-            <a:endParaRPr sz="3200">
-              <a:solidFill>
-                <a:srgbClr val="FFFFFF"/>
-              </a:solidFill>
-            </a:endParaRPr>
           </a:p>
           <a:p>
             <a:pPr lvl="1">
@@ -1076,11 +1032,6 @@
               </a:rPr>
               <a:t>Body Level Two</a:t>
             </a:r>
-            <a:endParaRPr sz="3200">
-              <a:solidFill>
-                <a:srgbClr val="FFFFFF"/>
-              </a:solidFill>
-            </a:endParaRPr>
           </a:p>
           <a:p>
             <a:pPr lvl="2">
@@ -1098,11 +1049,6 @@
               </a:rPr>
               <a:t>Body Level Three</a:t>
             </a:r>
-            <a:endParaRPr sz="3200">
-              <a:solidFill>
-                <a:srgbClr val="FFFFFF"/>
-              </a:solidFill>
-            </a:endParaRPr>
           </a:p>
           <a:p>
             <a:pPr lvl="3">
@@ -1120,11 +1066,6 @@
               </a:rPr>
               <a:t>Body Level Four</a:t>
             </a:r>
-            <a:endParaRPr sz="3200">
-              <a:solidFill>
-                <a:srgbClr val="FFFFFF"/>
-              </a:solidFill>
-            </a:endParaRPr>
           </a:p>
           <a:p>
             <a:pPr lvl="4">
@@ -1150,12 +1091,12 @@
   <p:clrMapOvr>
     <a:masterClrMapping/>
   </p:clrMapOvr>
-  <p:transition spd="med" advClick="1"/>
+  <p:transition xmlns:p14="http://schemas.microsoft.com/office/powerpoint/2010/main" spd="med"/>
 </p:sldLayout>
 </file>
 
 <file path=ppt/slideLayouts/slideLayout5.xml><?xml version="1.0" encoding="utf-8"?>
-<p:sldLayout xmlns:a="http://schemas.openxmlformats.org/drawingml/2006/main" xmlns:r="http://schemas.openxmlformats.org/officeDocument/2006/relationships" xmlns:p="http://schemas.openxmlformats.org/presentationml/2006/main" type="tx" showMasterSp="1" showMasterPhAnim="1">
+<p:sldLayout xmlns:a="http://schemas.openxmlformats.org/drawingml/2006/main" xmlns:r="http://schemas.openxmlformats.org/officeDocument/2006/relationships" xmlns:p="http://schemas.openxmlformats.org/presentationml/2006/main" type="tx">
   <p:cSld name="Title - Top">
     <p:spTree>
       <p:nvGrpSpPr>
@@ -1174,15 +1115,17 @@
       <p:sp>
         <p:nvSpPr>
           <p:cNvPr id="16" name="Shape 16"/>
-          <p:cNvSpPr/>
+          <p:cNvSpPr>
+            <a:spLocks noGrp="1"/>
+          </p:cNvSpPr>
           <p:nvPr>
             <p:ph type="title"/>
           </p:nvPr>
         </p:nvSpPr>
         <p:spPr>
           <a:xfrm>
-            <a:off x="952500" y="7447"/>
-            <a:ext cx="11099800" cy="2918806"/>
+            <a:off x="952500" y="1313"/>
+            <a:ext cx="11099800" cy="2931074"/>
           </a:xfrm>
           <a:prstGeom prst="rect">
             <a:avLst/>
@@ -1215,12 +1158,12 @@
   <p:clrMapOvr>
     <a:masterClrMapping/>
   </p:clrMapOvr>
-  <p:transition spd="med" advClick="1"/>
+  <p:transition xmlns:p14="http://schemas.microsoft.com/office/powerpoint/2010/main" spd="med"/>
 </p:sldLayout>
 </file>
 
 <file path=ppt/slideLayouts/slideLayout6.xml><?xml version="1.0" encoding="utf-8"?>
-<p:sldLayout xmlns:a="http://schemas.openxmlformats.org/drawingml/2006/main" xmlns:r="http://schemas.openxmlformats.org/officeDocument/2006/relationships" xmlns:p="http://schemas.openxmlformats.org/presentationml/2006/main" type="tx" showMasterSp="1" showMasterPhAnim="1">
+<p:sldLayout xmlns:a="http://schemas.openxmlformats.org/drawingml/2006/main" xmlns:r="http://schemas.openxmlformats.org/officeDocument/2006/relationships" xmlns:p="http://schemas.openxmlformats.org/presentationml/2006/main" type="tx">
   <p:cSld name="Title &amp; Bullets">
     <p:spTree>
       <p:nvGrpSpPr>
@@ -1239,7 +1182,9 @@
       <p:sp>
         <p:nvSpPr>
           <p:cNvPr id="18" name="Shape 18"/>
-          <p:cNvSpPr/>
+          <p:cNvSpPr>
+            <a:spLocks noGrp="1"/>
+          </p:cNvSpPr>
           <p:nvPr>
             <p:ph type="title"/>
           </p:nvPr>
@@ -1274,7 +1219,9 @@
       <p:sp>
         <p:nvSpPr>
           <p:cNvPr id="19" name="Shape 19"/>
-          <p:cNvSpPr/>
+          <p:cNvSpPr>
+            <a:spLocks noGrp="1"/>
+          </p:cNvSpPr>
           <p:nvPr>
             <p:ph type="body" idx="1"/>
           </p:nvPr>
@@ -1329,11 +1276,6 @@
               </a:rPr>
               <a:t>Body Level One</a:t>
             </a:r>
-            <a:endParaRPr sz="3800">
-              <a:solidFill>
-                <a:srgbClr val="FFFFFF"/>
-              </a:solidFill>
-            </a:endParaRPr>
           </a:p>
           <a:p>
             <a:pPr lvl="1">
@@ -1351,11 +1293,6 @@
               </a:rPr>
               <a:t>Body Level Two</a:t>
             </a:r>
-            <a:endParaRPr sz="3800">
-              <a:solidFill>
-                <a:srgbClr val="FFFFFF"/>
-              </a:solidFill>
-            </a:endParaRPr>
           </a:p>
           <a:p>
             <a:pPr lvl="2">
@@ -1373,11 +1310,6 @@
               </a:rPr>
               <a:t>Body Level Three</a:t>
             </a:r>
-            <a:endParaRPr sz="3800">
-              <a:solidFill>
-                <a:srgbClr val="FFFFFF"/>
-              </a:solidFill>
-            </a:endParaRPr>
           </a:p>
           <a:p>
             <a:pPr lvl="3">
@@ -1395,11 +1327,6 @@
               </a:rPr>
               <a:t>Body Level Four</a:t>
             </a:r>
-            <a:endParaRPr sz="3800">
-              <a:solidFill>
-                <a:srgbClr val="FFFFFF"/>
-              </a:solidFill>
-            </a:endParaRPr>
           </a:p>
           <a:p>
             <a:pPr lvl="4">
@@ -1425,12 +1352,12 @@
   <p:clrMapOvr>
     <a:masterClrMapping/>
   </p:clrMapOvr>
-  <p:transition spd="med" advClick="1"/>
+  <p:transition xmlns:p14="http://schemas.microsoft.com/office/powerpoint/2010/main" spd="med"/>
 </p:sldLayout>
 </file>
 
 <file path=ppt/slideLayouts/slideLayout7.xml><?xml version="1.0" encoding="utf-8"?>
-<p:sldLayout xmlns:a="http://schemas.openxmlformats.org/drawingml/2006/main" xmlns:r="http://schemas.openxmlformats.org/officeDocument/2006/relationships" xmlns:p="http://schemas.openxmlformats.org/presentationml/2006/main" type="tx" showMasterSp="1" showMasterPhAnim="1">
+<p:sldLayout xmlns:a="http://schemas.openxmlformats.org/drawingml/2006/main" xmlns:r="http://schemas.openxmlformats.org/officeDocument/2006/relationships" xmlns:p="http://schemas.openxmlformats.org/presentationml/2006/main" type="tx">
   <p:cSld name="Title, Bullets &amp; Photo">
     <p:spTree>
       <p:nvGrpSpPr>
@@ -1449,7 +1376,9 @@
       <p:sp>
         <p:nvSpPr>
           <p:cNvPr id="21" name="Shape 21"/>
-          <p:cNvSpPr/>
+          <p:cNvSpPr>
+            <a:spLocks noGrp="1"/>
+          </p:cNvSpPr>
           <p:nvPr>
             <p:ph type="title"/>
           </p:nvPr>
@@ -1484,15 +1413,17 @@
       <p:sp>
         <p:nvSpPr>
           <p:cNvPr id="22" name="Shape 22"/>
-          <p:cNvSpPr/>
+          <p:cNvSpPr>
+            <a:spLocks noGrp="1"/>
+          </p:cNvSpPr>
           <p:nvPr>
             <p:ph type="body" idx="1"/>
           </p:nvPr>
         </p:nvSpPr>
         <p:spPr>
           <a:xfrm>
-            <a:off x="952500" y="2547417"/>
-            <a:ext cx="5334000" cy="6373266"/>
+            <a:off x="952500" y="2547416"/>
+            <a:ext cx="5334000" cy="6373268"/>
           </a:xfrm>
           <a:prstGeom prst="rect">
             <a:avLst/>
@@ -1563,11 +1494,6 @@
               </a:rPr>
               <a:t>Body Level One</a:t>
             </a:r>
-            <a:endParaRPr sz="2800">
-              <a:solidFill>
-                <a:srgbClr val="FFFFFF"/>
-              </a:solidFill>
-            </a:endParaRPr>
           </a:p>
           <a:p>
             <a:pPr lvl="1">
@@ -1585,11 +1511,6 @@
               </a:rPr>
               <a:t>Body Level Two</a:t>
             </a:r>
-            <a:endParaRPr sz="2800">
-              <a:solidFill>
-                <a:srgbClr val="FFFFFF"/>
-              </a:solidFill>
-            </a:endParaRPr>
           </a:p>
           <a:p>
             <a:pPr lvl="2">
@@ -1607,11 +1528,6 @@
               </a:rPr>
               <a:t>Body Level Three</a:t>
             </a:r>
-            <a:endParaRPr sz="2800">
-              <a:solidFill>
-                <a:srgbClr val="FFFFFF"/>
-              </a:solidFill>
-            </a:endParaRPr>
           </a:p>
           <a:p>
             <a:pPr lvl="3">
@@ -1629,11 +1545,6 @@
               </a:rPr>
               <a:t>Body Level Four</a:t>
             </a:r>
-            <a:endParaRPr sz="2800">
-              <a:solidFill>
-                <a:srgbClr val="FFFFFF"/>
-              </a:solidFill>
-            </a:endParaRPr>
           </a:p>
           <a:p>
             <a:pPr lvl="4">
@@ -1659,12 +1570,12 @@
   <p:clrMapOvr>
     <a:masterClrMapping/>
   </p:clrMapOvr>
-  <p:transition spd="med" advClick="1"/>
+  <p:transition xmlns:p14="http://schemas.microsoft.com/office/powerpoint/2010/main" spd="med"/>
 </p:sldLayout>
 </file>
 
 <file path=ppt/slideLayouts/slideLayout8.xml><?xml version="1.0" encoding="utf-8"?>
-<p:sldLayout xmlns:a="http://schemas.openxmlformats.org/drawingml/2006/main" xmlns:r="http://schemas.openxmlformats.org/officeDocument/2006/relationships" xmlns:p="http://schemas.openxmlformats.org/presentationml/2006/main" type="tx" showMasterSp="1" showMasterPhAnim="1">
+<p:sldLayout xmlns:a="http://schemas.openxmlformats.org/drawingml/2006/main" xmlns:r="http://schemas.openxmlformats.org/officeDocument/2006/relationships" xmlns:p="http://schemas.openxmlformats.org/presentationml/2006/main" type="tx">
   <p:cSld name="Bullets">
     <p:spTree>
       <p:nvGrpSpPr>
@@ -1683,7 +1594,9 @@
       <p:sp>
         <p:nvSpPr>
           <p:cNvPr id="24" name="Shape 24"/>
-          <p:cNvSpPr/>
+          <p:cNvSpPr>
+            <a:spLocks noGrp="1"/>
+          </p:cNvSpPr>
           <p:nvPr>
             <p:ph type="body" idx="1"/>
           </p:nvPr>
@@ -1742,11 +1655,6 @@
               </a:rPr>
               <a:t>Body Level One</a:t>
             </a:r>
-            <a:endParaRPr sz="3800">
-              <a:solidFill>
-                <a:srgbClr val="FFFFFF"/>
-              </a:solidFill>
-            </a:endParaRPr>
           </a:p>
           <a:p>
             <a:pPr lvl="1">
@@ -1764,11 +1672,6 @@
               </a:rPr>
               <a:t>Body Level Two</a:t>
             </a:r>
-            <a:endParaRPr sz="3800">
-              <a:solidFill>
-                <a:srgbClr val="FFFFFF"/>
-              </a:solidFill>
-            </a:endParaRPr>
           </a:p>
           <a:p>
             <a:pPr lvl="2">
@@ -1786,11 +1689,6 @@
               </a:rPr>
               <a:t>Body Level Three</a:t>
             </a:r>
-            <a:endParaRPr sz="3800">
-              <a:solidFill>
-                <a:srgbClr val="FFFFFF"/>
-              </a:solidFill>
-            </a:endParaRPr>
           </a:p>
           <a:p>
             <a:pPr lvl="3">
@@ -1808,11 +1706,6 @@
               </a:rPr>
               <a:t>Body Level Four</a:t>
             </a:r>
-            <a:endParaRPr sz="3800">
-              <a:solidFill>
-                <a:srgbClr val="FFFFFF"/>
-              </a:solidFill>
-            </a:endParaRPr>
           </a:p>
           <a:p>
             <a:pPr lvl="4">
@@ -1838,12 +1731,12 @@
   <p:clrMapOvr>
     <a:masterClrMapping/>
   </p:clrMapOvr>
-  <p:transition spd="med" advClick="1"/>
+  <p:transition xmlns:p14="http://schemas.microsoft.com/office/powerpoint/2010/main" spd="med"/>
 </p:sldLayout>
 </file>
 
 <file path=ppt/slideLayouts/slideLayout9.xml><?xml version="1.0" encoding="utf-8"?>
-<p:sldLayout xmlns:a="http://schemas.openxmlformats.org/drawingml/2006/main" xmlns:r="http://schemas.openxmlformats.org/officeDocument/2006/relationships" xmlns:p="http://schemas.openxmlformats.org/presentationml/2006/main" type="tx" showMasterSp="1" showMasterPhAnim="1">
+<p:sldLayout xmlns:a="http://schemas.openxmlformats.org/drawingml/2006/main" xmlns:r="http://schemas.openxmlformats.org/officeDocument/2006/relationships" xmlns:p="http://schemas.openxmlformats.org/presentationml/2006/main" type="tx">
   <p:cSld name="Photo - 3 Up">
     <p:spTree>
       <p:nvGrpSpPr>
@@ -1864,7 +1757,7 @@
   <p:clrMapOvr>
     <a:masterClrMapping/>
   </p:clrMapOvr>
-  <p:transition spd="med" advClick="1"/>
+  <p:transition xmlns:p14="http://schemas.microsoft.com/office/powerpoint/2010/main" spd="med"/>
 </p:sldLayout>
 </file>
 
@@ -1874,12 +1767,13 @@
     <p:bg>
       <p:bgPr>
         <a:blipFill rotWithShape="1">
-          <a:blip r:embed="rId2"/>
-          <a:srcRect l="0" t="0" r="0" b="0"/>
+          <a:blip r:embed="rId14"/>
+          <a:srcRect/>
           <a:stretch>
             <a:fillRect/>
           </a:stretch>
         </a:blipFill>
+        <a:effectLst/>
       </p:bgPr>
     </p:bg>
     <p:spTree>
@@ -1899,7 +1793,9 @@
       <p:sp>
         <p:nvSpPr>
           <p:cNvPr id="2" name="Shape 2"/>
-          <p:cNvSpPr/>
+          <p:cNvSpPr>
+            <a:spLocks noGrp="1"/>
+          </p:cNvSpPr>
           <p:nvPr>
             <p:ph type="title"/>
           </p:nvPr>
@@ -1907,7 +1803,7 @@
         <p:spPr>
           <a:xfrm>
             <a:off x="952500" y="386281"/>
-            <a:ext cx="11099800" cy="2161139"/>
+            <a:ext cx="11099800" cy="2161140"/>
           </a:xfrm>
           <a:prstGeom prst="rect">
             <a:avLst/>
@@ -1923,7 +1819,7 @@
         </p:spPr>
         <p:txBody>
           <a:bodyPr lIns="0" tIns="0" rIns="0" bIns="0" anchor="ctr">
-            <a:normAutofit fontScale="100000" lnSpcReduction="0"/>
+            <a:normAutofit/>
           </a:bodyPr>
           <a:lstStyle/>
           <a:p>
@@ -1948,15 +1844,17 @@
       <p:sp>
         <p:nvSpPr>
           <p:cNvPr id="3" name="Shape 3"/>
-          <p:cNvSpPr/>
+          <p:cNvSpPr>
+            <a:spLocks noGrp="1"/>
+          </p:cNvSpPr>
           <p:nvPr>
             <p:ph type="body" idx="1"/>
           </p:nvPr>
         </p:nvSpPr>
         <p:spPr>
           <a:xfrm>
-            <a:off x="952500" y="2547417"/>
-            <a:ext cx="11099800" cy="6373266"/>
+            <a:off x="952500" y="2547416"/>
+            <a:ext cx="11099800" cy="6373268"/>
           </a:xfrm>
           <a:prstGeom prst="rect">
             <a:avLst/>
@@ -1972,32 +1870,32 @@
         </p:spPr>
         <p:txBody>
           <a:bodyPr lIns="0" tIns="0" rIns="0" bIns="0" anchor="ctr">
-            <a:normAutofit fontScale="100000" lnSpcReduction="0"/>
+            <a:normAutofit/>
           </a:bodyPr>
           <a:lstStyle>
             <a:lvl1pPr>
               <a:buBlip>
-                <a:blip r:embed="rId3"/>
+                <a:blip r:embed="rId15"/>
               </a:buBlip>
             </a:lvl1pPr>
             <a:lvl2pPr>
               <a:buBlip>
-                <a:blip r:embed="rId3"/>
+                <a:blip r:embed="rId15"/>
               </a:buBlip>
             </a:lvl2pPr>
             <a:lvl3pPr>
               <a:buBlip>
-                <a:blip r:embed="rId3"/>
+                <a:blip r:embed="rId15"/>
               </a:buBlip>
             </a:lvl3pPr>
             <a:lvl4pPr>
               <a:buBlip>
-                <a:blip r:embed="rId3"/>
+                <a:blip r:embed="rId15"/>
               </a:buBlip>
             </a:lvl4pPr>
             <a:lvl5pPr>
               <a:buBlip>
-                <a:blip r:embed="rId3"/>
+                <a:blip r:embed="rId15"/>
               </a:buBlip>
             </a:lvl5pPr>
           </a:lstStyle>
@@ -2017,11 +1915,6 @@
               </a:rPr>
               <a:t>Body Level One</a:t>
             </a:r>
-            <a:endParaRPr sz="3800">
-              <a:solidFill>
-                <a:srgbClr val="FFFFFF"/>
-              </a:solidFill>
-            </a:endParaRPr>
           </a:p>
           <a:p>
             <a:pPr lvl="1">
@@ -2039,11 +1932,6 @@
               </a:rPr>
               <a:t>Body Level Two</a:t>
             </a:r>
-            <a:endParaRPr sz="3800">
-              <a:solidFill>
-                <a:srgbClr val="FFFFFF"/>
-              </a:solidFill>
-            </a:endParaRPr>
           </a:p>
           <a:p>
             <a:pPr lvl="2">
@@ -2061,11 +1949,6 @@
               </a:rPr>
               <a:t>Body Level Three</a:t>
             </a:r>
-            <a:endParaRPr sz="3800">
-              <a:solidFill>
-                <a:srgbClr val="FFFFFF"/>
-              </a:solidFill>
-            </a:endParaRPr>
           </a:p>
           <a:p>
             <a:pPr lvl="3">
@@ -2083,11 +1966,6 @@
               </a:rPr>
               <a:t>Body Level Four</a:t>
             </a:r>
-            <a:endParaRPr sz="3800">
-              <a:solidFill>
-                <a:srgbClr val="FFFFFF"/>
-              </a:solidFill>
-            </a:endParaRPr>
           </a:p>
           <a:p>
             <a:pPr lvl="4">
@@ -2110,22 +1988,22 @@
       </p:sp>
     </p:spTree>
   </p:cSld>
-  <p:clrMap bg1="dk1" tx1="lt1" bg2="dk2" tx2="lt2" accent1="accent1" accent2="accent2" accent3="accent3" accent4="accent4" accent5="accent5" accent6="accent6" hlink="hlink" folHlink="folHlink"/>
+  <p:clrMap bg1="lt1" tx1="dk1" bg2="lt2" tx2="dk2" accent1="accent1" accent2="accent2" accent3="accent3" accent4="accent4" accent5="accent5" accent6="accent6" hlink="hlink" folHlink="folHlink"/>
   <p:sldLayoutIdLst>
-    <p:sldLayoutId id="2147483649" r:id="rId4"/>
-    <p:sldLayoutId id="2147483650" r:id="rId5"/>
-    <p:sldLayoutId id="2147483651" r:id="rId6"/>
-    <p:sldLayoutId id="2147483652" r:id="rId7"/>
-    <p:sldLayoutId id="2147483653" r:id="rId8"/>
-    <p:sldLayoutId id="2147483654" r:id="rId9"/>
-    <p:sldLayoutId id="2147483655" r:id="rId10"/>
-    <p:sldLayoutId id="2147483656" r:id="rId11"/>
-    <p:sldLayoutId id="2147483657" r:id="rId12"/>
-    <p:sldLayoutId id="2147483658" r:id="rId13"/>
-    <p:sldLayoutId id="2147483659" r:id="rId14"/>
-    <p:sldLayoutId id="2147483660" r:id="rId15"/>
+    <p:sldLayoutId id="2147483649" r:id="rId1"/>
+    <p:sldLayoutId id="2147483650" r:id="rId2"/>
+    <p:sldLayoutId id="2147483651" r:id="rId3"/>
+    <p:sldLayoutId id="2147483652" r:id="rId4"/>
+    <p:sldLayoutId id="2147483653" r:id="rId5"/>
+    <p:sldLayoutId id="2147483654" r:id="rId6"/>
+    <p:sldLayoutId id="2147483655" r:id="rId7"/>
+    <p:sldLayoutId id="2147483656" r:id="rId8"/>
+    <p:sldLayoutId id="2147483657" r:id="rId9"/>
+    <p:sldLayoutId id="2147483658" r:id="rId10"/>
+    <p:sldLayoutId id="2147483659" r:id="rId11"/>
+    <p:sldLayoutId id="2147483660" r:id="rId12"/>
   </p:sldLayoutIdLst>
-  <p:transition spd="med" advClick="1"/>
+  <p:transition xmlns:p14="http://schemas.microsoft.com/office/powerpoint/2010/main" spd="med"/>
   <p:txStyles>
     <p:titleStyle>
       <a:lvl1pPr algn="ctr" defTabSz="584200">
@@ -2235,7 +2113,7 @@
         </a:spcBef>
         <a:buSzPct val="75000"/>
         <a:buBlip>
-          <a:blip r:embed="rId3"/>
+          <a:blip r:embed="rId15"/>
         </a:buBlip>
         <a:defRPr sz="3800">
           <a:solidFill>
@@ -2253,7 +2131,7 @@
         </a:spcBef>
         <a:buSzPct val="75000"/>
         <a:buBlip>
-          <a:blip r:embed="rId3"/>
+          <a:blip r:embed="rId15"/>
         </a:buBlip>
         <a:defRPr sz="3800">
           <a:solidFill>
@@ -2271,7 +2149,7 @@
         </a:spcBef>
         <a:buSzPct val="75000"/>
         <a:buBlip>
-          <a:blip r:embed="rId3"/>
+          <a:blip r:embed="rId15"/>
         </a:buBlip>
         <a:defRPr sz="3800">
           <a:solidFill>
@@ -2289,7 +2167,7 @@
         </a:spcBef>
         <a:buSzPct val="75000"/>
         <a:buBlip>
-          <a:blip r:embed="rId3"/>
+          <a:blip r:embed="rId15"/>
         </a:buBlip>
         <a:defRPr sz="3800">
           <a:solidFill>
@@ -2307,7 +2185,7 @@
         </a:spcBef>
         <a:buSzPct val="75000"/>
         <a:buBlip>
-          <a:blip r:embed="rId3"/>
+          <a:blip r:embed="rId15"/>
         </a:buBlip>
         <a:defRPr sz="3800">
           <a:solidFill>
@@ -2325,7 +2203,7 @@
         </a:spcBef>
         <a:buSzPct val="75000"/>
         <a:buBlip>
-          <a:blip r:embed="rId3"/>
+          <a:blip r:embed="rId15"/>
         </a:buBlip>
         <a:defRPr sz="3800">
           <a:solidFill>
@@ -2343,7 +2221,7 @@
         </a:spcBef>
         <a:buSzPct val="75000"/>
         <a:buBlip>
-          <a:blip r:embed="rId3"/>
+          <a:blip r:embed="rId15"/>
         </a:buBlip>
         <a:defRPr sz="3800">
           <a:solidFill>
@@ -2361,7 +2239,7 @@
         </a:spcBef>
         <a:buSzPct val="75000"/>
         <a:buBlip>
-          <a:blip r:embed="rId3"/>
+          <a:blip r:embed="rId15"/>
         </a:buBlip>
         <a:defRPr sz="3800">
           <a:solidFill>
@@ -2379,7 +2257,7 @@
         </a:spcBef>
         <a:buSzPct val="75000"/>
         <a:buBlip>
-          <a:blip r:embed="rId3"/>
+          <a:blip r:embed="rId15"/>
         </a:buBlip>
         <a:defRPr sz="3800">
           <a:solidFill>
@@ -2401,7 +2279,7 @@
           <a:latin typeface="+mn-lt"/>
           <a:ea typeface="+mn-ea"/>
           <a:cs typeface="+mn-cs"/>
-          <a:sym typeface="Helvetica Light"/>
+          <a:sym typeface="Helvetica"/>
         </a:defRPr>
       </a:lvl1pPr>
       <a:lvl2pPr algn="r" defTabSz="584200">
@@ -2412,7 +2290,7 @@
           <a:latin typeface="+mn-lt"/>
           <a:ea typeface="+mn-ea"/>
           <a:cs typeface="+mn-cs"/>
-          <a:sym typeface="Helvetica Light"/>
+          <a:sym typeface="Helvetica"/>
         </a:defRPr>
       </a:lvl2pPr>
       <a:lvl3pPr algn="r" defTabSz="584200">
@@ -2423,7 +2301,7 @@
           <a:latin typeface="+mn-lt"/>
           <a:ea typeface="+mn-ea"/>
           <a:cs typeface="+mn-cs"/>
-          <a:sym typeface="Helvetica Light"/>
+          <a:sym typeface="Helvetica"/>
         </a:defRPr>
       </a:lvl3pPr>
       <a:lvl4pPr algn="r" defTabSz="584200">
@@ -2434,7 +2312,7 @@
           <a:latin typeface="+mn-lt"/>
           <a:ea typeface="+mn-ea"/>
           <a:cs typeface="+mn-cs"/>
-          <a:sym typeface="Helvetica Light"/>
+          <a:sym typeface="Helvetica"/>
         </a:defRPr>
       </a:lvl4pPr>
       <a:lvl5pPr algn="r" defTabSz="584200">
@@ -2445,7 +2323,7 @@
           <a:latin typeface="+mn-lt"/>
           <a:ea typeface="+mn-ea"/>
           <a:cs typeface="+mn-cs"/>
-          <a:sym typeface="Helvetica Light"/>
+          <a:sym typeface="Helvetica"/>
         </a:defRPr>
       </a:lvl5pPr>
       <a:lvl6pPr algn="r" defTabSz="584200">
@@ -2456,7 +2334,7 @@
           <a:latin typeface="+mn-lt"/>
           <a:ea typeface="+mn-ea"/>
           <a:cs typeface="+mn-cs"/>
-          <a:sym typeface="Helvetica Light"/>
+          <a:sym typeface="Helvetica"/>
         </a:defRPr>
       </a:lvl6pPr>
       <a:lvl7pPr algn="r" defTabSz="584200">
@@ -2467,7 +2345,7 @@
           <a:latin typeface="+mn-lt"/>
           <a:ea typeface="+mn-ea"/>
           <a:cs typeface="+mn-cs"/>
-          <a:sym typeface="Helvetica Light"/>
+          <a:sym typeface="Helvetica"/>
         </a:defRPr>
       </a:lvl7pPr>
       <a:lvl8pPr algn="r" defTabSz="584200">
@@ -2478,7 +2356,7 @@
           <a:latin typeface="+mn-lt"/>
           <a:ea typeface="+mn-ea"/>
           <a:cs typeface="+mn-cs"/>
-          <a:sym typeface="Helvetica Light"/>
+          <a:sym typeface="Helvetica"/>
         </a:defRPr>
       </a:lvl8pPr>
       <a:lvl9pPr algn="r" defTabSz="584200">
@@ -2489,7 +2367,7 @@
           <a:latin typeface="+mn-lt"/>
           <a:ea typeface="+mn-ea"/>
           <a:cs typeface="+mn-cs"/>
-          <a:sym typeface="Helvetica Light"/>
+          <a:sym typeface="Helvetica"/>
         </a:defRPr>
       </a:lvl9pPr>
     </p:otherStyle>
@@ -2498,7 +2376,7 @@
 </file>
 
 <file path=ppt/slides/slide1.xml><?xml version="1.0" encoding="utf-8"?>
-<p:sld xmlns:a="http://schemas.openxmlformats.org/drawingml/2006/main" xmlns:r="http://schemas.openxmlformats.org/officeDocument/2006/relationships" xmlns:p="http://schemas.openxmlformats.org/presentationml/2006/main" showMasterSp="1" showMasterPhAnim="1">
+<p:sld xmlns:a="http://schemas.openxmlformats.org/drawingml/2006/main" xmlns:r="http://schemas.openxmlformats.org/officeDocument/2006/relationships" xmlns:p="http://schemas.openxmlformats.org/presentationml/2006/main">
   <p:cSld>
     <p:spTree>
       <p:nvGrpSpPr>
@@ -2517,7 +2395,9 @@
       <p:sp>
         <p:nvSpPr>
           <p:cNvPr id="32" name="Shape 32"/>
-          <p:cNvSpPr/>
+          <p:cNvSpPr>
+            <a:spLocks noGrp="1"/>
+          </p:cNvSpPr>
           <p:nvPr>
             <p:ph type="title"/>
           </p:nvPr>
@@ -2556,7 +2436,9 @@
       <p:sp>
         <p:nvSpPr>
           <p:cNvPr id="33" name="Shape 33"/>
-          <p:cNvSpPr/>
+          <p:cNvSpPr>
+            <a:spLocks noGrp="1"/>
+          </p:cNvSpPr>
           <p:nvPr>
             <p:ph type="body" idx="1"/>
           </p:nvPr>
@@ -2587,23 +2469,7 @@
                   <a:srgbClr val="FFFFFF"/>
                 </a:solidFill>
               </a:rPr>
-              <a:t>Gruppo:Genta, Massimino, Levrone</a:t>
-            </a:r>
-            <a:r>
-              <a:rPr sz="3200">
-                <a:solidFill>
-                  <a:srgbClr val="FFFFFF"/>
-                </a:solidFill>
-              </a:rPr>
-              <a:t> e</a:t>
-            </a:r>
-            <a:r>
-              <a:rPr sz="3200">
-                <a:solidFill>
-                  <a:srgbClr val="FFFFFF"/>
-                </a:solidFill>
-              </a:rPr>
-              <a:t> Nikolov.</a:t>
+              <a:t>Gruppo:Genta, Massimino, Levrone e Nikolov.</a:t>
             </a:r>
           </a:p>
         </p:txBody>
@@ -2613,14 +2479,14 @@
   <p:clrMapOvr>
     <a:masterClrMapping/>
   </p:clrMapOvr>
-  <p:transition spd="med" advClick="1"/>
+  <p:transition xmlns:p14="http://schemas.microsoft.com/office/powerpoint/2010/main" spd="med"/>
   <p:timing>
     <p:tnLst>
       <p:par>
-        <p:cTn id="1" nodeType="tmRoot" restart="never" dur="indefinite" fill="hold">
+        <p:cTn xmlns:p14="http://schemas.microsoft.com/office/powerpoint/2010/main" id="1" dur="indefinite" restart="never" fill="hold" nodeType="tmRoot">
           <p:childTnLst>
             <p:seq concurrent="1" prevAc="none" nextAc="seek">
-              <p:cTn id="2" nodeType="mainSeq" dur="indefinite" fill="hold">
+              <p:cTn id="2" dur="indefinite" fill="hold" nodeType="mainSeq">
                 <p:childTnLst>
                   <p:par>
                     <p:cTn id="3" fill="hold">
@@ -2635,11 +2501,11 @@
                             </p:stCondLst>
                             <p:childTnLst>
                               <p:par>
-                                <p:cTn id="5" nodeType="clickEffect" presetClass="entr" presetSubtype="0" presetID="10" grpId="1" fill="hold">
+                                <p:cTn id="5" presetID="10" presetClass="entr" presetSubtype="0" fill="hold" grpId="1" nodeType="clickEffect">
                                   <p:stCondLst>
                                     <p:cond delay="0"/>
                                   </p:stCondLst>
-                                  <p:iterate type="el" backwards="0">
+                                  <p:iterate>
                                     <p:tmAbs val="0"/>
                                   </p:iterate>
                                   <p:childTnLst>
@@ -2657,7 +2523,7 @@
                                         <p:strVal val="visible"/>
                                       </p:to>
                                     </p:set>
-                                    <p:animEffect filter="fade" transition="in">
+                                    <p:animEffect transition="in" filter="fade">
                                       <p:cBhvr>
                                         <p:cTn id="7" dur="1500"/>
                                         <p:tgtEl>
@@ -2687,11 +2553,11 @@
                             </p:stCondLst>
                             <p:childTnLst>
                               <p:par>
-                                <p:cTn id="10" nodeType="clickEffect" presetClass="entr" presetSubtype="8" presetID="22" grpId="2" fill="hold">
+                                <p:cTn id="10" presetID="22" presetClass="entr" presetSubtype="8" fill="hold" grpId="2" nodeType="clickEffect">
                                   <p:stCondLst>
                                     <p:cond delay="0"/>
                                   </p:stCondLst>
-                                  <p:iterate type="el" backwards="0">
+                                  <p:iterate>
                                     <p:tmAbs val="0"/>
                                   </p:iterate>
                                   <p:childTnLst>
@@ -2709,7 +2575,7 @@
                                         <p:strVal val="visible"/>
                                       </p:to>
                                     </p:set>
-                                    <p:animEffect filter="wipe(left)" transition="in">
+                                    <p:animEffect transition="in" filter="wipe(left)">
                                       <p:cBhvr>
                                         <p:cTn id="12" dur="500"/>
                                         <p:tgtEl>
@@ -2729,14 +2595,14 @@
                 </p:childTnLst>
               </p:cTn>
               <p:prevCondLst>
-                <p:cond evt="onPrev">
+                <p:cond evt="onPrev" delay="0">
                   <p:tgtEl>
                     <p:sldTgt/>
                   </p:tgtEl>
                 </p:cond>
               </p:prevCondLst>
               <p:nextCondLst>
-                <p:cond evt="onNext">
+                <p:cond evt="onNext" delay="0">
                   <p:tgtEl>
                     <p:sldTgt/>
                   </p:tgtEl>
@@ -2748,15 +2614,15 @@
       </p:par>
     </p:tnLst>
     <p:bldLst>
-      <p:bldP build="whole" bldLvl="1" animBg="1" rev="0" advAuto="0" spid="33" grpId="2"/>
-      <p:bldP build="whole" bldLvl="1" animBg="1" rev="0" advAuto="0" spid="32" grpId="1"/>
+      <p:bldP spid="32" grpId="1" animBg="1" advAuto="0"/>
+      <p:bldP spid="33" grpId="2" animBg="1" advAuto="0"/>
     </p:bldLst>
   </p:timing>
 </p:sld>
 </file>
 
 <file path=ppt/slides/slide10.xml><?xml version="1.0" encoding="utf-8"?>
-<p:sld xmlns:a="http://schemas.openxmlformats.org/drawingml/2006/main" xmlns:r="http://schemas.openxmlformats.org/officeDocument/2006/relationships" xmlns:p="http://schemas.openxmlformats.org/presentationml/2006/main" showMasterSp="1" showMasterPhAnim="1">
+<p:sld xmlns:a="http://schemas.openxmlformats.org/drawingml/2006/main" xmlns:r="http://schemas.openxmlformats.org/officeDocument/2006/relationships" xmlns:p="http://schemas.openxmlformats.org/presentationml/2006/main">
   <p:cSld>
     <p:spTree>
       <p:nvGrpSpPr>
@@ -2774,126 +2640,136 @@
       </p:grpSpPr>
       <p:sp>
         <p:nvSpPr>
-          <p:cNvPr id="59" name="Shape 59"/>
-          <p:cNvSpPr/>
+          <p:cNvPr id="2" name="Titolo 1"/>
+          <p:cNvSpPr>
+            <a:spLocks noGrp="1"/>
+          </p:cNvSpPr>
           <p:nvPr>
             <p:ph type="title"/>
           </p:nvPr>
         </p:nvSpPr>
+        <p:spPr/>
+        <p:txBody>
+          <a:bodyPr/>
+          <a:lstStyle/>
+          <a:p>
+            <a:r>
+              <a:rPr lang="it-IT" dirty="0" smtClean="0"/>
+              <a:t>Cronometro e pausa</a:t>
+            </a:r>
+            <a:endParaRPr lang="it-IT" dirty="0"/>
+          </a:p>
+        </p:txBody>
+      </p:sp>
+      <p:sp>
+        <p:nvSpPr>
+          <p:cNvPr id="3" name="Segnaposto testo 2"/>
+          <p:cNvSpPr>
+            <a:spLocks noGrp="1"/>
+          </p:cNvSpPr>
+          <p:nvPr>
+            <p:ph type="body" idx="1"/>
+          </p:nvPr>
+        </p:nvSpPr>
+        <p:spPr/>
+        <p:txBody>
+          <a:bodyPr/>
+          <a:lstStyle/>
+          <a:p>
+            <a:pPr marL="0" indent="0">
+              <a:buNone/>
+            </a:pPr>
+            <a:r>
+              <a:rPr lang="it-IT" dirty="0" smtClean="0"/>
+              <a:t>All’inizio di ogni partita viene avviato un cronometro, aggiornato ogni secondo che viene interrotto nei casi di:</a:t>
+            </a:r>
+          </a:p>
+          <a:p>
+            <a:pPr marL="742950" indent="-742950">
+              <a:buFont typeface="+mj-lt"/>
+              <a:buAutoNum type="arabicPeriod"/>
+            </a:pPr>
+            <a:r>
+              <a:rPr lang="it-IT" dirty="0" smtClean="0"/>
+              <a:t>Vittoria</a:t>
+            </a:r>
+          </a:p>
+          <a:p>
+            <a:pPr marL="742950" indent="-742950">
+              <a:buFont typeface="+mj-lt"/>
+              <a:buAutoNum type="arabicPeriod"/>
+            </a:pPr>
+            <a:r>
+              <a:rPr lang="it-IT" dirty="0" smtClean="0"/>
+              <a:t>Pausa</a:t>
+            </a:r>
+          </a:p>
+          <a:p>
+            <a:pPr marL="0" indent="0">
+              <a:buNone/>
+            </a:pPr>
+            <a:r>
+              <a:rPr lang="it-IT" i="1" dirty="0" smtClean="0"/>
+              <a:t>L’evento pausa causa l’impossibilità effettuare spostamenti di celle</a:t>
+            </a:r>
+          </a:p>
+        </p:txBody>
+      </p:sp>
+      <p:pic>
+        <p:nvPicPr>
+          <p:cNvPr id="4" name="Immagine 3"/>
+          <p:cNvPicPr>
+            <a:picLocks noChangeAspect="1"/>
+          </p:cNvPicPr>
+          <p:nvPr/>
+        </p:nvPicPr>
+        <p:blipFill>
+          <a:blip r:embed="rId2">
+            <a:duotone>
+              <a:prstClr val="black"/>
+              <a:srgbClr val="FFF5FD">
+                <a:tint val="45000"/>
+                <a:satMod val="400000"/>
+              </a:srgbClr>
+            </a:duotone>
+          </a:blip>
+          <a:stretch>
+            <a:fillRect/>
+          </a:stretch>
+        </p:blipFill>
         <p:spPr>
           <a:xfrm>
-            <a:off x="952500" y="406400"/>
-            <a:ext cx="11099800" cy="2120900"/>
+            <a:off x="8626150" y="4533633"/>
+            <a:ext cx="2210680" cy="2210680"/>
           </a:xfrm>
           <a:prstGeom prst="rect">
             <a:avLst/>
           </a:prstGeom>
         </p:spPr>
-        <p:txBody>
-          <a:bodyPr/>
-          <a:lstStyle>
-            <a:lvl1pPr defTabSz="531622">
-              <a:defRPr sz="7200"/>
-            </a:lvl1pPr>
-          </a:lstStyle>
-          <a:p>
-            <a:pPr lvl="0">
-              <a:defRPr sz="1800">
-                <a:solidFill>
-                  <a:srgbClr val="000000"/>
-                </a:solidFill>
-              </a:defRPr>
-            </a:pPr>
-            <a:r>
-              <a:rPr sz="7200">
-                <a:solidFill>
-                  <a:srgbClr val="FFFFFF"/>
-                </a:solidFill>
-              </a:rPr>
-              <a:t>Animazione vittoria e inizio</a:t>
-            </a:r>
-          </a:p>
-        </p:txBody>
-      </p:sp>
-      <p:sp>
-        <p:nvSpPr>
-          <p:cNvPr id="60" name="Shape 60"/>
-          <p:cNvSpPr/>
-          <p:nvPr>
-            <p:ph type="body" idx="1"/>
-          </p:nvPr>
-        </p:nvSpPr>
-        <p:spPr>
-          <a:xfrm>
-            <a:off x="952500" y="2590800"/>
-            <a:ext cx="11099800" cy="6286500"/>
-          </a:xfrm>
-          <a:prstGeom prst="rect">
-            <a:avLst/>
-          </a:prstGeom>
-        </p:spPr>
-        <p:txBody>
-          <a:bodyPr/>
-          <a:lstStyle/>
-          <a:p>
-            <a:pPr lvl="0" marL="2037644" indent="-2037644">
-              <a:buClr>
-                <a:srgbClr val="FFFFFF"/>
-              </a:buClr>
-              <a:buBlip>
-                <a:blip r:embed="rId2"/>
-              </a:buBlip>
-              <a:defRPr sz="1800">
-                <a:solidFill>
-                  <a:srgbClr val="000000"/>
-                </a:solidFill>
-              </a:defRPr>
-            </a:pPr>
-            <a:r>
-              <a:rPr sz="3800">
-                <a:solidFill>
-                  <a:srgbClr val="FFFFFF"/>
-                </a:solidFill>
-              </a:rPr>
-              <a:t>Vittoria (id=testo celle)</a:t>
-            </a:r>
-          </a:p>
-          <a:p>
-            <a:pPr lvl="0" marL="2037644" indent="-2037644">
-              <a:buClr>
-                <a:srgbClr val="FFFFFF"/>
-              </a:buClr>
-              <a:buBlip>
-                <a:blip r:embed="rId2"/>
-              </a:buBlip>
-              <a:defRPr sz="1800">
-                <a:solidFill>
-                  <a:srgbClr val="000000"/>
-                </a:solidFill>
-              </a:defRPr>
-            </a:pPr>
-            <a:r>
-              <a:rPr sz="3800">
-                <a:solidFill>
-                  <a:srgbClr val="FFFFFF"/>
-                </a:solidFill>
-              </a:rPr>
-              <a:t>Animazione=rotazione di 360 gradi con cambio di testo in complimenti</a:t>
-            </a:r>
-          </a:p>
-        </p:txBody>
-      </p:sp>
+      </p:pic>
     </p:spTree>
+    <p:extLst>
+      <p:ext uri="{BB962C8B-B14F-4D97-AF65-F5344CB8AC3E}">
+        <p14:creationId xmlns:p14="http://schemas.microsoft.com/office/powerpoint/2010/main" val="814080127"/>
+      </p:ext>
+    </p:extLst>
   </p:cSld>
   <p:clrMapOvr>
     <a:masterClrMapping/>
   </p:clrMapOvr>
-  <p:transition spd="med" advClick="1"/>
+  <p:transition xmlns:p14="http://schemas.microsoft.com/office/powerpoint/2010/main" spd="med"/>
+  <p:timing>
+    <p:tnLst>
+      <p:par>
+        <p:cTn xmlns:p14="http://schemas.microsoft.com/office/powerpoint/2010/main" id="1" dur="indefinite" restart="never" nodeType="tmRoot"/>
+      </p:par>
+    </p:tnLst>
+  </p:timing>
 </p:sld>
 </file>
 
 <file path=ppt/slides/slide11.xml><?xml version="1.0" encoding="utf-8"?>
-<p:sld xmlns:a="http://schemas.openxmlformats.org/drawingml/2006/main" xmlns:r="http://schemas.openxmlformats.org/officeDocument/2006/relationships" xmlns:p="http://schemas.openxmlformats.org/presentationml/2006/main" showMasterSp="1" showMasterPhAnim="1">
+<p:sld xmlns:a="http://schemas.openxmlformats.org/drawingml/2006/main" xmlns:r="http://schemas.openxmlformats.org/officeDocument/2006/relationships" xmlns:p="http://schemas.openxmlformats.org/presentationml/2006/main">
   <p:cSld>
     <p:spTree>
       <p:nvGrpSpPr>
@@ -2911,8 +2787,10 @@
       </p:grpSpPr>
       <p:sp>
         <p:nvSpPr>
-          <p:cNvPr id="62" name="Shape 62"/>
-          <p:cNvSpPr/>
+          <p:cNvPr id="61" name="Shape 61"/>
+          <p:cNvSpPr>
+            <a:spLocks noGrp="1"/>
+          </p:cNvSpPr>
           <p:nvPr>
             <p:ph type="title"/>
           </p:nvPr>
@@ -2927,8 +2805,14 @@
           </a:prstGeom>
         </p:spPr>
         <p:txBody>
-          <a:bodyPr/>
-          <a:lstStyle/>
+          <a:bodyPr>
+            <a:normAutofit/>
+          </a:bodyPr>
+          <a:lstStyle>
+            <a:lvl1pPr defTabSz="531622">
+              <a:defRPr sz="7200"/>
+            </a:lvl1pPr>
+          </a:lstStyle>
           <a:p>
             <a:pPr lvl="0">
               <a:defRPr sz="1800">
@@ -2938,27 +2822,50 @@
               </a:defRPr>
             </a:pPr>
             <a:r>
-              <a:rPr sz="8000">
-                <a:solidFill>
-                  <a:srgbClr val="FFFFFF"/>
-                </a:solidFill>
-              </a:rPr>
-              <a:t>Test risolvibilità matrice</a:t>
-            </a:r>
+              <a:rPr lang="it-IT" sz="6000" dirty="0">
+                <a:solidFill>
+                  <a:schemeClr val="bg1"/>
+                </a:solidFill>
+              </a:rPr>
+              <a:t>V</a:t>
+            </a:r>
+            <a:r>
+              <a:rPr sz="6000" dirty="0" smtClean="0">
+                <a:solidFill>
+                  <a:srgbClr val="FFFFFF"/>
+                </a:solidFill>
+              </a:rPr>
+              <a:t>ittori</a:t>
+            </a:r>
+            <a:r>
+              <a:rPr lang="it-IT" sz="6000" dirty="0" smtClean="0">
+                <a:solidFill>
+                  <a:srgbClr val="FFFFFF"/>
+                </a:solidFill>
+              </a:rPr>
+              <a:t>a</a:t>
+            </a:r>
+            <a:endParaRPr sz="6000" dirty="0">
+              <a:solidFill>
+                <a:srgbClr val="FFFFFF"/>
+              </a:solidFill>
+            </a:endParaRPr>
           </a:p>
         </p:txBody>
       </p:sp>
       <p:sp>
         <p:nvSpPr>
-          <p:cNvPr id="63" name="Shape 63"/>
-          <p:cNvSpPr/>
+          <p:cNvPr id="62" name="Shape 62"/>
+          <p:cNvSpPr>
+            <a:spLocks noGrp="1"/>
+          </p:cNvSpPr>
           <p:nvPr>
             <p:ph type="body" idx="1"/>
           </p:nvPr>
         </p:nvSpPr>
         <p:spPr>
           <a:xfrm>
-            <a:off x="952500" y="2590800"/>
+            <a:off x="952500" y="1972159"/>
             <a:ext cx="11099800" cy="6286500"/>
           </a:xfrm>
           <a:prstGeom prst="rect">
@@ -2966,19 +2873,49 @@
           </a:prstGeom>
         </p:spPr>
         <p:txBody>
-          <a:bodyPr/>
-          <a:lstStyle>
-            <a:lvl1pPr marL="2037644" indent="-2037644">
-              <a:buClr>
+          <a:bodyPr>
+            <a:normAutofit/>
+          </a:bodyPr>
+          <a:lstStyle/>
+          <a:p>
+            <a:pPr marL="0" lvl="0" indent="0">
+              <a:buNone/>
+              <a:defRPr sz="1800">
+                <a:solidFill>
+                  <a:srgbClr val="000000"/>
+                </a:solidFill>
+              </a:defRPr>
+            </a:pPr>
+            <a:r>
+              <a:rPr lang="it-IT" sz="3800" dirty="0" smtClean="0">
+                <a:solidFill>
+                  <a:srgbClr val="FFFFFF"/>
+                </a:solidFill>
+              </a:rPr>
+              <a:t>Quando si verifica una </a:t>
+            </a:r>
+            <a:r>
+              <a:rPr lang="it-IT" sz="3600" dirty="0">
+                <a:solidFill>
+                  <a:schemeClr val="bg1"/>
+                </a:solidFill>
+              </a:rPr>
+              <a:t>vittoria vengono mostrati all’utente </a:t>
+            </a:r>
+            <a:r>
+              <a:rPr lang="it-IT" dirty="0"/>
+              <a:t>:</a:t>
+            </a:r>
+            <a:endParaRPr lang="it-IT" sz="3800" dirty="0" smtClean="0">
+              <a:solidFill>
                 <a:srgbClr val="FFFFFF"/>
-              </a:buClr>
-              <a:buBlip>
-                <a:blip r:embed="rId2"/>
-              </a:buBlip>
-            </a:lvl1pPr>
-          </a:lstStyle>
+              </a:solidFill>
+            </a:endParaRPr>
+          </a:p>
           <a:p>
             <a:pPr lvl="0">
+              <a:buFont typeface="Arial"/>
+              <a:buChar char="•"/>
               <a:defRPr sz="1800">
                 <a:solidFill>
                   <a:srgbClr val="000000"/>
@@ -2986,13 +2923,438 @@
               </a:defRPr>
             </a:pPr>
             <a:r>
-              <a:rPr sz="3800">
-                <a:solidFill>
-                  <a:srgbClr val="FFFFFF"/>
-                </a:solidFill>
-              </a:rPr>
-              <a:t>Non tutte le matrici sono risolvibili (formula matematica), se non è risolvibile viene generata una nuova partita</a:t>
-            </a:r>
+              <a:rPr lang="it-IT" sz="3800" dirty="0" smtClean="0">
+                <a:solidFill>
+                  <a:srgbClr val="FFFFFF"/>
+                </a:solidFill>
+              </a:rPr>
+              <a:t>i </a:t>
+            </a:r>
+            <a:r>
+              <a:rPr lang="it-IT" sz="3800" dirty="0" smtClean="0">
+                <a:solidFill>
+                  <a:srgbClr val="FFFFFF"/>
+                </a:solidFill>
+              </a:rPr>
+              <a:t>dettagli relativi alla partita appena </a:t>
+            </a:r>
+            <a:r>
+              <a:rPr lang="it-IT" sz="3800" dirty="0" smtClean="0">
+                <a:solidFill>
+                  <a:srgbClr val="FFFFFF"/>
+                </a:solidFill>
+              </a:rPr>
+              <a:t>conclusa</a:t>
+            </a:r>
+          </a:p>
+          <a:p>
+            <a:pPr lvl="0">
+              <a:buFont typeface="Arial"/>
+              <a:buChar char="•"/>
+              <a:defRPr sz="1800">
+                <a:solidFill>
+                  <a:srgbClr val="000000"/>
+                </a:solidFill>
+              </a:defRPr>
+            </a:pPr>
+            <a:r>
+              <a:rPr lang="it-IT" sz="3800" dirty="0" smtClean="0">
+                <a:solidFill>
+                  <a:srgbClr val="FFFFFF"/>
+                </a:solidFill>
+              </a:rPr>
+              <a:t>una animazione (ogni cella ruota di</a:t>
+            </a:r>
+            <a:r>
+              <a:rPr lang="it-IT" sz="3600" dirty="0" smtClean="0">
+                <a:solidFill>
+                  <a:schemeClr val="bg1"/>
+                </a:solidFill>
+              </a:rPr>
+              <a:t> </a:t>
+            </a:r>
+            <a:r>
+              <a:rPr lang="it-IT" sz="3600" dirty="0" smtClean="0">
+                <a:solidFill>
+                  <a:schemeClr val="bg1"/>
+                </a:solidFill>
+              </a:rPr>
+              <a:t>360 gradi e cambia il suo testo con uno dei caratteri di ‘Complimenti!!’)</a:t>
+            </a:r>
+            <a:endParaRPr lang="it-IT" sz="3600" dirty="0" smtClean="0">
+              <a:solidFill>
+                <a:schemeClr val="bg1"/>
+              </a:solidFill>
+            </a:endParaRPr>
+          </a:p>
+          <a:p>
+            <a:pPr marL="0" lvl="0" indent="0">
+              <a:buNone/>
+              <a:defRPr sz="1800">
+                <a:solidFill>
+                  <a:srgbClr val="000000"/>
+                </a:solidFill>
+              </a:defRPr>
+            </a:pPr>
+            <a:endParaRPr lang="it-IT" sz="3800" dirty="0" smtClean="0">
+              <a:solidFill>
+                <a:srgbClr val="FFFFFF"/>
+              </a:solidFill>
+            </a:endParaRPr>
+          </a:p>
+        </p:txBody>
+      </p:sp>
+      <p:sp>
+        <p:nvSpPr>
+          <p:cNvPr id="2" name="Rettangolo 1"/>
+          <p:cNvSpPr/>
+          <p:nvPr/>
+        </p:nvSpPr>
+        <p:spPr>
+          <a:xfrm>
+            <a:off x="2734139" y="7455307"/>
+            <a:ext cx="1587565" cy="1118255"/>
+          </a:xfrm>
+          <a:prstGeom prst="rect">
+            <a:avLst/>
+          </a:prstGeom>
+          <a:solidFill>
+            <a:srgbClr val="FFFFFF"/>
+          </a:solidFill>
+          <a:ln w="25400" cap="flat">
+            <a:solidFill>
+              <a:srgbClr val="0065C1"/>
+            </a:solidFill>
+            <a:prstDash val="solid"/>
+            <a:bevel/>
+          </a:ln>
+          <a:effectLst>
+            <a:outerShdw blurRad="76200" dir="18900000" rotWithShape="0">
+              <a:srgbClr val="000000">
+                <a:alpha val="80000"/>
+              </a:srgbClr>
+            </a:outerShdw>
+          </a:effectLst>
+        </p:spPr>
+        <p:style>
+          <a:lnRef idx="0">
+            <a:scrgbClr r="0" g="0" b="0"/>
+          </a:lnRef>
+          <a:fillRef idx="0">
+            <a:scrgbClr r="0" g="0" b="0"/>
+          </a:fillRef>
+          <a:effectRef idx="0">
+            <a:scrgbClr r="0" g="0" b="0"/>
+          </a:effectRef>
+          <a:fontRef idx="none"/>
+        </p:style>
+        <p:txBody>
+          <a:bodyPr rot="0" spcFirstLastPara="1" vertOverflow="overflow" horzOverflow="overflow" vert="horz" wrap="square" lIns="50800" tIns="50800" rIns="50800" bIns="50800" numCol="1" spcCol="38100" rtlCol="0" anchor="ctr">
+            <a:spAutoFit/>
+          </a:bodyPr>
+          <a:lstStyle/>
+          <a:p>
+            <a:pPr marL="0" marR="0" indent="0" algn="ctr" defTabSz="584200" rtl="0" fontAlgn="auto" latinLnBrk="1" hangingPunct="0">
+              <a:lnSpc>
+                <a:spcPct val="100000"/>
+              </a:lnSpc>
+              <a:spcBef>
+                <a:spcPts val="0"/>
+              </a:spcBef>
+              <a:spcAft>
+                <a:spcPts val="0"/>
+              </a:spcAft>
+              <a:buClrTx/>
+              <a:buSzTx/>
+              <a:buFontTx/>
+              <a:buNone/>
+              <a:tabLst/>
+            </a:pPr>
+            <a:r>
+              <a:rPr kumimoji="0" lang="it-IT" sz="6600" b="0" i="0" u="none" strike="noStrike" cap="none" spc="0" normalizeH="0" baseline="0" dirty="0" smtClean="0">
+                <a:ln>
+                  <a:noFill/>
+                </a:ln>
+                <a:solidFill>
+                  <a:srgbClr val="000000"/>
+                </a:solidFill>
+                <a:effectLst/>
+                <a:uFillTx/>
+                <a:latin typeface="+mj-lt"/>
+                <a:ea typeface="+mj-ea"/>
+                <a:cs typeface="+mj-cs"/>
+                <a:sym typeface="Helvetica Neue"/>
+              </a:rPr>
+              <a:t>1</a:t>
+            </a:r>
+            <a:endParaRPr kumimoji="0" lang="it-IT" sz="6600" b="0" i="0" u="none" strike="noStrike" cap="none" spc="0" normalizeH="0" baseline="0" dirty="0">
+              <a:ln>
+                <a:noFill/>
+              </a:ln>
+              <a:solidFill>
+                <a:srgbClr val="000000"/>
+              </a:solidFill>
+              <a:effectLst/>
+              <a:uFillTx/>
+              <a:latin typeface="+mj-lt"/>
+              <a:ea typeface="+mj-ea"/>
+              <a:cs typeface="+mj-cs"/>
+              <a:sym typeface="Helvetica Neue"/>
+            </a:endParaRPr>
+          </a:p>
+        </p:txBody>
+      </p:sp>
+      <p:sp>
+        <p:nvSpPr>
+          <p:cNvPr id="3" name="Freccia circolare in su 2"/>
+          <p:cNvSpPr/>
+          <p:nvPr/>
+        </p:nvSpPr>
+        <p:spPr>
+          <a:xfrm rot="19000378">
+            <a:off x="5380081" y="7538093"/>
+            <a:ext cx="1781600" cy="1058256"/>
+          </a:xfrm>
+          <a:prstGeom prst="curvedUpArrow">
+            <a:avLst/>
+          </a:prstGeom>
+          <a:solidFill>
+            <a:srgbClr val="FFFFFF"/>
+          </a:solidFill>
+          <a:ln w="25400" cap="flat">
+            <a:solidFill>
+              <a:srgbClr val="0065C1"/>
+            </a:solidFill>
+            <a:prstDash val="solid"/>
+            <a:bevel/>
+          </a:ln>
+          <a:effectLst>
+            <a:outerShdw blurRad="76200" dir="18900000" rotWithShape="0">
+              <a:srgbClr val="000000">
+                <a:alpha val="80000"/>
+              </a:srgbClr>
+            </a:outerShdw>
+          </a:effectLst>
+        </p:spPr>
+        <p:style>
+          <a:lnRef idx="0">
+            <a:scrgbClr r="0" g="0" b="0"/>
+          </a:lnRef>
+          <a:fillRef idx="0">
+            <a:scrgbClr r="0" g="0" b="0"/>
+          </a:fillRef>
+          <a:effectRef idx="0">
+            <a:scrgbClr r="0" g="0" b="0"/>
+          </a:effectRef>
+          <a:fontRef idx="none"/>
+        </p:style>
+        <p:txBody>
+          <a:bodyPr rot="0" spcFirstLastPara="1" vertOverflow="overflow" horzOverflow="overflow" vert="horz" wrap="square" lIns="50800" tIns="50800" rIns="50800" bIns="50800" numCol="1" spcCol="38100" rtlCol="0" anchor="ctr">
+            <a:spAutoFit/>
+          </a:bodyPr>
+          <a:lstStyle/>
+          <a:p>
+            <a:pPr marL="0" marR="0" indent="0" algn="ctr" defTabSz="584200" rtl="0" fontAlgn="auto" latinLnBrk="1" hangingPunct="0">
+              <a:lnSpc>
+                <a:spcPct val="100000"/>
+              </a:lnSpc>
+              <a:spcBef>
+                <a:spcPts val="0"/>
+              </a:spcBef>
+              <a:spcAft>
+                <a:spcPts val="0"/>
+              </a:spcAft>
+              <a:buClrTx/>
+              <a:buSzTx/>
+              <a:buFontTx/>
+              <a:buNone/>
+              <a:tabLst/>
+            </a:pPr>
+            <a:endParaRPr kumimoji="0" lang="it-IT" sz="3800" b="0" i="0" u="none" strike="noStrike" cap="none" spc="0" normalizeH="0" baseline="0">
+              <a:ln>
+                <a:noFill/>
+              </a:ln>
+              <a:solidFill>
+                <a:srgbClr val="000000"/>
+              </a:solidFill>
+              <a:effectLst/>
+              <a:uFillTx/>
+              <a:latin typeface="+mj-lt"/>
+              <a:ea typeface="+mj-ea"/>
+              <a:cs typeface="+mj-cs"/>
+              <a:sym typeface="Helvetica Neue"/>
+            </a:endParaRPr>
+          </a:p>
+        </p:txBody>
+      </p:sp>
+      <p:sp>
+        <p:nvSpPr>
+          <p:cNvPr id="6" name="Freccia circolare in su 5"/>
+          <p:cNvSpPr/>
+          <p:nvPr/>
+        </p:nvSpPr>
+        <p:spPr>
+          <a:xfrm rot="7386938">
+            <a:off x="4773978" y="6694345"/>
+            <a:ext cx="1781600" cy="1058256"/>
+          </a:xfrm>
+          <a:prstGeom prst="curvedUpArrow">
+            <a:avLst/>
+          </a:prstGeom>
+          <a:solidFill>
+            <a:srgbClr val="FFFFFF"/>
+          </a:solidFill>
+          <a:ln w="25400" cap="flat">
+            <a:solidFill>
+              <a:srgbClr val="0065C1"/>
+            </a:solidFill>
+            <a:prstDash val="solid"/>
+            <a:bevel/>
+          </a:ln>
+          <a:effectLst>
+            <a:outerShdw blurRad="76200" dir="18900000" rotWithShape="0">
+              <a:srgbClr val="000000">
+                <a:alpha val="80000"/>
+              </a:srgbClr>
+            </a:outerShdw>
+          </a:effectLst>
+        </p:spPr>
+        <p:style>
+          <a:lnRef idx="0">
+            <a:scrgbClr r="0" g="0" b="0"/>
+          </a:lnRef>
+          <a:fillRef idx="0">
+            <a:scrgbClr r="0" g="0" b="0"/>
+          </a:fillRef>
+          <a:effectRef idx="0">
+            <a:scrgbClr r="0" g="0" b="0"/>
+          </a:effectRef>
+          <a:fontRef idx="none"/>
+        </p:style>
+        <p:txBody>
+          <a:bodyPr rot="0" spcFirstLastPara="1" vertOverflow="overflow" horzOverflow="overflow" vert="horz" wrap="square" lIns="50800" tIns="50800" rIns="50800" bIns="50800" numCol="1" spcCol="38100" rtlCol="0" anchor="ctr">
+            <a:spAutoFit/>
+          </a:bodyPr>
+          <a:lstStyle/>
+          <a:p>
+            <a:pPr marL="0" marR="0" indent="0" algn="ctr" defTabSz="584200" rtl="0" fontAlgn="auto" latinLnBrk="1" hangingPunct="0">
+              <a:lnSpc>
+                <a:spcPct val="100000"/>
+              </a:lnSpc>
+              <a:spcBef>
+                <a:spcPts val="0"/>
+              </a:spcBef>
+              <a:spcAft>
+                <a:spcPts val="0"/>
+              </a:spcAft>
+              <a:buClrTx/>
+              <a:buSzTx/>
+              <a:buFontTx/>
+              <a:buNone/>
+              <a:tabLst/>
+            </a:pPr>
+            <a:endParaRPr kumimoji="0" lang="it-IT" sz="3800" b="0" i="0" u="none" strike="noStrike" cap="none" spc="0" normalizeH="0" baseline="0">
+              <a:ln>
+                <a:noFill/>
+              </a:ln>
+              <a:solidFill>
+                <a:srgbClr val="000000"/>
+              </a:solidFill>
+              <a:effectLst/>
+              <a:uFillTx/>
+              <a:latin typeface="+mj-lt"/>
+              <a:ea typeface="+mj-ea"/>
+              <a:cs typeface="+mj-cs"/>
+              <a:sym typeface="Helvetica Neue"/>
+            </a:endParaRPr>
+          </a:p>
+        </p:txBody>
+      </p:sp>
+      <p:sp>
+        <p:nvSpPr>
+          <p:cNvPr id="7" name="Rettangolo 6"/>
+          <p:cNvSpPr/>
+          <p:nvPr/>
+        </p:nvSpPr>
+        <p:spPr>
+          <a:xfrm>
+            <a:off x="7949106" y="7455307"/>
+            <a:ext cx="1587565" cy="1118255"/>
+          </a:xfrm>
+          <a:prstGeom prst="rect">
+            <a:avLst/>
+          </a:prstGeom>
+          <a:solidFill>
+            <a:schemeClr val="bg1"/>
+          </a:solidFill>
+          <a:ln w="25400" cap="flat">
+            <a:solidFill>
+              <a:srgbClr val="0065C1"/>
+            </a:solidFill>
+            <a:prstDash val="solid"/>
+            <a:bevel/>
+          </a:ln>
+          <a:effectLst>
+            <a:outerShdw blurRad="76200" dir="18900000" rotWithShape="0">
+              <a:srgbClr val="000000">
+                <a:alpha val="80000"/>
+              </a:srgbClr>
+            </a:outerShdw>
+          </a:effectLst>
+        </p:spPr>
+        <p:style>
+          <a:lnRef idx="0">
+            <a:scrgbClr r="0" g="0" b="0"/>
+          </a:lnRef>
+          <a:fillRef idx="0">
+            <a:scrgbClr r="0" g="0" b="0"/>
+          </a:fillRef>
+          <a:effectRef idx="0">
+            <a:scrgbClr r="0" g="0" b="0"/>
+          </a:effectRef>
+          <a:fontRef idx="none"/>
+        </p:style>
+        <p:txBody>
+          <a:bodyPr rot="0" spcFirstLastPara="1" vertOverflow="overflow" horzOverflow="overflow" vert="horz" wrap="square" lIns="50800" tIns="50800" rIns="50800" bIns="50800" numCol="1" spcCol="38100" rtlCol="0" anchor="ctr">
+            <a:spAutoFit/>
+          </a:bodyPr>
+          <a:lstStyle/>
+          <a:p>
+            <a:pPr marL="0" marR="0" indent="0" algn="ctr" defTabSz="584200" rtl="0" fontAlgn="auto" latinLnBrk="1" hangingPunct="0">
+              <a:lnSpc>
+                <a:spcPct val="100000"/>
+              </a:lnSpc>
+              <a:spcBef>
+                <a:spcPts val="0"/>
+              </a:spcBef>
+              <a:spcAft>
+                <a:spcPts val="0"/>
+              </a:spcAft>
+              <a:buClrTx/>
+              <a:buSzTx/>
+              <a:buFontTx/>
+              <a:buNone/>
+              <a:tabLst/>
+            </a:pPr>
+            <a:r>
+              <a:rPr lang="it-IT" sz="6600" dirty="0">
+                <a:solidFill>
+                  <a:srgbClr val="FF0000"/>
+                </a:solidFill>
+              </a:rPr>
+              <a:t>C</a:t>
+            </a:r>
+            <a:endParaRPr kumimoji="0" lang="it-IT" sz="6600" b="0" i="0" u="none" strike="noStrike" cap="none" spc="0" normalizeH="0" baseline="0" dirty="0">
+              <a:ln>
+                <a:noFill/>
+              </a:ln>
+              <a:solidFill>
+                <a:srgbClr val="FF0000"/>
+              </a:solidFill>
+              <a:effectLst/>
+              <a:uFillTx/>
+              <a:sym typeface="Helvetica Neue"/>
+            </a:endParaRPr>
           </a:p>
         </p:txBody>
       </p:sp>
@@ -3001,12 +3363,19 @@
   <p:clrMapOvr>
     <a:masterClrMapping/>
   </p:clrMapOvr>
-  <p:transition spd="med" advClick="1"/>
+  <p:transition xmlns:p14="http://schemas.microsoft.com/office/powerpoint/2010/main" spd="med"/>
+  <p:timing>
+    <p:tnLst>
+      <p:par>
+        <p:cTn xmlns:p14="http://schemas.microsoft.com/office/powerpoint/2010/main" id="1" dur="indefinite" restart="never" nodeType="tmRoot"/>
+      </p:par>
+    </p:tnLst>
+  </p:timing>
 </p:sld>
 </file>
 
 <file path=ppt/slides/slide12.xml><?xml version="1.0" encoding="utf-8"?>
-<p:sld xmlns:a="http://schemas.openxmlformats.org/drawingml/2006/main" xmlns:r="http://schemas.openxmlformats.org/officeDocument/2006/relationships" xmlns:p="http://schemas.openxmlformats.org/presentationml/2006/main" showMasterSp="1" showMasterPhAnim="1">
+<p:sld xmlns:a="http://schemas.openxmlformats.org/drawingml/2006/main" xmlns:r="http://schemas.openxmlformats.org/officeDocument/2006/relationships" xmlns:p="http://schemas.openxmlformats.org/presentationml/2006/main">
   <p:cSld>
     <p:spTree>
       <p:nvGrpSpPr>
@@ -3024,15 +3393,262 @@
       </p:grpSpPr>
       <p:sp>
         <p:nvSpPr>
-          <p:cNvPr id="65" name="Shape 65"/>
-          <p:cNvSpPr/>
+          <p:cNvPr id="2" name="Titolo 1"/>
+          <p:cNvSpPr>
+            <a:spLocks noGrp="1"/>
+          </p:cNvSpPr>
+          <p:nvPr>
+            <p:ph type="title"/>
+          </p:nvPr>
+        </p:nvSpPr>
+        <p:spPr/>
+        <p:txBody>
+          <a:bodyPr/>
+          <a:lstStyle/>
+          <a:p>
+            <a:r>
+              <a:rPr lang="it-IT" dirty="0" smtClean="0"/>
+              <a:t>Nuova partita</a:t>
+            </a:r>
+            <a:endParaRPr lang="it-IT" dirty="0"/>
+          </a:p>
+        </p:txBody>
+      </p:sp>
+      <p:sp>
+        <p:nvSpPr>
+          <p:cNvPr id="3" name="Segnaposto testo 2"/>
+          <p:cNvSpPr>
+            <a:spLocks noGrp="1"/>
+          </p:cNvSpPr>
+          <p:nvPr>
+            <p:ph type="body" idx="1"/>
+          </p:nvPr>
+        </p:nvSpPr>
+        <p:spPr/>
+        <p:txBody>
+          <a:bodyPr>
+            <a:normAutofit fontScale="77500" lnSpcReduction="20000"/>
+          </a:bodyPr>
+          <a:lstStyle/>
+          <a:p>
+            <a:pPr marL="0" lvl="0" indent="0">
+              <a:buNone/>
+              <a:defRPr sz="1800">
+                <a:solidFill>
+                  <a:srgbClr val="000000"/>
+                </a:solidFill>
+              </a:defRPr>
+            </a:pPr>
+            <a:endParaRPr lang="it-IT" sz="4000" dirty="0" smtClean="0">
+              <a:solidFill>
+                <a:schemeClr val="bg1"/>
+              </a:solidFill>
+            </a:endParaRPr>
+          </a:p>
+          <a:p>
+            <a:pPr marL="0" lvl="0" indent="0">
+              <a:buNone/>
+              <a:defRPr sz="1800">
+                <a:solidFill>
+                  <a:srgbClr val="000000"/>
+                </a:solidFill>
+              </a:defRPr>
+            </a:pPr>
+            <a:r>
+              <a:rPr lang="it-IT" sz="4000" dirty="0" smtClean="0">
+                <a:solidFill>
+                  <a:schemeClr val="bg1"/>
+                </a:solidFill>
+              </a:rPr>
+              <a:t>Se </a:t>
+            </a:r>
+            <a:r>
+              <a:rPr lang="it-IT" sz="4000" dirty="0">
+                <a:solidFill>
+                  <a:schemeClr val="bg1"/>
+                </a:solidFill>
+              </a:rPr>
+              <a:t>l’utente decide di iniziare una nuova partita vengono:</a:t>
+            </a:r>
+          </a:p>
+          <a:p>
+            <a:pPr lvl="0">
+              <a:buFont typeface="+mj-lt"/>
+              <a:buAutoNum type="arabicPeriod"/>
+              <a:defRPr sz="1800">
+                <a:solidFill>
+                  <a:srgbClr val="000000"/>
+                </a:solidFill>
+              </a:defRPr>
+            </a:pPr>
+            <a:r>
+              <a:rPr lang="it-IT" sz="4000" dirty="0" err="1">
+                <a:solidFill>
+                  <a:schemeClr val="bg1"/>
+                </a:solidFill>
+              </a:rPr>
+              <a:t>eleborata</a:t>
+            </a:r>
+            <a:r>
+              <a:rPr lang="it-IT" sz="4000" dirty="0">
+                <a:solidFill>
+                  <a:schemeClr val="bg1"/>
+                </a:solidFill>
+              </a:rPr>
+              <a:t> una nuova combinazione di celle</a:t>
+            </a:r>
+          </a:p>
+          <a:p>
+            <a:pPr lvl="0">
+              <a:buFont typeface="+mj-lt"/>
+              <a:buAutoNum type="arabicPeriod"/>
+              <a:defRPr sz="1800">
+                <a:solidFill>
+                  <a:srgbClr val="000000"/>
+                </a:solidFill>
+              </a:defRPr>
+            </a:pPr>
+            <a:r>
+              <a:rPr lang="it-IT" sz="4000" dirty="0" err="1">
+                <a:solidFill>
+                  <a:schemeClr val="bg1"/>
+                </a:solidFill>
+              </a:rPr>
+              <a:t>azzarato</a:t>
+            </a:r>
+            <a:r>
+              <a:rPr lang="it-IT" sz="4000" dirty="0">
+                <a:solidFill>
+                  <a:schemeClr val="bg1"/>
+                </a:solidFill>
+              </a:rPr>
+              <a:t> contatore di mosse</a:t>
+            </a:r>
+          </a:p>
+          <a:p>
+            <a:pPr lvl="0">
+              <a:buFont typeface="+mj-lt"/>
+              <a:buAutoNum type="arabicPeriod"/>
+              <a:defRPr sz="1800">
+                <a:solidFill>
+                  <a:srgbClr val="000000"/>
+                </a:solidFill>
+              </a:defRPr>
+            </a:pPr>
+            <a:r>
+              <a:rPr lang="it-IT" sz="4000" dirty="0">
+                <a:solidFill>
+                  <a:schemeClr val="bg1"/>
+                </a:solidFill>
+              </a:rPr>
+              <a:t>azzerato cronometro</a:t>
+            </a:r>
+          </a:p>
+          <a:p>
+            <a:pPr lvl="0">
+              <a:buFont typeface="+mj-lt"/>
+              <a:buAutoNum type="arabicPeriod"/>
+              <a:defRPr sz="1800">
+                <a:solidFill>
+                  <a:srgbClr val="000000"/>
+                </a:solidFill>
+              </a:defRPr>
+            </a:pPr>
+            <a:r>
+              <a:rPr lang="it-IT" sz="4000" dirty="0">
+                <a:solidFill>
+                  <a:schemeClr val="bg1"/>
+                </a:solidFill>
+              </a:rPr>
+              <a:t>richiesto nuovamente il nome del giocatore</a:t>
+            </a:r>
+            <a:endParaRPr lang="it-IT" dirty="0"/>
+          </a:p>
+          <a:p>
+            <a:pPr marL="0" lvl="0" indent="0">
+              <a:buNone/>
+              <a:defRPr sz="1800">
+                <a:solidFill>
+                  <a:srgbClr val="000000"/>
+                </a:solidFill>
+              </a:defRPr>
+            </a:pPr>
+            <a:r>
+              <a:rPr lang="it-IT" sz="3600" i="1" dirty="0">
+                <a:solidFill>
+                  <a:schemeClr val="bg1"/>
+                </a:solidFill>
+              </a:rPr>
+              <a:t>La vittoria viene controllata mediante il confronto fra il testo e gli ID di ogni cella</a:t>
+            </a:r>
+            <a:r>
+              <a:rPr lang="it-IT" sz="3600" dirty="0">
+                <a:solidFill>
+                  <a:schemeClr val="bg1"/>
+                </a:solidFill>
+              </a:rPr>
+              <a:t> </a:t>
+            </a:r>
+          </a:p>
+          <a:p>
+            <a:pPr marL="0" indent="0">
+              <a:buNone/>
+            </a:pPr>
+            <a:endParaRPr lang="it-IT" dirty="0"/>
+          </a:p>
+        </p:txBody>
+      </p:sp>
+    </p:spTree>
+    <p:extLst>
+      <p:ext uri="{BB962C8B-B14F-4D97-AF65-F5344CB8AC3E}">
+        <p14:creationId xmlns:p14="http://schemas.microsoft.com/office/powerpoint/2010/main" val="4002703962"/>
+      </p:ext>
+    </p:extLst>
+  </p:cSld>
+  <p:clrMapOvr>
+    <a:masterClrMapping/>
+  </p:clrMapOvr>
+  <p:transition xmlns:p14="http://schemas.microsoft.com/office/powerpoint/2010/main" spd="med"/>
+  <p:timing>
+    <p:tnLst>
+      <p:par>
+        <p:cTn xmlns:p14="http://schemas.microsoft.com/office/powerpoint/2010/main" id="1" dur="indefinite" restart="never" nodeType="tmRoot"/>
+      </p:par>
+    </p:tnLst>
+  </p:timing>
+</p:sld>
+</file>
+
+<file path=ppt/slides/slide13.xml><?xml version="1.0" encoding="utf-8"?>
+<p:sld xmlns:a="http://schemas.openxmlformats.org/drawingml/2006/main" xmlns:r="http://schemas.openxmlformats.org/officeDocument/2006/relationships" xmlns:p="http://schemas.openxmlformats.org/presentationml/2006/main">
+  <p:cSld>
+    <p:spTree>
+      <p:nvGrpSpPr>
+        <p:cNvPr id="1" name=""/>
+        <p:cNvGrpSpPr/>
+        <p:nvPr/>
+      </p:nvGrpSpPr>
+      <p:grpSpPr>
+        <a:xfrm>
+          <a:off x="0" y="0"/>
+          <a:ext cx="0" cy="0"/>
+          <a:chOff x="0" y="0"/>
+          <a:chExt cx="0" cy="0"/>
+        </a:xfrm>
+      </p:grpSpPr>
+      <p:sp>
+        <p:nvSpPr>
+          <p:cNvPr id="64" name="Shape 64"/>
+          <p:cNvSpPr>
+            <a:spLocks noGrp="1"/>
+          </p:cNvSpPr>
           <p:nvPr>
             <p:ph type="title"/>
           </p:nvPr>
         </p:nvSpPr>
         <p:spPr>
           <a:xfrm>
-            <a:off x="952500" y="4679950"/>
+            <a:off x="952500" y="406400"/>
             <a:ext cx="11099800" cy="2120900"/>
           </a:xfrm>
           <a:prstGeom prst="rect">
@@ -3043,7 +3659,7 @@
           <a:bodyPr/>
           <a:lstStyle/>
           <a:p>
-            <a:pPr lvl="0" defTabSz="484886">
+            <a:pPr lvl="0">
               <a:defRPr sz="1800">
                 <a:solidFill>
                   <a:srgbClr val="000000"/>
@@ -3051,17 +3667,47 @@
               </a:defRPr>
             </a:pPr>
             <a:r>
-              <a:rPr sz="6600">
-                <a:solidFill>
-                  <a:srgbClr val="FFFFFF"/>
-                </a:solidFill>
-              </a:rPr>
-              <a:t>Come abbiamo lavorato?</a:t>
-            </a:r>
-            <a:endParaRPr sz="6600"/>
-          </a:p>
-          <a:p>
-            <a:pPr lvl="0" defTabSz="484886">
+              <a:rPr sz="8000">
+                <a:solidFill>
+                  <a:srgbClr val="FFFFFF"/>
+                </a:solidFill>
+              </a:rPr>
+              <a:t>Test risolvibilità matrice</a:t>
+            </a:r>
+          </a:p>
+        </p:txBody>
+      </p:sp>
+      <p:sp>
+        <p:nvSpPr>
+          <p:cNvPr id="65" name="Shape 65"/>
+          <p:cNvSpPr>
+            <a:spLocks noGrp="1"/>
+          </p:cNvSpPr>
+          <p:nvPr>
+            <p:ph type="body" idx="1"/>
+          </p:nvPr>
+        </p:nvSpPr>
+        <p:spPr>
+          <a:xfrm>
+            <a:off x="952500" y="2590800"/>
+            <a:ext cx="11099800" cy="6286500"/>
+          </a:xfrm>
+          <a:prstGeom prst="rect">
+            <a:avLst/>
+          </a:prstGeom>
+        </p:spPr>
+        <p:txBody>
+          <a:bodyPr/>
+          <a:lstStyle>
+            <a:lvl1pPr marL="4301692" indent="-4301692">
+              <a:buBlip>
+                <a:blip r:embed="rId2"/>
+              </a:buBlip>
+            </a:lvl1pPr>
+          </a:lstStyle>
+          <a:p>
+            <a:pPr marL="0" lvl="0" indent="0">
+              <a:buNone/>
               <a:defRPr sz="1800">
                 <a:solidFill>
                   <a:srgbClr val="000000"/>
@@ -3069,13 +3715,99 @@
               </a:defRPr>
             </a:pPr>
             <a:r>
-              <a:rPr sz="6600">
-                <a:solidFill>
-                  <a:srgbClr val="FFFFFF"/>
-                </a:solidFill>
-              </a:rPr>
-              <a:t>parte 4</a:t>
-            </a:r>
+              <a:rPr sz="3800" dirty="0">
+                <a:solidFill>
+                  <a:srgbClr val="FFFFFF"/>
+                </a:solidFill>
+              </a:rPr>
+              <a:t>Non tutte le </a:t>
+            </a:r>
+            <a:r>
+              <a:rPr sz="3800" dirty="0" smtClean="0">
+                <a:solidFill>
+                  <a:srgbClr val="FFFFFF"/>
+                </a:solidFill>
+              </a:rPr>
+              <a:t>matrici</a:t>
+            </a:r>
+            <a:r>
+              <a:rPr lang="it-IT" sz="3800" dirty="0" smtClean="0">
+                <a:solidFill>
+                  <a:srgbClr val="FFFFFF"/>
+                </a:solidFill>
+              </a:rPr>
+              <a:t> generate casualmente</a:t>
+            </a:r>
+            <a:r>
+              <a:rPr sz="3800" dirty="0" smtClean="0">
+                <a:solidFill>
+                  <a:srgbClr val="FFFFFF"/>
+                </a:solidFill>
+              </a:rPr>
+              <a:t> </a:t>
+            </a:r>
+            <a:r>
+              <a:rPr sz="3800" dirty="0">
+                <a:solidFill>
+                  <a:srgbClr val="FFFFFF"/>
+                </a:solidFill>
+              </a:rPr>
+              <a:t>sono </a:t>
+            </a:r>
+            <a:r>
+              <a:rPr sz="3800" dirty="0" smtClean="0">
+                <a:solidFill>
+                  <a:srgbClr val="FFFFFF"/>
+                </a:solidFill>
+              </a:rPr>
+              <a:t>risolvibili</a:t>
+            </a:r>
+            <a:r>
+              <a:rPr lang="it-IT" sz="3800" dirty="0" smtClean="0">
+                <a:solidFill>
+                  <a:srgbClr val="FFFFFF"/>
+                </a:solidFill>
+              </a:rPr>
+              <a:t>, in quanto occorre che rispettino alcune formule matematiche.</a:t>
+            </a:r>
+          </a:p>
+          <a:p>
+            <a:pPr marL="0" lvl="0" indent="0">
+              <a:buNone/>
+              <a:defRPr sz="1800">
+                <a:solidFill>
+                  <a:srgbClr val="000000"/>
+                </a:solidFill>
+              </a:defRPr>
+            </a:pPr>
+            <a:endParaRPr lang="it-IT" sz="3800" dirty="0" smtClean="0">
+              <a:solidFill>
+                <a:srgbClr val="FFFFFF"/>
+              </a:solidFill>
+            </a:endParaRPr>
+          </a:p>
+          <a:p>
+            <a:pPr marL="0" lvl="0" indent="0">
+              <a:buNone/>
+              <a:defRPr sz="1800">
+                <a:solidFill>
+                  <a:srgbClr val="000000"/>
+                </a:solidFill>
+              </a:defRPr>
+            </a:pPr>
+            <a:r>
+              <a:rPr lang="it-IT" sz="3600" i="1" dirty="0" smtClean="0">
+                <a:solidFill>
+                  <a:schemeClr val="bg1"/>
+                </a:solidFill>
+              </a:rPr>
+              <a:t>Se la matrice creata risulta irrisolvibile, il programma ne genera una nuova.</a:t>
+            </a:r>
+            <a:endParaRPr sz="3600" i="1" dirty="0">
+              <a:solidFill>
+                <a:schemeClr val="bg1"/>
+              </a:solidFill>
+            </a:endParaRPr>
           </a:p>
         </p:txBody>
       </p:sp>
@@ -3084,97 +3816,19 @@
   <p:clrMapOvr>
     <a:masterClrMapping/>
   </p:clrMapOvr>
-  <p:transition spd="med" advClick="1"/>
+  <p:transition xmlns:p14="http://schemas.microsoft.com/office/powerpoint/2010/main" spd="med"/>
   <p:timing>
     <p:tnLst>
       <p:par>
-        <p:cTn id="1" nodeType="tmRoot" restart="never" dur="indefinite" fill="hold">
-          <p:childTnLst>
-            <p:seq concurrent="1" prevAc="none" nextAc="seek">
-              <p:cTn id="2" nodeType="mainSeq" dur="indefinite" fill="hold">
-                <p:childTnLst>
-                  <p:par>
-                    <p:cTn id="3" fill="hold">
-                      <p:stCondLst>
-                        <p:cond delay="indefinite"/>
-                      </p:stCondLst>
-                      <p:childTnLst>
-                        <p:par>
-                          <p:cTn id="4" fill="hold">
-                            <p:stCondLst>
-                              <p:cond delay="0"/>
-                            </p:stCondLst>
-                            <p:childTnLst>
-                              <p:par>
-                                <p:cTn id="5" nodeType="clickEffect" presetClass="entr" presetSubtype="0" presetID="10" grpId="1" fill="hold">
-                                  <p:stCondLst>
-                                    <p:cond delay="0"/>
-                                  </p:stCondLst>
-                                  <p:iterate type="el" backwards="0">
-                                    <p:tmAbs val="0"/>
-                                  </p:iterate>
-                                  <p:childTnLst>
-                                    <p:set>
-                                      <p:cBhvr>
-                                        <p:cTn id="6" fill="hold"/>
-                                        <p:tgtEl>
-                                          <p:spTgt spid="65"/>
-                                        </p:tgtEl>
-                                        <p:attrNameLst>
-                                          <p:attrName>style.visibility</p:attrName>
-                                        </p:attrNameLst>
-                                      </p:cBhvr>
-                                      <p:to>
-                                        <p:strVal val="visible"/>
-                                      </p:to>
-                                    </p:set>
-                                    <p:animEffect filter="fade" transition="in">
-                                      <p:cBhvr>
-                                        <p:cTn id="7" dur="1500"/>
-                                        <p:tgtEl>
-                                          <p:spTgt spid="65"/>
-                                        </p:tgtEl>
-                                      </p:cBhvr>
-                                    </p:animEffect>
-                                  </p:childTnLst>
-                                </p:cTn>
-                              </p:par>
-                            </p:childTnLst>
-                          </p:cTn>
-                        </p:par>
-                      </p:childTnLst>
-                    </p:cTn>
-                  </p:par>
-                </p:childTnLst>
-              </p:cTn>
-              <p:prevCondLst>
-                <p:cond evt="onPrev">
-                  <p:tgtEl>
-                    <p:sldTgt/>
-                  </p:tgtEl>
-                </p:cond>
-              </p:prevCondLst>
-              <p:nextCondLst>
-                <p:cond evt="onNext">
-                  <p:tgtEl>
-                    <p:sldTgt/>
-                  </p:tgtEl>
-                </p:cond>
-              </p:nextCondLst>
-            </p:seq>
-          </p:childTnLst>
-        </p:cTn>
+        <p:cTn xmlns:p14="http://schemas.microsoft.com/office/powerpoint/2010/main" id="1" dur="indefinite" restart="never" nodeType="tmRoot"/>
       </p:par>
     </p:tnLst>
-    <p:bldLst>
-      <p:bldP build="whole" bldLvl="1" animBg="1" rev="0" advAuto="0" spid="65" grpId="1"/>
-    </p:bldLst>
   </p:timing>
 </p:sld>
 </file>
 
-<file path=ppt/slides/slide13.xml><?xml version="1.0" encoding="utf-8"?>
-<p:sld xmlns:a="http://schemas.openxmlformats.org/drawingml/2006/main" xmlns:r="http://schemas.openxmlformats.org/officeDocument/2006/relationships" xmlns:p="http://schemas.openxmlformats.org/presentationml/2006/main" showMasterSp="1" showMasterPhAnim="1">
+<file path=ppt/slides/slide14.xml><?xml version="1.0" encoding="utf-8"?>
+<p:sld xmlns:a="http://schemas.openxmlformats.org/drawingml/2006/main" xmlns:r="http://schemas.openxmlformats.org/officeDocument/2006/relationships" xmlns:p="http://schemas.openxmlformats.org/presentationml/2006/main">
   <p:cSld>
     <p:spTree>
       <p:nvGrpSpPr>
@@ -3193,14 +3847,16 @@
       <p:sp>
         <p:nvSpPr>
           <p:cNvPr id="67" name="Shape 67"/>
-          <p:cNvSpPr/>
+          <p:cNvSpPr>
+            <a:spLocks noGrp="1"/>
+          </p:cNvSpPr>
           <p:nvPr>
             <p:ph type="title"/>
           </p:nvPr>
         </p:nvSpPr>
         <p:spPr>
           <a:xfrm>
-            <a:off x="952500" y="406400"/>
+            <a:off x="952500" y="3815707"/>
             <a:ext cx="11099800" cy="2120900"/>
           </a:xfrm>
           <a:prstGeom prst="rect">
@@ -3211,7 +3867,7 @@
           <a:bodyPr/>
           <a:lstStyle/>
           <a:p>
-            <a:pPr lvl="0">
+            <a:pPr lvl="0" defTabSz="484886">
               <a:defRPr sz="1800">
                 <a:solidFill>
                   <a:srgbClr val="000000"/>
@@ -3219,81 +3875,22 @@
               </a:defRPr>
             </a:pPr>
             <a:r>
-              <a:rPr sz="8000">
-                <a:solidFill>
-                  <a:srgbClr val="FFFFFF"/>
-                </a:solidFill>
-              </a:rPr>
-              <a:t>Lavoro di gruppo</a:t>
-            </a:r>
-          </a:p>
-        </p:txBody>
-      </p:sp>
-      <p:sp>
-        <p:nvSpPr>
-          <p:cNvPr id="68" name="Shape 68"/>
-          <p:cNvSpPr/>
-          <p:nvPr>
-            <p:ph type="body" idx="1"/>
-          </p:nvPr>
-        </p:nvSpPr>
-        <p:spPr>
-          <a:xfrm>
-            <a:off x="952500" y="2590800"/>
-            <a:ext cx="11099800" cy="6286500"/>
-          </a:xfrm>
-          <a:prstGeom prst="rect">
-            <a:avLst/>
-          </a:prstGeom>
-        </p:spPr>
-        <p:txBody>
-          <a:bodyPr/>
-          <a:lstStyle/>
-          <a:p>
-            <a:pPr lvl="0" marL="2037644" indent="-2037644">
-              <a:buClr>
-                <a:srgbClr val="FFFFFF"/>
-              </a:buClr>
-              <a:buBlip>
-                <a:blip r:embed="rId2"/>
-              </a:buBlip>
-              <a:defRPr sz="1800">
-                <a:solidFill>
-                  <a:srgbClr val="000000"/>
-                </a:solidFill>
-              </a:defRPr>
-            </a:pPr>
-            <a:r>
-              <a:rPr sz="3800">
-                <a:solidFill>
-                  <a:srgbClr val="FFFFFF"/>
-                </a:solidFill>
-              </a:rPr>
-              <a:t>Per condividere, aggiornare e scambiare materiale abbiamo fatto affidamento su GitHub</a:t>
-            </a:r>
-          </a:p>
-          <a:p>
-            <a:pPr lvl="0" marL="2037644" indent="-2037644">
-              <a:buClr>
-                <a:srgbClr val="FFFFFF"/>
-              </a:buClr>
-              <a:buBlip>
-                <a:blip r:embed="rId2"/>
-              </a:buBlip>
-              <a:defRPr sz="1800">
-                <a:solidFill>
-                  <a:srgbClr val="000000"/>
-                </a:solidFill>
-              </a:defRPr>
-            </a:pPr>
-            <a:r>
-              <a:rPr sz="3800">
-                <a:solidFill>
-                  <a:srgbClr val="FFFFFF"/>
-                </a:solidFill>
-              </a:rPr>
-              <a:t>Abbiamo seguito una tabella di marcia realizzando prima il codice HTML poi gli script e infine gli stili CSS.</a:t>
-            </a:r>
+              <a:rPr sz="6600" dirty="0">
+                <a:solidFill>
+                  <a:srgbClr val="FFFFFF"/>
+                </a:solidFill>
+              </a:rPr>
+              <a:t>Come abbiamo lavorato</a:t>
+            </a:r>
+            <a:r>
+              <a:rPr sz="6600" dirty="0" smtClean="0">
+                <a:solidFill>
+                  <a:srgbClr val="FFFFFF"/>
+                </a:solidFill>
+              </a:rPr>
+              <a:t>?</a:t>
+            </a:r>
+            <a:endParaRPr sz="6600" dirty="0"/>
           </a:p>
         </p:txBody>
       </p:sp>
@@ -3302,12 +3899,97 @@
   <p:clrMapOvr>
     <a:masterClrMapping/>
   </p:clrMapOvr>
-  <p:transition spd="med" advClick="1"/>
+  <p:transition xmlns:p14="http://schemas.microsoft.com/office/powerpoint/2010/main" spd="med"/>
+  <p:timing>
+    <p:tnLst>
+      <p:par>
+        <p:cTn xmlns:p14="http://schemas.microsoft.com/office/powerpoint/2010/main" id="1" dur="indefinite" restart="never" fill="hold" nodeType="tmRoot">
+          <p:childTnLst>
+            <p:seq concurrent="1" prevAc="none" nextAc="seek">
+              <p:cTn id="2" dur="indefinite" fill="hold" nodeType="mainSeq">
+                <p:childTnLst>
+                  <p:par>
+                    <p:cTn id="3" fill="hold">
+                      <p:stCondLst>
+                        <p:cond delay="indefinite"/>
+                      </p:stCondLst>
+                      <p:childTnLst>
+                        <p:par>
+                          <p:cTn id="4" fill="hold">
+                            <p:stCondLst>
+                              <p:cond delay="0"/>
+                            </p:stCondLst>
+                            <p:childTnLst>
+                              <p:par>
+                                <p:cTn id="5" presetID="10" presetClass="entr" presetSubtype="0" fill="hold" grpId="1" nodeType="clickEffect">
+                                  <p:stCondLst>
+                                    <p:cond delay="0"/>
+                                  </p:stCondLst>
+                                  <p:iterate>
+                                    <p:tmAbs val="0"/>
+                                  </p:iterate>
+                                  <p:childTnLst>
+                                    <p:set>
+                                      <p:cBhvr>
+                                        <p:cTn id="6" fill="hold"/>
+                                        <p:tgtEl>
+                                          <p:spTgt spid="67"/>
+                                        </p:tgtEl>
+                                        <p:attrNameLst>
+                                          <p:attrName>style.visibility</p:attrName>
+                                        </p:attrNameLst>
+                                      </p:cBhvr>
+                                      <p:to>
+                                        <p:strVal val="visible"/>
+                                      </p:to>
+                                    </p:set>
+                                    <p:animEffect transition="in" filter="fade">
+                                      <p:cBhvr>
+                                        <p:cTn id="7" dur="1500"/>
+                                        <p:tgtEl>
+                                          <p:spTgt spid="67"/>
+                                        </p:tgtEl>
+                                      </p:cBhvr>
+                                    </p:animEffect>
+                                  </p:childTnLst>
+                                </p:cTn>
+                              </p:par>
+                            </p:childTnLst>
+                          </p:cTn>
+                        </p:par>
+                      </p:childTnLst>
+                    </p:cTn>
+                  </p:par>
+                </p:childTnLst>
+              </p:cTn>
+              <p:prevCondLst>
+                <p:cond evt="onPrev" delay="0">
+                  <p:tgtEl>
+                    <p:sldTgt/>
+                  </p:tgtEl>
+                </p:cond>
+              </p:prevCondLst>
+              <p:nextCondLst>
+                <p:cond evt="onNext" delay="0">
+                  <p:tgtEl>
+                    <p:sldTgt/>
+                  </p:tgtEl>
+                </p:cond>
+              </p:nextCondLst>
+            </p:seq>
+          </p:childTnLst>
+        </p:cTn>
+      </p:par>
+    </p:tnLst>
+    <p:bldLst>
+      <p:bldP spid="67" grpId="1" animBg="1" advAuto="0"/>
+    </p:bldLst>
+  </p:timing>
 </p:sld>
 </file>
 
-<file path=ppt/slides/slide14.xml><?xml version="1.0" encoding="utf-8"?>
-<p:sld xmlns:a="http://schemas.openxmlformats.org/drawingml/2006/main" xmlns:r="http://schemas.openxmlformats.org/officeDocument/2006/relationships" xmlns:p="http://schemas.openxmlformats.org/presentationml/2006/main" showMasterSp="1" showMasterPhAnim="1">
+<file path=ppt/slides/slide15.xml><?xml version="1.0" encoding="utf-8"?>
+<p:sld xmlns:a="http://schemas.openxmlformats.org/drawingml/2006/main" xmlns:r="http://schemas.openxmlformats.org/officeDocument/2006/relationships" xmlns:p="http://schemas.openxmlformats.org/presentationml/2006/main">
   <p:cSld>
     <p:spTree>
       <p:nvGrpSpPr>
@@ -3325,8 +4007,10 @@
       </p:grpSpPr>
       <p:sp>
         <p:nvSpPr>
-          <p:cNvPr id="70" name="Shape 70"/>
-          <p:cNvSpPr/>
+          <p:cNvPr id="69" name="Shape 69"/>
+          <p:cNvSpPr>
+            <a:spLocks noGrp="1"/>
+          </p:cNvSpPr>
           <p:nvPr>
             <p:ph type="title"/>
           </p:nvPr>
@@ -3357,15 +4041,17 @@
                   <a:srgbClr val="FFFFFF"/>
                 </a:solidFill>
               </a:rPr>
-              <a:t>Ruoli nel gruppo</a:t>
+              <a:t>Lavoro di gruppo</a:t>
             </a:r>
           </a:p>
         </p:txBody>
       </p:sp>
       <p:sp>
         <p:nvSpPr>
-          <p:cNvPr id="71" name="Shape 71"/>
-          <p:cNvSpPr/>
+          <p:cNvPr id="70" name="Shape 70"/>
+          <p:cNvSpPr>
+            <a:spLocks noGrp="1"/>
+          </p:cNvSpPr>
           <p:nvPr>
             <p:ph type="body" idx="1"/>
           </p:nvPr>
@@ -3383,8 +4069,7 @@
           <a:bodyPr/>
           <a:lstStyle/>
           <a:p>
-            <a:pPr lvl="0" marL="0" indent="0">
-              <a:buSzTx/>
+            <a:pPr marL="0" lvl="0" indent="0">
               <a:buNone/>
               <a:defRPr sz="1800">
                 <a:solidFill>
@@ -3393,25 +4078,105 @@
               </a:defRPr>
             </a:pPr>
             <a:r>
-              <a:rPr sz="3800">
-                <a:solidFill>
-                  <a:srgbClr val="FFFFFF"/>
-                </a:solidFill>
-              </a:rPr>
-              <a:t>2 sotto-team</a:t>
-            </a:r>
-          </a:p>
-          <a:p>
-            <a:pPr lvl="1" marL="2494844" indent="-2037644">
-              <a:spcBef>
-                <a:spcPts val="600"/>
-              </a:spcBef>
-              <a:buClr>
-                <a:srgbClr val="FFFFFF"/>
-              </a:buClr>
-              <a:buBlip>
-                <a:blip r:embed="rId2"/>
-              </a:buBlip>
+              <a:rPr sz="3800" dirty="0" smtClean="0">
+                <a:solidFill>
+                  <a:srgbClr val="FFFFFF"/>
+                </a:solidFill>
+              </a:rPr>
+              <a:t>Per</a:t>
+            </a:r>
+            <a:r>
+              <a:rPr lang="it-IT" sz="3800" dirty="0" smtClean="0">
+                <a:solidFill>
+                  <a:srgbClr val="FFFFFF"/>
+                </a:solidFill>
+              </a:rPr>
+              <a:t> la</a:t>
+            </a:r>
+            <a:r>
+              <a:rPr sz="3800" dirty="0" smtClean="0">
+                <a:solidFill>
+                  <a:srgbClr val="FFFFFF"/>
+                </a:solidFill>
+              </a:rPr>
+              <a:t> cond</a:t>
+            </a:r>
+            <a:r>
+              <a:rPr lang="it-IT" sz="3800" dirty="0" err="1" smtClean="0">
+                <a:solidFill>
+                  <a:srgbClr val="FFFFFF"/>
+                </a:solidFill>
+              </a:rPr>
+              <a:t>ivisione</a:t>
+            </a:r>
+            <a:r>
+              <a:rPr sz="3800" dirty="0" smtClean="0">
+                <a:solidFill>
+                  <a:srgbClr val="FFFFFF"/>
+                </a:solidFill>
+              </a:rPr>
+              <a:t>, </a:t>
+            </a:r>
+            <a:r>
+              <a:rPr lang="it-IT" sz="3800" dirty="0" smtClean="0">
+                <a:solidFill>
+                  <a:srgbClr val="FFFFFF"/>
+                </a:solidFill>
+              </a:rPr>
+              <a:t>l’aggiornamento </a:t>
+            </a:r>
+            <a:r>
+              <a:rPr sz="3800" dirty="0" smtClean="0">
+                <a:solidFill>
+                  <a:srgbClr val="FFFFFF"/>
+                </a:solidFill>
+              </a:rPr>
+              <a:t>e </a:t>
+            </a:r>
+            <a:r>
+              <a:rPr lang="it-IT" sz="3800" dirty="0" smtClean="0">
+                <a:solidFill>
+                  <a:srgbClr val="FFFFFF"/>
+                </a:solidFill>
+              </a:rPr>
+              <a:t> lo </a:t>
+            </a:r>
+            <a:r>
+              <a:rPr sz="3800" dirty="0" smtClean="0">
+                <a:solidFill>
+                  <a:srgbClr val="FFFFFF"/>
+                </a:solidFill>
+              </a:rPr>
+              <a:t>scambi</a:t>
+            </a:r>
+            <a:r>
+              <a:rPr lang="it-IT" sz="3800" dirty="0" smtClean="0">
+                <a:solidFill>
+                  <a:srgbClr val="FFFFFF"/>
+                </a:solidFill>
+              </a:rPr>
+              <a:t>o del</a:t>
+            </a:r>
+            <a:r>
+              <a:rPr sz="3800" dirty="0" smtClean="0">
+                <a:solidFill>
+                  <a:srgbClr val="FFFFFF"/>
+                </a:solidFill>
+              </a:rPr>
+              <a:t> </a:t>
+            </a:r>
+            <a:r>
+              <a:rPr sz="3800" dirty="0">
+                <a:solidFill>
+                  <a:srgbClr val="FFFFFF"/>
+                </a:solidFill>
+              </a:rPr>
+              <a:t>materiale abbiamo fatto affidamento su GitHub</a:t>
+            </a:r>
+          </a:p>
+          <a:p>
+            <a:pPr marL="0" lvl="0" indent="0">
+              <a:buNone/>
               <a:defRPr sz="1800">
                 <a:solidFill>
                   <a:srgbClr val="000000"/>
@@ -3419,53 +4184,94 @@
               </a:defRPr>
             </a:pPr>
             <a:r>
-              <a:rPr sz="3800">
-                <a:solidFill>
-                  <a:srgbClr val="FFFFFF"/>
-                </a:solidFill>
-              </a:rPr>
-              <a:t>Genta e Massimino: sviluppo codice, implementazione grafica e documentazione.</a:t>
-            </a:r>
-          </a:p>
-          <a:p>
-            <a:pPr lvl="1" marL="2494844" indent="-2037644">
-              <a:spcBef>
-                <a:spcPts val="600"/>
-              </a:spcBef>
-              <a:buClr>
-                <a:srgbClr val="FFFFFF"/>
-              </a:buClr>
-              <a:buBlip>
-                <a:blip r:embed="rId2"/>
-              </a:buBlip>
-              <a:defRPr sz="1800">
-                <a:solidFill>
-                  <a:srgbClr val="000000"/>
-                </a:solidFill>
-              </a:defRPr>
-            </a:pPr>
-            <a:r>
-              <a:rPr sz="3800">
-                <a:solidFill>
-                  <a:srgbClr val="FFFFFF"/>
-                </a:solidFill>
-              </a:rPr>
-              <a:t>Levrone e Nikolov: debugger e ottimizzazione codice e stili.</a:t>
+              <a:rPr sz="3800" dirty="0">
+                <a:solidFill>
+                  <a:srgbClr val="FFFFFF"/>
+                </a:solidFill>
+              </a:rPr>
+              <a:t>Abbiamo seguito una tabella di marcia realizzando prima il codice HTML poi gli script e infine gli stili CSS.</a:t>
             </a:r>
           </a:p>
         </p:txBody>
       </p:sp>
+      <p:pic>
+        <p:nvPicPr>
+          <p:cNvPr id="2" name="Immagine 1" descr="GitHub_logo.png"/>
+          <p:cNvPicPr>
+            <a:picLocks noChangeAspect="1"/>
+          </p:cNvPicPr>
+          <p:nvPr/>
+        </p:nvPicPr>
+        <p:blipFill>
+          <a:blip r:embed="rId2">
+            <a:extLst>
+              <a:ext uri="{28A0092B-C50C-407E-A947-70E740481C1C}">
+                <a14:useLocalDpi xmlns:a14="http://schemas.microsoft.com/office/drawing/2010/main" val="0"/>
+              </a:ext>
+            </a:extLst>
+          </a:blip>
+          <a:stretch>
+            <a:fillRect/>
+          </a:stretch>
+        </p:blipFill>
+        <p:spPr>
+          <a:xfrm>
+            <a:off x="1922717" y="7760550"/>
+            <a:ext cx="2197625" cy="972449"/>
+          </a:xfrm>
+          <a:prstGeom prst="rect">
+            <a:avLst/>
+          </a:prstGeom>
+        </p:spPr>
+      </p:pic>
+      <p:pic>
+        <p:nvPicPr>
+          <p:cNvPr id="4" name="Immagine 3" descr="google_hangouts.png"/>
+          <p:cNvPicPr>
+            <a:picLocks noChangeAspect="1"/>
+          </p:cNvPicPr>
+          <p:nvPr/>
+        </p:nvPicPr>
+        <p:blipFill>
+          <a:blip r:embed="rId3">
+            <a:extLst>
+              <a:ext uri="{28A0092B-C50C-407E-A947-70E740481C1C}">
+                <a14:useLocalDpi xmlns:a14="http://schemas.microsoft.com/office/drawing/2010/main" val="0"/>
+              </a:ext>
+            </a:extLst>
+          </a:blip>
+          <a:stretch>
+            <a:fillRect/>
+          </a:stretch>
+        </p:blipFill>
+        <p:spPr>
+          <a:xfrm>
+            <a:off x="8027592" y="7497214"/>
+            <a:ext cx="3610840" cy="1503549"/>
+          </a:xfrm>
+          <a:prstGeom prst="rect">
+            <a:avLst/>
+          </a:prstGeom>
+        </p:spPr>
+      </p:pic>
     </p:spTree>
   </p:cSld>
   <p:clrMapOvr>
     <a:masterClrMapping/>
   </p:clrMapOvr>
-  <p:transition spd="med" advClick="1"/>
+  <p:transition xmlns:p14="http://schemas.microsoft.com/office/powerpoint/2010/main" spd="med"/>
+  <p:timing>
+    <p:tnLst>
+      <p:par>
+        <p:cTn xmlns:p14="http://schemas.microsoft.com/office/powerpoint/2010/main" id="1" dur="indefinite" restart="never" nodeType="tmRoot"/>
+      </p:par>
+    </p:tnLst>
+  </p:timing>
 </p:sld>
 </file>
 
-<file path=ppt/slides/slide15.xml><?xml version="1.0" encoding="utf-8"?>
-<p:sld xmlns:a="http://schemas.openxmlformats.org/drawingml/2006/main" xmlns:r="http://schemas.openxmlformats.org/officeDocument/2006/relationships" xmlns:p="http://schemas.openxmlformats.org/presentationml/2006/main" showMasterSp="1" showMasterPhAnim="1">
+<file path=ppt/slides/slide16.xml><?xml version="1.0" encoding="utf-8"?>
+<p:sld xmlns:a="http://schemas.openxmlformats.org/drawingml/2006/main" xmlns:r="http://schemas.openxmlformats.org/officeDocument/2006/relationships" xmlns:p="http://schemas.openxmlformats.org/presentationml/2006/main">
   <p:cSld>
     <p:spTree>
       <p:nvGrpSpPr>
@@ -3483,15 +4289,17 @@
       </p:grpSpPr>
       <p:sp>
         <p:nvSpPr>
-          <p:cNvPr id="73" name="Shape 73"/>
-          <p:cNvSpPr/>
+          <p:cNvPr id="72" name="Shape 72"/>
+          <p:cNvSpPr>
+            <a:spLocks noGrp="1"/>
+          </p:cNvSpPr>
           <p:nvPr>
             <p:ph type="title"/>
           </p:nvPr>
         </p:nvSpPr>
         <p:spPr>
           <a:xfrm>
-            <a:off x="952500" y="4679950"/>
+            <a:off x="952500" y="406400"/>
             <a:ext cx="11099800" cy="2120900"/>
           </a:xfrm>
           <a:prstGeom prst="rect">
@@ -3515,6 +4323,392 @@
                   <a:srgbClr val="FFFFFF"/>
                 </a:solidFill>
               </a:rPr>
+              <a:t>Ruoli nel gruppo</a:t>
+            </a:r>
+          </a:p>
+        </p:txBody>
+      </p:sp>
+      <p:sp>
+        <p:nvSpPr>
+          <p:cNvPr id="73" name="Shape 73"/>
+          <p:cNvSpPr>
+            <a:spLocks noGrp="1"/>
+          </p:cNvSpPr>
+          <p:nvPr>
+            <p:ph type="body" idx="1"/>
+          </p:nvPr>
+        </p:nvSpPr>
+        <p:spPr>
+          <a:xfrm>
+            <a:off x="952500" y="2590800"/>
+            <a:ext cx="11099800" cy="6286500"/>
+          </a:xfrm>
+          <a:prstGeom prst="rect">
+            <a:avLst/>
+          </a:prstGeom>
+        </p:spPr>
+        <p:txBody>
+          <a:bodyPr/>
+          <a:lstStyle/>
+          <a:p>
+            <a:pPr marL="457200" lvl="1" indent="0">
+              <a:spcBef>
+                <a:spcPts val="600"/>
+              </a:spcBef>
+              <a:buNone/>
+              <a:defRPr sz="1800">
+                <a:solidFill>
+                  <a:srgbClr val="000000"/>
+                </a:solidFill>
+              </a:defRPr>
+            </a:pPr>
+            <a:r>
+              <a:rPr sz="3800" dirty="0" smtClean="0">
+                <a:solidFill>
+                  <a:srgbClr val="FFFFFF"/>
+                </a:solidFill>
+              </a:rPr>
+              <a:t>Genta </a:t>
+            </a:r>
+            <a:r>
+              <a:rPr sz="3800" dirty="0">
+                <a:solidFill>
+                  <a:srgbClr val="FFFFFF"/>
+                </a:solidFill>
+              </a:rPr>
+              <a:t>e Massimino: </a:t>
+            </a:r>
+            <a:endParaRPr lang="it-IT" sz="3800" dirty="0" smtClean="0">
+              <a:solidFill>
+                <a:srgbClr val="FFFFFF"/>
+              </a:solidFill>
+            </a:endParaRPr>
+          </a:p>
+          <a:p>
+            <a:pPr lvl="1">
+              <a:spcBef>
+                <a:spcPts val="600"/>
+              </a:spcBef>
+              <a:buFont typeface="Arial"/>
+              <a:buChar char="•"/>
+              <a:defRPr sz="1800">
+                <a:solidFill>
+                  <a:srgbClr val="000000"/>
+                </a:solidFill>
+              </a:defRPr>
+            </a:pPr>
+            <a:r>
+              <a:rPr sz="3800" dirty="0" smtClean="0">
+                <a:solidFill>
+                  <a:srgbClr val="FFFFFF"/>
+                </a:solidFill>
+              </a:rPr>
+              <a:t>sviluppo codice</a:t>
+            </a:r>
+            <a:endParaRPr lang="it-IT" sz="3800" dirty="0" smtClean="0">
+              <a:solidFill>
+                <a:srgbClr val="FFFFFF"/>
+              </a:solidFill>
+            </a:endParaRPr>
+          </a:p>
+          <a:p>
+            <a:pPr lvl="1">
+              <a:spcBef>
+                <a:spcPts val="600"/>
+              </a:spcBef>
+              <a:buFont typeface="Arial"/>
+              <a:buChar char="•"/>
+              <a:defRPr sz="1800">
+                <a:solidFill>
+                  <a:srgbClr val="000000"/>
+                </a:solidFill>
+              </a:defRPr>
+            </a:pPr>
+            <a:r>
+              <a:rPr sz="3800" dirty="0" smtClean="0">
+                <a:solidFill>
+                  <a:srgbClr val="FFFFFF"/>
+                </a:solidFill>
+              </a:rPr>
+              <a:t> </a:t>
+            </a:r>
+            <a:r>
+              <a:rPr sz="3800" dirty="0">
+                <a:solidFill>
+                  <a:srgbClr val="FFFFFF"/>
+                </a:solidFill>
+              </a:rPr>
+              <a:t>implementazione </a:t>
+            </a:r>
+            <a:r>
+              <a:rPr sz="3800" dirty="0" smtClean="0">
+                <a:solidFill>
+                  <a:srgbClr val="FFFFFF"/>
+                </a:solidFill>
+              </a:rPr>
+              <a:t>grafica</a:t>
+            </a:r>
+            <a:endParaRPr lang="it-IT" sz="3800" dirty="0" smtClean="0">
+              <a:solidFill>
+                <a:srgbClr val="FFFFFF"/>
+              </a:solidFill>
+            </a:endParaRPr>
+          </a:p>
+          <a:p>
+            <a:pPr lvl="1">
+              <a:spcBef>
+                <a:spcPts val="600"/>
+              </a:spcBef>
+              <a:buFont typeface="Arial"/>
+              <a:buChar char="•"/>
+              <a:defRPr sz="1800">
+                <a:solidFill>
+                  <a:srgbClr val="000000"/>
+                </a:solidFill>
+              </a:defRPr>
+            </a:pPr>
+            <a:r>
+              <a:rPr sz="3800" dirty="0" smtClean="0">
+                <a:solidFill>
+                  <a:srgbClr val="FFFFFF"/>
+                </a:solidFill>
+              </a:rPr>
+              <a:t> documentazione</a:t>
+            </a:r>
+            <a:endParaRPr lang="it-IT" dirty="0"/>
+          </a:p>
+          <a:p>
+            <a:pPr marL="457200" lvl="1" indent="0">
+              <a:spcBef>
+                <a:spcPts val="600"/>
+              </a:spcBef>
+              <a:buNone/>
+              <a:defRPr sz="1800">
+                <a:solidFill>
+                  <a:srgbClr val="000000"/>
+                </a:solidFill>
+              </a:defRPr>
+            </a:pPr>
+            <a:endParaRPr sz="3800" dirty="0">
+              <a:solidFill>
+                <a:srgbClr val="FFFFFF"/>
+              </a:solidFill>
+            </a:endParaRPr>
+          </a:p>
+          <a:p>
+            <a:pPr marL="457200" lvl="1" indent="0">
+              <a:spcBef>
+                <a:spcPts val="600"/>
+              </a:spcBef>
+              <a:buNone/>
+              <a:defRPr sz="1800">
+                <a:solidFill>
+                  <a:srgbClr val="000000"/>
+                </a:solidFill>
+              </a:defRPr>
+            </a:pPr>
+            <a:r>
+              <a:rPr sz="3800" dirty="0">
+                <a:solidFill>
+                  <a:srgbClr val="FFFFFF"/>
+                </a:solidFill>
+              </a:rPr>
+              <a:t>Levrone e Nikolov: </a:t>
+            </a:r>
+            <a:endParaRPr lang="it-IT" sz="3800" dirty="0" smtClean="0">
+              <a:solidFill>
+                <a:srgbClr val="FFFFFF"/>
+              </a:solidFill>
+            </a:endParaRPr>
+          </a:p>
+          <a:p>
+            <a:pPr lvl="1">
+              <a:spcBef>
+                <a:spcPts val="600"/>
+              </a:spcBef>
+              <a:buFont typeface="Arial"/>
+              <a:buChar char="•"/>
+              <a:defRPr sz="1800">
+                <a:solidFill>
+                  <a:srgbClr val="000000"/>
+                </a:solidFill>
+              </a:defRPr>
+            </a:pPr>
+            <a:r>
+              <a:rPr lang="it-IT" sz="3800" dirty="0" smtClean="0">
+                <a:solidFill>
+                  <a:srgbClr val="FFFFFF"/>
+                </a:solidFill>
+              </a:rPr>
+              <a:t>D</a:t>
+            </a:r>
+            <a:r>
+              <a:rPr sz="3800" dirty="0" smtClean="0">
+                <a:solidFill>
+                  <a:srgbClr val="FFFFFF"/>
+                </a:solidFill>
+              </a:rPr>
+              <a:t>ebugger </a:t>
+            </a:r>
+            <a:endParaRPr lang="it-IT" sz="3800" dirty="0" smtClean="0">
+              <a:solidFill>
+                <a:srgbClr val="FFFFFF"/>
+              </a:solidFill>
+            </a:endParaRPr>
+          </a:p>
+          <a:p>
+            <a:pPr lvl="1">
+              <a:spcBef>
+                <a:spcPts val="600"/>
+              </a:spcBef>
+              <a:buFont typeface="Arial"/>
+              <a:buChar char="•"/>
+              <a:defRPr sz="1800">
+                <a:solidFill>
+                  <a:srgbClr val="000000"/>
+                </a:solidFill>
+              </a:defRPr>
+            </a:pPr>
+            <a:r>
+              <a:rPr sz="3800" dirty="0" smtClean="0">
+                <a:solidFill>
+                  <a:srgbClr val="FFFFFF"/>
+                </a:solidFill>
+              </a:rPr>
+              <a:t>ottimizzazione </a:t>
+            </a:r>
+            <a:r>
+              <a:rPr sz="3800" dirty="0">
+                <a:solidFill>
+                  <a:srgbClr val="FFFFFF"/>
+                </a:solidFill>
+              </a:rPr>
+              <a:t>codice e </a:t>
+            </a:r>
+            <a:r>
+              <a:rPr sz="3800" dirty="0" smtClean="0">
+                <a:solidFill>
+                  <a:srgbClr val="FFFFFF"/>
+                </a:solidFill>
+              </a:rPr>
+              <a:t>stili</a:t>
+            </a:r>
+            <a:endParaRPr sz="3800" dirty="0">
+              <a:solidFill>
+                <a:srgbClr val="FFFFFF"/>
+              </a:solidFill>
+            </a:endParaRPr>
+          </a:p>
+        </p:txBody>
+      </p:sp>
+      <p:pic>
+        <p:nvPicPr>
+          <p:cNvPr id="2" name="Immagine 1" descr="ppp_prd_060_3d_people-teamwork.png"/>
+          <p:cNvPicPr>
+            <a:picLocks noChangeAspect="1"/>
+          </p:cNvPicPr>
+          <p:nvPr/>
+        </p:nvPicPr>
+        <p:blipFill>
+          <a:blip r:embed="rId2">
+            <a:extLst>
+              <a:ext uri="{BEBA8EAE-BF5A-486C-A8C5-ECC9F3942E4B}">
+                <a14:imgProps xmlns:a14="http://schemas.microsoft.com/office/drawing/2010/main">
+                  <a14:imgLayer r:embed="rId3">
+                    <a14:imgEffect>
+                      <a14:saturation sat="0"/>
+                    </a14:imgEffect>
+                  </a14:imgLayer>
+                </a14:imgProps>
+              </a:ext>
+              <a:ext uri="{28A0092B-C50C-407E-A947-70E740481C1C}">
+                <a14:useLocalDpi xmlns:a14="http://schemas.microsoft.com/office/drawing/2010/main" val="0"/>
+              </a:ext>
+            </a:extLst>
+          </a:blip>
+          <a:stretch>
+            <a:fillRect/>
+          </a:stretch>
+        </p:blipFill>
+        <p:spPr>
+          <a:xfrm>
+            <a:off x="7560588" y="4321215"/>
+            <a:ext cx="4491712" cy="3368784"/>
+          </a:xfrm>
+          <a:prstGeom prst="rect">
+            <a:avLst/>
+          </a:prstGeom>
+        </p:spPr>
+      </p:pic>
+    </p:spTree>
+  </p:cSld>
+  <p:clrMapOvr>
+    <a:masterClrMapping/>
+  </p:clrMapOvr>
+  <p:transition xmlns:p14="http://schemas.microsoft.com/office/powerpoint/2010/main" spd="med"/>
+  <p:timing>
+    <p:tnLst>
+      <p:par>
+        <p:cTn xmlns:p14="http://schemas.microsoft.com/office/powerpoint/2010/main" id="1" dur="indefinite" restart="never" nodeType="tmRoot"/>
+      </p:par>
+    </p:tnLst>
+  </p:timing>
+</p:sld>
+</file>
+
+<file path=ppt/slides/slide17.xml><?xml version="1.0" encoding="utf-8"?>
+<p:sld xmlns:a="http://schemas.openxmlformats.org/drawingml/2006/main" xmlns:r="http://schemas.openxmlformats.org/officeDocument/2006/relationships" xmlns:p="http://schemas.openxmlformats.org/presentationml/2006/main">
+  <p:cSld>
+    <p:spTree>
+      <p:nvGrpSpPr>
+        <p:cNvPr id="1" name=""/>
+        <p:cNvGrpSpPr/>
+        <p:nvPr/>
+      </p:nvGrpSpPr>
+      <p:grpSpPr>
+        <a:xfrm>
+          <a:off x="0" y="0"/>
+          <a:ext cx="0" cy="0"/>
+          <a:chOff x="0" y="0"/>
+          <a:chExt cx="0" cy="0"/>
+        </a:xfrm>
+      </p:grpSpPr>
+      <p:sp>
+        <p:nvSpPr>
+          <p:cNvPr id="75" name="Shape 75"/>
+          <p:cNvSpPr>
+            <a:spLocks noGrp="1"/>
+          </p:cNvSpPr>
+          <p:nvPr>
+            <p:ph type="title"/>
+          </p:nvPr>
+        </p:nvSpPr>
+        <p:spPr>
+          <a:xfrm>
+            <a:off x="952500" y="3590207"/>
+            <a:ext cx="11099800" cy="2120900"/>
+          </a:xfrm>
+          <a:prstGeom prst="rect">
+            <a:avLst/>
+          </a:prstGeom>
+        </p:spPr>
+        <p:txBody>
+          <a:bodyPr/>
+          <a:lstStyle/>
+          <a:p>
+            <a:pPr lvl="0">
+              <a:defRPr sz="1800">
+                <a:solidFill>
+                  <a:srgbClr val="000000"/>
+                </a:solidFill>
+              </a:defRPr>
+            </a:pPr>
+            <a:r>
+              <a:rPr sz="8000" dirty="0">
+                <a:solidFill>
+                  <a:srgbClr val="FFFFFF"/>
+                </a:solidFill>
+              </a:rPr>
               <a:t>FINE</a:t>
             </a:r>
           </a:p>
@@ -3525,14 +4719,14 @@
   <p:clrMapOvr>
     <a:masterClrMapping/>
   </p:clrMapOvr>
-  <p:transition spd="med" advClick="1"/>
+  <p:transition xmlns:p14="http://schemas.microsoft.com/office/powerpoint/2010/main" spd="med"/>
   <p:timing>
     <p:tnLst>
       <p:par>
-        <p:cTn id="1" nodeType="tmRoot" restart="never" dur="indefinite" fill="hold">
+        <p:cTn xmlns:p14="http://schemas.microsoft.com/office/powerpoint/2010/main" id="1" dur="indefinite" restart="never" fill="hold" nodeType="tmRoot">
           <p:childTnLst>
-            <p:seq concurrent="1" prevAc="none" nextAc="seek">
-              <p:cTn id="2" nodeType="mainSeq" dur="indefinite" fill="hold">
+            <p:seq concurrent="1" nextAc="seek">
+              <p:cTn id="2" dur="indefinite" nodeType="mainSeq">
                 <p:childTnLst>
                   <p:par>
                     <p:cTn id="3" fill="hold">
@@ -3547,19 +4741,23 @@
                             </p:stCondLst>
                             <p:childTnLst>
                               <p:par>
-                                <p:cTn id="5" nodeType="clickEffect" presetClass="entr" presetSubtype="0" presetID="10" grpId="1" fill="hold">
+                                <p:cTn id="5" presetID="38" presetClass="entr" presetSubtype="0" accel="50000" fill="hold" grpId="0" nodeType="clickEffect">
                                   <p:stCondLst>
                                     <p:cond delay="0"/>
                                   </p:stCondLst>
-                                  <p:iterate type="el" backwards="0">
-                                    <p:tmAbs val="0"/>
+                                  <p:iterate type="lt">
+                                    <p:tmPct val="50000"/>
                                   </p:iterate>
                                   <p:childTnLst>
                                     <p:set>
                                       <p:cBhvr>
-                                        <p:cTn id="6" fill="hold"/>
+                                        <p:cTn id="6" dur="1" fill="hold">
+                                          <p:stCondLst>
+                                            <p:cond delay="0"/>
+                                          </p:stCondLst>
+                                        </p:cTn>
                                         <p:tgtEl>
-                                          <p:spTgt spid="73"/>
+                                          <p:spTgt spid="75"/>
                                         </p:tgtEl>
                                         <p:attrNameLst>
                                           <p:attrName>style.visibility</p:attrName>
@@ -3569,14 +4767,137 @@
                                         <p:strVal val="visible"/>
                                       </p:to>
                                     </p:set>
-                                    <p:animEffect filter="fade" transition="in">
+                                    <p:set>
                                       <p:cBhvr>
-                                        <p:cTn id="7" dur="1500"/>
+                                        <p:cTn id="7" dur="455" fill="hold">
+                                          <p:stCondLst>
+                                            <p:cond delay="0"/>
+                                          </p:stCondLst>
+                                        </p:cTn>
                                         <p:tgtEl>
-                                          <p:spTgt spid="73"/>
+                                          <p:spTgt spid="75"/>
                                         </p:tgtEl>
+                                        <p:attrNameLst>
+                                          <p:attrName>style.rotation</p:attrName>
+                                        </p:attrNameLst>
                                       </p:cBhvr>
-                                    </p:animEffect>
+                                      <p:to>
+                                        <p:strVal val="-45.0"/>
+                                      </p:to>
+                                    </p:set>
+                                    <p:anim calcmode="lin" valueType="num">
+                                      <p:cBhvr>
+                                        <p:cTn id="8" dur="455" fill="hold">
+                                          <p:stCondLst>
+                                            <p:cond delay="455"/>
+                                          </p:stCondLst>
+                                        </p:cTn>
+                                        <p:tgtEl>
+                                          <p:spTgt spid="75"/>
+                                        </p:tgtEl>
+                                        <p:attrNameLst>
+                                          <p:attrName>style.rotation</p:attrName>
+                                        </p:attrNameLst>
+                                      </p:cBhvr>
+                                      <p:tavLst>
+                                        <p:tav tm="0">
+                                          <p:val>
+                                            <p:fltVal val="-45"/>
+                                          </p:val>
+                                        </p:tav>
+                                        <p:tav tm="69900">
+                                          <p:val>
+                                            <p:fltVal val="45"/>
+                                          </p:val>
+                                        </p:tav>
+                                        <p:tav tm="100000">
+                                          <p:val>
+                                            <p:fltVal val="0"/>
+                                          </p:val>
+                                        </p:tav>
+                                      </p:tavLst>
+                                    </p:anim>
+                                    <p:anim calcmode="lin" valueType="num">
+                                      <p:cBhvr>
+                                        <p:cTn id="9" dur="455" fill="hold">
+                                          <p:stCondLst>
+                                            <p:cond delay="0"/>
+                                          </p:stCondLst>
+                                        </p:cTn>
+                                        <p:tgtEl>
+                                          <p:spTgt spid="75"/>
+                                        </p:tgtEl>
+                                        <p:attrNameLst>
+                                          <p:attrName>ppt_y</p:attrName>
+                                        </p:attrNameLst>
+                                      </p:cBhvr>
+                                      <p:tavLst>
+                                        <p:tav tm="0">
+                                          <p:val>
+                                            <p:strVal val="#ppt_y-1"/>
+                                          </p:val>
+                                        </p:tav>
+                                        <p:tav tm="100000">
+                                          <p:val>
+                                            <p:strVal val="#ppt_y-(0.354*#ppt_w-0.172*#ppt_h)"/>
+                                          </p:val>
+                                        </p:tav>
+                                      </p:tavLst>
+                                    </p:anim>
+                                    <p:anim calcmode="lin" valueType="num">
+                                      <p:cBhvr>
+                                        <p:cTn id="10" dur="156" decel="50000" autoRev="1" fill="hold">
+                                          <p:stCondLst>
+                                            <p:cond delay="455"/>
+                                          </p:stCondLst>
+                                        </p:cTn>
+                                        <p:tgtEl>
+                                          <p:spTgt spid="75"/>
+                                        </p:tgtEl>
+                                        <p:attrNameLst>
+                                          <p:attrName>ppt_y</p:attrName>
+                                        </p:attrNameLst>
+                                      </p:cBhvr>
+                                      <p:tavLst>
+                                        <p:tav tm="0">
+                                          <p:val>
+                                            <p:strVal val="#ppt_y-(0.354*#ppt_w-0.172*#ppt_h)"/>
+                                          </p:val>
+                                        </p:tav>
+                                        <p:tav tm="100000">
+                                          <p:val>
+                                            <p:strVal val="#ppt_y-(0.354*#ppt_w-0.172*#ppt_h)-#ppt_h/2"/>
+                                          </p:val>
+                                        </p:tav>
+                                      </p:tavLst>
+                                    </p:anim>
+                                    <p:anim calcmode="lin" valueType="num">
+                                      <p:cBhvr>
+                                        <p:cTn id="11" dur="136" fill="hold">
+                                          <p:stCondLst>
+                                            <p:cond delay="864"/>
+                                          </p:stCondLst>
+                                        </p:cTn>
+                                        <p:tgtEl>
+                                          <p:spTgt spid="75"/>
+                                        </p:tgtEl>
+                                        <p:attrNameLst>
+                                          <p:attrName>ppt_y</p:attrName>
+                                        </p:attrNameLst>
+                                      </p:cBhvr>
+                                      <p:tavLst>
+                                        <p:tav tm="0">
+                                          <p:val>
+                                            <p:strVal val="#ppt_y-(0.354*#ppt_w-0.172*#ppt_h)"/>
+                                          </p:val>
+                                        </p:tav>
+                                        <p:tav tm="100000">
+                                          <p:val>
+                                            <p:strVal val="#ppt_y"/>
+                                          </p:val>
+                                        </p:tav>
+                                      </p:tavLst>
+                                    </p:anim>
                                   </p:childTnLst>
                                 </p:cTn>
                               </p:par>
@@ -3589,14 +4910,14 @@
                 </p:childTnLst>
               </p:cTn>
               <p:prevCondLst>
-                <p:cond evt="onPrev">
+                <p:cond evt="onPrev" delay="0">
                   <p:tgtEl>
                     <p:sldTgt/>
                   </p:tgtEl>
                 </p:cond>
               </p:prevCondLst>
               <p:nextCondLst>
-                <p:cond evt="onNext">
+                <p:cond evt="onNext" delay="0">
                   <p:tgtEl>
                     <p:sldTgt/>
                   </p:tgtEl>
@@ -3608,14 +4929,14 @@
       </p:par>
     </p:tnLst>
     <p:bldLst>
-      <p:bldP build="whole" bldLvl="1" animBg="1" rev="0" advAuto="0" spid="73" grpId="1"/>
+      <p:bldP spid="75" grpId="0" animBg="1"/>
     </p:bldLst>
   </p:timing>
 </p:sld>
 </file>
 
 <file path=ppt/slides/slide2.xml><?xml version="1.0" encoding="utf-8"?>
-<p:sld xmlns:a="http://schemas.openxmlformats.org/drawingml/2006/main" xmlns:r="http://schemas.openxmlformats.org/officeDocument/2006/relationships" xmlns:p="http://schemas.openxmlformats.org/presentationml/2006/main" showMasterSp="1" showMasterPhAnim="1">
+<p:sld xmlns:a="http://schemas.openxmlformats.org/drawingml/2006/main" xmlns:r="http://schemas.openxmlformats.org/officeDocument/2006/relationships" xmlns:p="http://schemas.openxmlformats.org/presentationml/2006/main">
   <p:cSld>
     <p:spTree>
       <p:nvGrpSpPr>
@@ -3634,7 +4955,9 @@
       <p:sp>
         <p:nvSpPr>
           <p:cNvPr id="35" name="Shape 35"/>
-          <p:cNvSpPr/>
+          <p:cNvSpPr>
+            <a:spLocks noGrp="1"/>
+          </p:cNvSpPr>
           <p:nvPr>
             <p:ph type="title"/>
           </p:nvPr>
@@ -3660,31 +4983,22 @@
               </a:defRPr>
             </a:pPr>
             <a:r>
-              <a:rPr sz="6600">
-                <a:solidFill>
-                  <a:srgbClr val="FFFFFF"/>
-                </a:solidFill>
-              </a:rPr>
-              <a:t>Cenni stile e html</a:t>
-            </a:r>
-            <a:endParaRPr sz="6600"/>
-          </a:p>
-          <a:p>
-            <a:pPr lvl="0" defTabSz="484886">
-              <a:defRPr sz="1800">
-                <a:solidFill>
-                  <a:srgbClr val="000000"/>
-                </a:solidFill>
-              </a:defRPr>
-            </a:pPr>
-            <a:r>
-              <a:rPr sz="6600">
-                <a:solidFill>
-                  <a:srgbClr val="FFFFFF"/>
-                </a:solidFill>
-              </a:rPr>
-              <a:t>parte 1</a:t>
-            </a:r>
+              <a:rPr sz="6600" dirty="0">
+                <a:solidFill>
+                  <a:srgbClr val="FFFFFF"/>
+                </a:solidFill>
+              </a:rPr>
+              <a:t>Cenni stile e </a:t>
+            </a:r>
+            <a:r>
+              <a:rPr sz="6600" dirty="0" smtClean="0">
+                <a:solidFill>
+                  <a:srgbClr val="FFFFFF"/>
+                </a:solidFill>
+              </a:rPr>
+              <a:t>html</a:t>
+            </a:r>
+            <a:endParaRPr sz="6600" dirty="0"/>
           </a:p>
         </p:txBody>
       </p:sp>
@@ -3693,14 +5007,14 @@
   <p:clrMapOvr>
     <a:masterClrMapping/>
   </p:clrMapOvr>
-  <p:transition spd="med" advClick="1"/>
+  <p:transition xmlns:p14="http://schemas.microsoft.com/office/powerpoint/2010/main" spd="med"/>
   <p:timing>
     <p:tnLst>
       <p:par>
-        <p:cTn id="1" nodeType="tmRoot" restart="never" dur="indefinite" fill="hold">
+        <p:cTn xmlns:p14="http://schemas.microsoft.com/office/powerpoint/2010/main" id="1" dur="indefinite" restart="never" fill="hold" nodeType="tmRoot">
           <p:childTnLst>
             <p:seq concurrent="1" prevAc="none" nextAc="seek">
-              <p:cTn id="2" nodeType="mainSeq" dur="indefinite" fill="hold">
+              <p:cTn id="2" dur="indefinite" fill="hold" nodeType="mainSeq">
                 <p:childTnLst>
                   <p:par>
                     <p:cTn id="3" fill="hold">
@@ -3715,11 +5029,11 @@
                             </p:stCondLst>
                             <p:childTnLst>
                               <p:par>
-                                <p:cTn id="5" nodeType="clickEffect" presetClass="entr" presetSubtype="0" presetID="10" grpId="1" fill="hold">
+                                <p:cTn id="5" presetID="10" presetClass="entr" presetSubtype="0" fill="hold" grpId="1" nodeType="clickEffect">
                                   <p:stCondLst>
                                     <p:cond delay="0"/>
                                   </p:stCondLst>
-                                  <p:iterate type="el" backwards="0">
+                                  <p:iterate>
                                     <p:tmAbs val="0"/>
                                   </p:iterate>
                                   <p:childTnLst>
@@ -3737,7 +5051,7 @@
                                         <p:strVal val="visible"/>
                                       </p:to>
                                     </p:set>
-                                    <p:animEffect filter="fade" transition="in">
+                                    <p:animEffect transition="in" filter="fade">
                                       <p:cBhvr>
                                         <p:cTn id="7" dur="1500"/>
                                         <p:tgtEl>
@@ -3757,14 +5071,14 @@
                 </p:childTnLst>
               </p:cTn>
               <p:prevCondLst>
-                <p:cond evt="onPrev">
+                <p:cond evt="onPrev" delay="0">
                   <p:tgtEl>
                     <p:sldTgt/>
                   </p:tgtEl>
                 </p:cond>
               </p:prevCondLst>
               <p:nextCondLst>
-                <p:cond evt="onNext">
+                <p:cond evt="onNext" delay="0">
                   <p:tgtEl>
                     <p:sldTgt/>
                   </p:tgtEl>
@@ -3776,14 +5090,14 @@
       </p:par>
     </p:tnLst>
     <p:bldLst>
-      <p:bldP build="whole" bldLvl="1" animBg="1" rev="0" advAuto="0" spid="35" grpId="1"/>
+      <p:bldP spid="35" grpId="1" animBg="1" advAuto="0"/>
     </p:bldLst>
   </p:timing>
 </p:sld>
 </file>
 
 <file path=ppt/slides/slide3.xml><?xml version="1.0" encoding="utf-8"?>
-<p:sld xmlns:a="http://schemas.openxmlformats.org/drawingml/2006/main" xmlns:r="http://schemas.openxmlformats.org/officeDocument/2006/relationships" xmlns:p="http://schemas.openxmlformats.org/presentationml/2006/main" showMasterSp="1" showMasterPhAnim="1">
+<p:sld xmlns:a="http://schemas.openxmlformats.org/drawingml/2006/main" xmlns:r="http://schemas.openxmlformats.org/officeDocument/2006/relationships" xmlns:p="http://schemas.openxmlformats.org/presentationml/2006/main">
   <p:cSld>
     <p:spTree>
       <p:nvGrpSpPr>
@@ -3802,7 +5116,9 @@
       <p:sp>
         <p:nvSpPr>
           <p:cNvPr id="37" name="Shape 37"/>
-          <p:cNvSpPr/>
+          <p:cNvSpPr>
+            <a:spLocks noGrp="1"/>
+          </p:cNvSpPr>
           <p:nvPr>
             <p:ph type="title"/>
           </p:nvPr>
@@ -3841,7 +5157,9 @@
       <p:sp>
         <p:nvSpPr>
           <p:cNvPr id="38" name="Shape 38"/>
-          <p:cNvSpPr/>
+          <p:cNvSpPr>
+            <a:spLocks noGrp="1"/>
+          </p:cNvSpPr>
           <p:nvPr>
             <p:ph type="body" idx="1"/>
           </p:nvPr>
@@ -3859,11 +5177,9 @@
           <a:bodyPr/>
           <a:lstStyle/>
           <a:p>
-            <a:pPr lvl="0" marL="180473" indent="-180473">
+            <a:pPr marL="0" lvl="0" indent="0">
               <a:buSzPct val="60000"/>
-              <a:buBlip>
-                <a:blip r:embed="rId2"/>
-              </a:buBlip>
+              <a:buNone/>
               <a:defRPr sz="1800">
                 <a:solidFill>
                   <a:srgbClr val="000000"/>
@@ -3871,27 +5187,25 @@
               </a:defRPr>
             </a:pPr>
             <a:r>
-              <a:rPr sz="3800"/>
+              <a:rPr sz="3800" dirty="0"/>
               <a:t> </a:t>
             </a:r>
             <a:r>
-              <a:rPr sz="3800">
+              <a:rPr sz="3800" dirty="0">
                 <a:solidFill>
                   <a:srgbClr val="FFFFFF"/>
                 </a:solidFill>
               </a:rPr>
               <a:t>Tabelle</a:t>
             </a:r>
-            <a:endParaRPr sz="3800">
-              <a:solidFill>
-                <a:srgbClr val="FFFFFF"/>
-              </a:solidFill>
-            </a:endParaRPr>
-          </a:p>
-          <a:p>
-            <a:pPr lvl="1" marL="815473" indent="-307473">
+          </a:p>
+          <a:p>
+            <a:pPr marL="900882" lvl="1" indent="-392882">
+              <a:buClr>
+                <a:srgbClr val="FFFEFE"/>
+              </a:buClr>
               <a:buSzPct val="100000"/>
-              <a:buAutoNum type="arabicPeriod" startAt="1"/>
+              <a:buAutoNum type="arabicPeriod"/>
               <a:defRPr sz="1800">
                 <a:solidFill>
                   <a:srgbClr val="000000"/>
@@ -3899,23 +5213,45 @@
               </a:defRPr>
             </a:pPr>
             <a:r>
-              <a:rPr sz="2300">
+              <a:rPr sz="2300" dirty="0">
                 <a:solidFill>
                   <a:srgbClr val="FFFEFE"/>
                 </a:solidFill>
               </a:rPr>
               <a:t> contenitore delle celle (div)</a:t>
             </a:r>
-            <a:endParaRPr sz="2300">
+          </a:p>
+          <a:p>
+            <a:pPr marL="900882" lvl="1" indent="-392882">
+              <a:buClr>
+                <a:srgbClr val="FFFEFE"/>
+              </a:buClr>
+              <a:buSzPct val="100000"/>
+              <a:buAutoNum type="arabicPeriod"/>
+              <a:defRPr sz="1800">
+                <a:solidFill>
+                  <a:srgbClr val="000000"/>
+                </a:solidFill>
+              </a:defRPr>
+            </a:pPr>
+            <a:r>
+              <a:rPr sz="2300" dirty="0">
+                <a:solidFill>
+                  <a:srgbClr val="FFFEFE"/>
+                </a:solidFill>
+              </a:rPr>
+              <a:t>contenitore timer, contatore mosse e nome</a:t>
+            </a:r>
+            <a:endParaRPr dirty="0">
               <a:solidFill>
                 <a:srgbClr val="FFFEFE"/>
               </a:solidFill>
             </a:endParaRPr>
           </a:p>
           <a:p>
-            <a:pPr lvl="1" marL="815473" indent="-307473">
-              <a:buSzPct val="100000"/>
-              <a:buAutoNum type="arabicPeriod" startAt="1"/>
+            <a:pPr marL="0" lvl="0" indent="0">
+              <a:buSzPct val="60000"/>
+              <a:buNone/>
               <a:defRPr sz="1800">
                 <a:solidFill>
                   <a:srgbClr val="000000"/>
@@ -3923,67 +5259,27 @@
               </a:defRPr>
             </a:pPr>
             <a:r>
-              <a:rPr sz="2300">
-                <a:solidFill>
-                  <a:srgbClr val="FFFEFE"/>
-                </a:solidFill>
-              </a:rPr>
-              <a:t>contenitore timer, contatore mosse e nome</a:t>
-            </a:r>
-            <a:endParaRPr sz="3800">
-              <a:solidFill>
-                <a:srgbClr val="FFFEFE"/>
-              </a:solidFill>
-            </a:endParaRPr>
-          </a:p>
-          <a:p>
-            <a:pPr lvl="0" marL="180473" indent="-180473">
-              <a:buSzPct val="60000"/>
-              <a:buBlip>
-                <a:blip r:embed="rId2"/>
-              </a:buBlip>
-              <a:defRPr sz="1800">
-                <a:solidFill>
-                  <a:srgbClr val="000000"/>
-                </a:solidFill>
-              </a:defRPr>
-            </a:pPr>
-            <a:r>
-              <a:rPr sz="3800"/>
-              <a:t>  </a:t>
-            </a:r>
-            <a:r>
-              <a:rPr sz="3800">
-                <a:solidFill>
-                  <a:srgbClr val="FFFFFF"/>
-                </a:solidFill>
-              </a:rPr>
-              <a:t>M</a:t>
-            </a:r>
-            <a:r>
-              <a:rPr sz="3800">
-                <a:solidFill>
-                  <a:srgbClr val="FFFFFF"/>
-                </a:solidFill>
-              </a:rPr>
-              <a:t>enù</a:t>
-            </a:r>
-            <a:r>
-              <a:rPr sz="3800">
+              <a:rPr sz="3800" dirty="0" smtClean="0">
+                <a:solidFill>
+                  <a:srgbClr val="FFFFFF"/>
+                </a:solidFill>
+              </a:rPr>
+              <a:t>Menù</a:t>
+            </a:r>
+            <a:r>
+              <a:rPr sz="3800" dirty="0">
                 <a:solidFill>
                   <a:srgbClr val="FFFFFF"/>
                 </a:solidFill>
               </a:rPr>
               <a:t>:</a:t>
             </a:r>
-            <a:endParaRPr sz="3800">
-              <a:solidFill>
-                <a:srgbClr val="FFFFFF"/>
-              </a:solidFill>
-            </a:endParaRPr>
-          </a:p>
-          <a:p>
-            <a:pPr lvl="1" marL="815473" indent="-307473">
+          </a:p>
+          <a:p>
+            <a:pPr marL="900882" lvl="1" indent="-392882">
+              <a:buClr>
+                <a:srgbClr val="FDFFFF"/>
+              </a:buClr>
               <a:buSzPct val="100000"/>
               <a:buAutoNum type="arabicPeriod" startAt="3"/>
               <a:defRPr sz="1800">
@@ -3993,23 +5289,21 @@
               </a:defRPr>
             </a:pPr>
             <a:r>
-              <a:rPr sz="2300">
+              <a:rPr sz="2300" dirty="0">
                 <a:solidFill>
                   <a:srgbClr val="FDFFFF"/>
                 </a:solidFill>
               </a:rPr>
               <a:t>Top-menù: grafica</a:t>
             </a:r>
-            <a:endParaRPr sz="2300">
-              <a:solidFill>
-                <a:srgbClr val="FDFFFF"/>
-              </a:solidFill>
-            </a:endParaRPr>
-          </a:p>
-          <a:p>
-            <a:pPr lvl="1" marL="815473" indent="-307473">
+          </a:p>
+          <a:p>
+            <a:pPr marL="900882" lvl="1" indent="-392882">
+              <a:buClr>
+                <a:srgbClr val="FFFBFB"/>
+              </a:buClr>
               <a:buSzPct val="100000"/>
-              <a:buAutoNum type="arabicPeriod" startAt="3"/>
+              <a:buAutoNum type="arabicPeriod" startAt="4"/>
               <a:defRPr sz="1800">
                 <a:solidFill>
                   <a:srgbClr val="000000"/>
@@ -4017,23 +5311,21 @@
               </a:defRPr>
             </a:pPr>
             <a:r>
-              <a:rPr sz="2300">
+              <a:rPr sz="2300" dirty="0">
                 <a:solidFill>
                   <a:srgbClr val="FFFBFB"/>
                 </a:solidFill>
               </a:rPr>
               <a:t>Middle-menù: azioni partita</a:t>
             </a:r>
-            <a:endParaRPr sz="2300">
-              <a:solidFill>
-                <a:srgbClr val="FFFBFB"/>
-              </a:solidFill>
-            </a:endParaRPr>
-          </a:p>
-          <a:p>
-            <a:pPr lvl="1" marL="815473" indent="-307473">
+          </a:p>
+          <a:p>
+            <a:pPr marL="900882" lvl="1" indent="-392882">
+              <a:buClr>
+                <a:srgbClr val="FBFCFF"/>
+              </a:buClr>
               <a:buSzPct val="100000"/>
-              <a:buAutoNum type="arabicPeriod" startAt="3"/>
+              <a:buAutoNum type="arabicPeriod" startAt="5"/>
               <a:defRPr sz="1800">
                 <a:solidFill>
                   <a:srgbClr val="000000"/>
@@ -4041,7 +5333,7 @@
               </a:defRPr>
             </a:pPr>
             <a:r>
-              <a:rPr sz="2300">
+              <a:rPr sz="2300" dirty="0">
                 <a:solidFill>
                   <a:srgbClr val="FBFCFF"/>
                 </a:solidFill>
@@ -4051,16 +5343,132 @@
           </a:p>
         </p:txBody>
       </p:sp>
+      <p:grpSp>
+        <p:nvGrpSpPr>
+          <p:cNvPr id="41" name="Group 41"/>
+          <p:cNvGrpSpPr/>
+          <p:nvPr/>
+        </p:nvGrpSpPr>
+        <p:grpSpPr>
+          <a:xfrm>
+            <a:off x="6959072" y="3077373"/>
+            <a:ext cx="1763961" cy="1399253"/>
+            <a:chOff x="0" y="0"/>
+            <a:chExt cx="1763959" cy="1399251"/>
+          </a:xfrm>
+        </p:grpSpPr>
+        <p:sp>
+          <p:nvSpPr>
+            <p:cNvPr id="39" name="Shape 39"/>
+            <p:cNvSpPr/>
+            <p:nvPr/>
+          </p:nvSpPr>
+          <p:spPr>
+            <a:xfrm>
+              <a:off x="0" y="0"/>
+              <a:ext cx="1763960" cy="1399252"/>
+            </a:xfrm>
+            <a:prstGeom prst="rect">
+              <a:avLst/>
+            </a:prstGeom>
+            <a:solidFill>
+              <a:srgbClr val="FFFFFF"/>
+            </a:solidFill>
+            <a:ln w="25400" cap="flat">
+              <a:solidFill>
+                <a:srgbClr val="0065C1"/>
+              </a:solidFill>
+              <a:prstDash val="solid"/>
+              <a:bevel/>
+            </a:ln>
+            <a:effectLst>
+              <a:outerShdw blurRad="76200" dir="18900000" rotWithShape="0">
+                <a:srgbClr val="000000">
+                  <a:alpha val="80000"/>
+                </a:srgbClr>
+              </a:outerShdw>
+            </a:effectLst>
+          </p:spPr>
+          <p:txBody>
+            <a:bodyPr wrap="square" lIns="50800" tIns="50800" rIns="50800" bIns="50800" numCol="1" anchor="ctr">
+              <a:noAutofit/>
+            </a:bodyPr>
+            <a:lstStyle/>
+            <a:p>
+              <a:pPr lvl="0">
+                <a:defRPr sz="1800">
+                  <a:latin typeface="Helvetica Light"/>
+                  <a:ea typeface="Helvetica Light"/>
+                  <a:cs typeface="Helvetica Light"/>
+                  <a:sym typeface="Helvetica Light"/>
+                </a:defRPr>
+              </a:pPr>
+              <a:endParaRPr/>
+            </a:p>
+          </p:txBody>
+        </p:sp>
+        <p:sp>
+          <p:nvSpPr>
+            <p:cNvPr id="40" name="Shape 40"/>
+            <p:cNvSpPr/>
+            <p:nvPr/>
+          </p:nvSpPr>
+          <p:spPr>
+            <a:xfrm>
+              <a:off x="0" y="464675"/>
+              <a:ext cx="1763960" cy="469901"/>
+            </a:xfrm>
+            <a:prstGeom prst="rect">
+              <a:avLst/>
+            </a:prstGeom>
+            <a:noFill/>
+            <a:ln w="12700" cap="flat">
+              <a:noFill/>
+              <a:miter lim="400000"/>
+            </a:ln>
+            <a:effectLst/>
+            <a:extLst>
+              <a:ext uri="{C572A759-6A51-4108-AA02-DFA0A04FC94B}">
+                <ma14:wrappingTextBoxFlag xmlns:ma14="http://schemas.microsoft.com/office/mac/drawingml/2011/main" val="1"/>
+              </a:ext>
+            </a:extLst>
+          </p:spPr>
+          <p:txBody>
+            <a:bodyPr wrap="square" lIns="0" tIns="0" rIns="0" bIns="0" numCol="1" anchor="ctr">
+              <a:spAutoFit/>
+            </a:bodyPr>
+            <a:lstStyle>
+              <a:lvl1pPr>
+                <a:defRPr sz="3100">
+                  <a:latin typeface="Helvetica Light"/>
+                  <a:ea typeface="Helvetica Light"/>
+                  <a:cs typeface="Helvetica Light"/>
+                  <a:sym typeface="Helvetica Light"/>
+                </a:defRPr>
+              </a:lvl1pPr>
+            </a:lstStyle>
+            <a:p>
+              <a:pPr lvl="0">
+                <a:defRPr sz="1800"/>
+              </a:pPr>
+              <a:r>
+                <a:rPr sz="3100"/>
+                <a:t>Padre</a:t>
+              </a:r>
+            </a:p>
+          </p:txBody>
+        </p:sp>
+      </p:grpSp>
       <p:sp>
         <p:nvSpPr>
-          <p:cNvPr id="39" name="Shape 39"/>
+          <p:cNvPr id="42" name="Shape 42"/>
           <p:cNvSpPr/>
           <p:nvPr/>
         </p:nvSpPr>
         <p:spPr>
           <a:xfrm>
-            <a:off x="6959072" y="3077373"/>
-            <a:ext cx="1763961" cy="1399252"/>
+            <a:off x="6971772" y="3090073"/>
+            <a:ext cx="505671" cy="505614"/>
           </a:xfrm>
           <a:prstGeom prst="rect">
             <a:avLst/>
@@ -4074,54 +5482,42 @@
             </a:solidFill>
           </a:ln>
           <a:effectLst>
-            <a:outerShdw sx="100000" sy="100000" kx="0" ky="0" algn="b" rotWithShape="0" blurRad="76200" dist="0" dir="18900000">
+            <a:outerShdw blurRad="76200" dir="18900000" rotWithShape="0">
               <a:srgbClr val="000000">
                 <a:alpha val="80000"/>
               </a:srgbClr>
             </a:outerShdw>
           </a:effectLst>
-          <a:extLst>
-            <a:ext uri="{C572A759-6A51-4108-AA02-DFA0A04FC94B}">
-              <ma14:wrappingTextBoxFlag xmlns:ma14="http://schemas.microsoft.com/office/mac/drawingml/2011/main" val="1"/>
-            </a:ext>
-          </a:extLst>
         </p:spPr>
         <p:txBody>
-          <a:bodyPr lIns="0" tIns="0" rIns="0" bIns="0" anchor="ctr"/>
-          <a:lstStyle>
-            <a:lvl1pPr>
-              <a:defRPr sz="3100">
-                <a:solidFill>
-                  <a:srgbClr val="000000"/>
+          <a:bodyPr lIns="50800" tIns="50800" rIns="50800" bIns="50800" anchor="ctr"/>
+          <a:lstStyle/>
+          <a:p>
+            <a:pPr lvl="0">
+              <a:defRPr sz="1600">
+                <a:solidFill>
+                  <a:srgbClr val="FF0000"/>
                 </a:solidFill>
                 <a:latin typeface="Helvetica Light"/>
                 <a:ea typeface="Helvetica Light"/>
                 <a:cs typeface="Helvetica Light"/>
                 <a:sym typeface="Helvetica Light"/>
               </a:defRPr>
-            </a:lvl1pPr>
-          </a:lstStyle>
-          <a:p>
-            <a:pPr lvl="0">
-              <a:defRPr sz="1800"/>
-            </a:pPr>
-            <a:r>
-              <a:rPr sz="3100"/>
-              <a:t>Padre</a:t>
-            </a:r>
+            </a:pPr>
+            <a:endParaRPr/>
           </a:p>
         </p:txBody>
       </p:sp>
       <p:sp>
         <p:nvSpPr>
-          <p:cNvPr id="40" name="Shape 40"/>
+          <p:cNvPr id="43" name="Shape 43"/>
           <p:cNvSpPr/>
           <p:nvPr/>
         </p:nvSpPr>
         <p:spPr>
           <a:xfrm>
-            <a:off x="6971772" y="3090073"/>
-            <a:ext cx="505670" cy="505613"/>
+            <a:off x="7492472" y="3090073"/>
+            <a:ext cx="505671" cy="505614"/>
           </a:xfrm>
           <a:prstGeom prst="rect">
             <a:avLst/>
@@ -4135,7 +5531,7 @@
             </a:solidFill>
           </a:ln>
           <a:effectLst>
-            <a:outerShdw sx="100000" sy="100000" kx="0" ky="0" algn="b" rotWithShape="0" blurRad="76200" dist="0" dir="18900000">
+            <a:outerShdw blurRad="76200" dir="18900000" rotWithShape="0">
               <a:srgbClr val="000000">
                 <a:alpha val="80000"/>
               </a:srgbClr>
@@ -4143,7 +5539,7 @@
           </a:effectLst>
         </p:spPr>
         <p:txBody>
-          <a:bodyPr lIns="0" tIns="0" rIns="0" bIns="0" anchor="ctr"/>
+          <a:bodyPr lIns="50800" tIns="50800" rIns="50800" bIns="50800" anchor="ctr"/>
           <a:lstStyle/>
           <a:p>
             <a:pPr lvl="0">
@@ -4157,54 +5553,7 @@
                 <a:sym typeface="Helvetica Light"/>
               </a:defRPr>
             </a:pPr>
-          </a:p>
-        </p:txBody>
-      </p:sp>
-      <p:sp>
-        <p:nvSpPr>
-          <p:cNvPr id="41" name="Shape 41"/>
-          <p:cNvSpPr/>
-          <p:nvPr/>
-        </p:nvSpPr>
-        <p:spPr>
-          <a:xfrm>
-            <a:off x="7492472" y="3090073"/>
-            <a:ext cx="505670" cy="505613"/>
-          </a:xfrm>
-          <a:prstGeom prst="rect">
-            <a:avLst/>
-          </a:prstGeom>
-          <a:solidFill>
-            <a:srgbClr val="FFFFFF"/>
-          </a:solidFill>
-          <a:ln w="25400">
-            <a:solidFill>
-              <a:srgbClr val="0065C1"/>
-            </a:solidFill>
-          </a:ln>
-          <a:effectLst>
-            <a:outerShdw sx="100000" sy="100000" kx="0" ky="0" algn="b" rotWithShape="0" blurRad="76200" dist="0" dir="18900000">
-              <a:srgbClr val="000000">
-                <a:alpha val="80000"/>
-              </a:srgbClr>
-            </a:outerShdw>
-          </a:effectLst>
-        </p:spPr>
-        <p:txBody>
-          <a:bodyPr lIns="0" tIns="0" rIns="0" bIns="0" anchor="ctr"/>
-          <a:lstStyle/>
-          <a:p>
-            <a:pPr lvl="0">
-              <a:defRPr sz="1600">
-                <a:solidFill>
-                  <a:srgbClr val="FF0000"/>
-                </a:solidFill>
-                <a:latin typeface="Helvetica Light"/>
-                <a:ea typeface="Helvetica Light"/>
-                <a:cs typeface="Helvetica Light"/>
-                <a:sym typeface="Helvetica Light"/>
-              </a:defRPr>
-            </a:pPr>
+            <a:endParaRPr/>
           </a:p>
         </p:txBody>
       </p:sp>
@@ -4213,12 +5562,19 @@
   <p:clrMapOvr>
     <a:masterClrMapping/>
   </p:clrMapOvr>
-  <p:transition spd="med" advClick="1"/>
+  <p:transition xmlns:p14="http://schemas.microsoft.com/office/powerpoint/2010/main" spd="med"/>
+  <p:timing>
+    <p:tnLst>
+      <p:par>
+        <p:cTn xmlns:p14="http://schemas.microsoft.com/office/powerpoint/2010/main" id="1" dur="indefinite" restart="never" nodeType="tmRoot"/>
+      </p:par>
+    </p:tnLst>
+  </p:timing>
 </p:sld>
 </file>
 
 <file path=ppt/slides/slide4.xml><?xml version="1.0" encoding="utf-8"?>
-<p:sld xmlns:a="http://schemas.openxmlformats.org/drawingml/2006/main" xmlns:r="http://schemas.openxmlformats.org/officeDocument/2006/relationships" xmlns:p="http://schemas.openxmlformats.org/presentationml/2006/main" showMasterSp="1" showMasterPhAnim="1">
+<p:sld xmlns:a="http://schemas.openxmlformats.org/drawingml/2006/main" xmlns:r="http://schemas.openxmlformats.org/officeDocument/2006/relationships" xmlns:p="http://schemas.openxmlformats.org/presentationml/2006/main">
   <p:cSld>
     <p:spTree>
       <p:nvGrpSpPr>
@@ -4236,8 +5592,10 @@
       </p:grpSpPr>
       <p:sp>
         <p:nvSpPr>
-          <p:cNvPr id="43" name="Shape 43"/>
-          <p:cNvSpPr/>
+          <p:cNvPr id="45" name="Shape 45"/>
+          <p:cNvSpPr>
+            <a:spLocks noGrp="1"/>
+          </p:cNvSpPr>
           <p:nvPr>
             <p:ph type="title"/>
           </p:nvPr>
@@ -4263,7 +5621,7 @@
               </a:defRPr>
             </a:pPr>
             <a:r>
-              <a:rPr sz="8000">
+              <a:rPr sz="8000" dirty="0">
                 <a:solidFill>
                   <a:srgbClr val="FFFFFF"/>
                 </a:solidFill>
@@ -4275,8 +5633,10 @@
       </p:sp>
       <p:sp>
         <p:nvSpPr>
-          <p:cNvPr id="44" name="Shape 44"/>
-          <p:cNvSpPr/>
+          <p:cNvPr id="46" name="Shape 46"/>
+          <p:cNvSpPr>
+            <a:spLocks noGrp="1"/>
+          </p:cNvSpPr>
           <p:nvPr>
             <p:ph type="body" idx="1"/>
           </p:nvPr>
@@ -4294,8 +5654,7 @@
           <a:bodyPr anchor="t"/>
           <a:lstStyle/>
           <a:p>
-            <a:pPr lvl="0" marL="0" indent="0">
-              <a:buSzTx/>
+            <a:pPr marL="0" lvl="0" indent="0">
               <a:buNone/>
               <a:defRPr sz="1800">
                 <a:solidFill>
@@ -4304,69 +5663,303 @@
               </a:defRPr>
             </a:pPr>
             <a:r>
-              <a:rPr b="1" sz="3800">
-                <a:solidFill>
-                  <a:srgbClr val="FFFFFF"/>
-                </a:solidFill>
-                <a:latin typeface="+mj-lt"/>
-                <a:ea typeface="+mj-ea"/>
-                <a:cs typeface="+mj-cs"/>
-                <a:sym typeface="Helvetica"/>
-              </a:rPr>
-              <a:t>100%CSS</a:t>
-            </a:r>
-            <a:endParaRPr b="1">
+              <a:rPr sz="3800" dirty="0" smtClean="0">
+                <a:solidFill>
+                  <a:srgbClr val="FFFFFF"/>
+                </a:solidFill>
+              </a:rPr>
+              <a:t>La </a:t>
+            </a:r>
+            <a:r>
+              <a:rPr sz="3800" dirty="0">
+                <a:solidFill>
+                  <a:srgbClr val="FFFFFF"/>
+                </a:solidFill>
+              </a:rPr>
+              <a:t>grafica è stata realizzata utilizzando solo </a:t>
+            </a:r>
+            <a:r>
+              <a:rPr sz="3800" dirty="0" smtClean="0">
+                <a:solidFill>
+                  <a:srgbClr val="FFFFFF"/>
+                </a:solidFill>
+              </a:rPr>
+              <a:t>CSS:</a:t>
+            </a:r>
+            <a:endParaRPr lang="it-IT" sz="3800" dirty="0" smtClean="0">
+              <a:solidFill>
+                <a:srgbClr val="FFFFFF"/>
+              </a:solidFill>
+            </a:endParaRPr>
+          </a:p>
+          <a:p>
+            <a:pPr marL="742950" lvl="0" indent="-742950">
+              <a:buFont typeface="+mj-lt"/>
+              <a:buAutoNum type="arabicPeriod"/>
+              <a:defRPr sz="1800">
+                <a:solidFill>
+                  <a:srgbClr val="000000"/>
+                </a:solidFill>
+              </a:defRPr>
+            </a:pPr>
+            <a:r>
+              <a:rPr lang="it-IT" sz="3600" dirty="0" smtClean="0">
+                <a:solidFill>
+                  <a:schemeClr val="bg1"/>
+                </a:solidFill>
+              </a:rPr>
+              <a:t>No immagini</a:t>
+            </a:r>
+          </a:p>
+          <a:p>
+            <a:pPr marL="742950" lvl="0" indent="-742950">
+              <a:buFont typeface="+mj-lt"/>
+              <a:buAutoNum type="arabicPeriod"/>
+              <a:defRPr sz="1800">
+                <a:solidFill>
+                  <a:srgbClr val="000000"/>
+                </a:solidFill>
+              </a:defRPr>
+            </a:pPr>
+            <a:r>
+              <a:rPr lang="it-IT" sz="3600" dirty="0" smtClean="0">
+                <a:solidFill>
+                  <a:srgbClr val="FFFFFF"/>
+                </a:solidFill>
+              </a:rPr>
+              <a:t>No altri media</a:t>
+            </a:r>
+          </a:p>
+          <a:p>
+            <a:pPr marL="0" lvl="0" indent="0">
+              <a:buNone/>
+              <a:defRPr sz="1800">
+                <a:solidFill>
+                  <a:srgbClr val="000000"/>
+                </a:solidFill>
+              </a:defRPr>
+            </a:pPr>
+            <a:r>
+              <a:rPr sz="3800" dirty="0" smtClean="0">
+                <a:solidFill>
+                  <a:srgbClr val="FFFFFF"/>
+                </a:solidFill>
+              </a:rPr>
+              <a:t>Possibili </a:t>
+            </a:r>
+            <a:r>
+              <a:rPr sz="3800" dirty="0">
+                <a:solidFill>
+                  <a:srgbClr val="FFFFFF"/>
+                </a:solidFill>
+              </a:rPr>
+              <a:t>grafiche</a:t>
+            </a:r>
+            <a:r>
+              <a:rPr sz="3800" dirty="0" smtClean="0">
+                <a:solidFill>
+                  <a:srgbClr val="FFFFFF"/>
+                </a:solidFill>
+              </a:rPr>
+              <a:t>:</a:t>
+            </a:r>
+            <a:endParaRPr lang="it-IT" sz="3800" dirty="0" smtClean="0">
+              <a:solidFill>
+                <a:srgbClr val="FFFFFF"/>
+              </a:solidFill>
+            </a:endParaRPr>
+          </a:p>
+          <a:p>
+            <a:pPr marL="342900" lvl="0" indent="-342900">
+              <a:buFont typeface="+mj-lt"/>
+              <a:buAutoNum type="arabicPeriod"/>
+              <a:defRPr sz="1800">
+                <a:solidFill>
+                  <a:srgbClr val="000000"/>
+                </a:solidFill>
+              </a:defRPr>
+            </a:pPr>
+            <a:r>
+              <a:rPr lang="it-IT" sz="3600" dirty="0" smtClean="0">
+                <a:solidFill>
+                  <a:schemeClr val="bg1"/>
+                </a:solidFill>
+              </a:rPr>
+              <a:t>   </a:t>
+            </a:r>
+            <a:r>
+              <a:rPr lang="it-IT" sz="3600" dirty="0" err="1" smtClean="0">
+                <a:solidFill>
+                  <a:schemeClr val="bg1"/>
+                </a:solidFill>
+              </a:rPr>
+              <a:t>Bright</a:t>
+            </a:r>
+            <a:r>
+              <a:rPr lang="it-IT" sz="3600" dirty="0" smtClean="0">
+                <a:solidFill>
+                  <a:schemeClr val="bg1"/>
+                </a:solidFill>
+              </a:rPr>
+              <a:t> (Colore dominante: bianco)</a:t>
+            </a:r>
+          </a:p>
+          <a:p>
+            <a:pPr marL="342900" lvl="0" indent="-342900">
+              <a:buFont typeface="+mj-lt"/>
+              <a:buAutoNum type="arabicPeriod"/>
+              <a:defRPr sz="1800">
+                <a:solidFill>
+                  <a:srgbClr val="000000"/>
+                </a:solidFill>
+              </a:defRPr>
+            </a:pPr>
+            <a:r>
+              <a:rPr lang="it-IT" sz="3600" dirty="0" smtClean="0">
+                <a:solidFill>
+                  <a:schemeClr val="bg1"/>
+                </a:solidFill>
+              </a:rPr>
+              <a:t>   Dark (Colore dominante: nero)</a:t>
+            </a:r>
+            <a:endParaRPr lang="it-IT" sz="3600" dirty="0">
+              <a:solidFill>
+                <a:schemeClr val="bg1"/>
+              </a:solidFill>
+            </a:endParaRPr>
+          </a:p>
+          <a:p>
+            <a:pPr marL="1016000" lvl="2" indent="0">
+              <a:buSzPct val="100000"/>
+              <a:buNone/>
+              <a:defRPr sz="1800">
+                <a:solidFill>
+                  <a:srgbClr val="000000"/>
+                </a:solidFill>
+              </a:defRPr>
+            </a:pPr>
+            <a:endParaRPr lang="it-IT" sz="1800" dirty="0"/>
+          </a:p>
+        </p:txBody>
+      </p:sp>
+      <p:pic>
+        <p:nvPicPr>
+          <p:cNvPr id="2" name="Immagine 1"/>
+          <p:cNvPicPr>
+            <a:picLocks noChangeAspect="1"/>
+          </p:cNvPicPr>
+          <p:nvPr/>
+        </p:nvPicPr>
+        <p:blipFill>
+          <a:blip r:embed="rId2">
+            <a:extLst>
+              <a:ext uri="{BEBA8EAE-BF5A-486C-A8C5-ECC9F3942E4B}">
+                <a14:imgProps xmlns:a14="http://schemas.microsoft.com/office/drawing/2010/main">
+                  <a14:imgLayer r:embed="rId3">
+                    <a14:imgEffect>
+                      <a14:backgroundRemoval t="0" b="98846" l="0" r="100000"/>
+                    </a14:imgEffect>
+                  </a14:imgLayer>
+                </a14:imgProps>
+              </a:ext>
+            </a:extLst>
+          </a:blip>
+          <a:stretch>
+            <a:fillRect/>
+          </a:stretch>
+        </p:blipFill>
+        <p:spPr>
+          <a:xfrm>
+            <a:off x="8132367" y="3790204"/>
+            <a:ext cx="1536356" cy="1536356"/>
+          </a:xfrm>
+          <a:prstGeom prst="rect">
+            <a:avLst/>
+          </a:prstGeom>
+        </p:spPr>
+      </p:pic>
+      <p:sp>
+        <p:nvSpPr>
+          <p:cNvPr id="3" name="Per 2"/>
+          <p:cNvSpPr/>
+          <p:nvPr/>
+        </p:nvSpPr>
+        <p:spPr>
+          <a:xfrm>
+            <a:off x="8337654" y="3974342"/>
+            <a:ext cx="1422928" cy="1211116"/>
+          </a:xfrm>
+          <a:prstGeom prst="mathMultiply">
+            <a:avLst/>
+          </a:prstGeom>
+          <a:solidFill>
+            <a:srgbClr val="FF0000">
+              <a:alpha val="43000"/>
+            </a:srgbClr>
+          </a:solidFill>
+          <a:ln w="25400" cap="flat">
+            <a:solidFill>
+              <a:srgbClr val="FF0000"/>
+            </a:solidFill>
+            <a:prstDash val="solid"/>
+            <a:bevel/>
+          </a:ln>
+          <a:effectLst>
+            <a:outerShdw blurRad="76200" dir="18900000" rotWithShape="0">
+              <a:srgbClr val="000000">
+                <a:alpha val="80000"/>
+              </a:srgbClr>
+            </a:outerShdw>
+          </a:effectLst>
+        </p:spPr>
+        <p:style>
+          <a:lnRef idx="0">
+            <a:scrgbClr r="0" g="0" b="0"/>
+          </a:lnRef>
+          <a:fillRef idx="0">
+            <a:scrgbClr r="0" g="0" b="0"/>
+          </a:fillRef>
+          <a:effectRef idx="0">
+            <a:scrgbClr r="0" g="0" b="0"/>
+          </a:effectRef>
+          <a:fontRef idx="none"/>
+        </p:style>
+        <p:txBody>
+          <a:bodyPr rot="0" spcFirstLastPara="1" vertOverflow="overflow" horzOverflow="overflow" vert="horz" wrap="square" lIns="50800" tIns="50800" rIns="50800" bIns="50800" numCol="1" spcCol="38100" rtlCol="0" anchor="ctr">
+            <a:spAutoFit/>
+          </a:bodyPr>
+          <a:lstStyle/>
+          <a:p>
+            <a:pPr marL="0" marR="0" indent="0" algn="ctr" defTabSz="584200" rtl="0" fontAlgn="auto" latinLnBrk="1" hangingPunct="0">
+              <a:lnSpc>
+                <a:spcPct val="100000"/>
+              </a:lnSpc>
+              <a:spcBef>
+                <a:spcPts val="0"/>
+              </a:spcBef>
+              <a:spcAft>
+                <a:spcPts val="0"/>
+              </a:spcAft>
+              <a:buClrTx/>
+              <a:buSzTx/>
+              <a:buFontTx/>
+              <a:buNone/>
+              <a:tabLst/>
+            </a:pPr>
+            <a:endParaRPr kumimoji="0" lang="it-IT" sz="3800" b="0" i="0" u="none" strike="noStrike" cap="none" spc="0" normalizeH="0" baseline="0">
+              <a:ln>
+                <a:noFill/>
+              </a:ln>
+              <a:solidFill>
+                <a:srgbClr val="000000"/>
+              </a:solidFill>
+              <a:effectLst/>
+              <a:uFillTx/>
               <a:latin typeface="+mj-lt"/>
               <a:ea typeface="+mj-ea"/>
               <a:cs typeface="+mj-cs"/>
-              <a:sym typeface="Helvetica"/>
+              <a:sym typeface="Helvetica Neue"/>
             </a:endParaRPr>
-          </a:p>
-          <a:p>
-            <a:pPr lvl="0" marL="2037644" indent="-2037644">
-              <a:buClr>
-                <a:srgbClr val="FFFFFF"/>
-              </a:buClr>
-              <a:buBlip>
-                <a:blip r:embed="rId2"/>
-              </a:buBlip>
-              <a:defRPr sz="1800">
-                <a:solidFill>
-                  <a:srgbClr val="000000"/>
-                </a:solidFill>
-              </a:defRPr>
-            </a:pPr>
-            <a:r>
-              <a:rPr sz="3800">
-                <a:solidFill>
-                  <a:srgbClr val="FFFFFF"/>
-                </a:solidFill>
-              </a:rPr>
-              <a:t>L’intera grafica è stata realizzata utilizzando CSS (senza utilizzo di immagini o altri media)</a:t>
-            </a:r>
-          </a:p>
-          <a:p>
-            <a:pPr lvl="0" marL="2037644" indent="-2037644">
-              <a:buClr>
-                <a:srgbClr val="FFFFFF"/>
-              </a:buClr>
-              <a:buBlip>
-                <a:blip r:embed="rId2"/>
-              </a:buBlip>
-              <a:defRPr sz="1800">
-                <a:solidFill>
-                  <a:srgbClr val="000000"/>
-                </a:solidFill>
-              </a:defRPr>
-            </a:pPr>
-            <a:r>
-              <a:rPr sz="3800">
-                <a:solidFill>
-                  <a:srgbClr val="FFFFFF"/>
-                </a:solidFill>
-              </a:rPr>
-              <a:t>3 possibili colorazioni (chiara, dark, vintage)</a:t>
-            </a:r>
           </a:p>
         </p:txBody>
       </p:sp>
@@ -4375,180 +5968,19 @@
   <p:clrMapOvr>
     <a:masterClrMapping/>
   </p:clrMapOvr>
-  <p:transition spd="med" advClick="1"/>
+  <p:transition xmlns:p14="http://schemas.microsoft.com/office/powerpoint/2010/main" spd="med"/>
+  <p:timing>
+    <p:tnLst>
+      <p:par>
+        <p:cTn xmlns:p14="http://schemas.microsoft.com/office/powerpoint/2010/main" id="1" dur="indefinite" restart="never" nodeType="tmRoot"/>
+      </p:par>
+    </p:tnLst>
+  </p:timing>
 </p:sld>
 </file>
 
 <file path=ppt/slides/slide5.xml><?xml version="1.0" encoding="utf-8"?>
-<p:sld xmlns:a="http://schemas.openxmlformats.org/drawingml/2006/main" xmlns:r="http://schemas.openxmlformats.org/officeDocument/2006/relationships" xmlns:p="http://schemas.openxmlformats.org/presentationml/2006/main" showMasterSp="1" showMasterPhAnim="1">
-  <p:cSld>
-    <p:spTree>
-      <p:nvGrpSpPr>
-        <p:cNvPr id="1" name=""/>
-        <p:cNvGrpSpPr/>
-        <p:nvPr/>
-      </p:nvGrpSpPr>
-      <p:grpSpPr>
-        <a:xfrm>
-          <a:off x="0" y="0"/>
-          <a:ext cx="0" cy="0"/>
-          <a:chOff x="0" y="0"/>
-          <a:chExt cx="0" cy="0"/>
-        </a:xfrm>
-      </p:grpSpPr>
-      <p:sp>
-        <p:nvSpPr>
-          <p:cNvPr id="46" name="Shape 46"/>
-          <p:cNvSpPr/>
-          <p:nvPr>
-            <p:ph type="title"/>
-          </p:nvPr>
-        </p:nvSpPr>
-        <p:spPr>
-          <a:xfrm>
-            <a:off x="952500" y="3816350"/>
-            <a:ext cx="11099800" cy="2120900"/>
-          </a:xfrm>
-          <a:prstGeom prst="rect">
-            <a:avLst/>
-          </a:prstGeom>
-        </p:spPr>
-        <p:txBody>
-          <a:bodyPr/>
-          <a:lstStyle/>
-          <a:p>
-            <a:pPr lvl="0" defTabSz="484886">
-              <a:defRPr sz="1800">
-                <a:solidFill>
-                  <a:srgbClr val="000000"/>
-                </a:solidFill>
-              </a:defRPr>
-            </a:pPr>
-            <a:r>
-              <a:rPr sz="6600">
-                <a:solidFill>
-                  <a:srgbClr val="FFFFFF"/>
-                </a:solidFill>
-              </a:rPr>
-              <a:t>Ragionamenti jQuery</a:t>
-            </a:r>
-            <a:endParaRPr sz="6600"/>
-          </a:p>
-          <a:p>
-            <a:pPr lvl="0" defTabSz="484886">
-              <a:defRPr sz="1800">
-                <a:solidFill>
-                  <a:srgbClr val="000000"/>
-                </a:solidFill>
-              </a:defRPr>
-            </a:pPr>
-            <a:r>
-              <a:rPr sz="6600">
-                <a:solidFill>
-                  <a:srgbClr val="FFFFFF"/>
-                </a:solidFill>
-              </a:rPr>
-              <a:t>(parte 2)</a:t>
-            </a:r>
-          </a:p>
-        </p:txBody>
-      </p:sp>
-    </p:spTree>
-  </p:cSld>
-  <p:clrMapOvr>
-    <a:masterClrMapping/>
-  </p:clrMapOvr>
-  <p:transition spd="med" advClick="1"/>
-  <p:timing>
-    <p:tnLst>
-      <p:par>
-        <p:cTn id="1" nodeType="tmRoot" restart="never" dur="indefinite" fill="hold">
-          <p:childTnLst>
-            <p:seq concurrent="1" prevAc="none" nextAc="seek">
-              <p:cTn id="2" nodeType="mainSeq" dur="indefinite" fill="hold">
-                <p:childTnLst>
-                  <p:par>
-                    <p:cTn id="3" fill="hold">
-                      <p:stCondLst>
-                        <p:cond delay="indefinite"/>
-                      </p:stCondLst>
-                      <p:childTnLst>
-                        <p:par>
-                          <p:cTn id="4" fill="hold">
-                            <p:stCondLst>
-                              <p:cond delay="0"/>
-                            </p:stCondLst>
-                            <p:childTnLst>
-                              <p:par>
-                                <p:cTn id="5" nodeType="clickEffect" presetClass="entr" presetSubtype="0" presetID="10" grpId="1" fill="hold">
-                                  <p:stCondLst>
-                                    <p:cond delay="0"/>
-                                  </p:stCondLst>
-                                  <p:iterate type="el" backwards="0">
-                                    <p:tmAbs val="0"/>
-                                  </p:iterate>
-                                  <p:childTnLst>
-                                    <p:set>
-                                      <p:cBhvr>
-                                        <p:cTn id="6" fill="hold"/>
-                                        <p:tgtEl>
-                                          <p:spTgt spid="46"/>
-                                        </p:tgtEl>
-                                        <p:attrNameLst>
-                                          <p:attrName>style.visibility</p:attrName>
-                                        </p:attrNameLst>
-                                      </p:cBhvr>
-                                      <p:to>
-                                        <p:strVal val="visible"/>
-                                      </p:to>
-                                    </p:set>
-                                    <p:animEffect filter="fade" transition="in">
-                                      <p:cBhvr>
-                                        <p:cTn id="7" dur="1500"/>
-                                        <p:tgtEl>
-                                          <p:spTgt spid="46"/>
-                                        </p:tgtEl>
-                                      </p:cBhvr>
-                                    </p:animEffect>
-                                  </p:childTnLst>
-                                </p:cTn>
-                              </p:par>
-                            </p:childTnLst>
-                          </p:cTn>
-                        </p:par>
-                      </p:childTnLst>
-                    </p:cTn>
-                  </p:par>
-                </p:childTnLst>
-              </p:cTn>
-              <p:prevCondLst>
-                <p:cond evt="onPrev">
-                  <p:tgtEl>
-                    <p:sldTgt/>
-                  </p:tgtEl>
-                </p:cond>
-              </p:prevCondLst>
-              <p:nextCondLst>
-                <p:cond evt="onNext">
-                  <p:tgtEl>
-                    <p:sldTgt/>
-                  </p:tgtEl>
-                </p:cond>
-              </p:nextCondLst>
-            </p:seq>
-          </p:childTnLst>
-        </p:cTn>
-      </p:par>
-    </p:tnLst>
-    <p:bldLst>
-      <p:bldP build="whole" bldLvl="1" animBg="1" rev="0" advAuto="0" spid="46" grpId="1"/>
-    </p:bldLst>
-  </p:timing>
-</p:sld>
-</file>
-
-<file path=ppt/slides/slide6.xml><?xml version="1.0" encoding="utf-8"?>
-<p:sld xmlns:a="http://schemas.openxmlformats.org/drawingml/2006/main" xmlns:r="http://schemas.openxmlformats.org/officeDocument/2006/relationships" xmlns:p="http://schemas.openxmlformats.org/presentationml/2006/main" showMasterSp="1" showMasterPhAnim="1">
+<p:sld xmlns:a="http://schemas.openxmlformats.org/drawingml/2006/main" xmlns:r="http://schemas.openxmlformats.org/officeDocument/2006/relationships" xmlns:p="http://schemas.openxmlformats.org/presentationml/2006/main">
   <p:cSld>
     <p:spTree>
       <p:nvGrpSpPr>
@@ -4567,7 +5999,162 @@
       <p:sp>
         <p:nvSpPr>
           <p:cNvPr id="48" name="Shape 48"/>
-          <p:cNvSpPr/>
+          <p:cNvSpPr>
+            <a:spLocks noGrp="1"/>
+          </p:cNvSpPr>
+          <p:nvPr>
+            <p:ph type="title"/>
+          </p:nvPr>
+        </p:nvSpPr>
+        <p:spPr>
+          <a:xfrm>
+            <a:off x="952500" y="3816350"/>
+            <a:ext cx="11099800" cy="2120900"/>
+          </a:xfrm>
+          <a:prstGeom prst="rect">
+            <a:avLst/>
+          </a:prstGeom>
+        </p:spPr>
+        <p:txBody>
+          <a:bodyPr/>
+          <a:lstStyle/>
+          <a:p>
+            <a:pPr lvl="0" defTabSz="484886">
+              <a:defRPr sz="1800">
+                <a:solidFill>
+                  <a:srgbClr val="000000"/>
+                </a:solidFill>
+              </a:defRPr>
+            </a:pPr>
+            <a:r>
+              <a:rPr sz="6600" dirty="0" smtClean="0">
+                <a:solidFill>
+                  <a:srgbClr val="FFFFFF"/>
+                </a:solidFill>
+              </a:rPr>
+              <a:t>Ragionamenti</a:t>
+            </a:r>
+            <a:endParaRPr sz="6600" dirty="0"/>
+          </a:p>
+        </p:txBody>
+      </p:sp>
+    </p:spTree>
+  </p:cSld>
+  <p:clrMapOvr>
+    <a:masterClrMapping/>
+  </p:clrMapOvr>
+  <p:transition xmlns:p14="http://schemas.microsoft.com/office/powerpoint/2010/main" spd="med"/>
+  <p:timing>
+    <p:tnLst>
+      <p:par>
+        <p:cTn xmlns:p14="http://schemas.microsoft.com/office/powerpoint/2010/main" id="1" dur="indefinite" restart="never" fill="hold" nodeType="tmRoot">
+          <p:childTnLst>
+            <p:seq concurrent="1" prevAc="none" nextAc="seek">
+              <p:cTn id="2" dur="indefinite" fill="hold" nodeType="mainSeq">
+                <p:childTnLst>
+                  <p:par>
+                    <p:cTn id="3" fill="hold">
+                      <p:stCondLst>
+                        <p:cond delay="indefinite"/>
+                      </p:stCondLst>
+                      <p:childTnLst>
+                        <p:par>
+                          <p:cTn id="4" fill="hold">
+                            <p:stCondLst>
+                              <p:cond delay="0"/>
+                            </p:stCondLst>
+                            <p:childTnLst>
+                              <p:par>
+                                <p:cTn id="5" presetID="10" presetClass="entr" presetSubtype="0" fill="hold" grpId="1" nodeType="clickEffect">
+                                  <p:stCondLst>
+                                    <p:cond delay="0"/>
+                                  </p:stCondLst>
+                                  <p:iterate>
+                                    <p:tmAbs val="0"/>
+                                  </p:iterate>
+                                  <p:childTnLst>
+                                    <p:set>
+                                      <p:cBhvr>
+                                        <p:cTn id="6" fill="hold"/>
+                                        <p:tgtEl>
+                                          <p:spTgt spid="48"/>
+                                        </p:tgtEl>
+                                        <p:attrNameLst>
+                                          <p:attrName>style.visibility</p:attrName>
+                                        </p:attrNameLst>
+                                      </p:cBhvr>
+                                      <p:to>
+                                        <p:strVal val="visible"/>
+                                      </p:to>
+                                    </p:set>
+                                    <p:animEffect transition="in" filter="fade">
+                                      <p:cBhvr>
+                                        <p:cTn id="7" dur="1500"/>
+                                        <p:tgtEl>
+                                          <p:spTgt spid="48"/>
+                                        </p:tgtEl>
+                                      </p:cBhvr>
+                                    </p:animEffect>
+                                  </p:childTnLst>
+                                </p:cTn>
+                              </p:par>
+                            </p:childTnLst>
+                          </p:cTn>
+                        </p:par>
+                      </p:childTnLst>
+                    </p:cTn>
+                  </p:par>
+                </p:childTnLst>
+              </p:cTn>
+              <p:prevCondLst>
+                <p:cond evt="onPrev" delay="0">
+                  <p:tgtEl>
+                    <p:sldTgt/>
+                  </p:tgtEl>
+                </p:cond>
+              </p:prevCondLst>
+              <p:nextCondLst>
+                <p:cond evt="onNext" delay="0">
+                  <p:tgtEl>
+                    <p:sldTgt/>
+                  </p:tgtEl>
+                </p:cond>
+              </p:nextCondLst>
+            </p:seq>
+          </p:childTnLst>
+        </p:cTn>
+      </p:par>
+    </p:tnLst>
+    <p:bldLst>
+      <p:bldP spid="48" grpId="1" animBg="1" advAuto="0"/>
+    </p:bldLst>
+  </p:timing>
+</p:sld>
+</file>
+
+<file path=ppt/slides/slide6.xml><?xml version="1.0" encoding="utf-8"?>
+<p:sld xmlns:a="http://schemas.openxmlformats.org/drawingml/2006/main" xmlns:r="http://schemas.openxmlformats.org/officeDocument/2006/relationships" xmlns:p="http://schemas.openxmlformats.org/presentationml/2006/main">
+  <p:cSld>
+    <p:spTree>
+      <p:nvGrpSpPr>
+        <p:cNvPr id="1" name=""/>
+        <p:cNvGrpSpPr/>
+        <p:nvPr/>
+      </p:nvGrpSpPr>
+      <p:grpSpPr>
+        <a:xfrm>
+          <a:off x="0" y="0"/>
+          <a:ext cx="0" cy="0"/>
+          <a:chOff x="0" y="0"/>
+          <a:chExt cx="0" cy="0"/>
+        </a:xfrm>
+      </p:grpSpPr>
+      <p:sp>
+        <p:nvSpPr>
+          <p:cNvPr id="50" name="Shape 50"/>
+          <p:cNvSpPr>
+            <a:spLocks noGrp="1"/>
+          </p:cNvSpPr>
           <p:nvPr>
             <p:ph type="title"/>
           </p:nvPr>
@@ -4582,7 +6169,9 @@
           </a:prstGeom>
         </p:spPr>
         <p:txBody>
-          <a:bodyPr/>
+          <a:bodyPr>
+            <a:normAutofit/>
+          </a:bodyPr>
           <a:lstStyle>
             <a:lvl1pPr defTabSz="484886">
               <a:defRPr sz="6600"/>
@@ -4597,20 +6186,27 @@
               </a:defRPr>
             </a:pPr>
             <a:r>
-              <a:rPr sz="6600">
-                <a:solidFill>
-                  <a:srgbClr val="FFFFFF"/>
-                </a:solidFill>
-              </a:rPr>
-              <a:t>Ragionamento inserimento tabella</a:t>
-            </a:r>
+              <a:rPr lang="it-IT" sz="6000" dirty="0" smtClean="0">
+                <a:solidFill>
+                  <a:schemeClr val="bg1"/>
+                </a:solidFill>
+              </a:rPr>
+              <a:t>Inserimento celle in tabella</a:t>
+            </a:r>
+            <a:endParaRPr sz="6000" dirty="0">
+              <a:solidFill>
+                <a:srgbClr val="FFFFFF"/>
+              </a:solidFill>
+            </a:endParaRPr>
           </a:p>
         </p:txBody>
       </p:sp>
       <p:sp>
         <p:nvSpPr>
-          <p:cNvPr id="49" name="Shape 49"/>
-          <p:cNvSpPr/>
+          <p:cNvPr id="51" name="Shape 51"/>
+          <p:cNvSpPr>
+            <a:spLocks noGrp="1"/>
+          </p:cNvSpPr>
           <p:nvPr>
             <p:ph type="body" idx="1"/>
           </p:nvPr>
@@ -4627,17 +6223,15 @@
         <p:txBody>
           <a:bodyPr/>
           <a:lstStyle>
-            <a:lvl1pPr marL="2037644" indent="-2037644">
-              <a:buClr>
-                <a:srgbClr val="FFFFFF"/>
-              </a:buClr>
+            <a:lvl1pPr marL="4301692" indent="-4301692">
               <a:buBlip>
                 <a:blip r:embed="rId2"/>
               </a:buBlip>
             </a:lvl1pPr>
           </a:lstStyle>
           <a:p>
-            <a:pPr lvl="0">
+            <a:pPr marL="0" lvl="0" indent="0">
+              <a:buNone/>
               <a:defRPr sz="1800">
                 <a:solidFill>
                   <a:srgbClr val="000000"/>
@@ -4645,13 +6239,593 @@
               </a:defRPr>
             </a:pPr>
             <a:r>
-              <a:rPr sz="3800">
-                <a:solidFill>
-                  <a:srgbClr val="FFFFFF"/>
-                </a:solidFill>
-              </a:rPr>
-              <a:t>Tabella creata dinamicamente utlilizzando script jQuery e appendendo 16 div al div contenitore</a:t>
-            </a:r>
+              <a:rPr lang="it-IT" sz="3600" dirty="0" smtClean="0">
+                <a:solidFill>
+                  <a:srgbClr val="FFFFFF"/>
+                </a:solidFill>
+              </a:rPr>
+              <a:t>A inizio partita vengono appesi al div </a:t>
+            </a:r>
+            <a:r>
+              <a:rPr lang="it-IT" sz="3600" dirty="0" smtClean="0">
+                <a:solidFill>
+                  <a:schemeClr val="bg1"/>
+                </a:solidFill>
+              </a:rPr>
+              <a:t>contenitore</a:t>
+            </a:r>
+            <a:r>
+              <a:rPr lang="it-IT" sz="3600" dirty="0" smtClean="0"/>
+              <a:t> </a:t>
+            </a:r>
+            <a:r>
+              <a:rPr lang="it-IT" sz="3600" dirty="0" smtClean="0">
+                <a:solidFill>
+                  <a:srgbClr val="FFFFFF"/>
+                </a:solidFill>
+              </a:rPr>
+              <a:t>sedici div </a:t>
+            </a:r>
+            <a:r>
+              <a:rPr lang="it-IT" sz="3600" dirty="0" smtClean="0">
+                <a:solidFill>
+                  <a:schemeClr val="bg1"/>
+                </a:solidFill>
+              </a:rPr>
+              <a:t>celle</a:t>
+            </a:r>
+            <a:r>
+              <a:rPr lang="it-IT" sz="3600" dirty="0" smtClean="0">
+                <a:solidFill>
+                  <a:srgbClr val="FFFFFF"/>
+                </a:solidFill>
+              </a:rPr>
+              <a:t>, alle quali vengono assegnati:</a:t>
+            </a:r>
+          </a:p>
+          <a:p>
+            <a:pPr marL="742950" lvl="0" indent="-742950">
+              <a:buFont typeface="+mj-lt"/>
+              <a:buAutoNum type="arabicPeriod"/>
+              <a:defRPr sz="1800">
+                <a:solidFill>
+                  <a:srgbClr val="000000"/>
+                </a:solidFill>
+              </a:defRPr>
+            </a:pPr>
+            <a:r>
+              <a:rPr lang="it-IT" sz="3600" dirty="0">
+                <a:solidFill>
+                  <a:schemeClr val="bg1"/>
+                </a:solidFill>
+              </a:rPr>
+              <a:t>E</a:t>
+            </a:r>
+            <a:r>
+              <a:rPr lang="it-IT" sz="3600" dirty="0" smtClean="0">
+                <a:solidFill>
+                  <a:schemeClr val="bg1"/>
+                </a:solidFill>
+              </a:rPr>
+              <a:t>vento (click)</a:t>
+            </a:r>
+          </a:p>
+          <a:p>
+            <a:pPr marL="742950" lvl="0" indent="-742950">
+              <a:buFont typeface="+mj-lt"/>
+              <a:buAutoNum type="arabicPeriod"/>
+              <a:defRPr sz="1800">
+                <a:solidFill>
+                  <a:srgbClr val="000000"/>
+                </a:solidFill>
+              </a:defRPr>
+            </a:pPr>
+            <a:r>
+              <a:rPr lang="it-IT" sz="3600" dirty="0" smtClean="0">
+                <a:solidFill>
+                  <a:schemeClr val="bg1"/>
+                </a:solidFill>
+              </a:rPr>
+              <a:t>Attributi (id, classe)</a:t>
+            </a:r>
+          </a:p>
+          <a:p>
+            <a:pPr marL="742950" lvl="0" indent="-742950">
+              <a:buFont typeface="+mj-lt"/>
+              <a:buAutoNum type="arabicPeriod"/>
+              <a:defRPr sz="1800">
+                <a:solidFill>
+                  <a:srgbClr val="000000"/>
+                </a:solidFill>
+              </a:defRPr>
+            </a:pPr>
+            <a:r>
+              <a:rPr lang="it-IT" sz="3600" dirty="0" smtClean="0">
+                <a:solidFill>
+                  <a:schemeClr val="bg1"/>
+                </a:solidFill>
+              </a:rPr>
+              <a:t>Testo</a:t>
+            </a:r>
+            <a:endParaRPr sz="3600" dirty="0">
+              <a:solidFill>
+                <a:schemeClr val="bg1"/>
+              </a:solidFill>
+            </a:endParaRPr>
+          </a:p>
+        </p:txBody>
+      </p:sp>
+      <p:sp>
+        <p:nvSpPr>
+          <p:cNvPr id="2" name="Rettangolo 1"/>
+          <p:cNvSpPr/>
+          <p:nvPr/>
+        </p:nvSpPr>
+        <p:spPr>
+          <a:xfrm>
+            <a:off x="7420395" y="5385351"/>
+            <a:ext cx="3139850" cy="2363440"/>
+          </a:xfrm>
+          <a:prstGeom prst="rect">
+            <a:avLst/>
+          </a:prstGeom>
+          <a:solidFill>
+            <a:srgbClr val="FFFFFF"/>
+          </a:solidFill>
+          <a:ln w="25400" cap="flat">
+            <a:solidFill>
+              <a:srgbClr val="0065C1"/>
+            </a:solidFill>
+            <a:prstDash val="solid"/>
+            <a:bevel/>
+          </a:ln>
+          <a:effectLst>
+            <a:outerShdw blurRad="76200" dir="18900000" rotWithShape="0">
+              <a:srgbClr val="000000">
+                <a:alpha val="80000"/>
+              </a:srgbClr>
+            </a:outerShdw>
+          </a:effectLst>
+        </p:spPr>
+        <p:style>
+          <a:lnRef idx="0">
+            <a:scrgbClr r="0" g="0" b="0"/>
+          </a:lnRef>
+          <a:fillRef idx="0">
+            <a:scrgbClr r="0" g="0" b="0"/>
+          </a:fillRef>
+          <a:effectRef idx="0">
+            <a:scrgbClr r="0" g="0" b="0"/>
+          </a:effectRef>
+          <a:fontRef idx="none"/>
+        </p:style>
+        <p:txBody>
+          <a:bodyPr rot="0" spcFirstLastPara="1" vertOverflow="overflow" horzOverflow="overflow" vert="horz" wrap="square" lIns="50800" tIns="50800" rIns="50800" bIns="50800" numCol="1" spcCol="38100" rtlCol="0" anchor="ctr">
+            <a:spAutoFit/>
+          </a:bodyPr>
+          <a:lstStyle/>
+          <a:p>
+            <a:pPr marL="0" marR="0" indent="0" algn="ctr" defTabSz="584200" rtl="0" fontAlgn="auto" latinLnBrk="1" hangingPunct="0">
+              <a:lnSpc>
+                <a:spcPct val="100000"/>
+              </a:lnSpc>
+              <a:spcBef>
+                <a:spcPts val="0"/>
+              </a:spcBef>
+              <a:spcAft>
+                <a:spcPts val="0"/>
+              </a:spcAft>
+              <a:buClrTx/>
+              <a:buSzTx/>
+              <a:buFontTx/>
+              <a:buNone/>
+              <a:tabLst/>
+            </a:pPr>
+            <a:endParaRPr kumimoji="0" lang="it-IT" sz="3800" b="0" i="0" u="none" strike="noStrike" cap="none" spc="0" normalizeH="0" baseline="0" dirty="0">
+              <a:ln>
+                <a:noFill/>
+              </a:ln>
+              <a:solidFill>
+                <a:srgbClr val="000000"/>
+              </a:solidFill>
+              <a:effectLst/>
+              <a:uFillTx/>
+              <a:latin typeface="+mj-lt"/>
+              <a:ea typeface="+mj-ea"/>
+              <a:cs typeface="+mj-cs"/>
+              <a:sym typeface="Helvetica Neue"/>
+            </a:endParaRPr>
+          </a:p>
+        </p:txBody>
+      </p:sp>
+      <p:sp>
+        <p:nvSpPr>
+          <p:cNvPr id="3" name="Rettangolo 2"/>
+          <p:cNvSpPr/>
+          <p:nvPr/>
+        </p:nvSpPr>
+        <p:spPr>
+          <a:xfrm>
+            <a:off x="7420395" y="5385351"/>
+            <a:ext cx="764382" cy="705505"/>
+          </a:xfrm>
+          <a:prstGeom prst="rect">
+            <a:avLst/>
+          </a:prstGeom>
+          <a:solidFill>
+            <a:srgbClr val="FFFFFF"/>
+          </a:solidFill>
+          <a:ln w="25400" cap="flat">
+            <a:solidFill>
+              <a:srgbClr val="0065C1"/>
+            </a:solidFill>
+            <a:prstDash val="solid"/>
+            <a:bevel/>
+          </a:ln>
+          <a:effectLst>
+            <a:outerShdw blurRad="76200" dir="18900000" rotWithShape="0">
+              <a:srgbClr val="000000">
+                <a:alpha val="80000"/>
+              </a:srgbClr>
+            </a:outerShdw>
+          </a:effectLst>
+        </p:spPr>
+        <p:style>
+          <a:lnRef idx="0">
+            <a:scrgbClr r="0" g="0" b="0"/>
+          </a:lnRef>
+          <a:fillRef idx="0">
+            <a:scrgbClr r="0" g="0" b="0"/>
+          </a:fillRef>
+          <a:effectRef idx="0">
+            <a:scrgbClr r="0" g="0" b="0"/>
+          </a:effectRef>
+          <a:fontRef idx="none"/>
+        </p:style>
+        <p:txBody>
+          <a:bodyPr rot="0" spcFirstLastPara="1" vertOverflow="overflow" horzOverflow="overflow" vert="horz" wrap="square" lIns="50800" tIns="50800" rIns="50800" bIns="50800" numCol="1" spcCol="38100" rtlCol="0" anchor="ctr">
+            <a:spAutoFit/>
+          </a:bodyPr>
+          <a:lstStyle/>
+          <a:p>
+            <a:pPr marL="0" marR="0" indent="0" algn="ctr" defTabSz="584200" rtl="0" fontAlgn="auto" latinLnBrk="1" hangingPunct="0">
+              <a:lnSpc>
+                <a:spcPct val="100000"/>
+              </a:lnSpc>
+              <a:spcBef>
+                <a:spcPts val="0"/>
+              </a:spcBef>
+              <a:spcAft>
+                <a:spcPts val="0"/>
+              </a:spcAft>
+              <a:buClrTx/>
+              <a:buSzTx/>
+              <a:buFontTx/>
+              <a:buNone/>
+              <a:tabLst/>
+            </a:pPr>
+            <a:r>
+              <a:rPr kumimoji="0" lang="it-IT" sz="3800" b="0" i="0" u="none" strike="noStrike" cap="none" spc="0" normalizeH="0" baseline="0" dirty="0" smtClean="0">
+                <a:ln>
+                  <a:noFill/>
+                </a:ln>
+                <a:solidFill>
+                  <a:srgbClr val="000000"/>
+                </a:solidFill>
+                <a:effectLst/>
+                <a:uFillTx/>
+                <a:latin typeface="+mj-lt"/>
+                <a:ea typeface="+mj-ea"/>
+                <a:cs typeface="+mj-cs"/>
+                <a:sym typeface="Helvetica Neue"/>
+              </a:rPr>
+              <a:t>1</a:t>
+            </a:r>
+            <a:endParaRPr kumimoji="0" lang="it-IT" sz="3800" b="0" i="0" u="none" strike="noStrike" cap="none" spc="0" normalizeH="0" baseline="0" dirty="0">
+              <a:ln>
+                <a:noFill/>
+              </a:ln>
+              <a:solidFill>
+                <a:srgbClr val="000000"/>
+              </a:solidFill>
+              <a:effectLst/>
+              <a:uFillTx/>
+              <a:latin typeface="+mj-lt"/>
+              <a:ea typeface="+mj-ea"/>
+              <a:cs typeface="+mj-cs"/>
+              <a:sym typeface="Helvetica Neue"/>
+            </a:endParaRPr>
+          </a:p>
+        </p:txBody>
+      </p:sp>
+      <p:sp>
+        <p:nvSpPr>
+          <p:cNvPr id="6" name="Rettangolo 5"/>
+          <p:cNvSpPr/>
+          <p:nvPr/>
+        </p:nvSpPr>
+        <p:spPr>
+          <a:xfrm>
+            <a:off x="8184777" y="5385351"/>
+            <a:ext cx="764382" cy="705505"/>
+          </a:xfrm>
+          <a:prstGeom prst="rect">
+            <a:avLst/>
+          </a:prstGeom>
+          <a:solidFill>
+            <a:srgbClr val="FFFFFF"/>
+          </a:solidFill>
+          <a:ln w="25400" cap="flat">
+            <a:solidFill>
+              <a:srgbClr val="0065C1"/>
+            </a:solidFill>
+            <a:prstDash val="solid"/>
+            <a:bevel/>
+          </a:ln>
+          <a:effectLst>
+            <a:outerShdw blurRad="76200" dir="18900000" rotWithShape="0">
+              <a:srgbClr val="000000">
+                <a:alpha val="80000"/>
+              </a:srgbClr>
+            </a:outerShdw>
+          </a:effectLst>
+        </p:spPr>
+        <p:style>
+          <a:lnRef idx="0">
+            <a:scrgbClr r="0" g="0" b="0"/>
+          </a:lnRef>
+          <a:fillRef idx="0">
+            <a:scrgbClr r="0" g="0" b="0"/>
+          </a:fillRef>
+          <a:effectRef idx="0">
+            <a:scrgbClr r="0" g="0" b="0"/>
+          </a:effectRef>
+          <a:fontRef idx="none"/>
+        </p:style>
+        <p:txBody>
+          <a:bodyPr rot="0" spcFirstLastPara="1" vertOverflow="overflow" horzOverflow="overflow" vert="horz" wrap="square" lIns="50800" tIns="50800" rIns="50800" bIns="50800" numCol="1" spcCol="38100" rtlCol="0" anchor="ctr">
+            <a:spAutoFit/>
+          </a:bodyPr>
+          <a:lstStyle/>
+          <a:p>
+            <a:pPr marL="0" marR="0" indent="0" algn="ctr" defTabSz="584200" rtl="0" fontAlgn="auto" latinLnBrk="1" hangingPunct="0">
+              <a:lnSpc>
+                <a:spcPct val="100000"/>
+              </a:lnSpc>
+              <a:spcBef>
+                <a:spcPts val="0"/>
+              </a:spcBef>
+              <a:spcAft>
+                <a:spcPts val="0"/>
+              </a:spcAft>
+              <a:buClrTx/>
+              <a:buSzTx/>
+              <a:buFontTx/>
+              <a:buNone/>
+              <a:tabLst/>
+            </a:pPr>
+            <a:r>
+              <a:rPr kumimoji="0" lang="it-IT" sz="3800" b="0" i="0" u="none" strike="noStrike" cap="none" spc="0" normalizeH="0" baseline="0" dirty="0" smtClean="0">
+                <a:ln>
+                  <a:noFill/>
+                </a:ln>
+                <a:solidFill>
+                  <a:srgbClr val="000000"/>
+                </a:solidFill>
+                <a:effectLst/>
+                <a:uFillTx/>
+                <a:latin typeface="+mj-lt"/>
+                <a:ea typeface="+mj-ea"/>
+                <a:cs typeface="+mj-cs"/>
+                <a:sym typeface="Helvetica Neue"/>
+              </a:rPr>
+              <a:t>2</a:t>
+            </a:r>
+            <a:endParaRPr kumimoji="0" lang="it-IT" sz="3800" b="0" i="0" u="none" strike="noStrike" cap="none" spc="0" normalizeH="0" baseline="0" dirty="0">
+              <a:ln>
+                <a:noFill/>
+              </a:ln>
+              <a:solidFill>
+                <a:srgbClr val="000000"/>
+              </a:solidFill>
+              <a:effectLst/>
+              <a:uFillTx/>
+              <a:latin typeface="+mj-lt"/>
+              <a:ea typeface="+mj-ea"/>
+              <a:cs typeface="+mj-cs"/>
+              <a:sym typeface="Helvetica Neue"/>
+            </a:endParaRPr>
+          </a:p>
+        </p:txBody>
+      </p:sp>
+      <p:sp>
+        <p:nvSpPr>
+          <p:cNvPr id="7" name="Rettangolo 6"/>
+          <p:cNvSpPr/>
+          <p:nvPr/>
+        </p:nvSpPr>
+        <p:spPr>
+          <a:xfrm>
+            <a:off x="9795863" y="7043286"/>
+            <a:ext cx="764382" cy="705505"/>
+          </a:xfrm>
+          <a:prstGeom prst="rect">
+            <a:avLst/>
+          </a:prstGeom>
+          <a:solidFill>
+            <a:srgbClr val="FFFFFF"/>
+          </a:solidFill>
+          <a:ln w="25400" cap="flat">
+            <a:solidFill>
+              <a:srgbClr val="0065C1"/>
+            </a:solidFill>
+            <a:prstDash val="solid"/>
+            <a:bevel/>
+          </a:ln>
+          <a:effectLst>
+            <a:outerShdw blurRad="76200" dir="18900000" rotWithShape="0">
+              <a:srgbClr val="000000">
+                <a:alpha val="80000"/>
+              </a:srgbClr>
+            </a:outerShdw>
+          </a:effectLst>
+        </p:spPr>
+        <p:style>
+          <a:lnRef idx="0">
+            <a:scrgbClr r="0" g="0" b="0"/>
+          </a:lnRef>
+          <a:fillRef idx="0">
+            <a:scrgbClr r="0" g="0" b="0"/>
+          </a:fillRef>
+          <a:effectRef idx="0">
+            <a:scrgbClr r="0" g="0" b="0"/>
+          </a:effectRef>
+          <a:fontRef idx="none"/>
+        </p:style>
+        <p:txBody>
+          <a:bodyPr rot="0" spcFirstLastPara="1" vertOverflow="overflow" horzOverflow="overflow" vert="horz" wrap="square" lIns="50800" tIns="50800" rIns="50800" bIns="50800" numCol="1" spcCol="38100" rtlCol="0" anchor="ctr">
+            <a:spAutoFit/>
+          </a:bodyPr>
+          <a:lstStyle/>
+          <a:p>
+            <a:pPr marL="0" marR="0" indent="0" algn="ctr" defTabSz="584200" rtl="0" fontAlgn="auto" latinLnBrk="1" hangingPunct="0">
+              <a:lnSpc>
+                <a:spcPct val="100000"/>
+              </a:lnSpc>
+              <a:spcBef>
+                <a:spcPts val="0"/>
+              </a:spcBef>
+              <a:spcAft>
+                <a:spcPts val="0"/>
+              </a:spcAft>
+              <a:buClrTx/>
+              <a:buSzTx/>
+              <a:buFontTx/>
+              <a:buNone/>
+              <a:tabLst/>
+            </a:pPr>
+            <a:r>
+              <a:rPr kumimoji="0" lang="it-IT" sz="3800" b="0" i="0" u="none" strike="noStrike" cap="none" spc="0" normalizeH="0" baseline="0" dirty="0" smtClean="0">
+                <a:ln>
+                  <a:noFill/>
+                </a:ln>
+                <a:solidFill>
+                  <a:srgbClr val="000000"/>
+                </a:solidFill>
+                <a:effectLst/>
+                <a:uFillTx/>
+                <a:latin typeface="+mj-lt"/>
+                <a:ea typeface="+mj-ea"/>
+                <a:cs typeface="+mj-cs"/>
+                <a:sym typeface="Helvetica Neue"/>
+              </a:rPr>
+              <a:t>16</a:t>
+            </a:r>
+            <a:endParaRPr kumimoji="0" lang="it-IT" sz="3800" b="0" i="0" u="none" strike="noStrike" cap="none" spc="0" normalizeH="0" baseline="0" dirty="0">
+              <a:ln>
+                <a:noFill/>
+              </a:ln>
+              <a:solidFill>
+                <a:srgbClr val="000000"/>
+              </a:solidFill>
+              <a:effectLst/>
+              <a:uFillTx/>
+              <a:latin typeface="+mj-lt"/>
+              <a:ea typeface="+mj-ea"/>
+              <a:cs typeface="+mj-cs"/>
+              <a:sym typeface="Helvetica Neue"/>
+            </a:endParaRPr>
+          </a:p>
+        </p:txBody>
+      </p:sp>
+      <p:sp>
+        <p:nvSpPr>
+          <p:cNvPr id="8" name="Rettangolo 7"/>
+          <p:cNvSpPr/>
+          <p:nvPr/>
+        </p:nvSpPr>
+        <p:spPr>
+          <a:xfrm>
+            <a:off x="8949159" y="5385351"/>
+            <a:ext cx="764382" cy="705505"/>
+          </a:xfrm>
+          <a:prstGeom prst="rect">
+            <a:avLst/>
+          </a:prstGeom>
+          <a:solidFill>
+            <a:srgbClr val="FFFFFF"/>
+          </a:solidFill>
+          <a:ln w="25400" cap="flat">
+            <a:solidFill>
+              <a:srgbClr val="0065C1"/>
+            </a:solidFill>
+            <a:prstDash val="solid"/>
+            <a:bevel/>
+          </a:ln>
+          <a:effectLst>
+            <a:outerShdw blurRad="76200" dir="18900000" rotWithShape="0">
+              <a:srgbClr val="000000">
+                <a:alpha val="80000"/>
+              </a:srgbClr>
+            </a:outerShdw>
+          </a:effectLst>
+        </p:spPr>
+        <p:style>
+          <a:lnRef idx="0">
+            <a:scrgbClr r="0" g="0" b="0"/>
+          </a:lnRef>
+          <a:fillRef idx="0">
+            <a:scrgbClr r="0" g="0" b="0"/>
+          </a:fillRef>
+          <a:effectRef idx="0">
+            <a:scrgbClr r="0" g="0" b="0"/>
+          </a:effectRef>
+          <a:fontRef idx="none"/>
+        </p:style>
+        <p:txBody>
+          <a:bodyPr rot="0" spcFirstLastPara="1" vertOverflow="overflow" horzOverflow="overflow" vert="horz" wrap="square" lIns="50800" tIns="50800" rIns="50800" bIns="50800" numCol="1" spcCol="38100" rtlCol="0" anchor="ctr">
+            <a:spAutoFit/>
+          </a:bodyPr>
+          <a:lstStyle/>
+          <a:p>
+            <a:pPr marL="0" marR="0" indent="0" algn="ctr" defTabSz="584200" rtl="0" fontAlgn="auto" latinLnBrk="1" hangingPunct="0">
+              <a:lnSpc>
+                <a:spcPct val="100000"/>
+              </a:lnSpc>
+              <a:spcBef>
+                <a:spcPts val="0"/>
+              </a:spcBef>
+              <a:spcAft>
+                <a:spcPts val="0"/>
+              </a:spcAft>
+              <a:buClrTx/>
+              <a:buSzTx/>
+              <a:buFontTx/>
+              <a:buNone/>
+              <a:tabLst/>
+            </a:pPr>
+            <a:r>
+              <a:rPr lang="it-IT" dirty="0" smtClean="0">
+                <a:solidFill>
+                  <a:srgbClr val="000000"/>
+                </a:solidFill>
+              </a:rPr>
+              <a:t>…</a:t>
+            </a:r>
+            <a:endParaRPr kumimoji="0" lang="it-IT" sz="3800" b="0" i="0" u="none" strike="noStrike" cap="none" spc="0" normalizeH="0" baseline="0" dirty="0">
+              <a:ln>
+                <a:noFill/>
+              </a:ln>
+              <a:solidFill>
+                <a:srgbClr val="000000"/>
+              </a:solidFill>
+              <a:effectLst/>
+              <a:uFillTx/>
+              <a:latin typeface="+mj-lt"/>
+              <a:ea typeface="+mj-ea"/>
+              <a:cs typeface="+mj-cs"/>
+              <a:sym typeface="Helvetica Neue"/>
+            </a:endParaRPr>
           </a:p>
         </p:txBody>
       </p:sp>
@@ -4660,12 +6834,19 @@
   <p:clrMapOvr>
     <a:masterClrMapping/>
   </p:clrMapOvr>
-  <p:transition spd="med" advClick="1"/>
+  <p:transition xmlns:p14="http://schemas.microsoft.com/office/powerpoint/2010/main" spd="med"/>
+  <p:timing>
+    <p:tnLst>
+      <p:par>
+        <p:cTn xmlns:p14="http://schemas.microsoft.com/office/powerpoint/2010/main" id="1" dur="indefinite" restart="never" nodeType="tmRoot"/>
+      </p:par>
+    </p:tnLst>
+  </p:timing>
 </p:sld>
 </file>
 
 <file path=ppt/slides/slide7.xml><?xml version="1.0" encoding="utf-8"?>
-<p:sld xmlns:a="http://schemas.openxmlformats.org/drawingml/2006/main" xmlns:r="http://schemas.openxmlformats.org/officeDocument/2006/relationships" xmlns:p="http://schemas.openxmlformats.org/presentationml/2006/main" showMasterSp="1" showMasterPhAnim="1">
+<p:sld xmlns:a="http://schemas.openxmlformats.org/drawingml/2006/main" xmlns:r="http://schemas.openxmlformats.org/officeDocument/2006/relationships" xmlns:p="http://schemas.openxmlformats.org/presentationml/2006/main">
   <p:cSld>
     <p:spTree>
       <p:nvGrpSpPr>
@@ -4684,7 +6865,9 @@
       <p:sp>
         <p:nvSpPr>
           <p:cNvPr id="51" name="Shape 51"/>
-          <p:cNvSpPr/>
+          <p:cNvSpPr>
+            <a:spLocks noGrp="1"/>
+          </p:cNvSpPr>
           <p:nvPr>
             <p:ph type="title"/>
           </p:nvPr>
@@ -4710,12 +6893,20 @@
               </a:defRPr>
             </a:pPr>
             <a:r>
+              <a:rPr lang="it-IT" sz="5400" dirty="0" smtClean="0">
+                <a:solidFill>
+                  <a:srgbClr val="FFFFFF"/>
+                </a:solidFill>
+              </a:rPr>
+              <a:t>Mescolamento</a:t>
+            </a:r>
+            <a:r>
               <a:rPr sz="5400">
                 <a:solidFill>
                   <a:srgbClr val="FFFFFF"/>
                 </a:solidFill>
               </a:rPr>
-              <a:t>Ragionamento mescolamento</a:t>
+              <a:t/>
             </a:r>
             <a:br>
               <a:rPr sz="5400">
@@ -4724,36 +6915,37 @@
                 </a:solidFill>
               </a:rPr>
             </a:br>
-            <a:r>
-              <a:rPr sz="5400">
-                <a:solidFill>
-                  <a:srgbClr val="FFFFFF"/>
-                </a:solidFill>
-              </a:rPr>
-              <a:t>(Massimino)</a:t>
-            </a:r>
+            <a:endParaRPr sz="5400">
+              <a:solidFill>
+                <a:srgbClr val="FFFFFF"/>
+              </a:solidFill>
+            </a:endParaRPr>
           </a:p>
         </p:txBody>
       </p:sp>
       <p:sp>
         <p:nvSpPr>
           <p:cNvPr id="52" name="Shape 52"/>
-          <p:cNvSpPr/>
+          <p:cNvSpPr>
+            <a:spLocks noGrp="1"/>
+          </p:cNvSpPr>
           <p:nvPr>
             <p:ph type="body" idx="1"/>
           </p:nvPr>
         </p:nvSpPr>
         <p:spPr>
           <a:xfrm>
-            <a:off x="952500" y="2590800"/>
-            <a:ext cx="11099800" cy="6286500"/>
+            <a:off x="787360" y="1519214"/>
+            <a:ext cx="11715832" cy="7215210"/>
           </a:xfrm>
           <a:prstGeom prst="rect">
             <a:avLst/>
           </a:prstGeom>
         </p:spPr>
         <p:txBody>
-          <a:bodyPr/>
+          <a:bodyPr>
+            <a:normAutofit/>
+          </a:bodyPr>
           <a:lstStyle/>
           <a:p>
             <a:pPr lvl="0">
@@ -4761,20 +6953,1575 @@
                 <a:blip r:embed="rId2"/>
               </a:buBlip>
             </a:pPr>
+            <a:r>
+              <a:rPr lang="it-IT" sz="2800" dirty="0" smtClean="0"/>
+              <a:t>Utilizzo di un vettore di appoggio contenente i 15 numeri utili per gioco e una variabile per l’estrazione casuale.</a:t>
+            </a:r>
+          </a:p>
+          <a:p>
+            <a:pPr lvl="0">
+              <a:buBlip>
+                <a:blip r:embed="rId2"/>
+              </a:buBlip>
+            </a:pPr>
+            <a:r>
+              <a:rPr lang="it-IT" sz="2800" dirty="0" smtClean="0"/>
+              <a:t>Casualmente si seleziona una cella del vettore, il numero contenuto al suo interno viene prima inserito nella griglia di gioco e poi sostituito con il valore dell’ ultima cella.</a:t>
+            </a:r>
+          </a:p>
+          <a:p>
+            <a:pPr lvl="0">
+              <a:buBlip>
+                <a:blip r:embed="rId2"/>
+              </a:buBlip>
+            </a:pPr>
+            <a:r>
+              <a:rPr lang="it-IT" sz="2800" dirty="0" smtClean="0"/>
+              <a:t>In fine, la variabile per l’estrazione causale che ha valore di partenza 14 viene decrementata in modo da non poter più selezionare l’ultima cella e quindi il numero già selezionato</a:t>
+            </a:r>
+          </a:p>
+          <a:p>
+            <a:pPr lvl="0">
+              <a:buNone/>
+            </a:pPr>
+            <a:endParaRPr lang="it-IT" dirty="0" smtClean="0"/>
+          </a:p>
+        </p:txBody>
+      </p:sp>
+      <p:sp>
+        <p:nvSpPr>
+          <p:cNvPr id="4" name="Rettangolo 3"/>
+          <p:cNvSpPr/>
+          <p:nvPr/>
+        </p:nvSpPr>
+        <p:spPr>
+          <a:xfrm>
+            <a:off x="1001674" y="7948634"/>
+            <a:ext cx="785818" cy="687368"/>
+          </a:xfrm>
+          <a:prstGeom prst="rect">
+            <a:avLst/>
+          </a:prstGeom>
+          <a:solidFill>
+            <a:srgbClr val="002060"/>
+          </a:solidFill>
+          <a:ln w="25400" cap="flat">
+            <a:solidFill>
+              <a:srgbClr val="0065C1"/>
+            </a:solidFill>
+            <a:prstDash val="solid"/>
+            <a:bevel/>
+          </a:ln>
+          <a:effectLst>
+            <a:outerShdw blurRad="76200" dir="18900000" rotWithShape="0">
+              <a:srgbClr val="000000">
+                <a:alpha val="80000"/>
+              </a:srgbClr>
+            </a:outerShdw>
+          </a:effectLst>
+        </p:spPr>
+        <p:style>
+          <a:lnRef idx="0">
+            <a:scrgbClr r="0" g="0" b="0"/>
+          </a:lnRef>
+          <a:fillRef idx="0">
+            <a:scrgbClr r="0" g="0" b="0"/>
+          </a:fillRef>
+          <a:effectRef idx="0">
+            <a:scrgbClr r="0" g="0" b="0"/>
+          </a:effectRef>
+          <a:fontRef idx="none"/>
+        </p:style>
+        <p:txBody>
+          <a:bodyPr rot="0" spcFirstLastPara="1" vertOverflow="overflow" horzOverflow="overflow" vert="horz" wrap="square" lIns="50800" tIns="50800" rIns="50800" bIns="50800" numCol="1" spcCol="38100" rtlCol="0" anchor="ctr">
+            <a:spAutoFit/>
+          </a:bodyPr>
+          <a:lstStyle/>
+          <a:p>
+            <a:pPr marL="0" marR="0" indent="0" algn="ctr" defTabSz="584200" rtl="0" fontAlgn="auto" latinLnBrk="1" hangingPunct="0">
+              <a:lnSpc>
+                <a:spcPct val="100000"/>
+              </a:lnSpc>
+              <a:spcBef>
+                <a:spcPts val="0"/>
+              </a:spcBef>
+              <a:spcAft>
+                <a:spcPts val="0"/>
+              </a:spcAft>
+              <a:buClrTx/>
+              <a:buSzTx/>
+              <a:buFontTx/>
+              <a:buNone/>
+              <a:tabLst/>
+            </a:pPr>
+            <a:r>
+              <a:rPr kumimoji="0" lang="it-IT" sz="3800" b="0" i="0" u="none" strike="noStrike" cap="none" spc="0" normalizeH="0" baseline="0" dirty="0" smtClean="0">
+                <a:ln>
+                  <a:noFill/>
+                </a:ln>
+                <a:solidFill>
+                  <a:srgbClr val="FFFFFF"/>
+                </a:solidFill>
+                <a:effectLst/>
+                <a:uFillTx/>
+                <a:latin typeface="+mj-lt"/>
+                <a:ea typeface="+mj-ea"/>
+                <a:cs typeface="+mj-cs"/>
+                <a:sym typeface="Helvetica"/>
+              </a:rPr>
+              <a:t>1</a:t>
+            </a:r>
+            <a:endParaRPr kumimoji="0" lang="it-IT" sz="3800" b="0" i="0" u="none" strike="noStrike" cap="none" spc="0" normalizeH="0" baseline="0" dirty="0">
+              <a:ln>
+                <a:noFill/>
+              </a:ln>
+              <a:solidFill>
+                <a:srgbClr val="FFFFFF"/>
+              </a:solidFill>
+              <a:effectLst/>
+              <a:uFillTx/>
+              <a:latin typeface="+mj-lt"/>
+              <a:ea typeface="+mj-ea"/>
+              <a:cs typeface="+mj-cs"/>
+              <a:sym typeface="Helvetica"/>
+            </a:endParaRPr>
+          </a:p>
+        </p:txBody>
+      </p:sp>
+      <p:sp>
+        <p:nvSpPr>
+          <p:cNvPr id="5" name="Rettangolo 4"/>
+          <p:cNvSpPr/>
+          <p:nvPr/>
+        </p:nvSpPr>
+        <p:spPr>
+          <a:xfrm>
+            <a:off x="1787492" y="7948634"/>
+            <a:ext cx="785818" cy="687368"/>
+          </a:xfrm>
+          <a:prstGeom prst="rect">
+            <a:avLst/>
+          </a:prstGeom>
+          <a:solidFill>
+            <a:srgbClr val="FF0000"/>
+          </a:solidFill>
+          <a:ln w="25400" cap="flat">
+            <a:solidFill>
+              <a:srgbClr val="0065C1"/>
+            </a:solidFill>
+            <a:prstDash val="solid"/>
+            <a:bevel/>
+          </a:ln>
+          <a:effectLst>
+            <a:outerShdw blurRad="76200" dir="18900000" rotWithShape="0">
+              <a:srgbClr val="000000">
+                <a:alpha val="80000"/>
+              </a:srgbClr>
+            </a:outerShdw>
+          </a:effectLst>
+        </p:spPr>
+        <p:style>
+          <a:lnRef idx="0">
+            <a:scrgbClr r="0" g="0" b="0"/>
+          </a:lnRef>
+          <a:fillRef idx="0">
+            <a:scrgbClr r="0" g="0" b="0"/>
+          </a:fillRef>
+          <a:effectRef idx="0">
+            <a:scrgbClr r="0" g="0" b="0"/>
+          </a:effectRef>
+          <a:fontRef idx="none"/>
+        </p:style>
+        <p:txBody>
+          <a:bodyPr rot="0" spcFirstLastPara="1" vertOverflow="overflow" horzOverflow="overflow" vert="horz" wrap="square" lIns="50800" tIns="50800" rIns="50800" bIns="50800" numCol="1" spcCol="38100" rtlCol="0" anchor="ctr">
+            <a:spAutoFit/>
+          </a:bodyPr>
+          <a:lstStyle/>
+          <a:p>
+            <a:pPr marL="0" marR="0" indent="0" algn="ctr" defTabSz="584200" rtl="0" fontAlgn="auto" latinLnBrk="1" hangingPunct="0">
+              <a:lnSpc>
+                <a:spcPct val="100000"/>
+              </a:lnSpc>
+              <a:spcBef>
+                <a:spcPts val="0"/>
+              </a:spcBef>
+              <a:spcAft>
+                <a:spcPts val="0"/>
+              </a:spcAft>
+              <a:buClrTx/>
+              <a:buSzTx/>
+              <a:buFontTx/>
+              <a:buNone/>
+              <a:tabLst/>
+            </a:pPr>
+            <a:r>
+              <a:rPr kumimoji="0" lang="it-IT" sz="3800" b="0" i="0" u="none" strike="noStrike" cap="none" spc="0" normalizeH="0" baseline="0" dirty="0" smtClean="0">
+                <a:ln>
+                  <a:noFill/>
+                </a:ln>
+                <a:solidFill>
+                  <a:srgbClr val="FFFFFF"/>
+                </a:solidFill>
+                <a:effectLst/>
+                <a:uFillTx/>
+                <a:latin typeface="+mj-lt"/>
+                <a:ea typeface="+mj-ea"/>
+                <a:cs typeface="+mj-cs"/>
+                <a:sym typeface="Helvetica"/>
+              </a:rPr>
+              <a:t>2</a:t>
+            </a:r>
+            <a:endParaRPr kumimoji="0" lang="it-IT" sz="3800" b="0" i="0" u="none" strike="noStrike" cap="none" spc="0" normalizeH="0" baseline="0" dirty="0">
+              <a:ln>
+                <a:noFill/>
+              </a:ln>
+              <a:solidFill>
+                <a:srgbClr val="FFFFFF"/>
+              </a:solidFill>
+              <a:effectLst/>
+              <a:uFillTx/>
+              <a:latin typeface="+mj-lt"/>
+              <a:ea typeface="+mj-ea"/>
+              <a:cs typeface="+mj-cs"/>
+              <a:sym typeface="Helvetica"/>
+            </a:endParaRPr>
+          </a:p>
+        </p:txBody>
+      </p:sp>
+      <p:sp>
+        <p:nvSpPr>
+          <p:cNvPr id="6" name="Rettangolo 5"/>
+          <p:cNvSpPr/>
+          <p:nvPr/>
+        </p:nvSpPr>
+        <p:spPr>
+          <a:xfrm>
+            <a:off x="2573310" y="7948634"/>
+            <a:ext cx="776294" cy="687368"/>
+          </a:xfrm>
+          <a:prstGeom prst="rect">
+            <a:avLst/>
+          </a:prstGeom>
+          <a:solidFill>
+            <a:srgbClr val="002060"/>
+          </a:solidFill>
+          <a:ln w="25400" cap="flat">
+            <a:solidFill>
+              <a:srgbClr val="0065C1"/>
+            </a:solidFill>
+            <a:prstDash val="solid"/>
+            <a:bevel/>
+          </a:ln>
+          <a:effectLst>
+            <a:outerShdw blurRad="76200" dir="18900000" rotWithShape="0">
+              <a:srgbClr val="000000">
+                <a:alpha val="80000"/>
+              </a:srgbClr>
+            </a:outerShdw>
+          </a:effectLst>
+        </p:spPr>
+        <p:style>
+          <a:lnRef idx="0">
+            <a:scrgbClr r="0" g="0" b="0"/>
+          </a:lnRef>
+          <a:fillRef idx="0">
+            <a:scrgbClr r="0" g="0" b="0"/>
+          </a:fillRef>
+          <a:effectRef idx="0">
+            <a:scrgbClr r="0" g="0" b="0"/>
+          </a:effectRef>
+          <a:fontRef idx="none"/>
+        </p:style>
+        <p:txBody>
+          <a:bodyPr rot="0" spcFirstLastPara="1" vertOverflow="overflow" horzOverflow="overflow" vert="horz" wrap="square" lIns="50800" tIns="50800" rIns="50800" bIns="50800" numCol="1" spcCol="38100" rtlCol="0" anchor="ctr">
+            <a:spAutoFit/>
+          </a:bodyPr>
+          <a:lstStyle/>
+          <a:p>
+            <a:pPr marL="0" marR="0" indent="0" algn="ctr" defTabSz="584200" rtl="0" fontAlgn="auto" latinLnBrk="1" hangingPunct="0">
+              <a:lnSpc>
+                <a:spcPct val="100000"/>
+              </a:lnSpc>
+              <a:spcBef>
+                <a:spcPts val="0"/>
+              </a:spcBef>
+              <a:spcAft>
+                <a:spcPts val="0"/>
+              </a:spcAft>
+              <a:buClrTx/>
+              <a:buSzTx/>
+              <a:buFontTx/>
+              <a:buNone/>
+              <a:tabLst/>
+            </a:pPr>
+            <a:r>
+              <a:rPr kumimoji="0" lang="it-IT" sz="3800" b="0" i="0" u="none" strike="noStrike" cap="none" spc="0" normalizeH="0" baseline="0" dirty="0" smtClean="0">
+                <a:ln>
+                  <a:noFill/>
+                </a:ln>
+                <a:solidFill>
+                  <a:srgbClr val="FFFFFF"/>
+                </a:solidFill>
+                <a:effectLst/>
+                <a:uFillTx/>
+                <a:latin typeface="+mj-lt"/>
+                <a:ea typeface="+mj-ea"/>
+                <a:cs typeface="+mj-cs"/>
+                <a:sym typeface="Helvetica"/>
+              </a:rPr>
+              <a:t>…</a:t>
+            </a:r>
+            <a:endParaRPr kumimoji="0" lang="it-IT" sz="3800" b="0" i="0" u="none" strike="noStrike" cap="none" spc="0" normalizeH="0" baseline="0" dirty="0">
+              <a:ln>
+                <a:noFill/>
+              </a:ln>
+              <a:solidFill>
+                <a:srgbClr val="FFFFFF"/>
+              </a:solidFill>
+              <a:effectLst/>
+              <a:uFillTx/>
+              <a:latin typeface="+mj-lt"/>
+              <a:ea typeface="+mj-ea"/>
+              <a:cs typeface="+mj-cs"/>
+              <a:sym typeface="Helvetica"/>
+            </a:endParaRPr>
+          </a:p>
+        </p:txBody>
+      </p:sp>
+      <p:sp>
+        <p:nvSpPr>
+          <p:cNvPr id="7" name="Rettangolo 6"/>
+          <p:cNvSpPr/>
+          <p:nvPr/>
+        </p:nvSpPr>
+        <p:spPr>
+          <a:xfrm>
+            <a:off x="3359128" y="7948634"/>
+            <a:ext cx="776294" cy="687368"/>
+          </a:xfrm>
+          <a:prstGeom prst="rect">
+            <a:avLst/>
+          </a:prstGeom>
+          <a:solidFill>
+            <a:srgbClr val="002060"/>
+          </a:solidFill>
+          <a:ln w="25400" cap="flat">
+            <a:solidFill>
+              <a:srgbClr val="0065C1"/>
+            </a:solidFill>
+            <a:prstDash val="solid"/>
+            <a:bevel/>
+          </a:ln>
+          <a:effectLst>
+            <a:outerShdw blurRad="76200" dir="18900000" rotWithShape="0">
+              <a:srgbClr val="000000">
+                <a:alpha val="80000"/>
+              </a:srgbClr>
+            </a:outerShdw>
+          </a:effectLst>
+        </p:spPr>
+        <p:style>
+          <a:lnRef idx="0">
+            <a:scrgbClr r="0" g="0" b="0"/>
+          </a:lnRef>
+          <a:fillRef idx="0">
+            <a:scrgbClr r="0" g="0" b="0"/>
+          </a:fillRef>
+          <a:effectRef idx="0">
+            <a:scrgbClr r="0" g="0" b="0"/>
+          </a:effectRef>
+          <a:fontRef idx="none"/>
+        </p:style>
+        <p:txBody>
+          <a:bodyPr rot="0" spcFirstLastPara="1" vertOverflow="overflow" horzOverflow="overflow" vert="horz" wrap="square" lIns="50800" tIns="50800" rIns="50800" bIns="50800" numCol="1" spcCol="38100" rtlCol="0" anchor="ctr">
+            <a:spAutoFit/>
+          </a:bodyPr>
+          <a:lstStyle/>
+          <a:p>
+            <a:pPr marL="0" marR="0" indent="0" algn="ctr" defTabSz="584200" rtl="0" fontAlgn="auto" latinLnBrk="1" hangingPunct="0">
+              <a:lnSpc>
+                <a:spcPct val="100000"/>
+              </a:lnSpc>
+              <a:spcBef>
+                <a:spcPts val="0"/>
+              </a:spcBef>
+              <a:spcAft>
+                <a:spcPts val="0"/>
+              </a:spcAft>
+              <a:buClrTx/>
+              <a:buSzTx/>
+              <a:buFontTx/>
+              <a:buNone/>
+              <a:tabLst/>
+            </a:pPr>
+            <a:r>
+              <a:rPr kumimoji="0" lang="it-IT" sz="3800" b="0" i="0" u="none" strike="noStrike" cap="none" spc="0" normalizeH="0" baseline="0" dirty="0" smtClean="0">
+                <a:ln>
+                  <a:noFill/>
+                </a:ln>
+                <a:solidFill>
+                  <a:srgbClr val="FFFFFF"/>
+                </a:solidFill>
+                <a:effectLst/>
+                <a:uFillTx/>
+                <a:latin typeface="+mj-lt"/>
+                <a:ea typeface="+mj-ea"/>
+                <a:cs typeface="+mj-cs"/>
+                <a:sym typeface="Helvetica"/>
+              </a:rPr>
+              <a:t>14</a:t>
+            </a:r>
+            <a:endParaRPr kumimoji="0" lang="it-IT" sz="3800" b="0" i="0" u="none" strike="noStrike" cap="none" spc="0" normalizeH="0" baseline="0" dirty="0">
+              <a:ln>
+                <a:noFill/>
+              </a:ln>
+              <a:solidFill>
+                <a:srgbClr val="FFFFFF"/>
+              </a:solidFill>
+              <a:effectLst/>
+              <a:uFillTx/>
+              <a:latin typeface="+mj-lt"/>
+              <a:ea typeface="+mj-ea"/>
+              <a:cs typeface="+mj-cs"/>
+              <a:sym typeface="Helvetica"/>
+            </a:endParaRPr>
+          </a:p>
+        </p:txBody>
+      </p:sp>
+      <p:sp>
+        <p:nvSpPr>
+          <p:cNvPr id="8" name="Rettangolo 7"/>
+          <p:cNvSpPr/>
+          <p:nvPr/>
+        </p:nvSpPr>
+        <p:spPr>
+          <a:xfrm>
+            <a:off x="4073508" y="7948634"/>
+            <a:ext cx="776294" cy="687368"/>
+          </a:xfrm>
+          <a:prstGeom prst="rect">
+            <a:avLst/>
+          </a:prstGeom>
+          <a:solidFill>
+            <a:srgbClr val="002060"/>
+          </a:solidFill>
+          <a:ln w="25400" cap="flat">
+            <a:solidFill>
+              <a:srgbClr val="0065C1"/>
+            </a:solidFill>
+            <a:prstDash val="solid"/>
+            <a:bevel/>
+          </a:ln>
+          <a:effectLst>
+            <a:outerShdw blurRad="76200" dir="18900000" rotWithShape="0">
+              <a:srgbClr val="000000">
+                <a:alpha val="80000"/>
+              </a:srgbClr>
+            </a:outerShdw>
+          </a:effectLst>
+        </p:spPr>
+        <p:style>
+          <a:lnRef idx="0">
+            <a:scrgbClr r="0" g="0" b="0"/>
+          </a:lnRef>
+          <a:fillRef idx="0">
+            <a:scrgbClr r="0" g="0" b="0"/>
+          </a:fillRef>
+          <a:effectRef idx="0">
+            <a:scrgbClr r="0" g="0" b="0"/>
+          </a:effectRef>
+          <a:fontRef idx="none"/>
+        </p:style>
+        <p:txBody>
+          <a:bodyPr rot="0" spcFirstLastPara="1" vertOverflow="overflow" horzOverflow="overflow" vert="horz" wrap="square" lIns="50800" tIns="50800" rIns="50800" bIns="50800" numCol="1" spcCol="38100" rtlCol="0" anchor="ctr">
+            <a:spAutoFit/>
+          </a:bodyPr>
+          <a:lstStyle/>
+          <a:p>
+            <a:pPr marL="0" marR="0" indent="0" algn="ctr" defTabSz="584200" rtl="0" fontAlgn="auto" latinLnBrk="1" hangingPunct="0">
+              <a:lnSpc>
+                <a:spcPct val="100000"/>
+              </a:lnSpc>
+              <a:spcBef>
+                <a:spcPts val="0"/>
+              </a:spcBef>
+              <a:spcAft>
+                <a:spcPts val="0"/>
+              </a:spcAft>
+              <a:buClrTx/>
+              <a:buSzTx/>
+              <a:buFontTx/>
+              <a:buNone/>
+              <a:tabLst/>
+            </a:pPr>
+            <a:r>
+              <a:rPr kumimoji="0" lang="it-IT" sz="3800" b="0" i="0" u="none" strike="noStrike" cap="none" spc="0" normalizeH="0" baseline="0" dirty="0" smtClean="0">
+                <a:ln>
+                  <a:noFill/>
+                </a:ln>
+                <a:solidFill>
+                  <a:srgbClr val="FFFFFF"/>
+                </a:solidFill>
+                <a:effectLst/>
+                <a:uFillTx/>
+                <a:latin typeface="+mj-lt"/>
+                <a:ea typeface="+mj-ea"/>
+                <a:cs typeface="+mj-cs"/>
+                <a:sym typeface="Helvetica"/>
+              </a:rPr>
+              <a:t>15</a:t>
+            </a:r>
+            <a:endParaRPr kumimoji="0" lang="it-IT" sz="3800" b="0" i="0" u="none" strike="noStrike" cap="none" spc="0" normalizeH="0" baseline="0" dirty="0">
+              <a:ln>
+                <a:noFill/>
+              </a:ln>
+              <a:solidFill>
+                <a:srgbClr val="FFFFFF"/>
+              </a:solidFill>
+              <a:effectLst/>
+              <a:uFillTx/>
+              <a:latin typeface="+mj-lt"/>
+              <a:ea typeface="+mj-ea"/>
+              <a:cs typeface="+mj-cs"/>
+              <a:sym typeface="Helvetica"/>
+            </a:endParaRPr>
+          </a:p>
+        </p:txBody>
+      </p:sp>
+      <p:sp>
+        <p:nvSpPr>
+          <p:cNvPr id="9" name="CasellaDiTesto 8"/>
+          <p:cNvSpPr txBox="1"/>
+          <p:nvPr/>
+        </p:nvSpPr>
+        <p:spPr>
+          <a:xfrm>
+            <a:off x="930236" y="8663014"/>
+            <a:ext cx="2571768" cy="348813"/>
+          </a:xfrm>
+          <a:prstGeom prst="rect">
+            <a:avLst/>
+          </a:prstGeom>
+          <a:noFill/>
+          <a:ln w="12700" cap="flat">
+            <a:noFill/>
+            <a:miter lim="400000"/>
+          </a:ln>
+          <a:effectLst/>
+        </p:spPr>
+        <p:style>
+          <a:lnRef idx="0">
+            <a:scrgbClr r="0" g="0" b="0"/>
+          </a:lnRef>
+          <a:fillRef idx="0">
+            <a:scrgbClr r="0" g="0" b="0"/>
+          </a:fillRef>
+          <a:effectRef idx="0">
+            <a:scrgbClr r="0" g="0" b="0"/>
+          </a:effectRef>
+          <a:fontRef idx="none"/>
+        </p:style>
+        <p:txBody>
+          <a:bodyPr rot="0" spcFirstLastPara="1" vertOverflow="overflow" horzOverflow="overflow" vert="horz" wrap="square" lIns="50800" tIns="50800" rIns="50800" bIns="50800" numCol="1" spcCol="38100" rtlCol="0" anchor="ctr">
+            <a:spAutoFit/>
+          </a:bodyPr>
+          <a:lstStyle/>
+          <a:p>
+            <a:pPr marL="0" marR="0" indent="0" algn="ctr" defTabSz="584200" rtl="0" fontAlgn="auto" latinLnBrk="1" hangingPunct="0">
+              <a:lnSpc>
+                <a:spcPct val="100000"/>
+              </a:lnSpc>
+              <a:spcBef>
+                <a:spcPts val="0"/>
+              </a:spcBef>
+              <a:spcAft>
+                <a:spcPts val="0"/>
+              </a:spcAft>
+              <a:buClrTx/>
+              <a:buSzTx/>
+              <a:buFontTx/>
+              <a:buNone/>
+              <a:tabLst/>
+            </a:pPr>
+            <a:r>
+              <a:rPr kumimoji="0" lang="it-IT" sz="1600" b="0" i="0" u="none" strike="noStrike" cap="none" spc="0" normalizeH="0" baseline="0" dirty="0" smtClean="0">
+                <a:ln>
+                  <a:noFill/>
+                </a:ln>
+                <a:solidFill>
+                  <a:srgbClr val="FFFFFF"/>
+                </a:solidFill>
+                <a:effectLst/>
+                <a:uFillTx/>
+                <a:latin typeface="+mj-lt"/>
+                <a:ea typeface="+mj-ea"/>
+                <a:cs typeface="+mj-cs"/>
+                <a:sym typeface="Helvetica"/>
+              </a:rPr>
+              <a:t>selezionato</a:t>
+            </a:r>
+            <a:endParaRPr kumimoji="0" lang="it-IT" sz="1600" b="0" i="0" u="none" strike="noStrike" cap="none" spc="0" normalizeH="0" baseline="0" dirty="0">
+              <a:ln>
+                <a:noFill/>
+              </a:ln>
+              <a:solidFill>
+                <a:srgbClr val="FFFFFF"/>
+              </a:solidFill>
+              <a:effectLst/>
+              <a:uFillTx/>
+              <a:latin typeface="+mj-lt"/>
+              <a:ea typeface="+mj-ea"/>
+              <a:cs typeface="+mj-cs"/>
+              <a:sym typeface="Helvetica"/>
+            </a:endParaRPr>
+          </a:p>
+        </p:txBody>
+      </p:sp>
+      <p:sp>
+        <p:nvSpPr>
+          <p:cNvPr id="10" name="CasellaDiTesto 9"/>
+          <p:cNvSpPr txBox="1"/>
+          <p:nvPr/>
+        </p:nvSpPr>
+        <p:spPr>
+          <a:xfrm>
+            <a:off x="1001674" y="7520006"/>
+            <a:ext cx="3857652" cy="348813"/>
+          </a:xfrm>
+          <a:prstGeom prst="rect">
+            <a:avLst/>
+          </a:prstGeom>
+          <a:noFill/>
+          <a:ln w="12700" cap="flat">
+            <a:noFill/>
+            <a:miter lim="400000"/>
+          </a:ln>
+          <a:effectLst/>
+        </p:spPr>
+        <p:style>
+          <a:lnRef idx="0">
+            <a:scrgbClr r="0" g="0" b="0"/>
+          </a:lnRef>
+          <a:fillRef idx="0">
+            <a:scrgbClr r="0" g="0" b="0"/>
+          </a:fillRef>
+          <a:effectRef idx="0">
+            <a:scrgbClr r="0" g="0" b="0"/>
+          </a:effectRef>
+          <a:fontRef idx="none"/>
+        </p:style>
+        <p:txBody>
+          <a:bodyPr rot="0" spcFirstLastPara="1" vertOverflow="overflow" horzOverflow="overflow" vert="horz" wrap="square" lIns="50800" tIns="50800" rIns="50800" bIns="50800" numCol="1" spcCol="38100" rtlCol="0" anchor="ctr">
+            <a:spAutoFit/>
+          </a:bodyPr>
+          <a:lstStyle/>
+          <a:p>
+            <a:pPr marL="0" marR="0" indent="0" algn="ctr" defTabSz="584200" rtl="0" fontAlgn="auto" latinLnBrk="1" hangingPunct="0">
+              <a:lnSpc>
+                <a:spcPct val="100000"/>
+              </a:lnSpc>
+              <a:spcBef>
+                <a:spcPts val="0"/>
+              </a:spcBef>
+              <a:spcAft>
+                <a:spcPts val="0"/>
+              </a:spcAft>
+              <a:buClrTx/>
+              <a:buSzTx/>
+              <a:buFontTx/>
+              <a:buNone/>
+              <a:tabLst/>
+            </a:pPr>
+            <a:r>
+              <a:rPr lang="it-IT" sz="1600" dirty="0" smtClean="0"/>
+              <a:t>Cella casuale da 0 a 14</a:t>
+            </a:r>
+            <a:endParaRPr kumimoji="0" lang="it-IT" sz="1600" b="0" i="0" u="none" strike="noStrike" cap="none" spc="0" normalizeH="0" baseline="0" dirty="0">
+              <a:ln>
+                <a:noFill/>
+              </a:ln>
+              <a:solidFill>
+                <a:srgbClr val="FFFFFF"/>
+              </a:solidFill>
+              <a:effectLst/>
+              <a:uFillTx/>
+              <a:latin typeface="+mj-lt"/>
+              <a:ea typeface="+mj-ea"/>
+              <a:cs typeface="+mj-cs"/>
+              <a:sym typeface="Helvetica"/>
+            </a:endParaRPr>
+          </a:p>
+        </p:txBody>
+      </p:sp>
+      <p:sp>
+        <p:nvSpPr>
+          <p:cNvPr id="13" name="Freccia a destra 12"/>
+          <p:cNvSpPr/>
+          <p:nvPr/>
+        </p:nvSpPr>
+        <p:spPr>
+          <a:xfrm>
+            <a:off x="5145078" y="8091510"/>
+            <a:ext cx="857256" cy="357190"/>
+          </a:xfrm>
+          <a:prstGeom prst="rightArrow">
+            <a:avLst/>
+          </a:prstGeom>
+          <a:solidFill>
+            <a:srgbClr val="002060"/>
+          </a:solidFill>
+          <a:ln w="25400" cap="flat">
+            <a:solidFill>
+              <a:srgbClr val="0065C1"/>
+            </a:solidFill>
+            <a:prstDash val="solid"/>
+            <a:bevel/>
+          </a:ln>
+          <a:effectLst>
+            <a:outerShdw blurRad="76200" dir="18900000" rotWithShape="0">
+              <a:srgbClr val="000000">
+                <a:alpha val="80000"/>
+              </a:srgbClr>
+            </a:outerShdw>
+          </a:effectLst>
+        </p:spPr>
+        <p:style>
+          <a:lnRef idx="0">
+            <a:scrgbClr r="0" g="0" b="0"/>
+          </a:lnRef>
+          <a:fillRef idx="0">
+            <a:scrgbClr r="0" g="0" b="0"/>
+          </a:fillRef>
+          <a:effectRef idx="0">
+            <a:scrgbClr r="0" g="0" b="0"/>
+          </a:effectRef>
+          <a:fontRef idx="none"/>
+        </p:style>
+        <p:txBody>
+          <a:bodyPr rot="0" spcFirstLastPara="1" vertOverflow="overflow" horzOverflow="overflow" vert="horz" wrap="square" lIns="50800" tIns="50800" rIns="50800" bIns="50800" numCol="1" spcCol="38100" rtlCol="0" anchor="ctr">
+            <a:spAutoFit/>
+          </a:bodyPr>
+          <a:lstStyle/>
+          <a:p>
+            <a:pPr marL="0" marR="0" indent="0" algn="ctr" defTabSz="584200" rtl="0" fontAlgn="auto" latinLnBrk="1" hangingPunct="0">
+              <a:lnSpc>
+                <a:spcPct val="100000"/>
+              </a:lnSpc>
+              <a:spcBef>
+                <a:spcPts val="0"/>
+              </a:spcBef>
+              <a:spcAft>
+                <a:spcPts val="0"/>
+              </a:spcAft>
+              <a:buClrTx/>
+              <a:buSzTx/>
+              <a:buFontTx/>
+              <a:buNone/>
+              <a:tabLst/>
+            </a:pPr>
+            <a:endParaRPr kumimoji="0" lang="it-IT" sz="3800" b="0" i="0" u="none" strike="noStrike" cap="none" spc="0" normalizeH="0" baseline="0">
+              <a:ln>
+                <a:noFill/>
+              </a:ln>
+              <a:solidFill>
+                <a:srgbClr val="FFFFFF"/>
+              </a:solidFill>
+              <a:effectLst/>
+              <a:uFillTx/>
+              <a:latin typeface="+mj-lt"/>
+              <a:ea typeface="+mj-ea"/>
+              <a:cs typeface="+mj-cs"/>
+              <a:sym typeface="Helvetica"/>
+            </a:endParaRPr>
+          </a:p>
+        </p:txBody>
+      </p:sp>
+      <p:sp>
+        <p:nvSpPr>
+          <p:cNvPr id="14" name="Rettangolo 13"/>
+          <p:cNvSpPr/>
+          <p:nvPr/>
+        </p:nvSpPr>
+        <p:spPr>
+          <a:xfrm>
+            <a:off x="6216648" y="7948634"/>
+            <a:ext cx="785818" cy="687368"/>
+          </a:xfrm>
+          <a:prstGeom prst="rect">
+            <a:avLst/>
+          </a:prstGeom>
+          <a:solidFill>
+            <a:srgbClr val="002060"/>
+          </a:solidFill>
+          <a:ln w="25400" cap="flat">
+            <a:solidFill>
+              <a:srgbClr val="0065C1"/>
+            </a:solidFill>
+            <a:prstDash val="solid"/>
+            <a:bevel/>
+          </a:ln>
+          <a:effectLst>
+            <a:outerShdw blurRad="76200" dir="18900000" rotWithShape="0">
+              <a:srgbClr val="000000">
+                <a:alpha val="80000"/>
+              </a:srgbClr>
+            </a:outerShdw>
+          </a:effectLst>
+        </p:spPr>
+        <p:style>
+          <a:lnRef idx="0">
+            <a:scrgbClr r="0" g="0" b="0"/>
+          </a:lnRef>
+          <a:fillRef idx="0">
+            <a:scrgbClr r="0" g="0" b="0"/>
+          </a:fillRef>
+          <a:effectRef idx="0">
+            <a:scrgbClr r="0" g="0" b="0"/>
+          </a:effectRef>
+          <a:fontRef idx="none"/>
+        </p:style>
+        <p:txBody>
+          <a:bodyPr rot="0" spcFirstLastPara="1" vertOverflow="overflow" horzOverflow="overflow" vert="horz" wrap="square" lIns="50800" tIns="50800" rIns="50800" bIns="50800" numCol="1" spcCol="38100" rtlCol="0" anchor="ctr">
+            <a:spAutoFit/>
+          </a:bodyPr>
+          <a:lstStyle/>
+          <a:p>
+            <a:pPr marL="0" marR="0" indent="0" algn="ctr" defTabSz="584200" rtl="0" fontAlgn="auto" latinLnBrk="1" hangingPunct="0">
+              <a:lnSpc>
+                <a:spcPct val="100000"/>
+              </a:lnSpc>
+              <a:spcBef>
+                <a:spcPts val="0"/>
+              </a:spcBef>
+              <a:spcAft>
+                <a:spcPts val="0"/>
+              </a:spcAft>
+              <a:buClrTx/>
+              <a:buSzTx/>
+              <a:buFontTx/>
+              <a:buNone/>
+              <a:tabLst/>
+            </a:pPr>
+            <a:r>
+              <a:rPr kumimoji="0" lang="it-IT" sz="3800" b="0" i="0" u="none" strike="noStrike" cap="none" spc="0" normalizeH="0" baseline="0" dirty="0" smtClean="0">
+                <a:ln>
+                  <a:noFill/>
+                </a:ln>
+                <a:solidFill>
+                  <a:srgbClr val="FFFFFF"/>
+                </a:solidFill>
+                <a:effectLst/>
+                <a:uFillTx/>
+                <a:latin typeface="+mj-lt"/>
+                <a:ea typeface="+mj-ea"/>
+                <a:cs typeface="+mj-cs"/>
+                <a:sym typeface="Helvetica"/>
+              </a:rPr>
+              <a:t>1</a:t>
+            </a:r>
+            <a:endParaRPr kumimoji="0" lang="it-IT" sz="3800" b="0" i="0" u="none" strike="noStrike" cap="none" spc="0" normalizeH="0" baseline="0" dirty="0">
+              <a:ln>
+                <a:noFill/>
+              </a:ln>
+              <a:solidFill>
+                <a:srgbClr val="FFFFFF"/>
+              </a:solidFill>
+              <a:effectLst/>
+              <a:uFillTx/>
+              <a:latin typeface="+mj-lt"/>
+              <a:ea typeface="+mj-ea"/>
+              <a:cs typeface="+mj-cs"/>
+              <a:sym typeface="Helvetica"/>
+            </a:endParaRPr>
+          </a:p>
+        </p:txBody>
+      </p:sp>
+      <p:sp>
+        <p:nvSpPr>
+          <p:cNvPr id="15" name="Rettangolo 14"/>
+          <p:cNvSpPr/>
+          <p:nvPr/>
+        </p:nvSpPr>
+        <p:spPr>
+          <a:xfrm>
+            <a:off x="7002466" y="7948634"/>
+            <a:ext cx="785818" cy="687368"/>
+          </a:xfrm>
+          <a:prstGeom prst="rect">
+            <a:avLst/>
+          </a:prstGeom>
+          <a:solidFill>
+            <a:srgbClr val="002060"/>
+          </a:solidFill>
+          <a:ln w="25400" cap="flat">
+            <a:solidFill>
+              <a:srgbClr val="0065C1"/>
+            </a:solidFill>
+            <a:prstDash val="solid"/>
+            <a:bevel/>
+          </a:ln>
+          <a:effectLst>
+            <a:outerShdw blurRad="76200" dir="18900000" rotWithShape="0">
+              <a:srgbClr val="000000">
+                <a:alpha val="80000"/>
+              </a:srgbClr>
+            </a:outerShdw>
+          </a:effectLst>
+        </p:spPr>
+        <p:style>
+          <a:lnRef idx="0">
+            <a:scrgbClr r="0" g="0" b="0"/>
+          </a:lnRef>
+          <a:fillRef idx="0">
+            <a:scrgbClr r="0" g="0" b="0"/>
+          </a:fillRef>
+          <a:effectRef idx="0">
+            <a:scrgbClr r="0" g="0" b="0"/>
+          </a:effectRef>
+          <a:fontRef idx="none"/>
+        </p:style>
+        <p:txBody>
+          <a:bodyPr rot="0" spcFirstLastPara="1" vertOverflow="overflow" horzOverflow="overflow" vert="horz" wrap="square" lIns="50800" tIns="50800" rIns="50800" bIns="50800" numCol="1" spcCol="38100" rtlCol="0" anchor="ctr">
+            <a:spAutoFit/>
+          </a:bodyPr>
+          <a:lstStyle/>
+          <a:p>
+            <a:pPr marL="0" marR="0" indent="0" algn="ctr" defTabSz="584200" rtl="0" fontAlgn="auto" latinLnBrk="1" hangingPunct="0">
+              <a:lnSpc>
+                <a:spcPct val="100000"/>
+              </a:lnSpc>
+              <a:spcBef>
+                <a:spcPts val="0"/>
+              </a:spcBef>
+              <a:spcAft>
+                <a:spcPts val="0"/>
+              </a:spcAft>
+              <a:buClrTx/>
+              <a:buSzTx/>
+              <a:buFontTx/>
+              <a:buNone/>
+              <a:tabLst/>
+            </a:pPr>
+            <a:r>
+              <a:rPr lang="it-IT" dirty="0" smtClean="0"/>
+              <a:t>15</a:t>
+            </a:r>
+            <a:endParaRPr kumimoji="0" lang="it-IT" sz="3800" b="0" i="0" u="none" strike="noStrike" cap="none" spc="0" normalizeH="0" baseline="0" dirty="0">
+              <a:ln>
+                <a:noFill/>
+              </a:ln>
+              <a:solidFill>
+                <a:srgbClr val="FFFFFF"/>
+              </a:solidFill>
+              <a:effectLst/>
+              <a:uFillTx/>
+              <a:latin typeface="+mj-lt"/>
+              <a:ea typeface="+mj-ea"/>
+              <a:cs typeface="+mj-cs"/>
+              <a:sym typeface="Helvetica"/>
+            </a:endParaRPr>
+          </a:p>
+        </p:txBody>
+      </p:sp>
+      <p:sp>
+        <p:nvSpPr>
+          <p:cNvPr id="16" name="Rettangolo 15"/>
+          <p:cNvSpPr/>
+          <p:nvPr/>
+        </p:nvSpPr>
+        <p:spPr>
+          <a:xfrm>
+            <a:off x="7788284" y="7948634"/>
+            <a:ext cx="776294" cy="687368"/>
+          </a:xfrm>
+          <a:prstGeom prst="rect">
+            <a:avLst/>
+          </a:prstGeom>
+          <a:solidFill>
+            <a:srgbClr val="002060"/>
+          </a:solidFill>
+          <a:ln w="25400" cap="flat">
+            <a:solidFill>
+              <a:srgbClr val="0065C1"/>
+            </a:solidFill>
+            <a:prstDash val="solid"/>
+            <a:bevel/>
+          </a:ln>
+          <a:effectLst>
+            <a:outerShdw blurRad="76200" dir="18900000" rotWithShape="0">
+              <a:srgbClr val="000000">
+                <a:alpha val="80000"/>
+              </a:srgbClr>
+            </a:outerShdw>
+          </a:effectLst>
+        </p:spPr>
+        <p:style>
+          <a:lnRef idx="0">
+            <a:scrgbClr r="0" g="0" b="0"/>
+          </a:lnRef>
+          <a:fillRef idx="0">
+            <a:scrgbClr r="0" g="0" b="0"/>
+          </a:fillRef>
+          <a:effectRef idx="0">
+            <a:scrgbClr r="0" g="0" b="0"/>
+          </a:effectRef>
+          <a:fontRef idx="none"/>
+        </p:style>
+        <p:txBody>
+          <a:bodyPr rot="0" spcFirstLastPara="1" vertOverflow="overflow" horzOverflow="overflow" vert="horz" wrap="square" lIns="50800" tIns="50800" rIns="50800" bIns="50800" numCol="1" spcCol="38100" rtlCol="0" anchor="ctr">
+            <a:spAutoFit/>
+          </a:bodyPr>
+          <a:lstStyle/>
+          <a:p>
+            <a:pPr marL="0" marR="0" indent="0" algn="ctr" defTabSz="584200" rtl="0" fontAlgn="auto" latinLnBrk="1" hangingPunct="0">
+              <a:lnSpc>
+                <a:spcPct val="100000"/>
+              </a:lnSpc>
+              <a:spcBef>
+                <a:spcPts val="0"/>
+              </a:spcBef>
+              <a:spcAft>
+                <a:spcPts val="0"/>
+              </a:spcAft>
+              <a:buClrTx/>
+              <a:buSzTx/>
+              <a:buFontTx/>
+              <a:buNone/>
+              <a:tabLst/>
+            </a:pPr>
+            <a:r>
+              <a:rPr kumimoji="0" lang="it-IT" sz="3800" b="0" i="0" u="none" strike="noStrike" cap="none" spc="0" normalizeH="0" baseline="0" dirty="0" smtClean="0">
+                <a:ln>
+                  <a:noFill/>
+                </a:ln>
+                <a:solidFill>
+                  <a:srgbClr val="FFFFFF"/>
+                </a:solidFill>
+                <a:effectLst/>
+                <a:uFillTx/>
+                <a:latin typeface="+mj-lt"/>
+                <a:ea typeface="+mj-ea"/>
+                <a:cs typeface="+mj-cs"/>
+                <a:sym typeface="Helvetica"/>
+              </a:rPr>
+              <a:t>…</a:t>
+            </a:r>
+            <a:endParaRPr kumimoji="0" lang="it-IT" sz="3800" b="0" i="0" u="none" strike="noStrike" cap="none" spc="0" normalizeH="0" baseline="0" dirty="0">
+              <a:ln>
+                <a:noFill/>
+              </a:ln>
+              <a:solidFill>
+                <a:srgbClr val="FFFFFF"/>
+              </a:solidFill>
+              <a:effectLst/>
+              <a:uFillTx/>
+              <a:latin typeface="+mj-lt"/>
+              <a:ea typeface="+mj-ea"/>
+              <a:cs typeface="+mj-cs"/>
+              <a:sym typeface="Helvetica"/>
+            </a:endParaRPr>
+          </a:p>
+        </p:txBody>
+      </p:sp>
+      <p:sp>
+        <p:nvSpPr>
+          <p:cNvPr id="17" name="Rettangolo 16"/>
+          <p:cNvSpPr/>
+          <p:nvPr/>
+        </p:nvSpPr>
+        <p:spPr>
+          <a:xfrm>
+            <a:off x="8574102" y="7948634"/>
+            <a:ext cx="776294" cy="687368"/>
+          </a:xfrm>
+          <a:prstGeom prst="rect">
+            <a:avLst/>
+          </a:prstGeom>
+          <a:solidFill>
+            <a:srgbClr val="002060"/>
+          </a:solidFill>
+          <a:ln w="25400" cap="flat">
+            <a:solidFill>
+              <a:srgbClr val="0065C1"/>
+            </a:solidFill>
+            <a:prstDash val="solid"/>
+            <a:bevel/>
+          </a:ln>
+          <a:effectLst>
+            <a:outerShdw blurRad="76200" dir="18900000" rotWithShape="0">
+              <a:srgbClr val="000000">
+                <a:alpha val="80000"/>
+              </a:srgbClr>
+            </a:outerShdw>
+          </a:effectLst>
+        </p:spPr>
+        <p:style>
+          <a:lnRef idx="0">
+            <a:scrgbClr r="0" g="0" b="0"/>
+          </a:lnRef>
+          <a:fillRef idx="0">
+            <a:scrgbClr r="0" g="0" b="0"/>
+          </a:fillRef>
+          <a:effectRef idx="0">
+            <a:scrgbClr r="0" g="0" b="0"/>
+          </a:effectRef>
+          <a:fontRef idx="none"/>
+        </p:style>
+        <p:txBody>
+          <a:bodyPr rot="0" spcFirstLastPara="1" vertOverflow="overflow" horzOverflow="overflow" vert="horz" wrap="square" lIns="50800" tIns="50800" rIns="50800" bIns="50800" numCol="1" spcCol="38100" rtlCol="0" anchor="ctr">
+            <a:spAutoFit/>
+          </a:bodyPr>
+          <a:lstStyle/>
+          <a:p>
+            <a:pPr marL="0" marR="0" indent="0" algn="ctr" defTabSz="584200" rtl="0" fontAlgn="auto" latinLnBrk="1" hangingPunct="0">
+              <a:lnSpc>
+                <a:spcPct val="100000"/>
+              </a:lnSpc>
+              <a:spcBef>
+                <a:spcPts val="0"/>
+              </a:spcBef>
+              <a:spcAft>
+                <a:spcPts val="0"/>
+              </a:spcAft>
+              <a:buClrTx/>
+              <a:buSzTx/>
+              <a:buFontTx/>
+              <a:buNone/>
+              <a:tabLst/>
+            </a:pPr>
+            <a:r>
+              <a:rPr kumimoji="0" lang="it-IT" sz="3800" b="0" i="0" u="none" strike="noStrike" cap="none" spc="0" normalizeH="0" baseline="0" dirty="0" smtClean="0">
+                <a:ln>
+                  <a:noFill/>
+                </a:ln>
+                <a:solidFill>
+                  <a:srgbClr val="FFFFFF"/>
+                </a:solidFill>
+                <a:effectLst/>
+                <a:uFillTx/>
+                <a:latin typeface="+mj-lt"/>
+                <a:ea typeface="+mj-ea"/>
+                <a:cs typeface="+mj-cs"/>
+                <a:sym typeface="Helvetica"/>
+              </a:rPr>
+              <a:t>14</a:t>
+            </a:r>
+            <a:endParaRPr kumimoji="0" lang="it-IT" sz="3800" b="0" i="0" u="none" strike="noStrike" cap="none" spc="0" normalizeH="0" baseline="0" dirty="0">
+              <a:ln>
+                <a:noFill/>
+              </a:ln>
+              <a:solidFill>
+                <a:srgbClr val="FFFFFF"/>
+              </a:solidFill>
+              <a:effectLst/>
+              <a:uFillTx/>
+              <a:latin typeface="+mj-lt"/>
+              <a:ea typeface="+mj-ea"/>
+              <a:cs typeface="+mj-cs"/>
+              <a:sym typeface="Helvetica"/>
+            </a:endParaRPr>
+          </a:p>
+        </p:txBody>
+      </p:sp>
+      <p:sp>
+        <p:nvSpPr>
+          <p:cNvPr id="18" name="Rettangolo 17"/>
+          <p:cNvSpPr/>
+          <p:nvPr/>
+        </p:nvSpPr>
+        <p:spPr>
+          <a:xfrm>
+            <a:off x="9288482" y="7948634"/>
+            <a:ext cx="776294" cy="687368"/>
+          </a:xfrm>
+          <a:prstGeom prst="rect">
+            <a:avLst/>
+          </a:prstGeom>
+          <a:solidFill>
+            <a:srgbClr val="7030A0"/>
+          </a:solidFill>
+          <a:ln w="25400" cap="flat">
+            <a:solidFill>
+              <a:srgbClr val="0065C1"/>
+            </a:solidFill>
+            <a:prstDash val="solid"/>
+            <a:bevel/>
+          </a:ln>
+          <a:effectLst>
+            <a:outerShdw blurRad="76200" dir="18900000" rotWithShape="0">
+              <a:srgbClr val="000000">
+                <a:alpha val="80000"/>
+              </a:srgbClr>
+            </a:outerShdw>
+          </a:effectLst>
+        </p:spPr>
+        <p:style>
+          <a:lnRef idx="0">
+            <a:scrgbClr r="0" g="0" b="0"/>
+          </a:lnRef>
+          <a:fillRef idx="0">
+            <a:scrgbClr r="0" g="0" b="0"/>
+          </a:fillRef>
+          <a:effectRef idx="0">
+            <a:scrgbClr r="0" g="0" b="0"/>
+          </a:effectRef>
+          <a:fontRef idx="none"/>
+        </p:style>
+        <p:txBody>
+          <a:bodyPr rot="0" spcFirstLastPara="1" vertOverflow="overflow" horzOverflow="overflow" vert="horz" wrap="square" lIns="50800" tIns="50800" rIns="50800" bIns="50800" numCol="1" spcCol="38100" rtlCol="0" anchor="ctr">
+            <a:spAutoFit/>
+          </a:bodyPr>
+          <a:lstStyle/>
+          <a:p>
+            <a:pPr marL="0" marR="0" indent="0" algn="ctr" defTabSz="584200" rtl="0" fontAlgn="auto" latinLnBrk="1" hangingPunct="0">
+              <a:lnSpc>
+                <a:spcPct val="100000"/>
+              </a:lnSpc>
+              <a:spcBef>
+                <a:spcPts val="0"/>
+              </a:spcBef>
+              <a:spcAft>
+                <a:spcPts val="0"/>
+              </a:spcAft>
+              <a:buClrTx/>
+              <a:buSzTx/>
+              <a:buFontTx/>
+              <a:buNone/>
+              <a:tabLst/>
+            </a:pPr>
+            <a:r>
+              <a:rPr kumimoji="0" lang="it-IT" sz="3800" b="0" i="0" u="none" strike="noStrike" cap="none" spc="0" normalizeH="0" baseline="0" dirty="0" smtClean="0">
+                <a:ln>
+                  <a:noFill/>
+                </a:ln>
+                <a:solidFill>
+                  <a:srgbClr val="FFFFFF"/>
+                </a:solidFill>
+                <a:effectLst/>
+                <a:uFillTx/>
+                <a:latin typeface="+mj-lt"/>
+                <a:ea typeface="+mj-ea"/>
+                <a:cs typeface="+mj-cs"/>
+                <a:sym typeface="Helvetica"/>
+              </a:rPr>
+              <a:t>2</a:t>
+            </a:r>
+            <a:endParaRPr kumimoji="0" lang="it-IT" sz="3800" b="0" i="0" u="none" strike="noStrike" cap="none" spc="0" normalizeH="0" baseline="0" dirty="0">
+              <a:ln>
+                <a:noFill/>
+              </a:ln>
+              <a:solidFill>
+                <a:srgbClr val="FFFFFF"/>
+              </a:solidFill>
+              <a:effectLst/>
+              <a:uFillTx/>
+              <a:latin typeface="+mj-lt"/>
+              <a:ea typeface="+mj-ea"/>
+              <a:cs typeface="+mj-cs"/>
+              <a:sym typeface="Helvetica"/>
+            </a:endParaRPr>
+          </a:p>
+        </p:txBody>
+      </p:sp>
+      <p:sp>
+        <p:nvSpPr>
+          <p:cNvPr id="20" name="CasellaDiTesto 19"/>
+          <p:cNvSpPr txBox="1"/>
+          <p:nvPr/>
+        </p:nvSpPr>
+        <p:spPr>
+          <a:xfrm>
+            <a:off x="6216648" y="7520006"/>
+            <a:ext cx="3857652" cy="348813"/>
+          </a:xfrm>
+          <a:prstGeom prst="rect">
+            <a:avLst/>
+          </a:prstGeom>
+          <a:noFill/>
+          <a:ln w="12700" cap="flat">
+            <a:noFill/>
+            <a:miter lim="400000"/>
+          </a:ln>
+          <a:effectLst/>
+        </p:spPr>
+        <p:style>
+          <a:lnRef idx="0">
+            <a:scrgbClr r="0" g="0" b="0"/>
+          </a:lnRef>
+          <a:fillRef idx="0">
+            <a:scrgbClr r="0" g="0" b="0"/>
+          </a:fillRef>
+          <a:effectRef idx="0">
+            <a:scrgbClr r="0" g="0" b="0"/>
+          </a:effectRef>
+          <a:fontRef idx="none"/>
+        </p:style>
+        <p:txBody>
+          <a:bodyPr rot="0" spcFirstLastPara="1" vertOverflow="overflow" horzOverflow="overflow" vert="horz" wrap="square" lIns="50800" tIns="50800" rIns="50800" bIns="50800" numCol="1" spcCol="38100" rtlCol="0" anchor="ctr">
+            <a:spAutoFit/>
+          </a:bodyPr>
+          <a:lstStyle/>
+          <a:p>
+            <a:pPr marL="0" marR="0" indent="0" algn="ctr" defTabSz="584200" rtl="0" fontAlgn="auto" latinLnBrk="1" hangingPunct="0">
+              <a:lnSpc>
+                <a:spcPct val="100000"/>
+              </a:lnSpc>
+              <a:spcBef>
+                <a:spcPts val="0"/>
+              </a:spcBef>
+              <a:spcAft>
+                <a:spcPts val="0"/>
+              </a:spcAft>
+              <a:buClrTx/>
+              <a:buSzTx/>
+              <a:buFontTx/>
+              <a:buNone/>
+              <a:tabLst/>
+            </a:pPr>
+            <a:r>
+              <a:rPr lang="it-IT" sz="1600" dirty="0" smtClean="0"/>
+              <a:t>Cella casuale da 0 a 13</a:t>
+            </a:r>
+            <a:endParaRPr kumimoji="0" lang="it-IT" sz="1600" b="0" i="0" u="none" strike="noStrike" cap="none" spc="0" normalizeH="0" baseline="0" dirty="0">
+              <a:ln>
+                <a:noFill/>
+              </a:ln>
+              <a:solidFill>
+                <a:srgbClr val="FFFFFF"/>
+              </a:solidFill>
+              <a:effectLst/>
+              <a:uFillTx/>
+              <a:latin typeface="+mj-lt"/>
+              <a:ea typeface="+mj-ea"/>
+              <a:cs typeface="+mj-cs"/>
+              <a:sym typeface="Helvetica"/>
+            </a:endParaRPr>
+          </a:p>
+        </p:txBody>
+      </p:sp>
+      <p:sp>
+        <p:nvSpPr>
+          <p:cNvPr id="35" name="CasellaDiTesto 34"/>
+          <p:cNvSpPr txBox="1"/>
+          <p:nvPr/>
+        </p:nvSpPr>
+        <p:spPr>
+          <a:xfrm>
+            <a:off x="4216384" y="7805758"/>
+            <a:ext cx="2571768" cy="348813"/>
+          </a:xfrm>
+          <a:prstGeom prst="rect">
+            <a:avLst/>
+          </a:prstGeom>
+          <a:noFill/>
+          <a:ln w="12700" cap="flat">
+            <a:noFill/>
+            <a:miter lim="400000"/>
+          </a:ln>
+          <a:effectLst/>
+        </p:spPr>
+        <p:style>
+          <a:lnRef idx="0">
+            <a:scrgbClr r="0" g="0" b="0"/>
+          </a:lnRef>
+          <a:fillRef idx="0">
+            <a:scrgbClr r="0" g="0" b="0"/>
+          </a:fillRef>
+          <a:effectRef idx="0">
+            <a:scrgbClr r="0" g="0" b="0"/>
+          </a:effectRef>
+          <a:fontRef idx="none"/>
+        </p:style>
+        <p:txBody>
+          <a:bodyPr rot="0" spcFirstLastPara="1" vertOverflow="overflow" horzOverflow="overflow" vert="horz" wrap="square" lIns="50800" tIns="50800" rIns="50800" bIns="50800" numCol="1" spcCol="38100" rtlCol="0" anchor="ctr">
+            <a:spAutoFit/>
+          </a:bodyPr>
+          <a:lstStyle/>
+          <a:p>
+            <a:pPr marL="0" marR="0" indent="0" algn="ctr" defTabSz="584200" rtl="0" fontAlgn="auto" latinLnBrk="1" hangingPunct="0">
+              <a:lnSpc>
+                <a:spcPct val="100000"/>
+              </a:lnSpc>
+              <a:spcBef>
+                <a:spcPts val="0"/>
+              </a:spcBef>
+              <a:spcAft>
+                <a:spcPts val="0"/>
+              </a:spcAft>
+              <a:buClrTx/>
+              <a:buSzTx/>
+              <a:buFontTx/>
+              <a:buNone/>
+              <a:tabLst/>
+            </a:pPr>
+            <a:r>
+              <a:rPr lang="it-IT" sz="1600" dirty="0" smtClean="0"/>
+              <a:t>14-1</a:t>
+            </a:r>
+            <a:endParaRPr kumimoji="0" lang="it-IT" sz="1600" b="0" i="0" u="none" strike="noStrike" cap="none" spc="0" normalizeH="0" baseline="0" dirty="0">
+              <a:ln>
+                <a:noFill/>
+              </a:ln>
+              <a:solidFill>
+                <a:srgbClr val="FFFFFF"/>
+              </a:solidFill>
+              <a:effectLst/>
+              <a:uFillTx/>
+              <a:latin typeface="+mj-lt"/>
+              <a:ea typeface="+mj-ea"/>
+              <a:cs typeface="+mj-cs"/>
+              <a:sym typeface="Helvetica"/>
+            </a:endParaRPr>
+          </a:p>
+        </p:txBody>
+      </p:sp>
+      <p:sp>
+        <p:nvSpPr>
+          <p:cNvPr id="36" name="CasellaDiTesto 35"/>
+          <p:cNvSpPr txBox="1"/>
+          <p:nvPr/>
+        </p:nvSpPr>
+        <p:spPr>
+          <a:xfrm>
+            <a:off x="10074300" y="8020072"/>
+            <a:ext cx="2571768" cy="595035"/>
+          </a:xfrm>
+          <a:prstGeom prst="rect">
+            <a:avLst/>
+          </a:prstGeom>
+          <a:noFill/>
+          <a:ln w="12700" cap="flat">
+            <a:noFill/>
+            <a:miter lim="400000"/>
+          </a:ln>
+          <a:effectLst/>
+        </p:spPr>
+        <p:style>
+          <a:lnRef idx="0">
+            <a:scrgbClr r="0" g="0" b="0"/>
+          </a:lnRef>
+          <a:fillRef idx="0">
+            <a:scrgbClr r="0" g="0" b="0"/>
+          </a:fillRef>
+          <a:effectRef idx="0">
+            <a:scrgbClr r="0" g="0" b="0"/>
+          </a:effectRef>
+          <a:fontRef idx="none"/>
+        </p:style>
+        <p:txBody>
+          <a:bodyPr rot="0" spcFirstLastPara="1" vertOverflow="overflow" horzOverflow="overflow" vert="horz" wrap="square" lIns="50800" tIns="50800" rIns="50800" bIns="50800" numCol="1" spcCol="38100" rtlCol="0" anchor="ctr">
+            <a:spAutoFit/>
+          </a:bodyPr>
+          <a:lstStyle/>
+          <a:p>
+            <a:pPr marL="0" marR="0" indent="0" algn="l" defTabSz="584200" rtl="0" fontAlgn="auto" latinLnBrk="1" hangingPunct="0">
+              <a:lnSpc>
+                <a:spcPct val="100000"/>
+              </a:lnSpc>
+              <a:spcBef>
+                <a:spcPts val="0"/>
+              </a:spcBef>
+              <a:spcAft>
+                <a:spcPts val="0"/>
+              </a:spcAft>
+              <a:buClrTx/>
+              <a:buSzTx/>
+              <a:buFontTx/>
+              <a:buNone/>
+              <a:tabLst/>
+            </a:pPr>
+            <a:r>
+              <a:rPr kumimoji="0" lang="it-IT" sz="1600" b="0" i="0" u="none" strike="noStrike" cap="none" spc="0" normalizeH="0" baseline="0" dirty="0" smtClean="0">
+                <a:ln>
+                  <a:noFill/>
+                </a:ln>
+                <a:solidFill>
+                  <a:srgbClr val="FFFFFF"/>
+                </a:solidFill>
+                <a:effectLst/>
+                <a:uFillTx/>
+                <a:latin typeface="+mj-lt"/>
+                <a:ea typeface="+mj-ea"/>
+                <a:cs typeface="+mj-cs"/>
+                <a:sym typeface="Helvetica"/>
+              </a:rPr>
+              <a:t>Non può essere più </a:t>
+            </a:r>
+          </a:p>
+          <a:p>
+            <a:pPr marL="0" marR="0" indent="0" algn="l" defTabSz="584200" rtl="0" fontAlgn="auto" latinLnBrk="1" hangingPunct="0">
+              <a:lnSpc>
+                <a:spcPct val="100000"/>
+              </a:lnSpc>
+              <a:spcBef>
+                <a:spcPts val="0"/>
+              </a:spcBef>
+              <a:spcAft>
+                <a:spcPts val="0"/>
+              </a:spcAft>
+              <a:buClrTx/>
+              <a:buSzTx/>
+              <a:buFontTx/>
+              <a:buNone/>
+              <a:tabLst/>
+            </a:pPr>
+            <a:r>
+              <a:rPr kumimoji="0" lang="it-IT" sz="1600" b="0" i="0" u="none" strike="noStrike" cap="none" spc="0" normalizeH="0" baseline="0" dirty="0" smtClean="0">
+                <a:ln>
+                  <a:noFill/>
+                </a:ln>
+                <a:solidFill>
+                  <a:srgbClr val="FFFFFF"/>
+                </a:solidFill>
+                <a:effectLst/>
+                <a:uFillTx/>
+                <a:latin typeface="+mj-lt"/>
+                <a:ea typeface="+mj-ea"/>
+                <a:cs typeface="+mj-cs"/>
+                <a:sym typeface="Helvetica"/>
+              </a:rPr>
+              <a:t>selezionato</a:t>
+            </a:r>
+            <a:endParaRPr kumimoji="0" lang="it-IT" sz="1600" b="0" i="0" u="none" strike="noStrike" cap="none" spc="0" normalizeH="0" baseline="0" dirty="0">
+              <a:ln>
+                <a:noFill/>
+              </a:ln>
+              <a:solidFill>
+                <a:srgbClr val="FFFFFF"/>
+              </a:solidFill>
+              <a:effectLst/>
+              <a:uFillTx/>
+              <a:latin typeface="+mj-lt"/>
+              <a:ea typeface="+mj-ea"/>
+              <a:cs typeface="+mj-cs"/>
+              <a:sym typeface="Helvetica"/>
+            </a:endParaRPr>
           </a:p>
         </p:txBody>
       </p:sp>
     </p:spTree>
+    <p:extLst>
+      <p:ext uri="{BB962C8B-B14F-4D97-AF65-F5344CB8AC3E}">
+        <p14:creationId xmlns:p14="http://schemas.microsoft.com/office/powerpoint/2010/main" val="1665155634"/>
+      </p:ext>
+    </p:extLst>
   </p:cSld>
   <p:clrMapOvr>
     <a:masterClrMapping/>
   </p:clrMapOvr>
-  <p:transition spd="med" advClick="1"/>
+  <p:transition xmlns:p14="http://schemas.microsoft.com/office/powerpoint/2010/main" spd="med"/>
+  <p:timing>
+    <p:tnLst>
+      <p:par>
+        <p:cTn xmlns:p14="http://schemas.microsoft.com/office/powerpoint/2010/main" id="1" dur="indefinite" restart="never" nodeType="tmRoot"/>
+      </p:par>
+    </p:tnLst>
+  </p:timing>
 </p:sld>
 </file>
 
 <file path=ppt/slides/slide8.xml><?xml version="1.0" encoding="utf-8"?>
-<p:sld xmlns:a="http://schemas.openxmlformats.org/drawingml/2006/main" xmlns:r="http://schemas.openxmlformats.org/officeDocument/2006/relationships" xmlns:p="http://schemas.openxmlformats.org/presentationml/2006/main" showMasterSp="1" showMasterPhAnim="1">
+<p:sld xmlns:a="http://schemas.openxmlformats.org/drawingml/2006/main" xmlns:r="http://schemas.openxmlformats.org/officeDocument/2006/relationships" xmlns:p="http://schemas.openxmlformats.org/presentationml/2006/main">
   <p:cSld>
     <p:spTree>
       <p:nvGrpSpPr>
@@ -4792,8 +8539,10 @@
       </p:grpSpPr>
       <p:sp>
         <p:nvSpPr>
-          <p:cNvPr id="54" name="Shape 54"/>
-          <p:cNvSpPr/>
+          <p:cNvPr id="56" name="Shape 56"/>
+          <p:cNvSpPr>
+            <a:spLocks noGrp="1"/>
+          </p:cNvSpPr>
           <p:nvPr>
             <p:ph type="title"/>
           </p:nvPr>
@@ -4823,27 +8572,45 @@
               </a:defRPr>
             </a:pPr>
             <a:r>
-              <a:rPr sz="6800">
-                <a:solidFill>
-                  <a:srgbClr val="FFFFFF"/>
-                </a:solidFill>
-              </a:rPr>
-              <a:t>Ragionamento click su cella</a:t>
+              <a:rPr lang="it-IT" sz="6000" dirty="0">
+                <a:solidFill>
+                  <a:schemeClr val="bg1"/>
+                </a:solidFill>
+              </a:rPr>
+              <a:t>C</a:t>
+            </a:r>
+            <a:r>
+              <a:rPr sz="6800" dirty="0" smtClean="0">
+                <a:solidFill>
+                  <a:srgbClr val="FFFFFF"/>
+                </a:solidFill>
+              </a:rPr>
+              <a:t>lick </a:t>
+            </a:r>
+            <a:r>
+              <a:rPr sz="6800" dirty="0">
+                <a:solidFill>
+                  <a:srgbClr val="FFFFFF"/>
+                </a:solidFill>
+              </a:rPr>
+              <a:t>su cella</a:t>
             </a:r>
           </a:p>
         </p:txBody>
       </p:sp>
       <p:sp>
         <p:nvSpPr>
-          <p:cNvPr id="55" name="Shape 55"/>
-          <p:cNvSpPr/>
+          <p:cNvPr id="57" name="Shape 57"/>
+          <p:cNvSpPr>
+            <a:spLocks noGrp="1"/>
+          </p:cNvSpPr>
           <p:nvPr>
             <p:ph type="body" idx="1"/>
           </p:nvPr>
         </p:nvSpPr>
         <p:spPr>
           <a:xfrm>
-            <a:off x="952500" y="2590800"/>
+            <a:off x="952500" y="2541688"/>
             <a:ext cx="11099800" cy="6286500"/>
           </a:xfrm>
           <a:prstGeom prst="rect">
@@ -4851,16 +8618,13 @@
           </a:prstGeom>
         </p:spPr>
         <p:txBody>
-          <a:bodyPr/>
+          <a:bodyPr>
+            <a:normAutofit fontScale="77500" lnSpcReduction="20000"/>
+          </a:bodyPr>
           <a:lstStyle/>
           <a:p>
-            <a:pPr lvl="0" marL="2037644" indent="-2037644">
-              <a:buClr>
-                <a:srgbClr val="FFFFFF"/>
-              </a:buClr>
-              <a:buBlip>
-                <a:blip r:embed="rId2"/>
-              </a:buBlip>
+            <a:pPr marL="0" lvl="0" indent="0">
+              <a:buNone/>
               <a:defRPr sz="1800">
                 <a:solidFill>
                   <a:srgbClr val="000000"/>
@@ -4868,22 +8632,18 @@
               </a:defRPr>
             </a:pPr>
             <a:r>
-              <a:rPr sz="3800">
-                <a:solidFill>
-                  <a:srgbClr val="FFFFFF"/>
-                </a:solidFill>
-              </a:rPr>
-              <a:t>Non si modificano gli ID ma si lavora sui testi</a:t>
-            </a:r>
-          </a:p>
-          <a:p>
-            <a:pPr lvl="0" marL="2037644" indent="-2037644">
-              <a:buClr>
-                <a:srgbClr val="FFFFFF"/>
-              </a:buClr>
-              <a:buBlip>
-                <a:blip r:embed="rId2"/>
-              </a:buBlip>
+              <a:rPr lang="it-IT" sz="3600" dirty="0" smtClean="0">
+                <a:solidFill>
+                  <a:schemeClr val="bg1"/>
+                </a:solidFill>
+              </a:rPr>
+              <a:t>Quando viene intercettato l’evento click su una cella della griglia:</a:t>
+            </a:r>
+          </a:p>
+          <a:p>
+            <a:pPr marL="742950" lvl="0" indent="-742950">
+              <a:buFont typeface="+mj-lt"/>
+              <a:buAutoNum type="arabicPeriod"/>
               <a:defRPr sz="1800">
                 <a:solidFill>
                   <a:srgbClr val="000000"/>
@@ -4891,22 +8651,47 @@
               </a:defRPr>
             </a:pPr>
             <a:r>
-              <a:rPr sz="3800">
-                <a:solidFill>
-                  <a:srgbClr val="FFFFFF"/>
-                </a:solidFill>
-              </a:rPr>
-              <a:t>Utilizzo un vettore di appoggio</a:t>
-            </a:r>
-          </a:p>
-          <a:p>
-            <a:pPr lvl="0" marL="2037644" indent="-2037644">
-              <a:buClr>
-                <a:srgbClr val="FFFFFF"/>
-              </a:buClr>
-              <a:buBlip>
-                <a:blip r:embed="rId2"/>
-              </a:buBlip>
+              <a:rPr lang="it-IT" sz="3600" dirty="0" smtClean="0">
+                <a:solidFill>
+                  <a:schemeClr val="bg1"/>
+                </a:solidFill>
+              </a:rPr>
+              <a:t>Si </a:t>
+            </a:r>
+            <a:r>
+              <a:rPr lang="it-IT" sz="3600" dirty="0" err="1" smtClean="0">
+                <a:solidFill>
+                  <a:schemeClr val="bg1"/>
+                </a:solidFill>
+              </a:rPr>
+              <a:t>recupara</a:t>
+            </a:r>
+            <a:r>
+              <a:rPr lang="it-IT" sz="3600" dirty="0" smtClean="0">
+                <a:solidFill>
+                  <a:schemeClr val="bg1"/>
+                </a:solidFill>
+              </a:rPr>
+              <a:t> il numero di mosse </a:t>
+            </a:r>
+            <a:r>
+              <a:rPr lang="it-IT" sz="3600" dirty="0" err="1" smtClean="0">
+                <a:solidFill>
+                  <a:schemeClr val="bg1"/>
+                </a:solidFill>
+              </a:rPr>
+              <a:t>corrent</a:t>
+            </a:r>
+            <a:endParaRPr lang="it-IT" sz="3600" dirty="0" smtClean="0">
+              <a:solidFill>
+                <a:schemeClr val="bg1"/>
+              </a:solidFill>
+            </a:endParaRPr>
+          </a:p>
+          <a:p>
+            <a:pPr marL="742950" lvl="0" indent="-742950">
+              <a:buFont typeface="+mj-lt"/>
+              <a:buAutoNum type="arabicPeriod"/>
               <a:defRPr sz="1800">
                 <a:solidFill>
                   <a:srgbClr val="000000"/>
@@ -4914,13 +8699,540 @@
               </a:defRPr>
             </a:pPr>
             <a:r>
-              <a:rPr sz="3800">
-                <a:solidFill>
-                  <a:srgbClr val="FFFFFF"/>
-                </a:solidFill>
-              </a:rPr>
-              <a:t>Controlli sul testo delle celle limitrofe</a:t>
-            </a:r>
+              <a:rPr lang="it-IT" sz="3600" dirty="0" smtClean="0">
+                <a:solidFill>
+                  <a:schemeClr val="bg1"/>
+                </a:solidFill>
+              </a:rPr>
+              <a:t>Utilizzando un vettore di appoggio:</a:t>
+            </a:r>
+          </a:p>
+          <a:p>
+            <a:pPr lvl="1">
+              <a:buFont typeface="Arial"/>
+              <a:buChar char="•"/>
+              <a:defRPr sz="1800">
+                <a:solidFill>
+                  <a:srgbClr val="000000"/>
+                </a:solidFill>
+              </a:defRPr>
+            </a:pPr>
+            <a:r>
+              <a:rPr lang="it-IT" sz="3600" dirty="0" smtClean="0">
+                <a:solidFill>
+                  <a:schemeClr val="bg1"/>
+                </a:solidFill>
+              </a:rPr>
+              <a:t>Si verifica se le celle limitrofe sono vuote </a:t>
+            </a:r>
+          </a:p>
+          <a:p>
+            <a:pPr lvl="1">
+              <a:buFont typeface="Arial"/>
+              <a:buChar char="•"/>
+              <a:defRPr sz="1800">
+                <a:solidFill>
+                  <a:srgbClr val="000000"/>
+                </a:solidFill>
+              </a:defRPr>
+            </a:pPr>
+            <a:r>
+              <a:rPr lang="it-IT" sz="3600" dirty="0" smtClean="0">
+                <a:solidFill>
+                  <a:schemeClr val="bg1"/>
+                </a:solidFill>
+              </a:rPr>
+              <a:t> si esegue eventualmente uno scambio</a:t>
+            </a:r>
+          </a:p>
+          <a:p>
+            <a:pPr marL="742950" lvl="0" indent="-742950">
+              <a:buFont typeface="+mj-lt"/>
+              <a:buAutoNum type="arabicPeriod"/>
+              <a:defRPr sz="1800">
+                <a:solidFill>
+                  <a:srgbClr val="000000"/>
+                </a:solidFill>
+              </a:defRPr>
+            </a:pPr>
+            <a:r>
+              <a:rPr lang="it-IT" sz="3600" dirty="0" smtClean="0">
+                <a:solidFill>
+                  <a:schemeClr val="bg1"/>
+                </a:solidFill>
+              </a:rPr>
+              <a:t> Se è avvenuto uno spostamento: aumento mosse e verifico vittoria</a:t>
+            </a:r>
+          </a:p>
+          <a:p>
+            <a:pPr marL="0" lvl="0" indent="0">
+              <a:buNone/>
+              <a:defRPr sz="1800">
+                <a:solidFill>
+                  <a:srgbClr val="000000"/>
+                </a:solidFill>
+              </a:defRPr>
+            </a:pPr>
+            <a:r>
+              <a:rPr lang="it-IT" sz="3600" b="1" i="1" dirty="0" smtClean="0">
+                <a:solidFill>
+                  <a:schemeClr val="bg1"/>
+                </a:solidFill>
+              </a:rPr>
+              <a:t>Ogni controllo viene effettuato sui testi, gli id rimangono ordinati per tutta la partita.</a:t>
+            </a:r>
+            <a:endParaRPr sz="3800" b="1" i="1" dirty="0">
+              <a:solidFill>
+                <a:schemeClr val="bg1"/>
+              </a:solidFill>
+            </a:endParaRPr>
+          </a:p>
+        </p:txBody>
+      </p:sp>
+      <p:sp>
+        <p:nvSpPr>
+          <p:cNvPr id="2" name="Rettangolo 1"/>
+          <p:cNvSpPr/>
+          <p:nvPr/>
+        </p:nvSpPr>
+        <p:spPr>
+          <a:xfrm>
+            <a:off x="9832971" y="4608429"/>
+            <a:ext cx="1173184" cy="1076509"/>
+          </a:xfrm>
+          <a:prstGeom prst="rect">
+            <a:avLst/>
+          </a:prstGeom>
+          <a:solidFill>
+            <a:srgbClr val="FFFFFF"/>
+          </a:solidFill>
+          <a:ln w="25400" cap="flat">
+            <a:solidFill>
+              <a:srgbClr val="0065C1"/>
+            </a:solidFill>
+            <a:prstDash val="solid"/>
+            <a:bevel/>
+          </a:ln>
+          <a:effectLst>
+            <a:outerShdw blurRad="76200" dir="18900000" rotWithShape="0">
+              <a:srgbClr val="000000">
+                <a:alpha val="80000"/>
+              </a:srgbClr>
+            </a:outerShdw>
+          </a:effectLst>
+        </p:spPr>
+        <p:style>
+          <a:lnRef idx="0">
+            <a:scrgbClr r="0" g="0" b="0"/>
+          </a:lnRef>
+          <a:fillRef idx="0">
+            <a:scrgbClr r="0" g="0" b="0"/>
+          </a:fillRef>
+          <a:effectRef idx="0">
+            <a:scrgbClr r="0" g="0" b="0"/>
+          </a:effectRef>
+          <a:fontRef idx="none"/>
+        </p:style>
+        <p:txBody>
+          <a:bodyPr rot="0" spcFirstLastPara="1" vertOverflow="overflow" horzOverflow="overflow" vert="horz" wrap="square" lIns="50800" tIns="50800" rIns="50800" bIns="50800" numCol="1" spcCol="38100" rtlCol="0" anchor="ctr">
+            <a:spAutoFit/>
+          </a:bodyPr>
+          <a:lstStyle/>
+          <a:p>
+            <a:pPr marL="0" marR="0" indent="0" algn="ctr" defTabSz="584200" rtl="0" fontAlgn="auto" latinLnBrk="1" hangingPunct="0">
+              <a:lnSpc>
+                <a:spcPct val="100000"/>
+              </a:lnSpc>
+              <a:spcBef>
+                <a:spcPts val="0"/>
+              </a:spcBef>
+              <a:spcAft>
+                <a:spcPts val="0"/>
+              </a:spcAft>
+              <a:buClrTx/>
+              <a:buSzTx/>
+              <a:buFontTx/>
+              <a:buNone/>
+              <a:tabLst/>
+            </a:pPr>
+            <a:endParaRPr kumimoji="0" lang="it-IT" sz="3800" b="0" i="0" u="none" strike="noStrike" cap="none" spc="0" normalizeH="0" baseline="0">
+              <a:ln>
+                <a:noFill/>
+              </a:ln>
+              <a:solidFill>
+                <a:srgbClr val="000000"/>
+              </a:solidFill>
+              <a:effectLst/>
+              <a:uFillTx/>
+              <a:latin typeface="+mj-lt"/>
+              <a:ea typeface="+mj-ea"/>
+              <a:cs typeface="+mj-cs"/>
+              <a:sym typeface="Helvetica Neue"/>
+            </a:endParaRPr>
+          </a:p>
+        </p:txBody>
+      </p:sp>
+      <p:sp>
+        <p:nvSpPr>
+          <p:cNvPr id="3" name="Freccia destra 2"/>
+          <p:cNvSpPr/>
+          <p:nvPr/>
+        </p:nvSpPr>
+        <p:spPr>
+          <a:xfrm>
+            <a:off x="10655409" y="4922915"/>
+            <a:ext cx="701492" cy="423346"/>
+          </a:xfrm>
+          <a:prstGeom prst="rightArrow">
+            <a:avLst/>
+          </a:prstGeom>
+          <a:pattFill prst="ltDnDiag">
+            <a:fgClr>
+              <a:schemeClr val="accent2">
+                <a:lumMod val="60000"/>
+                <a:lumOff val="40000"/>
+              </a:schemeClr>
+            </a:fgClr>
+            <a:bgClr>
+              <a:prstClr val="white"/>
+            </a:bgClr>
+          </a:pattFill>
+          <a:ln w="25400" cap="flat">
+            <a:solidFill>
+              <a:srgbClr val="0065C1"/>
+            </a:solidFill>
+            <a:prstDash val="lgDash"/>
+            <a:bevel/>
+          </a:ln>
+          <a:effectLst>
+            <a:outerShdw blurRad="76200" dir="18900000" rotWithShape="0">
+              <a:srgbClr val="000000">
+                <a:alpha val="80000"/>
+              </a:srgbClr>
+            </a:outerShdw>
+          </a:effectLst>
+        </p:spPr>
+        <p:style>
+          <a:lnRef idx="0">
+            <a:scrgbClr r="0" g="0" b="0"/>
+          </a:lnRef>
+          <a:fillRef idx="0">
+            <a:scrgbClr r="0" g="0" b="0"/>
+          </a:fillRef>
+          <a:effectRef idx="0">
+            <a:scrgbClr r="0" g="0" b="0"/>
+          </a:effectRef>
+          <a:fontRef idx="none"/>
+        </p:style>
+        <p:txBody>
+          <a:bodyPr rot="0" spcFirstLastPara="1" vertOverflow="overflow" horzOverflow="overflow" vert="horz" wrap="square" lIns="50800" tIns="50800" rIns="50800" bIns="50800" numCol="1" spcCol="38100" rtlCol="0" anchor="ctr">
+            <a:spAutoFit/>
+          </a:bodyPr>
+          <a:lstStyle/>
+          <a:p>
+            <a:pPr marL="0" marR="0" indent="0" algn="ctr" defTabSz="584200" rtl="0" fontAlgn="auto" latinLnBrk="1" hangingPunct="0">
+              <a:lnSpc>
+                <a:spcPct val="100000"/>
+              </a:lnSpc>
+              <a:spcBef>
+                <a:spcPts val="0"/>
+              </a:spcBef>
+              <a:spcAft>
+                <a:spcPts val="0"/>
+              </a:spcAft>
+              <a:buClrTx/>
+              <a:buSzTx/>
+              <a:buFontTx/>
+              <a:buNone/>
+              <a:tabLst/>
+            </a:pPr>
+            <a:endParaRPr kumimoji="0" lang="it-IT" sz="3800" b="0" i="0" u="none" strike="noStrike" cap="none" spc="0" normalizeH="0" baseline="0">
+              <a:ln>
+                <a:noFill/>
+              </a:ln>
+              <a:solidFill>
+                <a:srgbClr val="000000"/>
+              </a:solidFill>
+              <a:effectLst/>
+              <a:uFillTx/>
+              <a:latin typeface="+mj-lt"/>
+              <a:ea typeface="+mj-ea"/>
+              <a:cs typeface="+mj-cs"/>
+              <a:sym typeface="Helvetica Neue"/>
+            </a:endParaRPr>
+          </a:p>
+        </p:txBody>
+      </p:sp>
+      <p:sp>
+        <p:nvSpPr>
+          <p:cNvPr id="6" name="Freccia destra 5"/>
+          <p:cNvSpPr/>
+          <p:nvPr/>
+        </p:nvSpPr>
+        <p:spPr>
+          <a:xfrm rot="10800000">
+            <a:off x="9349185" y="4922915"/>
+            <a:ext cx="701492" cy="423346"/>
+          </a:xfrm>
+          <a:prstGeom prst="rightArrow">
+            <a:avLst/>
+          </a:prstGeom>
+          <a:pattFill prst="ltDnDiag">
+            <a:fgClr>
+              <a:schemeClr val="accent2">
+                <a:lumMod val="60000"/>
+                <a:lumOff val="40000"/>
+              </a:schemeClr>
+            </a:fgClr>
+            <a:bgClr>
+              <a:prstClr val="white"/>
+            </a:bgClr>
+          </a:pattFill>
+          <a:ln w="25400" cap="flat">
+            <a:solidFill>
+              <a:srgbClr val="0065C1"/>
+            </a:solidFill>
+            <a:prstDash val="lgDash"/>
+            <a:bevel/>
+          </a:ln>
+          <a:effectLst>
+            <a:outerShdw blurRad="76200" dir="18900000" rotWithShape="0">
+              <a:srgbClr val="000000">
+                <a:alpha val="80000"/>
+              </a:srgbClr>
+            </a:outerShdw>
+          </a:effectLst>
+        </p:spPr>
+        <p:style>
+          <a:lnRef idx="0">
+            <a:scrgbClr r="0" g="0" b="0"/>
+          </a:lnRef>
+          <a:fillRef idx="0">
+            <a:scrgbClr r="0" g="0" b="0"/>
+          </a:fillRef>
+          <a:effectRef idx="0">
+            <a:scrgbClr r="0" g="0" b="0"/>
+          </a:effectRef>
+          <a:fontRef idx="none"/>
+        </p:style>
+        <p:txBody>
+          <a:bodyPr rot="0" spcFirstLastPara="1" vertOverflow="overflow" horzOverflow="overflow" vert="horz" wrap="square" lIns="50800" tIns="50800" rIns="50800" bIns="50800" numCol="1" spcCol="38100" rtlCol="0" anchor="ctr">
+            <a:spAutoFit/>
+          </a:bodyPr>
+          <a:lstStyle/>
+          <a:p>
+            <a:pPr marL="0" marR="0" indent="0" algn="ctr" defTabSz="584200" rtl="0" fontAlgn="auto" latinLnBrk="1" hangingPunct="0">
+              <a:lnSpc>
+                <a:spcPct val="100000"/>
+              </a:lnSpc>
+              <a:spcBef>
+                <a:spcPts val="0"/>
+              </a:spcBef>
+              <a:spcAft>
+                <a:spcPts val="0"/>
+              </a:spcAft>
+              <a:buClrTx/>
+              <a:buSzTx/>
+              <a:buFontTx/>
+              <a:buNone/>
+              <a:tabLst/>
+            </a:pPr>
+            <a:endParaRPr kumimoji="0" lang="it-IT" sz="3800" b="0" i="0" u="none" strike="noStrike" cap="none" spc="0" normalizeH="0" baseline="0">
+              <a:ln>
+                <a:noFill/>
+              </a:ln>
+              <a:solidFill>
+                <a:srgbClr val="000000"/>
+              </a:solidFill>
+              <a:effectLst/>
+              <a:uFillTx/>
+              <a:latin typeface="+mj-lt"/>
+              <a:ea typeface="+mj-ea"/>
+              <a:cs typeface="+mj-cs"/>
+              <a:sym typeface="Helvetica Neue"/>
+            </a:endParaRPr>
+          </a:p>
+        </p:txBody>
+      </p:sp>
+      <p:sp>
+        <p:nvSpPr>
+          <p:cNvPr id="7" name="Freccia destra 6"/>
+          <p:cNvSpPr/>
+          <p:nvPr/>
+        </p:nvSpPr>
+        <p:spPr>
+          <a:xfrm rot="5400000">
+            <a:off x="10106317" y="5740573"/>
+            <a:ext cx="701492" cy="423346"/>
+          </a:xfrm>
+          <a:prstGeom prst="rightArrow">
+            <a:avLst/>
+          </a:prstGeom>
+          <a:pattFill prst="ltDnDiag">
+            <a:fgClr>
+              <a:schemeClr val="accent2">
+                <a:lumMod val="60000"/>
+                <a:lumOff val="40000"/>
+              </a:schemeClr>
+            </a:fgClr>
+            <a:bgClr>
+              <a:prstClr val="white"/>
+            </a:bgClr>
+          </a:pattFill>
+          <a:ln w="25400" cap="flat">
+            <a:solidFill>
+              <a:srgbClr val="0065C1"/>
+            </a:solidFill>
+            <a:prstDash val="lgDash"/>
+            <a:bevel/>
+          </a:ln>
+          <a:effectLst>
+            <a:outerShdw blurRad="76200" dir="18900000" rotWithShape="0">
+              <a:srgbClr val="000000">
+                <a:alpha val="80000"/>
+              </a:srgbClr>
+            </a:outerShdw>
+          </a:effectLst>
+        </p:spPr>
+        <p:style>
+          <a:lnRef idx="0">
+            <a:scrgbClr r="0" g="0" b="0"/>
+          </a:lnRef>
+          <a:fillRef idx="0">
+            <a:scrgbClr r="0" g="0" b="0"/>
+          </a:fillRef>
+          <a:effectRef idx="0">
+            <a:scrgbClr r="0" g="0" b="0"/>
+          </a:effectRef>
+          <a:fontRef idx="none"/>
+        </p:style>
+        <p:txBody>
+          <a:bodyPr rot="0" spcFirstLastPara="1" vertOverflow="overflow" horzOverflow="overflow" vert="horz" wrap="square" lIns="50800" tIns="50800" rIns="50800" bIns="50800" numCol="1" spcCol="38100" rtlCol="0" anchor="ctr">
+            <a:spAutoFit/>
+          </a:bodyPr>
+          <a:lstStyle/>
+          <a:p>
+            <a:pPr marL="0" marR="0" indent="0" algn="ctr" defTabSz="584200" rtl="0" fontAlgn="auto" latinLnBrk="1" hangingPunct="0">
+              <a:lnSpc>
+                <a:spcPct val="100000"/>
+              </a:lnSpc>
+              <a:spcBef>
+                <a:spcPts val="0"/>
+              </a:spcBef>
+              <a:spcAft>
+                <a:spcPts val="0"/>
+              </a:spcAft>
+              <a:buClrTx/>
+              <a:buSzTx/>
+              <a:buFontTx/>
+              <a:buNone/>
+              <a:tabLst/>
+            </a:pPr>
+            <a:endParaRPr kumimoji="0" lang="it-IT" sz="3800" b="0" i="0" u="none" strike="noStrike" cap="none" spc="0" normalizeH="0" baseline="0">
+              <a:ln>
+                <a:noFill/>
+              </a:ln>
+              <a:solidFill>
+                <a:srgbClr val="000000"/>
+              </a:solidFill>
+              <a:effectLst/>
+              <a:uFillTx/>
+              <a:latin typeface="+mj-lt"/>
+              <a:ea typeface="+mj-ea"/>
+              <a:cs typeface="+mj-cs"/>
+              <a:sym typeface="Helvetica Neue"/>
+            </a:endParaRPr>
+          </a:p>
+        </p:txBody>
+      </p:sp>
+      <p:sp>
+        <p:nvSpPr>
+          <p:cNvPr id="8" name="Freccia destra 7"/>
+          <p:cNvSpPr/>
+          <p:nvPr/>
+        </p:nvSpPr>
+        <p:spPr>
+          <a:xfrm rot="16200000">
+            <a:off x="10106317" y="4247971"/>
+            <a:ext cx="701492" cy="423346"/>
+          </a:xfrm>
+          <a:prstGeom prst="rightArrow">
+            <a:avLst/>
+          </a:prstGeom>
+          <a:pattFill prst="ltDnDiag">
+            <a:fgClr>
+              <a:schemeClr val="accent2">
+                <a:lumMod val="60000"/>
+                <a:lumOff val="40000"/>
+              </a:schemeClr>
+            </a:fgClr>
+            <a:bgClr>
+              <a:prstClr val="white"/>
+            </a:bgClr>
+          </a:pattFill>
+          <a:ln w="25400" cap="flat">
+            <a:solidFill>
+              <a:srgbClr val="0065C1"/>
+            </a:solidFill>
+            <a:prstDash val="lgDash"/>
+            <a:bevel/>
+          </a:ln>
+          <a:effectLst>
+            <a:outerShdw blurRad="76200" dir="18900000" rotWithShape="0">
+              <a:srgbClr val="000000">
+                <a:alpha val="80000"/>
+              </a:srgbClr>
+            </a:outerShdw>
+          </a:effectLst>
+        </p:spPr>
+        <p:style>
+          <a:lnRef idx="0">
+            <a:scrgbClr r="0" g="0" b="0"/>
+          </a:lnRef>
+          <a:fillRef idx="0">
+            <a:scrgbClr r="0" g="0" b="0"/>
+          </a:fillRef>
+          <a:effectRef idx="0">
+            <a:scrgbClr r="0" g="0" b="0"/>
+          </a:effectRef>
+          <a:fontRef idx="none"/>
+        </p:style>
+        <p:txBody>
+          <a:bodyPr rot="0" spcFirstLastPara="1" vertOverflow="overflow" horzOverflow="overflow" vert="horz" wrap="square" lIns="50800" tIns="50800" rIns="50800" bIns="50800" numCol="1" spcCol="38100" rtlCol="0" anchor="ctr">
+            <a:spAutoFit/>
+          </a:bodyPr>
+          <a:lstStyle/>
+          <a:p>
+            <a:pPr marL="0" marR="0" indent="0" algn="ctr" defTabSz="584200" rtl="0" fontAlgn="auto" latinLnBrk="1" hangingPunct="0">
+              <a:lnSpc>
+                <a:spcPct val="100000"/>
+              </a:lnSpc>
+              <a:spcBef>
+                <a:spcPts val="0"/>
+              </a:spcBef>
+              <a:spcAft>
+                <a:spcPts val="0"/>
+              </a:spcAft>
+              <a:buClrTx/>
+              <a:buSzTx/>
+              <a:buFontTx/>
+              <a:buNone/>
+              <a:tabLst/>
+            </a:pPr>
+            <a:endParaRPr kumimoji="0" lang="it-IT" sz="3800" b="0" i="0" u="none" strike="noStrike" cap="none" spc="0" normalizeH="0" baseline="0">
+              <a:ln>
+                <a:noFill/>
+              </a:ln>
+              <a:solidFill>
+                <a:srgbClr val="000000"/>
+              </a:solidFill>
+              <a:effectLst/>
+              <a:uFillTx/>
+              <a:latin typeface="+mj-lt"/>
+              <a:ea typeface="+mj-ea"/>
+              <a:cs typeface="+mj-cs"/>
+              <a:sym typeface="Helvetica Neue"/>
+            </a:endParaRPr>
           </a:p>
         </p:txBody>
       </p:sp>
@@ -4929,12 +9241,19 @@
   <p:clrMapOvr>
     <a:masterClrMapping/>
   </p:clrMapOvr>
-  <p:transition spd="med" advClick="1"/>
+  <p:transition xmlns:p14="http://schemas.microsoft.com/office/powerpoint/2010/main" spd="med"/>
+  <p:timing>
+    <p:tnLst>
+      <p:par>
+        <p:cTn xmlns:p14="http://schemas.microsoft.com/office/powerpoint/2010/main" id="1" dur="indefinite" restart="never" nodeType="tmRoot"/>
+      </p:par>
+    </p:tnLst>
+  </p:timing>
 </p:sld>
 </file>
 
 <file path=ppt/slides/slide9.xml><?xml version="1.0" encoding="utf-8"?>
-<p:sld xmlns:a="http://schemas.openxmlformats.org/drawingml/2006/main" xmlns:r="http://schemas.openxmlformats.org/officeDocument/2006/relationships" xmlns:p="http://schemas.openxmlformats.org/presentationml/2006/main" showMasterSp="1" showMasterPhAnim="1">
+<p:sld xmlns:a="http://schemas.openxmlformats.org/drawingml/2006/main" xmlns:r="http://schemas.openxmlformats.org/officeDocument/2006/relationships" xmlns:p="http://schemas.openxmlformats.org/presentationml/2006/main">
   <p:cSld>
     <p:spTree>
       <p:nvGrpSpPr>
@@ -4952,8 +9271,10 @@
       </p:grpSpPr>
       <p:sp>
         <p:nvSpPr>
-          <p:cNvPr id="57" name="Shape 57"/>
-          <p:cNvSpPr/>
+          <p:cNvPr id="59" name="Shape 59"/>
+          <p:cNvSpPr>
+            <a:spLocks noGrp="1"/>
+          </p:cNvSpPr>
           <p:nvPr>
             <p:ph type="title"/>
           </p:nvPr>
@@ -4979,31 +9300,14 @@
               </a:defRPr>
             </a:pPr>
             <a:r>
-              <a:rPr sz="6600">
-                <a:solidFill>
-                  <a:srgbClr val="FFFFFF"/>
-                </a:solidFill>
-              </a:rPr>
-              <a:t>Varie ed eventuali</a:t>
-            </a:r>
-            <a:endParaRPr sz="6600"/>
-          </a:p>
-          <a:p>
-            <a:pPr lvl="0" defTabSz="484886">
-              <a:defRPr sz="1800">
-                <a:solidFill>
-                  <a:srgbClr val="000000"/>
-                </a:solidFill>
-              </a:defRPr>
-            </a:pPr>
-            <a:r>
-              <a:rPr sz="6600">
-                <a:solidFill>
-                  <a:srgbClr val="FFFFFF"/>
-                </a:solidFill>
-              </a:rPr>
-              <a:t>parte 3</a:t>
-            </a:r>
+              <a:rPr sz="6600" dirty="0" smtClean="0">
+                <a:solidFill>
+                  <a:srgbClr val="FFFFFF"/>
+                </a:solidFill>
+              </a:rPr>
+              <a:t>Varie</a:t>
+            </a:r>
+            <a:endParaRPr sz="6600" dirty="0"/>
           </a:p>
         </p:txBody>
       </p:sp>
@@ -5012,14 +9316,14 @@
   <p:clrMapOvr>
     <a:masterClrMapping/>
   </p:clrMapOvr>
-  <p:transition spd="med" advClick="1"/>
+  <p:transition xmlns:p14="http://schemas.microsoft.com/office/powerpoint/2010/main" spd="med"/>
   <p:timing>
     <p:tnLst>
       <p:par>
-        <p:cTn id="1" nodeType="tmRoot" restart="never" dur="indefinite" fill="hold">
+        <p:cTn xmlns:p14="http://schemas.microsoft.com/office/powerpoint/2010/main" id="1" dur="indefinite" restart="never" fill="hold" nodeType="tmRoot">
           <p:childTnLst>
             <p:seq concurrent="1" prevAc="none" nextAc="seek">
-              <p:cTn id="2" nodeType="mainSeq" dur="indefinite" fill="hold">
+              <p:cTn id="2" dur="indefinite" fill="hold" nodeType="mainSeq">
                 <p:childTnLst>
                   <p:par>
                     <p:cTn id="3" fill="hold">
@@ -5034,11 +9338,11 @@
                             </p:stCondLst>
                             <p:childTnLst>
                               <p:par>
-                                <p:cTn id="5" nodeType="clickEffect" presetClass="entr" presetSubtype="0" presetID="10" grpId="1" fill="hold">
+                                <p:cTn id="5" presetID="10" presetClass="entr" presetSubtype="0" fill="hold" grpId="1" nodeType="clickEffect">
                                   <p:stCondLst>
                                     <p:cond delay="0"/>
                                   </p:stCondLst>
-                                  <p:iterate type="el" backwards="0">
+                                  <p:iterate>
                                     <p:tmAbs val="0"/>
                                   </p:iterate>
                                   <p:childTnLst>
@@ -5046,7 +9350,7 @@
                                       <p:cBhvr>
                                         <p:cTn id="6" fill="hold"/>
                                         <p:tgtEl>
-                                          <p:spTgt spid="57"/>
+                                          <p:spTgt spid="59"/>
                                         </p:tgtEl>
                                         <p:attrNameLst>
                                           <p:attrName>style.visibility</p:attrName>
@@ -5056,11 +9360,11 @@
                                         <p:strVal val="visible"/>
                                       </p:to>
                                     </p:set>
-                                    <p:animEffect filter="fade" transition="in">
+                                    <p:animEffect transition="in" filter="fade">
                                       <p:cBhvr>
                                         <p:cTn id="7" dur="1500"/>
                                         <p:tgtEl>
-                                          <p:spTgt spid="57"/>
+                                          <p:spTgt spid="59"/>
                                         </p:tgtEl>
                                       </p:cBhvr>
                                     </p:animEffect>
@@ -5076,14 +9380,14 @@
                 </p:childTnLst>
               </p:cTn>
               <p:prevCondLst>
-                <p:cond evt="onPrev">
+                <p:cond evt="onPrev" delay="0">
                   <p:tgtEl>
                     <p:sldTgt/>
                   </p:tgtEl>
                 </p:cond>
               </p:prevCondLst>
               <p:nextCondLst>
-                <p:cond evt="onNext">
+                <p:cond evt="onNext" delay="0">
                   <p:tgtEl>
                     <p:sldTgt/>
                   </p:tgtEl>
@@ -5095,14 +9399,14 @@
       </p:par>
     </p:tnLst>
     <p:bldLst>
-      <p:bldP build="whole" bldLvl="1" animBg="1" rev="0" advAuto="0" spid="57" grpId="1"/>
+      <p:bldP spid="59" grpId="1" animBg="1" advAuto="0"/>
     </p:bldLst>
   </p:timing>
 </p:sld>
 </file>
 
 <file path=ppt/theme/theme1.xml><?xml version="1.0" encoding="utf-8"?>
-<a:theme xmlns:a="http://schemas.openxmlformats.org/drawingml/2006/main" xmlns:r="http://schemas.openxmlformats.org/officeDocument/2006/relationships" name="Default">
+<a:theme xmlns:a="http://schemas.openxmlformats.org/drawingml/2006/main" name="Default">
   <a:themeElements>
     <a:clrScheme name="Default">
       <a:dk1>
@@ -5144,14 +9448,14 @@
     </a:clrScheme>
     <a:fontScheme name="Default">
       <a:majorFont>
+        <a:latin typeface="Helvetica Neue"/>
+        <a:ea typeface="Helvetica Neue"/>
+        <a:cs typeface="Helvetica Neue"/>
+      </a:majorFont>
+      <a:minorFont>
         <a:latin typeface="Helvetica"/>
         <a:ea typeface="Helvetica"/>
         <a:cs typeface="Helvetica"/>
-      </a:majorFont>
-      <a:minorFont>
-        <a:latin typeface="Helvetica Neue"/>
-        <a:ea typeface="Helvetica Neue"/>
-        <a:cs typeface="Helvetica Neue"/>
       </a:minorFont>
     </a:fontScheme>
     <a:fmtScheme name="Default">
@@ -5228,7 +9532,7 @@
       <a:effectStyleLst>
         <a:effectStyle>
           <a:effectLst>
-            <a:outerShdw sx="100000" sy="100000" kx="0" ky="0" algn="b" rotWithShape="0" blurRad="76200" dist="0" dir="18900000">
+            <a:outerShdw blurRad="76200" dir="18900000" rotWithShape="0">
               <a:srgbClr val="000000">
                 <a:alpha val="80000"/>
               </a:srgbClr>
@@ -5237,7 +9541,7 @@
         </a:effectStyle>
         <a:effectStyle>
           <a:effectLst>
-            <a:outerShdw sx="100000" sy="100000" kx="0" ky="0" algn="b" rotWithShape="0" blurRad="76200" dist="0" dir="18900000">
+            <a:outerShdw blurRad="76200" dir="18900000" rotWithShape="0">
               <a:srgbClr val="000000">
                 <a:alpha val="80000"/>
               </a:srgbClr>
@@ -5246,7 +9550,7 @@
         </a:effectStyle>
         <a:effectStyle>
           <a:effectLst>
-            <a:outerShdw sx="100000" sy="100000" kx="0" ky="0" algn="b" rotWithShape="0" blurRad="76200" dist="0" dir="18900000">
+            <a:outerShdw blurRad="76200" dir="18900000" rotWithShape="0">
               <a:srgbClr val="000000">
                 <a:alpha val="80000"/>
               </a:srgbClr>
@@ -5310,7 +9614,7 @@
     <a:spDef>
       <a:spPr>
         <a:solidFill>
-          <a:srgbClr val="FF0000"/>
+          <a:srgbClr val="FFFFFF"/>
         </a:solidFill>
         <a:ln w="25400" cap="flat">
           <a:solidFill>
@@ -5320,14 +9624,14 @@
           <a:bevel/>
         </a:ln>
         <a:effectLst>
-          <a:outerShdw sx="100000" sy="100000" kx="0" ky="0" algn="b" rotWithShape="0" blurRad="76200" dist="0" dir="18900000">
+          <a:outerShdw blurRad="76200" dir="18900000" rotWithShape="0">
             <a:srgbClr val="000000">
               <a:alpha val="80000"/>
             </a:srgbClr>
           </a:outerShdw>
         </a:effectLst>
       </a:spPr>
-      <a:bodyPr rot="0" spcFirstLastPara="1" vertOverflow="overflow" horzOverflow="overflow" vert="horz" wrap="square" lIns="50800" tIns="50800" rIns="50800" bIns="50800" numCol="1" spcCol="38100" rtlCol="0" anchor="ctr" upright="0">
+      <a:bodyPr rot="0" spcFirstLastPara="1" vertOverflow="overflow" horzOverflow="overflow" vert="horz" wrap="square" lIns="50800" tIns="50800" rIns="50800" bIns="50800" numCol="1" spcCol="38100" rtlCol="0" anchor="ctr">
         <a:spAutoFit/>
       </a:bodyPr>
       <a:lstStyle>
@@ -5346,19 +9650,19 @@
           <a:buFontTx/>
           <a:buNone/>
           <a:tabLst/>
-          <a:defRPr b="0" baseline="0" cap="none" i="0" spc="0" strike="noStrike" sz="3800" u="none" kumimoji="0" normalizeH="0">
+          <a:defRPr kumimoji="0" sz="3800" b="0" i="0" u="none" strike="noStrike" cap="none" spc="0" normalizeH="0" baseline="0">
             <a:ln>
               <a:noFill/>
             </a:ln>
             <a:solidFill>
-              <a:srgbClr val="FFFFFF"/>
+              <a:srgbClr val="000000"/>
             </a:solidFill>
             <a:effectLst/>
             <a:uFillTx/>
             <a:latin typeface="+mj-lt"/>
             <a:ea typeface="+mj-ea"/>
             <a:cs typeface="+mj-cs"/>
-            <a:sym typeface="Helvetica"/>
+            <a:sym typeface="Helvetica Neue"/>
           </a:defRPr>
         </a:defPPr>
         <a:lvl1pPr marL="0" marR="0" indent="0" algn="l" defTabSz="914400" rtl="0" fontAlgn="auto" latinLnBrk="1" hangingPunct="0">
@@ -5376,7 +9680,7 @@
           <a:buFontTx/>
           <a:buNone/>
           <a:tabLst/>
-          <a:defRPr b="0" baseline="0" cap="none" i="0" spc="0" strike="noStrike" sz="1800" u="none" kumimoji="0" normalizeH="0">
+          <a:defRPr kumimoji="0" sz="1800" b="0" i="0" u="none" strike="noStrike" cap="none" spc="0" normalizeH="0" baseline="0">
             <a:ln>
               <a:noFill/>
             </a:ln>
@@ -5402,7 +9706,7 @@
           <a:buFontTx/>
           <a:buNone/>
           <a:tabLst/>
-          <a:defRPr b="0" baseline="0" cap="none" i="0" spc="0" strike="noStrike" sz="1800" u="none" kumimoji="0" normalizeH="0">
+          <a:defRPr kumimoji="0" sz="1800" b="0" i="0" u="none" strike="noStrike" cap="none" spc="0" normalizeH="0" baseline="0">
             <a:ln>
               <a:noFill/>
             </a:ln>
@@ -5428,7 +9732,7 @@
           <a:buFontTx/>
           <a:buNone/>
           <a:tabLst/>
-          <a:defRPr b="0" baseline="0" cap="none" i="0" spc="0" strike="noStrike" sz="1800" u="none" kumimoji="0" normalizeH="0">
+          <a:defRPr kumimoji="0" sz="1800" b="0" i="0" u="none" strike="noStrike" cap="none" spc="0" normalizeH="0" baseline="0">
             <a:ln>
               <a:noFill/>
             </a:ln>
@@ -5454,7 +9758,7 @@
           <a:buFontTx/>
           <a:buNone/>
           <a:tabLst/>
-          <a:defRPr b="0" baseline="0" cap="none" i="0" spc="0" strike="noStrike" sz="1800" u="none" kumimoji="0" normalizeH="0">
+          <a:defRPr kumimoji="0" sz="1800" b="0" i="0" u="none" strike="noStrike" cap="none" spc="0" normalizeH="0" baseline="0">
             <a:ln>
               <a:noFill/>
             </a:ln>
@@ -5480,7 +9784,7 @@
           <a:buFontTx/>
           <a:buNone/>
           <a:tabLst/>
-          <a:defRPr b="0" baseline="0" cap="none" i="0" spc="0" strike="noStrike" sz="1800" u="none" kumimoji="0" normalizeH="0">
+          <a:defRPr kumimoji="0" sz="1800" b="0" i="0" u="none" strike="noStrike" cap="none" spc="0" normalizeH="0" baseline="0">
             <a:ln>
               <a:noFill/>
             </a:ln>
@@ -5506,7 +9810,7 @@
           <a:buFontTx/>
           <a:buNone/>
           <a:tabLst/>
-          <a:defRPr b="0" baseline="0" cap="none" i="0" spc="0" strike="noStrike" sz="1800" u="none" kumimoji="0" normalizeH="0">
+          <a:defRPr kumimoji="0" sz="1800" b="0" i="0" u="none" strike="noStrike" cap="none" spc="0" normalizeH="0" baseline="0">
             <a:ln>
               <a:noFill/>
             </a:ln>
@@ -5532,7 +9836,7 @@
           <a:buFontTx/>
           <a:buNone/>
           <a:tabLst/>
-          <a:defRPr b="0" baseline="0" cap="none" i="0" spc="0" strike="noStrike" sz="1800" u="none" kumimoji="0" normalizeH="0">
+          <a:defRPr kumimoji="0" sz="1800" b="0" i="0" u="none" strike="noStrike" cap="none" spc="0" normalizeH="0" baseline="0">
             <a:ln>
               <a:noFill/>
             </a:ln>
@@ -5558,7 +9862,7 @@
           <a:buFontTx/>
           <a:buNone/>
           <a:tabLst/>
-          <a:defRPr b="0" baseline="0" cap="none" i="0" spc="0" strike="noStrike" sz="1800" u="none" kumimoji="0" normalizeH="0">
+          <a:defRPr kumimoji="0" sz="1800" b="0" i="0" u="none" strike="noStrike" cap="none" spc="0" normalizeH="0" baseline="0">
             <a:ln>
               <a:noFill/>
             </a:ln>
@@ -5584,7 +9888,7 @@
           <a:buFontTx/>
           <a:buNone/>
           <a:tabLst/>
-          <a:defRPr b="0" baseline="0" cap="none" i="0" spc="0" strike="noStrike" sz="1800" u="none" kumimoji="0" normalizeH="0">
+          <a:defRPr kumimoji="0" sz="1800" b="0" i="0" u="none" strike="noStrike" cap="none" spc="0" normalizeH="0" baseline="0">
             <a:ln>
               <a:noFill/>
             </a:ln>
@@ -5597,9 +9901,15 @@
         </a:lvl9pPr>
       </a:lstStyle>
       <a:style>
-        <a:lnRef idx="0"/>
-        <a:fillRef idx="0"/>
-        <a:effectRef idx="0"/>
+        <a:lnRef idx="0">
+          <a:scrgbClr r="0" g="0" b="0"/>
+        </a:lnRef>
+        <a:fillRef idx="0">
+          <a:scrgbClr r="0" g="0" b="0"/>
+        </a:fillRef>
+        <a:effectRef idx="0">
+          <a:scrgbClr r="0" g="0" b="0"/>
+        </a:effectRef>
         <a:fontRef idx="none"/>
       </a:style>
     </a:spDef>
@@ -5614,14 +9924,14 @@
           <a:bevel/>
         </a:ln>
         <a:effectLst>
-          <a:outerShdw sx="100000" sy="100000" kx="0" ky="0" algn="b" rotWithShape="0" blurRad="76200" dist="0" dir="18900000">
+          <a:outerShdw blurRad="76200" dir="18900000" rotWithShape="0">
             <a:srgbClr val="000000">
               <a:alpha val="80000"/>
             </a:srgbClr>
           </a:outerShdw>
         </a:effectLst>
       </a:spPr>
-      <a:bodyPr rot="0" spcFirstLastPara="1" vertOverflow="overflow" horzOverflow="overflow" vert="horz" wrap="square" lIns="91439" tIns="45719" rIns="91439" bIns="45719" numCol="1" spcCol="38100" rtlCol="0" anchor="t" upright="0">
+      <a:bodyPr rot="0" spcFirstLastPara="1" vertOverflow="overflow" horzOverflow="overflow" vert="horz" wrap="square" lIns="91439" tIns="45719" rIns="91439" bIns="45719" numCol="1" spcCol="38100" rtlCol="0" anchor="t">
         <a:noAutofit/>
       </a:bodyPr>
       <a:lstStyle>
@@ -5640,7 +9950,7 @@
           <a:buFontTx/>
           <a:buNone/>
           <a:tabLst/>
-          <a:defRPr b="0" baseline="0" cap="none" i="0" spc="0" strike="noStrike" sz="1800" u="none" kumimoji="0" normalizeH="0">
+          <a:defRPr kumimoji="0" sz="1800" b="0" i="0" u="none" strike="noStrike" cap="none" spc="0" normalizeH="0" baseline="0">
             <a:ln>
               <a:noFill/>
             </a:ln>
@@ -5666,7 +9976,7 @@
           <a:buFontTx/>
           <a:buNone/>
           <a:tabLst/>
-          <a:defRPr b="0" baseline="0" cap="none" i="0" spc="0" strike="noStrike" sz="1800" u="none" kumimoji="0" normalizeH="0">
+          <a:defRPr kumimoji="0" sz="1800" b="0" i="0" u="none" strike="noStrike" cap="none" spc="0" normalizeH="0" baseline="0">
             <a:ln>
               <a:noFill/>
             </a:ln>
@@ -5692,7 +10002,7 @@
           <a:buFontTx/>
           <a:buNone/>
           <a:tabLst/>
-          <a:defRPr b="0" baseline="0" cap="none" i="0" spc="0" strike="noStrike" sz="1800" u="none" kumimoji="0" normalizeH="0">
+          <a:defRPr kumimoji="0" sz="1800" b="0" i="0" u="none" strike="noStrike" cap="none" spc="0" normalizeH="0" baseline="0">
             <a:ln>
               <a:noFill/>
             </a:ln>
@@ -5718,7 +10028,7 @@
           <a:buFontTx/>
           <a:buNone/>
           <a:tabLst/>
-          <a:defRPr b="0" baseline="0" cap="none" i="0" spc="0" strike="noStrike" sz="1800" u="none" kumimoji="0" normalizeH="0">
+          <a:defRPr kumimoji="0" sz="1800" b="0" i="0" u="none" strike="noStrike" cap="none" spc="0" normalizeH="0" baseline="0">
             <a:ln>
               <a:noFill/>
             </a:ln>
@@ -5744,7 +10054,7 @@
           <a:buFontTx/>
           <a:buNone/>
           <a:tabLst/>
-          <a:defRPr b="0" baseline="0" cap="none" i="0" spc="0" strike="noStrike" sz="1800" u="none" kumimoji="0" normalizeH="0">
+          <a:defRPr kumimoji="0" sz="1800" b="0" i="0" u="none" strike="noStrike" cap="none" spc="0" normalizeH="0" baseline="0">
             <a:ln>
               <a:noFill/>
             </a:ln>
@@ -5770,7 +10080,7 @@
           <a:buFontTx/>
           <a:buNone/>
           <a:tabLst/>
-          <a:defRPr b="0" baseline="0" cap="none" i="0" spc="0" strike="noStrike" sz="1800" u="none" kumimoji="0" normalizeH="0">
+          <a:defRPr kumimoji="0" sz="1800" b="0" i="0" u="none" strike="noStrike" cap="none" spc="0" normalizeH="0" baseline="0">
             <a:ln>
               <a:noFill/>
             </a:ln>
@@ -5796,7 +10106,7 @@
           <a:buFontTx/>
           <a:buNone/>
           <a:tabLst/>
-          <a:defRPr b="0" baseline="0" cap="none" i="0" spc="0" strike="noStrike" sz="1800" u="none" kumimoji="0" normalizeH="0">
+          <a:defRPr kumimoji="0" sz="1800" b="0" i="0" u="none" strike="noStrike" cap="none" spc="0" normalizeH="0" baseline="0">
             <a:ln>
               <a:noFill/>
             </a:ln>
@@ -5822,7 +10132,7 @@
           <a:buFontTx/>
           <a:buNone/>
           <a:tabLst/>
-          <a:defRPr b="0" baseline="0" cap="none" i="0" spc="0" strike="noStrike" sz="1800" u="none" kumimoji="0" normalizeH="0">
+          <a:defRPr kumimoji="0" sz="1800" b="0" i="0" u="none" strike="noStrike" cap="none" spc="0" normalizeH="0" baseline="0">
             <a:ln>
               <a:noFill/>
             </a:ln>
@@ -5848,7 +10158,7 @@
           <a:buFontTx/>
           <a:buNone/>
           <a:tabLst/>
-          <a:defRPr b="0" baseline="0" cap="none" i="0" spc="0" strike="noStrike" sz="1800" u="none" kumimoji="0" normalizeH="0">
+          <a:defRPr kumimoji="0" sz="1800" b="0" i="0" u="none" strike="noStrike" cap="none" spc="0" normalizeH="0" baseline="0">
             <a:ln>
               <a:noFill/>
             </a:ln>
@@ -5874,7 +10184,7 @@
           <a:buFontTx/>
           <a:buNone/>
           <a:tabLst/>
-          <a:defRPr b="0" baseline="0" cap="none" i="0" spc="0" strike="noStrike" sz="1800" u="none" kumimoji="0" normalizeH="0">
+          <a:defRPr kumimoji="0" sz="1800" b="0" i="0" u="none" strike="noStrike" cap="none" spc="0" normalizeH="0" baseline="0">
             <a:ln>
               <a:noFill/>
             </a:ln>
@@ -5887,9 +10197,15 @@
         </a:lvl9pPr>
       </a:lstStyle>
       <a:style>
-        <a:lnRef idx="0"/>
-        <a:fillRef idx="0"/>
-        <a:effectRef idx="0"/>
+        <a:lnRef idx="0">
+          <a:scrgbClr r="0" g="0" b="0"/>
+        </a:lnRef>
+        <a:fillRef idx="0">
+          <a:scrgbClr r="0" g="0" b="0"/>
+        </a:fillRef>
+        <a:effectRef idx="0">
+          <a:scrgbClr r="0" g="0" b="0"/>
+        </a:effectRef>
         <a:fontRef idx="none"/>
       </a:style>
     </a:lnDef>
@@ -5902,7 +10218,7 @@
         </a:ln>
         <a:effectLst/>
       </a:spPr>
-      <a:bodyPr rot="0" spcFirstLastPara="1" vertOverflow="overflow" horzOverflow="overflow" vert="horz" wrap="square" lIns="50800" tIns="50800" rIns="50800" bIns="50800" numCol="1" spcCol="38100" rtlCol="0" anchor="ctr" upright="0">
+      <a:bodyPr rot="0" spcFirstLastPara="1" vertOverflow="overflow" horzOverflow="overflow" vert="horz" wrap="square" lIns="50800" tIns="50800" rIns="50800" bIns="50800" numCol="1" spcCol="38100" rtlCol="0" anchor="ctr">
         <a:spAutoFit/>
       </a:bodyPr>
       <a:lstStyle>
@@ -5921,19 +10237,19 @@
           <a:buFontTx/>
           <a:buNone/>
           <a:tabLst/>
-          <a:defRPr b="0" baseline="0" cap="none" i="0" spc="0" strike="noStrike" sz="3800" u="none" kumimoji="0" normalizeH="0">
+          <a:defRPr kumimoji="0" sz="3800" b="0" i="0" u="none" strike="noStrike" cap="none" spc="0" normalizeH="0" baseline="0">
             <a:ln>
               <a:noFill/>
             </a:ln>
             <a:solidFill>
-              <a:srgbClr val="FFFFFF"/>
+              <a:srgbClr val="000000"/>
             </a:solidFill>
             <a:effectLst/>
             <a:uFillTx/>
             <a:latin typeface="+mj-lt"/>
             <a:ea typeface="+mj-ea"/>
             <a:cs typeface="+mj-cs"/>
-            <a:sym typeface="Helvetica"/>
+            <a:sym typeface="Helvetica Neue"/>
           </a:defRPr>
         </a:defPPr>
         <a:lvl1pPr marL="0" marR="0" indent="0" algn="l" defTabSz="914400" rtl="0" fontAlgn="auto" latinLnBrk="1" hangingPunct="0">
@@ -5951,7 +10267,7 @@
           <a:buFontTx/>
           <a:buNone/>
           <a:tabLst/>
-          <a:defRPr b="0" baseline="0" cap="none" i="0" spc="0" strike="noStrike" sz="1800" u="none" kumimoji="0" normalizeH="0">
+          <a:defRPr kumimoji="0" sz="1800" b="0" i="0" u="none" strike="noStrike" cap="none" spc="0" normalizeH="0" baseline="0">
             <a:ln>
               <a:noFill/>
             </a:ln>
@@ -5977,7 +10293,7 @@
           <a:buFontTx/>
           <a:buNone/>
           <a:tabLst/>
-          <a:defRPr b="0" baseline="0" cap="none" i="0" spc="0" strike="noStrike" sz="1800" u="none" kumimoji="0" normalizeH="0">
+          <a:defRPr kumimoji="0" sz="1800" b="0" i="0" u="none" strike="noStrike" cap="none" spc="0" normalizeH="0" baseline="0">
             <a:ln>
               <a:noFill/>
             </a:ln>
@@ -6003,7 +10319,7 @@
           <a:buFontTx/>
           <a:buNone/>
           <a:tabLst/>
-          <a:defRPr b="0" baseline="0" cap="none" i="0" spc="0" strike="noStrike" sz="1800" u="none" kumimoji="0" normalizeH="0">
+          <a:defRPr kumimoji="0" sz="1800" b="0" i="0" u="none" strike="noStrike" cap="none" spc="0" normalizeH="0" baseline="0">
             <a:ln>
               <a:noFill/>
             </a:ln>
@@ -6029,7 +10345,7 @@
           <a:buFontTx/>
           <a:buNone/>
           <a:tabLst/>
-          <a:defRPr b="0" baseline="0" cap="none" i="0" spc="0" strike="noStrike" sz="1800" u="none" kumimoji="0" normalizeH="0">
+          <a:defRPr kumimoji="0" sz="1800" b="0" i="0" u="none" strike="noStrike" cap="none" spc="0" normalizeH="0" baseline="0">
             <a:ln>
               <a:noFill/>
             </a:ln>
@@ -6055,7 +10371,7 @@
           <a:buFontTx/>
           <a:buNone/>
           <a:tabLst/>
-          <a:defRPr b="0" baseline="0" cap="none" i="0" spc="0" strike="noStrike" sz="1800" u="none" kumimoji="0" normalizeH="0">
+          <a:defRPr kumimoji="0" sz="1800" b="0" i="0" u="none" strike="noStrike" cap="none" spc="0" normalizeH="0" baseline="0">
             <a:ln>
               <a:noFill/>
             </a:ln>
@@ -6081,7 +10397,7 @@
           <a:buFontTx/>
           <a:buNone/>
           <a:tabLst/>
-          <a:defRPr b="0" baseline="0" cap="none" i="0" spc="0" strike="noStrike" sz="1800" u="none" kumimoji="0" normalizeH="0">
+          <a:defRPr kumimoji="0" sz="1800" b="0" i="0" u="none" strike="noStrike" cap="none" spc="0" normalizeH="0" baseline="0">
             <a:ln>
               <a:noFill/>
             </a:ln>
@@ -6107,7 +10423,7 @@
           <a:buFontTx/>
           <a:buNone/>
           <a:tabLst/>
-          <a:defRPr b="0" baseline="0" cap="none" i="0" spc="0" strike="noStrike" sz="1800" u="none" kumimoji="0" normalizeH="0">
+          <a:defRPr kumimoji="0" sz="1800" b="0" i="0" u="none" strike="noStrike" cap="none" spc="0" normalizeH="0" baseline="0">
             <a:ln>
               <a:noFill/>
             </a:ln>
@@ -6133,7 +10449,7 @@
           <a:buFontTx/>
           <a:buNone/>
           <a:tabLst/>
-          <a:defRPr b="0" baseline="0" cap="none" i="0" spc="0" strike="noStrike" sz="1800" u="none" kumimoji="0" normalizeH="0">
+          <a:defRPr kumimoji="0" sz="1800" b="0" i="0" u="none" strike="noStrike" cap="none" spc="0" normalizeH="0" baseline="0">
             <a:ln>
               <a:noFill/>
             </a:ln>
@@ -6159,7 +10475,7 @@
           <a:buFontTx/>
           <a:buNone/>
           <a:tabLst/>
-          <a:defRPr b="0" baseline="0" cap="none" i="0" spc="0" strike="noStrike" sz="1800" u="none" kumimoji="0" normalizeH="0">
+          <a:defRPr kumimoji="0" sz="1800" b="0" i="0" u="none" strike="noStrike" cap="none" spc="0" normalizeH="0" baseline="0">
             <a:ln>
               <a:noFill/>
             </a:ln>
@@ -6172,18 +10488,25 @@
         </a:lvl9pPr>
       </a:lstStyle>
       <a:style>
-        <a:lnRef idx="0"/>
-        <a:fillRef idx="0"/>
-        <a:effectRef idx="0"/>
+        <a:lnRef idx="0">
+          <a:scrgbClr r="0" g="0" b="0"/>
+        </a:lnRef>
+        <a:fillRef idx="0">
+          <a:scrgbClr r="0" g="0" b="0"/>
+        </a:fillRef>
+        <a:effectRef idx="0">
+          <a:scrgbClr r="0" g="0" b="0"/>
+        </a:effectRef>
         <a:fontRef idx="none"/>
       </a:style>
     </a:txDef>
   </a:objectDefaults>
+  <a:extraClrSchemeLst/>
 </a:theme>
 </file>
 
 <file path=ppt/theme/theme2.xml><?xml version="1.0" encoding="utf-8"?>
-<a:theme xmlns:a="http://schemas.openxmlformats.org/drawingml/2006/main" xmlns:r="http://schemas.openxmlformats.org/officeDocument/2006/relationships" name="Default">
+<a:theme xmlns:a="http://schemas.openxmlformats.org/drawingml/2006/main" name="Default">
   <a:themeElements>
     <a:clrScheme name="Default">
       <a:dk1>
@@ -6225,14 +10548,14 @@
     </a:clrScheme>
     <a:fontScheme name="Default">
       <a:majorFont>
+        <a:latin typeface="Helvetica Neue"/>
+        <a:ea typeface="Helvetica Neue"/>
+        <a:cs typeface="Helvetica Neue"/>
+      </a:majorFont>
+      <a:minorFont>
         <a:latin typeface="Helvetica"/>
         <a:ea typeface="Helvetica"/>
         <a:cs typeface="Helvetica"/>
-      </a:majorFont>
-      <a:minorFont>
-        <a:latin typeface="Helvetica Neue"/>
-        <a:ea typeface="Helvetica Neue"/>
-        <a:cs typeface="Helvetica Neue"/>
       </a:minorFont>
     </a:fontScheme>
     <a:fmtScheme name="Default">
@@ -6309,7 +10632,7 @@
       <a:effectStyleLst>
         <a:effectStyle>
           <a:effectLst>
-            <a:outerShdw sx="100000" sy="100000" kx="0" ky="0" algn="b" rotWithShape="0" blurRad="76200" dist="0" dir="18900000">
+            <a:outerShdw blurRad="76200" dir="18900000" rotWithShape="0">
               <a:srgbClr val="000000">
                 <a:alpha val="80000"/>
               </a:srgbClr>
@@ -6318,7 +10641,7 @@
         </a:effectStyle>
         <a:effectStyle>
           <a:effectLst>
-            <a:outerShdw sx="100000" sy="100000" kx="0" ky="0" algn="b" rotWithShape="0" blurRad="76200" dist="0" dir="18900000">
+            <a:outerShdw blurRad="76200" dir="18900000" rotWithShape="0">
               <a:srgbClr val="000000">
                 <a:alpha val="80000"/>
               </a:srgbClr>
@@ -6327,7 +10650,7 @@
         </a:effectStyle>
         <a:effectStyle>
           <a:effectLst>
-            <a:outerShdw sx="100000" sy="100000" kx="0" ky="0" algn="b" rotWithShape="0" blurRad="76200" dist="0" dir="18900000">
+            <a:outerShdw blurRad="76200" dir="18900000" rotWithShape="0">
               <a:srgbClr val="000000">
                 <a:alpha val="80000"/>
               </a:srgbClr>
@@ -6391,7 +10714,7 @@
     <a:spDef>
       <a:spPr>
         <a:solidFill>
-          <a:srgbClr val="FF0000"/>
+          <a:srgbClr val="FFFFFF"/>
         </a:solidFill>
         <a:ln w="25400" cap="flat">
           <a:solidFill>
@@ -6401,14 +10724,14 @@
           <a:bevel/>
         </a:ln>
         <a:effectLst>
-          <a:outerShdw sx="100000" sy="100000" kx="0" ky="0" algn="b" rotWithShape="0" blurRad="76200" dist="0" dir="18900000">
+          <a:outerShdw blurRad="76200" dir="18900000" rotWithShape="0">
             <a:srgbClr val="000000">
               <a:alpha val="80000"/>
             </a:srgbClr>
           </a:outerShdw>
         </a:effectLst>
       </a:spPr>
-      <a:bodyPr rot="0" spcFirstLastPara="1" vertOverflow="overflow" horzOverflow="overflow" vert="horz" wrap="square" lIns="50800" tIns="50800" rIns="50800" bIns="50800" numCol="1" spcCol="38100" rtlCol="0" anchor="ctr" upright="0">
+      <a:bodyPr rot="0" spcFirstLastPara="1" vertOverflow="overflow" horzOverflow="overflow" vert="horz" wrap="square" lIns="50800" tIns="50800" rIns="50800" bIns="50800" numCol="1" spcCol="38100" rtlCol="0" anchor="ctr">
         <a:spAutoFit/>
       </a:bodyPr>
       <a:lstStyle>
@@ -6427,19 +10750,19 @@
           <a:buFontTx/>
           <a:buNone/>
           <a:tabLst/>
-          <a:defRPr b="0" baseline="0" cap="none" i="0" spc="0" strike="noStrike" sz="3800" u="none" kumimoji="0" normalizeH="0">
+          <a:defRPr kumimoji="0" sz="3800" b="0" i="0" u="none" strike="noStrike" cap="none" spc="0" normalizeH="0" baseline="0">
             <a:ln>
               <a:noFill/>
             </a:ln>
             <a:solidFill>
-              <a:srgbClr val="FFFFFF"/>
+              <a:srgbClr val="000000"/>
             </a:solidFill>
             <a:effectLst/>
             <a:uFillTx/>
             <a:latin typeface="+mj-lt"/>
             <a:ea typeface="+mj-ea"/>
             <a:cs typeface="+mj-cs"/>
-            <a:sym typeface="Helvetica"/>
+            <a:sym typeface="Helvetica Neue"/>
           </a:defRPr>
         </a:defPPr>
         <a:lvl1pPr marL="0" marR="0" indent="0" algn="l" defTabSz="914400" rtl="0" fontAlgn="auto" latinLnBrk="1" hangingPunct="0">
@@ -6457,7 +10780,7 @@
           <a:buFontTx/>
           <a:buNone/>
           <a:tabLst/>
-          <a:defRPr b="0" baseline="0" cap="none" i="0" spc="0" strike="noStrike" sz="1800" u="none" kumimoji="0" normalizeH="0">
+          <a:defRPr kumimoji="0" sz="1800" b="0" i="0" u="none" strike="noStrike" cap="none" spc="0" normalizeH="0" baseline="0">
             <a:ln>
               <a:noFill/>
             </a:ln>
@@ -6483,7 +10806,7 @@
           <a:buFontTx/>
           <a:buNone/>
           <a:tabLst/>
-          <a:defRPr b="0" baseline="0" cap="none" i="0" spc="0" strike="noStrike" sz="1800" u="none" kumimoji="0" normalizeH="0">
+          <a:defRPr kumimoji="0" sz="1800" b="0" i="0" u="none" strike="noStrike" cap="none" spc="0" normalizeH="0" baseline="0">
             <a:ln>
               <a:noFill/>
             </a:ln>
@@ -6509,7 +10832,7 @@
           <a:buFontTx/>
           <a:buNone/>
           <a:tabLst/>
-          <a:defRPr b="0" baseline="0" cap="none" i="0" spc="0" strike="noStrike" sz="1800" u="none" kumimoji="0" normalizeH="0">
+          <a:defRPr kumimoji="0" sz="1800" b="0" i="0" u="none" strike="noStrike" cap="none" spc="0" normalizeH="0" baseline="0">
             <a:ln>
               <a:noFill/>
             </a:ln>
@@ -6535,7 +10858,7 @@
           <a:buFontTx/>
           <a:buNone/>
           <a:tabLst/>
-          <a:defRPr b="0" baseline="0" cap="none" i="0" spc="0" strike="noStrike" sz="1800" u="none" kumimoji="0" normalizeH="0">
+          <a:defRPr kumimoji="0" sz="1800" b="0" i="0" u="none" strike="noStrike" cap="none" spc="0" normalizeH="0" baseline="0">
             <a:ln>
               <a:noFill/>
             </a:ln>
@@ -6561,7 +10884,7 @@
           <a:buFontTx/>
           <a:buNone/>
           <a:tabLst/>
-          <a:defRPr b="0" baseline="0" cap="none" i="0" spc="0" strike="noStrike" sz="1800" u="none" kumimoji="0" normalizeH="0">
+          <a:defRPr kumimoji="0" sz="1800" b="0" i="0" u="none" strike="noStrike" cap="none" spc="0" normalizeH="0" baseline="0">
             <a:ln>
               <a:noFill/>
             </a:ln>
@@ -6587,7 +10910,7 @@
           <a:buFontTx/>
           <a:buNone/>
           <a:tabLst/>
-          <a:defRPr b="0" baseline="0" cap="none" i="0" spc="0" strike="noStrike" sz="1800" u="none" kumimoji="0" normalizeH="0">
+          <a:defRPr kumimoji="0" sz="1800" b="0" i="0" u="none" strike="noStrike" cap="none" spc="0" normalizeH="0" baseline="0">
             <a:ln>
               <a:noFill/>
             </a:ln>
@@ -6613,7 +10936,7 @@
           <a:buFontTx/>
           <a:buNone/>
           <a:tabLst/>
-          <a:defRPr b="0" baseline="0" cap="none" i="0" spc="0" strike="noStrike" sz="1800" u="none" kumimoji="0" normalizeH="0">
+          <a:defRPr kumimoji="0" sz="1800" b="0" i="0" u="none" strike="noStrike" cap="none" spc="0" normalizeH="0" baseline="0">
             <a:ln>
               <a:noFill/>
             </a:ln>
@@ -6639,7 +10962,7 @@
           <a:buFontTx/>
           <a:buNone/>
           <a:tabLst/>
-          <a:defRPr b="0" baseline="0" cap="none" i="0" spc="0" strike="noStrike" sz="1800" u="none" kumimoji="0" normalizeH="0">
+          <a:defRPr kumimoji="0" sz="1800" b="0" i="0" u="none" strike="noStrike" cap="none" spc="0" normalizeH="0" baseline="0">
             <a:ln>
               <a:noFill/>
             </a:ln>
@@ -6665,7 +10988,7 @@
           <a:buFontTx/>
           <a:buNone/>
           <a:tabLst/>
-          <a:defRPr b="0" baseline="0" cap="none" i="0" spc="0" strike="noStrike" sz="1800" u="none" kumimoji="0" normalizeH="0">
+          <a:defRPr kumimoji="0" sz="1800" b="0" i="0" u="none" strike="noStrike" cap="none" spc="0" normalizeH="0" baseline="0">
             <a:ln>
               <a:noFill/>
             </a:ln>
@@ -6678,9 +11001,15 @@
         </a:lvl9pPr>
       </a:lstStyle>
       <a:style>
-        <a:lnRef idx="0"/>
-        <a:fillRef idx="0"/>
-        <a:effectRef idx="0"/>
+        <a:lnRef idx="0">
+          <a:scrgbClr r="0" g="0" b="0"/>
+        </a:lnRef>
+        <a:fillRef idx="0">
+          <a:scrgbClr r="0" g="0" b="0"/>
+        </a:fillRef>
+        <a:effectRef idx="0">
+          <a:scrgbClr r="0" g="0" b="0"/>
+        </a:effectRef>
         <a:fontRef idx="none"/>
       </a:style>
     </a:spDef>
@@ -6695,14 +11024,14 @@
           <a:bevel/>
         </a:ln>
         <a:effectLst>
-          <a:outerShdw sx="100000" sy="100000" kx="0" ky="0" algn="b" rotWithShape="0" blurRad="76200" dist="0" dir="18900000">
+          <a:outerShdw blurRad="76200" dir="18900000" rotWithShape="0">
             <a:srgbClr val="000000">
               <a:alpha val="80000"/>
             </a:srgbClr>
           </a:outerShdw>
         </a:effectLst>
       </a:spPr>
-      <a:bodyPr rot="0" spcFirstLastPara="1" vertOverflow="overflow" horzOverflow="overflow" vert="horz" wrap="square" lIns="91439" tIns="45719" rIns="91439" bIns="45719" numCol="1" spcCol="38100" rtlCol="0" anchor="t" upright="0">
+      <a:bodyPr rot="0" spcFirstLastPara="1" vertOverflow="overflow" horzOverflow="overflow" vert="horz" wrap="square" lIns="91439" tIns="45719" rIns="91439" bIns="45719" numCol="1" spcCol="38100" rtlCol="0" anchor="t">
         <a:noAutofit/>
       </a:bodyPr>
       <a:lstStyle>
@@ -6721,7 +11050,7 @@
           <a:buFontTx/>
           <a:buNone/>
           <a:tabLst/>
-          <a:defRPr b="0" baseline="0" cap="none" i="0" spc="0" strike="noStrike" sz="1800" u="none" kumimoji="0" normalizeH="0">
+          <a:defRPr kumimoji="0" sz="1800" b="0" i="0" u="none" strike="noStrike" cap="none" spc="0" normalizeH="0" baseline="0">
             <a:ln>
               <a:noFill/>
             </a:ln>
@@ -6747,7 +11076,7 @@
           <a:buFontTx/>
           <a:buNone/>
           <a:tabLst/>
-          <a:defRPr b="0" baseline="0" cap="none" i="0" spc="0" strike="noStrike" sz="1800" u="none" kumimoji="0" normalizeH="0">
+          <a:defRPr kumimoji="0" sz="1800" b="0" i="0" u="none" strike="noStrike" cap="none" spc="0" normalizeH="0" baseline="0">
             <a:ln>
               <a:noFill/>
             </a:ln>
@@ -6773,7 +11102,7 @@
           <a:buFontTx/>
           <a:buNone/>
           <a:tabLst/>
-          <a:defRPr b="0" baseline="0" cap="none" i="0" spc="0" strike="noStrike" sz="1800" u="none" kumimoji="0" normalizeH="0">
+          <a:defRPr kumimoji="0" sz="1800" b="0" i="0" u="none" strike="noStrike" cap="none" spc="0" normalizeH="0" baseline="0">
             <a:ln>
               <a:noFill/>
             </a:ln>
@@ -6799,7 +11128,7 @@
           <a:buFontTx/>
           <a:buNone/>
           <a:tabLst/>
-          <a:defRPr b="0" baseline="0" cap="none" i="0" spc="0" strike="noStrike" sz="1800" u="none" kumimoji="0" normalizeH="0">
+          <a:defRPr kumimoji="0" sz="1800" b="0" i="0" u="none" strike="noStrike" cap="none" spc="0" normalizeH="0" baseline="0">
             <a:ln>
               <a:noFill/>
             </a:ln>
@@ -6825,7 +11154,7 @@
           <a:buFontTx/>
           <a:buNone/>
           <a:tabLst/>
-          <a:defRPr b="0" baseline="0" cap="none" i="0" spc="0" strike="noStrike" sz="1800" u="none" kumimoji="0" normalizeH="0">
+          <a:defRPr kumimoji="0" sz="1800" b="0" i="0" u="none" strike="noStrike" cap="none" spc="0" normalizeH="0" baseline="0">
             <a:ln>
               <a:noFill/>
             </a:ln>
@@ -6851,7 +11180,7 @@
           <a:buFontTx/>
           <a:buNone/>
           <a:tabLst/>
-          <a:defRPr b="0" baseline="0" cap="none" i="0" spc="0" strike="noStrike" sz="1800" u="none" kumimoji="0" normalizeH="0">
+          <a:defRPr kumimoji="0" sz="1800" b="0" i="0" u="none" strike="noStrike" cap="none" spc="0" normalizeH="0" baseline="0">
             <a:ln>
               <a:noFill/>
             </a:ln>
@@ -6877,7 +11206,7 @@
           <a:buFontTx/>
           <a:buNone/>
           <a:tabLst/>
-          <a:defRPr b="0" baseline="0" cap="none" i="0" spc="0" strike="noStrike" sz="1800" u="none" kumimoji="0" normalizeH="0">
+          <a:defRPr kumimoji="0" sz="1800" b="0" i="0" u="none" strike="noStrike" cap="none" spc="0" normalizeH="0" baseline="0">
             <a:ln>
               <a:noFill/>
             </a:ln>
@@ -6903,7 +11232,7 @@
           <a:buFontTx/>
           <a:buNone/>
           <a:tabLst/>
-          <a:defRPr b="0" baseline="0" cap="none" i="0" spc="0" strike="noStrike" sz="1800" u="none" kumimoji="0" normalizeH="0">
+          <a:defRPr kumimoji="0" sz="1800" b="0" i="0" u="none" strike="noStrike" cap="none" spc="0" normalizeH="0" baseline="0">
             <a:ln>
               <a:noFill/>
             </a:ln>
@@ -6929,7 +11258,7 @@
           <a:buFontTx/>
           <a:buNone/>
           <a:tabLst/>
-          <a:defRPr b="0" baseline="0" cap="none" i="0" spc="0" strike="noStrike" sz="1800" u="none" kumimoji="0" normalizeH="0">
+          <a:defRPr kumimoji="0" sz="1800" b="0" i="0" u="none" strike="noStrike" cap="none" spc="0" normalizeH="0" baseline="0">
             <a:ln>
               <a:noFill/>
             </a:ln>
@@ -6955,7 +11284,7 @@
           <a:buFontTx/>
           <a:buNone/>
           <a:tabLst/>
-          <a:defRPr b="0" baseline="0" cap="none" i="0" spc="0" strike="noStrike" sz="1800" u="none" kumimoji="0" normalizeH="0">
+          <a:defRPr kumimoji="0" sz="1800" b="0" i="0" u="none" strike="noStrike" cap="none" spc="0" normalizeH="0" baseline="0">
             <a:ln>
               <a:noFill/>
             </a:ln>
@@ -6968,9 +11297,15 @@
         </a:lvl9pPr>
       </a:lstStyle>
       <a:style>
-        <a:lnRef idx="0"/>
-        <a:fillRef idx="0"/>
-        <a:effectRef idx="0"/>
+        <a:lnRef idx="0">
+          <a:scrgbClr r="0" g="0" b="0"/>
+        </a:lnRef>
+        <a:fillRef idx="0">
+          <a:scrgbClr r="0" g="0" b="0"/>
+        </a:fillRef>
+        <a:effectRef idx="0">
+          <a:scrgbClr r="0" g="0" b="0"/>
+        </a:effectRef>
         <a:fontRef idx="none"/>
       </a:style>
     </a:lnDef>
@@ -6983,7 +11318,7 @@
         </a:ln>
         <a:effectLst/>
       </a:spPr>
-      <a:bodyPr rot="0" spcFirstLastPara="1" vertOverflow="overflow" horzOverflow="overflow" vert="horz" wrap="square" lIns="50800" tIns="50800" rIns="50800" bIns="50800" numCol="1" spcCol="38100" rtlCol="0" anchor="ctr" upright="0">
+      <a:bodyPr rot="0" spcFirstLastPara="1" vertOverflow="overflow" horzOverflow="overflow" vert="horz" wrap="square" lIns="50800" tIns="50800" rIns="50800" bIns="50800" numCol="1" spcCol="38100" rtlCol="0" anchor="ctr">
         <a:spAutoFit/>
       </a:bodyPr>
       <a:lstStyle>
@@ -7002,19 +11337,19 @@
           <a:buFontTx/>
           <a:buNone/>
           <a:tabLst/>
-          <a:defRPr b="0" baseline="0" cap="none" i="0" spc="0" strike="noStrike" sz="3800" u="none" kumimoji="0" normalizeH="0">
+          <a:defRPr kumimoji="0" sz="3800" b="0" i="0" u="none" strike="noStrike" cap="none" spc="0" normalizeH="0" baseline="0">
             <a:ln>
               <a:noFill/>
             </a:ln>
             <a:solidFill>
-              <a:srgbClr val="FFFFFF"/>
+              <a:srgbClr val="000000"/>
             </a:solidFill>
             <a:effectLst/>
             <a:uFillTx/>
             <a:latin typeface="+mj-lt"/>
             <a:ea typeface="+mj-ea"/>
             <a:cs typeface="+mj-cs"/>
-            <a:sym typeface="Helvetica"/>
+            <a:sym typeface="Helvetica Neue"/>
           </a:defRPr>
         </a:defPPr>
         <a:lvl1pPr marL="0" marR="0" indent="0" algn="l" defTabSz="914400" rtl="0" fontAlgn="auto" latinLnBrk="1" hangingPunct="0">
@@ -7032,7 +11367,7 @@
           <a:buFontTx/>
           <a:buNone/>
           <a:tabLst/>
-          <a:defRPr b="0" baseline="0" cap="none" i="0" spc="0" strike="noStrike" sz="1800" u="none" kumimoji="0" normalizeH="0">
+          <a:defRPr kumimoji="0" sz="1800" b="0" i="0" u="none" strike="noStrike" cap="none" spc="0" normalizeH="0" baseline="0">
             <a:ln>
               <a:noFill/>
             </a:ln>
@@ -7058,7 +11393,7 @@
           <a:buFontTx/>
           <a:buNone/>
           <a:tabLst/>
-          <a:defRPr b="0" baseline="0" cap="none" i="0" spc="0" strike="noStrike" sz="1800" u="none" kumimoji="0" normalizeH="0">
+          <a:defRPr kumimoji="0" sz="1800" b="0" i="0" u="none" strike="noStrike" cap="none" spc="0" normalizeH="0" baseline="0">
             <a:ln>
               <a:noFill/>
             </a:ln>
@@ -7084,7 +11419,7 @@
           <a:buFontTx/>
           <a:buNone/>
           <a:tabLst/>
-          <a:defRPr b="0" baseline="0" cap="none" i="0" spc="0" strike="noStrike" sz="1800" u="none" kumimoji="0" normalizeH="0">
+          <a:defRPr kumimoji="0" sz="1800" b="0" i="0" u="none" strike="noStrike" cap="none" spc="0" normalizeH="0" baseline="0">
             <a:ln>
               <a:noFill/>
             </a:ln>
@@ -7110,7 +11445,7 @@
           <a:buFontTx/>
           <a:buNone/>
           <a:tabLst/>
-          <a:defRPr b="0" baseline="0" cap="none" i="0" spc="0" strike="noStrike" sz="1800" u="none" kumimoji="0" normalizeH="0">
+          <a:defRPr kumimoji="0" sz="1800" b="0" i="0" u="none" strike="noStrike" cap="none" spc="0" normalizeH="0" baseline="0">
             <a:ln>
               <a:noFill/>
             </a:ln>
@@ -7136,7 +11471,7 @@
           <a:buFontTx/>
           <a:buNone/>
           <a:tabLst/>
-          <a:defRPr b="0" baseline="0" cap="none" i="0" spc="0" strike="noStrike" sz="1800" u="none" kumimoji="0" normalizeH="0">
+          <a:defRPr kumimoji="0" sz="1800" b="0" i="0" u="none" strike="noStrike" cap="none" spc="0" normalizeH="0" baseline="0">
             <a:ln>
               <a:noFill/>
             </a:ln>
@@ -7162,7 +11497,7 @@
           <a:buFontTx/>
           <a:buNone/>
           <a:tabLst/>
-          <a:defRPr b="0" baseline="0" cap="none" i="0" spc="0" strike="noStrike" sz="1800" u="none" kumimoji="0" normalizeH="0">
+          <a:defRPr kumimoji="0" sz="1800" b="0" i="0" u="none" strike="noStrike" cap="none" spc="0" normalizeH="0" baseline="0">
             <a:ln>
               <a:noFill/>
             </a:ln>
@@ -7188,7 +11523,7 @@
           <a:buFontTx/>
           <a:buNone/>
           <a:tabLst/>
-          <a:defRPr b="0" baseline="0" cap="none" i="0" spc="0" strike="noStrike" sz="1800" u="none" kumimoji="0" normalizeH="0">
+          <a:defRPr kumimoji="0" sz="1800" b="0" i="0" u="none" strike="noStrike" cap="none" spc="0" normalizeH="0" baseline="0">
             <a:ln>
               <a:noFill/>
             </a:ln>
@@ -7214,7 +11549,7 @@
           <a:buFontTx/>
           <a:buNone/>
           <a:tabLst/>
-          <a:defRPr b="0" baseline="0" cap="none" i="0" spc="0" strike="noStrike" sz="1800" u="none" kumimoji="0" normalizeH="0">
+          <a:defRPr kumimoji="0" sz="1800" b="0" i="0" u="none" strike="noStrike" cap="none" spc="0" normalizeH="0" baseline="0">
             <a:ln>
               <a:noFill/>
             </a:ln>
@@ -7240,7 +11575,7 @@
           <a:buFontTx/>
           <a:buNone/>
           <a:tabLst/>
-          <a:defRPr b="0" baseline="0" cap="none" i="0" spc="0" strike="noStrike" sz="1800" u="none" kumimoji="0" normalizeH="0">
+          <a:defRPr kumimoji="0" sz="1800" b="0" i="0" u="none" strike="noStrike" cap="none" spc="0" normalizeH="0" baseline="0">
             <a:ln>
               <a:noFill/>
             </a:ln>
@@ -7253,12 +11588,19 @@
         </a:lvl9pPr>
       </a:lstStyle>
       <a:style>
-        <a:lnRef idx="0"/>
-        <a:fillRef idx="0"/>
-        <a:effectRef idx="0"/>
+        <a:lnRef idx="0">
+          <a:scrgbClr r="0" g="0" b="0"/>
+        </a:lnRef>
+        <a:fillRef idx="0">
+          <a:scrgbClr r="0" g="0" b="0"/>
+        </a:fillRef>
+        <a:effectRef idx="0">
+          <a:scrgbClr r="0" g="0" b="0"/>
+        </a:effectRef>
         <a:fontRef idx="none"/>
       </a:style>
     </a:txDef>
   </a:objectDefaults>
+  <a:extraClrSchemeLst/>
 </a:theme>
 </file>
--- a/Presentazione_Gioco15.pptx
+++ b/Presentazione_Gioco15.pptx
@@ -2928,23 +2928,7 @@
                   <a:srgbClr val="FFFFFF"/>
                 </a:solidFill>
               </a:rPr>
-              <a:t>i </a:t>
-            </a:r>
-            <a:r>
-              <a:rPr lang="it-IT" sz="3800" dirty="0" smtClean="0">
-                <a:solidFill>
-                  <a:srgbClr val="FFFFFF"/>
-                </a:solidFill>
-              </a:rPr>
-              <a:t>dettagli relativi alla partita appena </a:t>
-            </a:r>
-            <a:r>
-              <a:rPr lang="it-IT" sz="3800" dirty="0" smtClean="0">
-                <a:solidFill>
-                  <a:srgbClr val="FFFFFF"/>
-                </a:solidFill>
-              </a:rPr>
-              <a:t>conclusa</a:t>
+              <a:t>i dettagli relativi alla partita appena conclusa</a:t>
             </a:r>
           </a:p>
           <a:p>
@@ -2971,21 +2955,8 @@
                   <a:schemeClr val="bg1"/>
                 </a:solidFill>
               </a:rPr>
-              <a:t> </a:t>
-            </a:r>
-            <a:r>
-              <a:rPr lang="it-IT" sz="3600" dirty="0" smtClean="0">
-                <a:solidFill>
-                  <a:schemeClr val="bg1"/>
-                </a:solidFill>
-              </a:rPr>
-              <a:t>360 gradi e cambia il suo testo con uno dei caratteri di ‘Complimenti!!’)</a:t>
-            </a:r>
-            <a:endParaRPr lang="it-IT" sz="3600" dirty="0" smtClean="0">
-              <a:solidFill>
-                <a:schemeClr val="bg1"/>
-              </a:solidFill>
-            </a:endParaRPr>
+              <a:t> 360 gradi e cambia il suo testo con uno dei caratteri di ‘Complimenti!!’)</a:t>
+            </a:r>
           </a:p>
           <a:p>
             <a:pPr marL="0" lvl="0" indent="0">
@@ -3509,12 +3480,12 @@
               </a:defRPr>
             </a:pPr>
             <a:r>
-              <a:rPr lang="it-IT" sz="4000" dirty="0" err="1">
+              <a:rPr lang="it-IT" sz="4000" dirty="0" smtClean="0">
                 <a:solidFill>
                   <a:schemeClr val="bg1"/>
                 </a:solidFill>
               </a:rPr>
-              <a:t>azzarato</a:t>
+              <a:t>azzerato </a:t>
             </a:r>
             <a:r>
               <a:rPr lang="it-IT" sz="4000" dirty="0">
@@ -3522,7 +3493,7 @@
                   <a:schemeClr val="bg1"/>
                 </a:solidFill>
               </a:rPr>
-              <a:t> contatore di mosse</a:t>
+              <a:t>contatore di mosse</a:t>
             </a:r>
           </a:p>
           <a:p>
@@ -3667,12 +3638,28 @@
               </a:defRPr>
             </a:pPr>
             <a:r>
-              <a:rPr sz="8000">
-                <a:solidFill>
-                  <a:srgbClr val="FFFFFF"/>
-                </a:solidFill>
-              </a:rPr>
-              <a:t>Test risolvibilità matrice</a:t>
+              <a:rPr lang="it-IT" sz="6000" dirty="0" err="1">
+                <a:solidFill>
+                  <a:schemeClr val="bg1"/>
+                </a:solidFill>
+              </a:rPr>
+              <a:t>R</a:t>
+            </a:r>
+            <a:r>
+              <a:rPr sz="8000" dirty="0" smtClean="0">
+                <a:solidFill>
+                  <a:srgbClr val="FFFFFF"/>
+                </a:solidFill>
+              </a:rPr>
+              <a:t>isolvibilità </a:t>
+            </a:r>
+            <a:r>
+              <a:rPr sz="8000" dirty="0">
+                <a:solidFill>
+                  <a:srgbClr val="FFFFFF"/>
+                </a:solidFill>
+              </a:rPr>
+              <a:t>matrice</a:t>
             </a:r>
           </a:p>
         </p:txBody>
@@ -4430,14 +4417,6 @@
                   <a:srgbClr val="FFFFFF"/>
                 </a:solidFill>
               </a:rPr>
-              <a:t> </a:t>
-            </a:r>
-            <a:r>
-              <a:rPr sz="3800" dirty="0">
-                <a:solidFill>
-                  <a:srgbClr val="FFFFFF"/>
-                </a:solidFill>
-              </a:rPr>
               <a:t>implementazione </a:t>
             </a:r>
             <a:r>
@@ -4473,7 +4452,7 @@
                   <a:srgbClr val="FFFFFF"/>
                 </a:solidFill>
               </a:rPr>
-              <a:t> documentazione</a:t>
+              <a:t>documentazione</a:t>
             </a:r>
             <a:endParaRPr lang="it-IT" dirty="0"/>
           </a:p>
@@ -4540,7 +4519,7 @@
                   <a:srgbClr val="FFFFFF"/>
                 </a:solidFill>
               </a:rPr>
-              <a:t>D</a:t>
+              <a:t>d</a:t>
             </a:r>
             <a:r>
               <a:rPr sz="3800" dirty="0" smtClean="0">
@@ -4586,12 +4565,12 @@
               <a:t>codice e </a:t>
             </a:r>
             <a:r>
-              <a:rPr sz="3800" dirty="0" smtClean="0">
-                <a:solidFill>
-                  <a:srgbClr val="FFFFFF"/>
-                </a:solidFill>
-              </a:rPr>
-              <a:t>stili</a:t>
+              <a:rPr lang="it-IT" sz="3800" dirty="0" smtClean="0">
+                <a:solidFill>
+                  <a:srgbClr val="FFFFFF"/>
+                </a:solidFill>
+              </a:rPr>
+              <a:t>grafica</a:t>
             </a:r>
             <a:endParaRPr sz="3800" dirty="0">
               <a:solidFill>
@@ -8659,12 +8638,12 @@
               <a:t>Si </a:t>
             </a:r>
             <a:r>
-              <a:rPr lang="it-IT" sz="3600" dirty="0" err="1" smtClean="0">
+              <a:rPr lang="it-IT" sz="3600" dirty="0" smtClean="0">
                 <a:solidFill>
                   <a:schemeClr val="bg1"/>
                 </a:solidFill>
               </a:rPr>
-              <a:t>recupara</a:t>
+              <a:t>recupera </a:t>
             </a:r>
             <a:r>
               <a:rPr lang="it-IT" sz="3600" dirty="0" smtClean="0">
@@ -8672,15 +8651,15 @@
                   <a:schemeClr val="bg1"/>
                 </a:solidFill>
               </a:rPr>
-              <a:t> il numero di mosse </a:t>
-            </a:r>
-            <a:r>
-              <a:rPr lang="it-IT" sz="3600" dirty="0" err="1" smtClean="0">
+              <a:t>il numero di mosse </a:t>
+            </a:r>
+            <a:r>
+              <a:rPr lang="it-IT" sz="3600" dirty="0" smtClean="0">
                 <a:solidFill>
                   <a:schemeClr val="bg1"/>
                 </a:solidFill>
               </a:rPr>
-              <a:t>corrent</a:t>
+              <a:t>correnti</a:t>
             </a:r>
             <a:endParaRPr lang="it-IT" sz="3600" dirty="0" smtClean="0">
               <a:solidFill>

--- a/Presentazione_Gioco15.pptx
+++ b/Presentazione_Gioco15.pptx
@@ -4417,15 +4417,7 @@
                   <a:srgbClr val="FFFFFF"/>
                 </a:solidFill>
               </a:rPr>
-              <a:t>implementazione </a:t>
-            </a:r>
-            <a:r>
-              <a:rPr sz="3800" dirty="0" smtClean="0">
-                <a:solidFill>
-                  <a:srgbClr val="FFFFFF"/>
-                </a:solidFill>
-              </a:rPr>
-              <a:t>grafica</a:t>
+              <a:t>implementazione grafica</a:t>
             </a:r>
             <a:endParaRPr lang="it-IT" sz="3800" dirty="0" smtClean="0">
               <a:solidFill>
@@ -4967,7 +4959,15 @@
                   <a:srgbClr val="FFFFFF"/>
                 </a:solidFill>
               </a:rPr>
-              <a:t>Cenni stile e </a:t>
+              <a:t>Cenni </a:t>
+            </a:r>
+            <a:r>
+              <a:rPr lang="it-IT" sz="6600" dirty="0" smtClean="0">
+                <a:solidFill>
+                  <a:srgbClr val="FFFFFF"/>
+                </a:solidFill>
+              </a:rPr>
+              <a:t>html </a:t>
             </a:r>
             <a:r>
               <a:rPr sz="6600" dirty="0" smtClean="0">
@@ -4975,7 +4975,15 @@
                   <a:srgbClr val="FFFFFF"/>
                 </a:solidFill>
               </a:rPr>
-              <a:t>html</a:t>
+              <a:t>e </a:t>
+            </a:r>
+            <a:r>
+              <a:rPr lang="it-IT" sz="6600" dirty="0" smtClean="0">
+                <a:solidFill>
+                  <a:srgbClr val="FFFFFF"/>
+                </a:solidFill>
+              </a:rPr>
+              <a:t>stile</a:t>
             </a:r>
             <a:endParaRPr sz="6600" dirty="0"/>
           </a:p>
@@ -6259,7 +6267,23 @@
                   <a:srgbClr val="FFFFFF"/>
                 </a:solidFill>
               </a:rPr>
-              <a:t>, alle quali vengono assegnati:</a:t>
+              <a:t>, </a:t>
+            </a:r>
+            <a:r>
+              <a:rPr lang="it-IT" sz="3600" dirty="0" smtClean="0">
+                <a:solidFill>
+                  <a:srgbClr val="FFFFFF"/>
+                </a:solidFill>
+              </a:rPr>
+              <a:t>ai </a:t>
+            </a:r>
+            <a:r>
+              <a:rPr lang="it-IT" sz="3600" dirty="0" smtClean="0">
+                <a:solidFill>
+                  <a:srgbClr val="FFFFFF"/>
+                </a:solidFill>
+              </a:rPr>
+              <a:t>quali vengono assegnati:</a:t>
             </a:r>
           </a:p>
           <a:p>
@@ -8635,37 +8659,8 @@
                   <a:schemeClr val="bg1"/>
                 </a:solidFill>
               </a:rPr>
-              <a:t>Si </a:t>
-            </a:r>
-            <a:r>
-              <a:rPr lang="it-IT" sz="3600" dirty="0" smtClean="0">
-                <a:solidFill>
-                  <a:schemeClr val="bg1"/>
-                </a:solidFill>
-              </a:rPr>
-              <a:t>recupera </a:t>
-            </a:r>
-            <a:r>
-              <a:rPr lang="it-IT" sz="3600" dirty="0" smtClean="0">
-                <a:solidFill>
-                  <a:schemeClr val="bg1"/>
-                </a:solidFill>
-              </a:rPr>
-              <a:t>il numero di mosse </a:t>
-            </a:r>
-            <a:r>
-              <a:rPr lang="it-IT" sz="3600" dirty="0" smtClean="0">
-                <a:solidFill>
-                  <a:schemeClr val="bg1"/>
-                </a:solidFill>
-              </a:rPr>
-              <a:t>correnti</a:t>
-            </a:r>
-            <a:endParaRPr lang="it-IT" sz="3600" dirty="0" smtClean="0">
-              <a:solidFill>
-                <a:schemeClr val="bg1"/>
-              </a:solidFill>
-            </a:endParaRPr>
+              <a:t>Si recupera il numero di mosse correnti</a:t>
+            </a:r>
           </a:p>
           <a:p>
             <a:pPr marL="742950" lvl="0" indent="-742950">
